--- a/SLIDE GAME CARO ONE PLAYER.pptx
+++ b/SLIDE GAME CARO ONE PLAYER.pptx
@@ -14,27 +14,30 @@
     <p:sldId id="262" r:id="rId8"/>
     <p:sldId id="263" r:id="rId9"/>
     <p:sldId id="265" r:id="rId10"/>
-    <p:sldId id="266" r:id="rId11"/>
-    <p:sldId id="264" r:id="rId12"/>
+    <p:sldId id="267" r:id="rId11"/>
+    <p:sldId id="266" r:id="rId12"/>
+    <p:sldId id="268" r:id="rId13"/>
+    <p:sldId id="269" r:id="rId14"/>
+    <p:sldId id="264" r:id="rId15"/>
   </p:sldIdLst>
   <p:sldSz cx="12192000" cy="6858000"/>
   <p:notesSz cx="6858000" cy="9144000"/>
   <p:embeddedFontLst>
-    <p:embeddedFont>
-      <p:font typeface="Adobe Garamond Pro Bold" panose="02020702060506020403" pitchFamily="18" charset="0"/>
-      <p:bold r:id="rId13"/>
-      <p:boldItalic r:id="rId14"/>
-    </p:embeddedFont>
-    <p:embeddedFont>
-      <p:font typeface="Wingdings 3" panose="05040102010807070707" pitchFamily="18" charset="2"/>
-      <p:regular r:id="rId15"/>
-    </p:embeddedFont>
     <p:embeddedFont>
       <p:font typeface="Century Gothic" panose="020B0502020202020204" pitchFamily="34" charset="0"/>
       <p:regular r:id="rId16"/>
       <p:bold r:id="rId17"/>
       <p:italic r:id="rId18"/>
       <p:boldItalic r:id="rId19"/>
+    </p:embeddedFont>
+    <p:embeddedFont>
+      <p:font typeface="Adobe Garamond Pro Bold" panose="02020702060506020403" pitchFamily="18" charset="0"/>
+      <p:bold r:id="rId20"/>
+      <p:boldItalic r:id="rId21"/>
+    </p:embeddedFont>
+    <p:embeddedFont>
+      <p:font typeface="Wingdings 3" panose="05040102010807070707" pitchFamily="18" charset="2"/>
+      <p:regular r:id="rId22"/>
     </p:embeddedFont>
   </p:embeddedFontLst>
   <p:defaultTextStyle>
@@ -3129,6 +3132,753 @@
 </file>
 
 <file path=ppt/diagrams/colors5.xml><?xml version="1.0" encoding="utf-8"?>
+<dgm:colorsDef xmlns:dgm="http://schemas.openxmlformats.org/drawingml/2006/diagram" xmlns:a="http://schemas.openxmlformats.org/drawingml/2006/main" uniqueId="urn:microsoft.com/office/officeart/2005/8/colors/accent1_2">
+  <dgm:title val=""/>
+  <dgm:desc val=""/>
+  <dgm:catLst>
+    <dgm:cat type="accent1" pri="11200"/>
+  </dgm:catLst>
+  <dgm:styleLbl name="node0">
+    <dgm:fillClrLst meth="repeat">
+      <a:schemeClr val="accent1"/>
+    </dgm:fillClrLst>
+    <dgm:linClrLst meth="repeat">
+      <a:schemeClr val="lt1"/>
+    </dgm:linClrLst>
+    <dgm:effectClrLst/>
+    <dgm:txLinClrLst/>
+    <dgm:txFillClrLst/>
+    <dgm:txEffectClrLst/>
+  </dgm:styleLbl>
+  <dgm:styleLbl name="alignNode1">
+    <dgm:fillClrLst meth="repeat">
+      <a:schemeClr val="accent1"/>
+    </dgm:fillClrLst>
+    <dgm:linClrLst meth="repeat">
+      <a:schemeClr val="accent1"/>
+    </dgm:linClrLst>
+    <dgm:effectClrLst/>
+    <dgm:txLinClrLst/>
+    <dgm:txFillClrLst/>
+    <dgm:txEffectClrLst/>
+  </dgm:styleLbl>
+  <dgm:styleLbl name="node1">
+    <dgm:fillClrLst meth="repeat">
+      <a:schemeClr val="accent1"/>
+    </dgm:fillClrLst>
+    <dgm:linClrLst meth="repeat">
+      <a:schemeClr val="lt1"/>
+    </dgm:linClrLst>
+    <dgm:effectClrLst/>
+    <dgm:txLinClrLst/>
+    <dgm:txFillClrLst/>
+    <dgm:txEffectClrLst/>
+  </dgm:styleLbl>
+  <dgm:styleLbl name="lnNode1">
+    <dgm:fillClrLst meth="repeat">
+      <a:schemeClr val="accent1"/>
+    </dgm:fillClrLst>
+    <dgm:linClrLst meth="repeat">
+      <a:schemeClr val="lt1"/>
+    </dgm:linClrLst>
+    <dgm:effectClrLst/>
+    <dgm:txLinClrLst/>
+    <dgm:txFillClrLst/>
+    <dgm:txEffectClrLst/>
+  </dgm:styleLbl>
+  <dgm:styleLbl name="vennNode1">
+    <dgm:fillClrLst meth="repeat">
+      <a:schemeClr val="accent1">
+        <a:alpha val="50000"/>
+      </a:schemeClr>
+    </dgm:fillClrLst>
+    <dgm:linClrLst meth="repeat">
+      <a:schemeClr val="lt1"/>
+    </dgm:linClrLst>
+    <dgm:effectClrLst/>
+    <dgm:txLinClrLst/>
+    <dgm:txFillClrLst/>
+    <dgm:txEffectClrLst/>
+  </dgm:styleLbl>
+  <dgm:styleLbl name="node2">
+    <dgm:fillClrLst meth="repeat">
+      <a:schemeClr val="accent1"/>
+    </dgm:fillClrLst>
+    <dgm:linClrLst meth="repeat">
+      <a:schemeClr val="lt1"/>
+    </dgm:linClrLst>
+    <dgm:effectClrLst/>
+    <dgm:txLinClrLst/>
+    <dgm:txFillClrLst/>
+    <dgm:txEffectClrLst/>
+  </dgm:styleLbl>
+  <dgm:styleLbl name="node3">
+    <dgm:fillClrLst meth="repeat">
+      <a:schemeClr val="accent1"/>
+    </dgm:fillClrLst>
+    <dgm:linClrLst meth="repeat">
+      <a:schemeClr val="lt1"/>
+    </dgm:linClrLst>
+    <dgm:effectClrLst/>
+    <dgm:txLinClrLst/>
+    <dgm:txFillClrLst/>
+    <dgm:txEffectClrLst/>
+  </dgm:styleLbl>
+  <dgm:styleLbl name="node4">
+    <dgm:fillClrLst meth="repeat">
+      <a:schemeClr val="accent1"/>
+    </dgm:fillClrLst>
+    <dgm:linClrLst meth="repeat">
+      <a:schemeClr val="lt1"/>
+    </dgm:linClrLst>
+    <dgm:effectClrLst/>
+    <dgm:txLinClrLst/>
+    <dgm:txFillClrLst/>
+    <dgm:txEffectClrLst/>
+  </dgm:styleLbl>
+  <dgm:styleLbl name="fgImgPlace1">
+    <dgm:fillClrLst meth="repeat">
+      <a:schemeClr val="accent1">
+        <a:tint val="50000"/>
+      </a:schemeClr>
+    </dgm:fillClrLst>
+    <dgm:linClrLst meth="repeat">
+      <a:schemeClr val="lt1"/>
+    </dgm:linClrLst>
+    <dgm:effectClrLst/>
+    <dgm:txLinClrLst/>
+    <dgm:txFillClrLst meth="repeat">
+      <a:schemeClr val="lt1"/>
+    </dgm:txFillClrLst>
+    <dgm:txEffectClrLst/>
+  </dgm:styleLbl>
+  <dgm:styleLbl name="alignImgPlace1">
+    <dgm:fillClrLst meth="repeat">
+      <a:schemeClr val="accent1">
+        <a:tint val="50000"/>
+      </a:schemeClr>
+    </dgm:fillClrLst>
+    <dgm:linClrLst meth="repeat">
+      <a:schemeClr val="lt1"/>
+    </dgm:linClrLst>
+    <dgm:effectClrLst/>
+    <dgm:txLinClrLst/>
+    <dgm:txFillClrLst meth="repeat">
+      <a:schemeClr val="lt1"/>
+    </dgm:txFillClrLst>
+    <dgm:txEffectClrLst/>
+  </dgm:styleLbl>
+  <dgm:styleLbl name="bgImgPlace1">
+    <dgm:fillClrLst meth="repeat">
+      <a:schemeClr val="accent1">
+        <a:tint val="50000"/>
+      </a:schemeClr>
+    </dgm:fillClrLst>
+    <dgm:linClrLst meth="repeat">
+      <a:schemeClr val="lt1"/>
+    </dgm:linClrLst>
+    <dgm:effectClrLst/>
+    <dgm:txLinClrLst/>
+    <dgm:txFillClrLst meth="repeat">
+      <a:schemeClr val="lt1"/>
+    </dgm:txFillClrLst>
+    <dgm:txEffectClrLst/>
+  </dgm:styleLbl>
+  <dgm:styleLbl name="sibTrans2D1">
+    <dgm:fillClrLst meth="repeat">
+      <a:schemeClr val="accent1">
+        <a:tint val="60000"/>
+      </a:schemeClr>
+    </dgm:fillClrLst>
+    <dgm:linClrLst meth="repeat">
+      <a:schemeClr val="accent1">
+        <a:tint val="60000"/>
+      </a:schemeClr>
+    </dgm:linClrLst>
+    <dgm:effectClrLst/>
+    <dgm:txLinClrLst/>
+    <dgm:txFillClrLst/>
+    <dgm:txEffectClrLst/>
+  </dgm:styleLbl>
+  <dgm:styleLbl name="fgSibTrans2D1">
+    <dgm:fillClrLst meth="repeat">
+      <a:schemeClr val="accent1">
+        <a:tint val="60000"/>
+      </a:schemeClr>
+    </dgm:fillClrLst>
+    <dgm:linClrLst meth="repeat">
+      <a:schemeClr val="accent1">
+        <a:tint val="60000"/>
+      </a:schemeClr>
+    </dgm:linClrLst>
+    <dgm:effectClrLst/>
+    <dgm:txLinClrLst/>
+    <dgm:txFillClrLst/>
+    <dgm:txEffectClrLst/>
+  </dgm:styleLbl>
+  <dgm:styleLbl name="bgSibTrans2D1">
+    <dgm:fillClrLst meth="repeat">
+      <a:schemeClr val="accent1">
+        <a:tint val="60000"/>
+      </a:schemeClr>
+    </dgm:fillClrLst>
+    <dgm:linClrLst meth="repeat">
+      <a:schemeClr val="accent1">
+        <a:tint val="60000"/>
+      </a:schemeClr>
+    </dgm:linClrLst>
+    <dgm:effectClrLst/>
+    <dgm:txLinClrLst/>
+    <dgm:txFillClrLst/>
+    <dgm:txEffectClrLst/>
+  </dgm:styleLbl>
+  <dgm:styleLbl name="sibTrans1D1">
+    <dgm:fillClrLst meth="repeat">
+      <a:schemeClr val="accent1"/>
+    </dgm:fillClrLst>
+    <dgm:linClrLst meth="repeat">
+      <a:schemeClr val="accent1"/>
+    </dgm:linClrLst>
+    <dgm:effectClrLst/>
+    <dgm:txLinClrLst/>
+    <dgm:txFillClrLst meth="repeat">
+      <a:schemeClr val="tx1"/>
+    </dgm:txFillClrLst>
+    <dgm:txEffectClrLst/>
+  </dgm:styleLbl>
+  <dgm:styleLbl name="callout">
+    <dgm:fillClrLst meth="repeat">
+      <a:schemeClr val="accent1"/>
+    </dgm:fillClrLst>
+    <dgm:linClrLst meth="repeat">
+      <a:schemeClr val="accent1">
+        <a:tint val="50000"/>
+      </a:schemeClr>
+    </dgm:linClrLst>
+    <dgm:effectClrLst/>
+    <dgm:txLinClrLst/>
+    <dgm:txFillClrLst meth="repeat">
+      <a:schemeClr val="tx1"/>
+    </dgm:txFillClrLst>
+    <dgm:txEffectClrLst/>
+  </dgm:styleLbl>
+  <dgm:styleLbl name="asst0">
+    <dgm:fillClrLst meth="repeat">
+      <a:schemeClr val="accent1"/>
+    </dgm:fillClrLst>
+    <dgm:linClrLst meth="repeat">
+      <a:schemeClr val="lt1"/>
+    </dgm:linClrLst>
+    <dgm:effectClrLst/>
+    <dgm:txLinClrLst/>
+    <dgm:txFillClrLst/>
+    <dgm:txEffectClrLst/>
+  </dgm:styleLbl>
+  <dgm:styleLbl name="asst1">
+    <dgm:fillClrLst meth="repeat">
+      <a:schemeClr val="accent1"/>
+    </dgm:fillClrLst>
+    <dgm:linClrLst meth="repeat">
+      <a:schemeClr val="lt1"/>
+    </dgm:linClrLst>
+    <dgm:effectClrLst/>
+    <dgm:txLinClrLst/>
+    <dgm:txFillClrLst/>
+    <dgm:txEffectClrLst/>
+  </dgm:styleLbl>
+  <dgm:styleLbl name="asst2">
+    <dgm:fillClrLst meth="repeat">
+      <a:schemeClr val="accent1"/>
+    </dgm:fillClrLst>
+    <dgm:linClrLst meth="repeat">
+      <a:schemeClr val="lt1"/>
+    </dgm:linClrLst>
+    <dgm:effectClrLst/>
+    <dgm:txLinClrLst/>
+    <dgm:txFillClrLst/>
+    <dgm:txEffectClrLst/>
+  </dgm:styleLbl>
+  <dgm:styleLbl name="asst3">
+    <dgm:fillClrLst meth="repeat">
+      <a:schemeClr val="accent1"/>
+    </dgm:fillClrLst>
+    <dgm:linClrLst meth="repeat">
+      <a:schemeClr val="lt1"/>
+    </dgm:linClrLst>
+    <dgm:effectClrLst/>
+    <dgm:txLinClrLst/>
+    <dgm:txFillClrLst/>
+    <dgm:txEffectClrLst/>
+  </dgm:styleLbl>
+  <dgm:styleLbl name="asst4">
+    <dgm:fillClrLst meth="repeat">
+      <a:schemeClr val="accent1"/>
+    </dgm:fillClrLst>
+    <dgm:linClrLst meth="repeat">
+      <a:schemeClr val="lt1"/>
+    </dgm:linClrLst>
+    <dgm:effectClrLst/>
+    <dgm:txLinClrLst/>
+    <dgm:txFillClrLst/>
+    <dgm:txEffectClrLst/>
+  </dgm:styleLbl>
+  <dgm:styleLbl name="parChTrans2D1">
+    <dgm:fillClrLst meth="repeat">
+      <a:schemeClr val="accent1">
+        <a:tint val="60000"/>
+      </a:schemeClr>
+    </dgm:fillClrLst>
+    <dgm:linClrLst meth="repeat">
+      <a:schemeClr val="accent1">
+        <a:tint val="60000"/>
+      </a:schemeClr>
+    </dgm:linClrLst>
+    <dgm:effectClrLst/>
+    <dgm:txLinClrLst/>
+    <dgm:txFillClrLst meth="repeat">
+      <a:schemeClr val="lt1"/>
+    </dgm:txFillClrLst>
+    <dgm:txEffectClrLst/>
+  </dgm:styleLbl>
+  <dgm:styleLbl name="parChTrans2D2">
+    <dgm:fillClrLst meth="repeat">
+      <a:schemeClr val="accent1"/>
+    </dgm:fillClrLst>
+    <dgm:linClrLst meth="repeat">
+      <a:schemeClr val="accent1"/>
+    </dgm:linClrLst>
+    <dgm:effectClrLst/>
+    <dgm:txLinClrLst/>
+    <dgm:txFillClrLst meth="repeat">
+      <a:schemeClr val="lt1"/>
+    </dgm:txFillClrLst>
+    <dgm:txEffectClrLst/>
+  </dgm:styleLbl>
+  <dgm:styleLbl name="parChTrans2D3">
+    <dgm:fillClrLst meth="repeat">
+      <a:schemeClr val="accent1"/>
+    </dgm:fillClrLst>
+    <dgm:linClrLst meth="repeat">
+      <a:schemeClr val="accent1"/>
+    </dgm:linClrLst>
+    <dgm:effectClrLst/>
+    <dgm:txLinClrLst/>
+    <dgm:txFillClrLst meth="repeat">
+      <a:schemeClr val="lt1"/>
+    </dgm:txFillClrLst>
+    <dgm:txEffectClrLst/>
+  </dgm:styleLbl>
+  <dgm:styleLbl name="parChTrans2D4">
+    <dgm:fillClrLst meth="repeat">
+      <a:schemeClr val="accent1"/>
+    </dgm:fillClrLst>
+    <dgm:linClrLst meth="repeat">
+      <a:schemeClr val="accent1"/>
+    </dgm:linClrLst>
+    <dgm:effectClrLst/>
+    <dgm:txLinClrLst/>
+    <dgm:txFillClrLst meth="repeat">
+      <a:schemeClr val="lt1"/>
+    </dgm:txFillClrLst>
+    <dgm:txEffectClrLst/>
+  </dgm:styleLbl>
+  <dgm:styleLbl name="parChTrans1D1">
+    <dgm:fillClrLst meth="repeat">
+      <a:schemeClr val="accent1"/>
+    </dgm:fillClrLst>
+    <dgm:linClrLst meth="repeat">
+      <a:schemeClr val="accent1">
+        <a:shade val="60000"/>
+      </a:schemeClr>
+    </dgm:linClrLst>
+    <dgm:effectClrLst/>
+    <dgm:txLinClrLst/>
+    <dgm:txFillClrLst meth="repeat">
+      <a:schemeClr val="tx1"/>
+    </dgm:txFillClrLst>
+    <dgm:txEffectClrLst/>
+  </dgm:styleLbl>
+  <dgm:styleLbl name="parChTrans1D2">
+    <dgm:fillClrLst meth="repeat">
+      <a:schemeClr val="accent1"/>
+    </dgm:fillClrLst>
+    <dgm:linClrLst meth="repeat">
+      <a:schemeClr val="accent1">
+        <a:shade val="60000"/>
+      </a:schemeClr>
+    </dgm:linClrLst>
+    <dgm:effectClrLst/>
+    <dgm:txLinClrLst/>
+    <dgm:txFillClrLst meth="repeat">
+      <a:schemeClr val="tx1"/>
+    </dgm:txFillClrLst>
+    <dgm:txEffectClrLst/>
+  </dgm:styleLbl>
+  <dgm:styleLbl name="parChTrans1D3">
+    <dgm:fillClrLst meth="repeat">
+      <a:schemeClr val="accent1"/>
+    </dgm:fillClrLst>
+    <dgm:linClrLst meth="repeat">
+      <a:schemeClr val="accent1">
+        <a:shade val="80000"/>
+      </a:schemeClr>
+    </dgm:linClrLst>
+    <dgm:effectClrLst/>
+    <dgm:txLinClrLst/>
+    <dgm:txFillClrLst meth="repeat">
+      <a:schemeClr val="tx1"/>
+    </dgm:txFillClrLst>
+    <dgm:txEffectClrLst/>
+  </dgm:styleLbl>
+  <dgm:styleLbl name="parChTrans1D4">
+    <dgm:fillClrLst meth="repeat">
+      <a:schemeClr val="accent1"/>
+    </dgm:fillClrLst>
+    <dgm:linClrLst meth="repeat">
+      <a:schemeClr val="accent1">
+        <a:shade val="80000"/>
+      </a:schemeClr>
+    </dgm:linClrLst>
+    <dgm:effectClrLst/>
+    <dgm:txLinClrLst/>
+    <dgm:txFillClrLst meth="repeat">
+      <a:schemeClr val="tx1"/>
+    </dgm:txFillClrLst>
+    <dgm:txEffectClrLst/>
+  </dgm:styleLbl>
+  <dgm:styleLbl name="fgAcc1">
+    <dgm:fillClrLst meth="repeat">
+      <a:schemeClr val="lt1">
+        <a:alpha val="90000"/>
+      </a:schemeClr>
+    </dgm:fillClrLst>
+    <dgm:linClrLst meth="repeat">
+      <a:schemeClr val="accent1"/>
+    </dgm:linClrLst>
+    <dgm:effectClrLst/>
+    <dgm:txLinClrLst/>
+    <dgm:txFillClrLst meth="repeat">
+      <a:schemeClr val="dk1"/>
+    </dgm:txFillClrLst>
+    <dgm:txEffectClrLst/>
+  </dgm:styleLbl>
+  <dgm:styleLbl name="conFgAcc1">
+    <dgm:fillClrLst meth="repeat">
+      <a:schemeClr val="lt1">
+        <a:alpha val="90000"/>
+      </a:schemeClr>
+    </dgm:fillClrLst>
+    <dgm:linClrLst meth="repeat">
+      <a:schemeClr val="accent1"/>
+    </dgm:linClrLst>
+    <dgm:effectClrLst/>
+    <dgm:txLinClrLst/>
+    <dgm:txFillClrLst meth="repeat">
+      <a:schemeClr val="dk1"/>
+    </dgm:txFillClrLst>
+    <dgm:txEffectClrLst/>
+  </dgm:styleLbl>
+  <dgm:styleLbl name="alignAcc1">
+    <dgm:fillClrLst meth="repeat">
+      <a:schemeClr val="lt1">
+        <a:alpha val="90000"/>
+      </a:schemeClr>
+    </dgm:fillClrLst>
+    <dgm:linClrLst meth="repeat">
+      <a:schemeClr val="accent1"/>
+    </dgm:linClrLst>
+    <dgm:effectClrLst/>
+    <dgm:txLinClrLst/>
+    <dgm:txFillClrLst meth="repeat">
+      <a:schemeClr val="dk1"/>
+    </dgm:txFillClrLst>
+    <dgm:txEffectClrLst/>
+  </dgm:styleLbl>
+  <dgm:styleLbl name="trAlignAcc1">
+    <dgm:fillClrLst meth="repeat">
+      <a:schemeClr val="lt1">
+        <a:alpha val="40000"/>
+      </a:schemeClr>
+    </dgm:fillClrLst>
+    <dgm:linClrLst meth="repeat">
+      <a:schemeClr val="accent1"/>
+    </dgm:linClrLst>
+    <dgm:effectClrLst/>
+    <dgm:txLinClrLst/>
+    <dgm:txFillClrLst meth="repeat">
+      <a:schemeClr val="dk1"/>
+    </dgm:txFillClrLst>
+    <dgm:txEffectClrLst/>
+  </dgm:styleLbl>
+  <dgm:styleLbl name="bgAcc1">
+    <dgm:fillClrLst meth="repeat">
+      <a:schemeClr val="lt1">
+        <a:alpha val="90000"/>
+      </a:schemeClr>
+    </dgm:fillClrLst>
+    <dgm:linClrLst meth="repeat">
+      <a:schemeClr val="accent1"/>
+    </dgm:linClrLst>
+    <dgm:effectClrLst/>
+    <dgm:txLinClrLst/>
+    <dgm:txFillClrLst meth="repeat">
+      <a:schemeClr val="dk1"/>
+    </dgm:txFillClrLst>
+    <dgm:txEffectClrLst/>
+  </dgm:styleLbl>
+  <dgm:styleLbl name="solidFgAcc1">
+    <dgm:fillClrLst meth="repeat">
+      <a:schemeClr val="lt1"/>
+    </dgm:fillClrLst>
+    <dgm:linClrLst meth="repeat">
+      <a:schemeClr val="accent1"/>
+    </dgm:linClrLst>
+    <dgm:effectClrLst/>
+    <dgm:txLinClrLst/>
+    <dgm:txFillClrLst meth="repeat">
+      <a:schemeClr val="dk1"/>
+    </dgm:txFillClrLst>
+    <dgm:txEffectClrLst/>
+  </dgm:styleLbl>
+  <dgm:styleLbl name="solidAlignAcc1">
+    <dgm:fillClrLst meth="repeat">
+      <a:schemeClr val="lt1"/>
+    </dgm:fillClrLst>
+    <dgm:linClrLst meth="repeat">
+      <a:schemeClr val="accent1"/>
+    </dgm:linClrLst>
+    <dgm:effectClrLst/>
+    <dgm:txLinClrLst/>
+    <dgm:txFillClrLst meth="repeat">
+      <a:schemeClr val="dk1"/>
+    </dgm:txFillClrLst>
+    <dgm:txEffectClrLst/>
+  </dgm:styleLbl>
+  <dgm:styleLbl name="solidBgAcc1">
+    <dgm:fillClrLst meth="repeat">
+      <a:schemeClr val="lt1"/>
+    </dgm:fillClrLst>
+    <dgm:linClrLst meth="repeat">
+      <a:schemeClr val="accent1"/>
+    </dgm:linClrLst>
+    <dgm:effectClrLst/>
+    <dgm:txLinClrLst/>
+    <dgm:txFillClrLst meth="repeat">
+      <a:schemeClr val="dk1"/>
+    </dgm:txFillClrLst>
+    <dgm:txEffectClrLst/>
+  </dgm:styleLbl>
+  <dgm:styleLbl name="fgAccFollowNode1">
+    <dgm:fillClrLst meth="repeat">
+      <a:schemeClr val="accent1">
+        <a:alpha val="90000"/>
+        <a:tint val="40000"/>
+      </a:schemeClr>
+    </dgm:fillClrLst>
+    <dgm:linClrLst meth="repeat">
+      <a:schemeClr val="accent1">
+        <a:alpha val="90000"/>
+        <a:tint val="40000"/>
+      </a:schemeClr>
+    </dgm:linClrLst>
+    <dgm:effectClrLst/>
+    <dgm:txLinClrLst/>
+    <dgm:txFillClrLst meth="repeat">
+      <a:schemeClr val="dk1"/>
+    </dgm:txFillClrLst>
+    <dgm:txEffectClrLst/>
+  </dgm:styleLbl>
+  <dgm:styleLbl name="alignAccFollowNode1">
+    <dgm:fillClrLst meth="repeat">
+      <a:schemeClr val="accent1">
+        <a:alpha val="90000"/>
+        <a:tint val="40000"/>
+      </a:schemeClr>
+    </dgm:fillClrLst>
+    <dgm:linClrLst meth="repeat">
+      <a:schemeClr val="accent1">
+        <a:alpha val="90000"/>
+        <a:tint val="40000"/>
+      </a:schemeClr>
+    </dgm:linClrLst>
+    <dgm:effectClrLst/>
+    <dgm:txLinClrLst/>
+    <dgm:txFillClrLst meth="repeat">
+      <a:schemeClr val="dk1"/>
+    </dgm:txFillClrLst>
+    <dgm:txEffectClrLst/>
+  </dgm:styleLbl>
+  <dgm:styleLbl name="bgAccFollowNode1">
+    <dgm:fillClrLst meth="repeat">
+      <a:schemeClr val="accent1">
+        <a:alpha val="90000"/>
+        <a:tint val="40000"/>
+      </a:schemeClr>
+    </dgm:fillClrLst>
+    <dgm:linClrLst meth="repeat">
+      <a:schemeClr val="accent1">
+        <a:alpha val="90000"/>
+        <a:tint val="40000"/>
+      </a:schemeClr>
+    </dgm:linClrLst>
+    <dgm:effectClrLst/>
+    <dgm:txLinClrLst/>
+    <dgm:txFillClrLst meth="repeat">
+      <a:schemeClr val="dk1"/>
+    </dgm:txFillClrLst>
+    <dgm:txEffectClrLst/>
+  </dgm:styleLbl>
+  <dgm:styleLbl name="fgAcc0">
+    <dgm:fillClrLst meth="repeat">
+      <a:schemeClr val="lt1">
+        <a:alpha val="90000"/>
+      </a:schemeClr>
+    </dgm:fillClrLst>
+    <dgm:linClrLst meth="repeat">
+      <a:schemeClr val="accent1"/>
+    </dgm:linClrLst>
+    <dgm:effectClrLst/>
+    <dgm:txLinClrLst/>
+    <dgm:txFillClrLst meth="repeat">
+      <a:schemeClr val="dk1"/>
+    </dgm:txFillClrLst>
+    <dgm:txEffectClrLst/>
+  </dgm:styleLbl>
+  <dgm:styleLbl name="fgAcc2">
+    <dgm:fillClrLst meth="repeat">
+      <a:schemeClr val="lt1">
+        <a:alpha val="90000"/>
+      </a:schemeClr>
+    </dgm:fillClrLst>
+    <dgm:linClrLst meth="repeat">
+      <a:schemeClr val="accent1"/>
+    </dgm:linClrLst>
+    <dgm:effectClrLst/>
+    <dgm:txLinClrLst/>
+    <dgm:txFillClrLst meth="repeat">
+      <a:schemeClr val="dk1"/>
+    </dgm:txFillClrLst>
+    <dgm:txEffectClrLst/>
+  </dgm:styleLbl>
+  <dgm:styleLbl name="fgAcc3">
+    <dgm:fillClrLst meth="repeat">
+      <a:schemeClr val="lt1">
+        <a:alpha val="90000"/>
+      </a:schemeClr>
+    </dgm:fillClrLst>
+    <dgm:linClrLst meth="repeat">
+      <a:schemeClr val="accent1"/>
+    </dgm:linClrLst>
+    <dgm:effectClrLst/>
+    <dgm:txLinClrLst/>
+    <dgm:txFillClrLst meth="repeat">
+      <a:schemeClr val="dk1"/>
+    </dgm:txFillClrLst>
+    <dgm:txEffectClrLst/>
+  </dgm:styleLbl>
+  <dgm:styleLbl name="fgAcc4">
+    <dgm:fillClrLst meth="repeat">
+      <a:schemeClr val="lt1">
+        <a:alpha val="90000"/>
+      </a:schemeClr>
+    </dgm:fillClrLst>
+    <dgm:linClrLst meth="repeat">
+      <a:schemeClr val="accent1"/>
+    </dgm:linClrLst>
+    <dgm:effectClrLst/>
+    <dgm:txLinClrLst/>
+    <dgm:txFillClrLst meth="repeat">
+      <a:schemeClr val="dk1"/>
+    </dgm:txFillClrLst>
+    <dgm:txEffectClrLst/>
+  </dgm:styleLbl>
+  <dgm:styleLbl name="bgShp">
+    <dgm:fillClrLst meth="repeat">
+      <a:schemeClr val="accent1">
+        <a:tint val="40000"/>
+      </a:schemeClr>
+    </dgm:fillClrLst>
+    <dgm:linClrLst meth="repeat">
+      <a:schemeClr val="accent1"/>
+    </dgm:linClrLst>
+    <dgm:effectClrLst/>
+    <dgm:txLinClrLst/>
+    <dgm:txFillClrLst meth="repeat">
+      <a:schemeClr val="dk1"/>
+    </dgm:txFillClrLst>
+    <dgm:txEffectClrLst/>
+  </dgm:styleLbl>
+  <dgm:styleLbl name="dkBgShp">
+    <dgm:fillClrLst meth="repeat">
+      <a:schemeClr val="accent1">
+        <a:shade val="80000"/>
+      </a:schemeClr>
+    </dgm:fillClrLst>
+    <dgm:linClrLst meth="repeat">
+      <a:schemeClr val="accent1"/>
+    </dgm:linClrLst>
+    <dgm:effectClrLst/>
+    <dgm:txLinClrLst/>
+    <dgm:txFillClrLst meth="repeat">
+      <a:schemeClr val="lt1"/>
+    </dgm:txFillClrLst>
+    <dgm:txEffectClrLst/>
+  </dgm:styleLbl>
+  <dgm:styleLbl name="trBgShp">
+    <dgm:fillClrLst meth="repeat">
+      <a:schemeClr val="accent1">
+        <a:tint val="50000"/>
+        <a:alpha val="40000"/>
+      </a:schemeClr>
+    </dgm:fillClrLst>
+    <dgm:linClrLst meth="repeat">
+      <a:schemeClr val="accent1"/>
+    </dgm:linClrLst>
+    <dgm:effectClrLst/>
+    <dgm:txLinClrLst/>
+    <dgm:txFillClrLst meth="repeat">
+      <a:schemeClr val="lt1"/>
+    </dgm:txFillClrLst>
+    <dgm:txEffectClrLst/>
+  </dgm:styleLbl>
+  <dgm:styleLbl name="fgShp">
+    <dgm:fillClrLst meth="repeat">
+      <a:schemeClr val="accent1">
+        <a:tint val="60000"/>
+      </a:schemeClr>
+    </dgm:fillClrLst>
+    <dgm:linClrLst meth="repeat">
+      <a:schemeClr val="lt1"/>
+    </dgm:linClrLst>
+    <dgm:effectClrLst/>
+    <dgm:txLinClrLst/>
+    <dgm:txFillClrLst meth="repeat">
+      <a:schemeClr val="dk1"/>
+    </dgm:txFillClrLst>
+    <dgm:txEffectClrLst/>
+  </dgm:styleLbl>
+  <dgm:styleLbl name="revTx">
+    <dgm:fillClrLst meth="repeat">
+      <a:schemeClr val="lt1">
+        <a:alpha val="0"/>
+      </a:schemeClr>
+    </dgm:fillClrLst>
+    <dgm:linClrLst meth="repeat">
+      <a:schemeClr val="dk1">
+        <a:alpha val="0"/>
+      </a:schemeClr>
+    </dgm:linClrLst>
+    <dgm:effectClrLst/>
+    <dgm:txLinClrLst/>
+    <dgm:txFillClrLst meth="repeat">
+      <a:schemeClr val="tx1"/>
+    </dgm:txFillClrLst>
+    <dgm:txEffectClrLst/>
+  </dgm:styleLbl>
+</dgm:colorsDef>
+</file>
+
+<file path=ppt/diagrams/colors6.xml><?xml version="1.0" encoding="utf-8"?>
 <dgm:colorsDef xmlns:dgm="http://schemas.openxmlformats.org/drawingml/2006/diagram" xmlns:a="http://schemas.openxmlformats.org/drawingml/2006/main" uniqueId="urn:microsoft.com/office/officeart/2005/8/colors/accent1_2">
   <dgm:title val=""/>
   <dgm:desc val=""/>
@@ -5386,6 +6136,13 @@
         </dgm:presLayoutVars>
       </dgm:prSet>
       <dgm:spPr/>
+      <dgm:t>
+        <a:bodyPr/>
+        <a:lstStyle/>
+        <a:p>
+          <a:endParaRPr lang="en-US"/>
+        </a:p>
+      </dgm:t>
     </dgm:pt>
     <dgm:pt modelId="{D2C72766-520A-41AA-A689-CDA8465EF720}" type="pres">
       <dgm:prSet presAssocID="{8A584E37-ACE0-4A3E-97AD-1418B2F2B2DD}" presName="parentText" presStyleLbl="node1" presStyleIdx="0" presStyleCnt="5" custScaleY="115046" custLinFactNeighborY="55122">
@@ -5395,6 +6152,13 @@
         </dgm:presLayoutVars>
       </dgm:prSet>
       <dgm:spPr/>
+      <dgm:t>
+        <a:bodyPr/>
+        <a:lstStyle/>
+        <a:p>
+          <a:endParaRPr lang="en-US"/>
+        </a:p>
+      </dgm:t>
     </dgm:pt>
     <dgm:pt modelId="{111B8099-F51B-4BA9-99BD-0FC246FA9DA4}" type="pres">
       <dgm:prSet presAssocID="{37B78FD6-ECAB-440B-B045-8DD42C20435D}" presName="spacer" presStyleCnt="0"/>
@@ -5408,6 +6172,13 @@
         </dgm:presLayoutVars>
       </dgm:prSet>
       <dgm:spPr/>
+      <dgm:t>
+        <a:bodyPr/>
+        <a:lstStyle/>
+        <a:p>
+          <a:endParaRPr lang="en-US"/>
+        </a:p>
+      </dgm:t>
     </dgm:pt>
     <dgm:pt modelId="{1F8CF8CF-9DCB-435C-9F19-1D9313038F48}" type="pres">
       <dgm:prSet presAssocID="{D295A4C0-9A2E-433E-BCBA-496E2CEBF895}" presName="spacer" presStyleCnt="0"/>
@@ -5421,6 +6192,13 @@
         </dgm:presLayoutVars>
       </dgm:prSet>
       <dgm:spPr/>
+      <dgm:t>
+        <a:bodyPr/>
+        <a:lstStyle/>
+        <a:p>
+          <a:endParaRPr lang="en-US"/>
+        </a:p>
+      </dgm:t>
     </dgm:pt>
     <dgm:pt modelId="{402DE81D-12C6-4F11-9BF5-BD0C43E2B7BC}" type="pres">
       <dgm:prSet presAssocID="{F2301892-8E3F-43B4-9855-8D6B76C99AB1}" presName="spacer" presStyleCnt="0"/>
@@ -5434,6 +6212,13 @@
         </dgm:presLayoutVars>
       </dgm:prSet>
       <dgm:spPr/>
+      <dgm:t>
+        <a:bodyPr/>
+        <a:lstStyle/>
+        <a:p>
+          <a:endParaRPr lang="en-US"/>
+        </a:p>
+      </dgm:t>
     </dgm:pt>
     <dgm:pt modelId="{14996972-9E55-40C0-97C5-300C8794AE8A}" type="pres">
       <dgm:prSet presAssocID="{CA1FA2A4-8945-4A52-AAAF-6F7FA43FA6A5}" presName="spacer" presStyleCnt="0"/>
@@ -5447,20 +6232,27 @@
         </dgm:presLayoutVars>
       </dgm:prSet>
       <dgm:spPr/>
+      <dgm:t>
+        <a:bodyPr/>
+        <a:lstStyle/>
+        <a:p>
+          <a:endParaRPr lang="en-US"/>
+        </a:p>
+      </dgm:t>
     </dgm:pt>
   </dgm:ptLst>
   <dgm:cxnLst>
+    <dgm:cxn modelId="{1A65ABE5-1541-4550-9D9B-F409F837ACB6}" type="presOf" srcId="{CA434ECA-9511-4672-ABF1-0AF733CB02A4}" destId="{E2AA0AEB-237F-4C8F-A4E8-6079BE08B050}" srcOrd="0" destOrd="0" presId="urn:microsoft.com/office/officeart/2005/8/layout/vList2"/>
+    <dgm:cxn modelId="{E6CFE25B-EC2F-4694-9EF8-9A320A9A0EF0}" type="presOf" srcId="{5F587552-A143-4DF7-BACA-64C7B84B9FC1}" destId="{A7501D16-5744-4113-A7AC-E108EA20825D}" srcOrd="0" destOrd="0" presId="urn:microsoft.com/office/officeart/2005/8/layout/vList2"/>
+    <dgm:cxn modelId="{7B04366A-5C8A-4F91-86C8-4456FD6AFCB8}" srcId="{F845970B-7161-4080-8580-56D7E8F2660E}" destId="{C1A42E4A-D03E-477F-8234-F6A5AF31B251}" srcOrd="3" destOrd="0" parTransId="{2A1B2436-2166-43EF-A8F2-A561228933F6}" sibTransId="{CA1FA2A4-8945-4A52-AAAF-6F7FA43FA6A5}"/>
+    <dgm:cxn modelId="{714AE4D6-32E5-48FA-A8C7-D60C6192B8F3}" srcId="{F845970B-7161-4080-8580-56D7E8F2660E}" destId="{5F587552-A143-4DF7-BACA-64C7B84B9FC1}" srcOrd="2" destOrd="0" parTransId="{B1021140-BB05-4D28-BACE-AC6D325A3FD2}" sibTransId="{F2301892-8E3F-43B4-9855-8D6B76C99AB1}"/>
+    <dgm:cxn modelId="{08667F2E-E7B1-458B-BF69-5EC0A5594D57}" type="presOf" srcId="{3294FE6E-051E-43F9-9343-1FEFD0A50015}" destId="{A52B154E-DA09-4EAE-A527-B3478486B3F2}" srcOrd="0" destOrd="0" presId="urn:microsoft.com/office/officeart/2005/8/layout/vList2"/>
+    <dgm:cxn modelId="{D66DD25F-AB76-4D97-8D05-AD6C92E39ECE}" srcId="{F845970B-7161-4080-8580-56D7E8F2660E}" destId="{CA434ECA-9511-4672-ABF1-0AF733CB02A4}" srcOrd="4" destOrd="0" parTransId="{01F9253D-EB63-48D7-8113-79972A286748}" sibTransId="{BC68CB20-ACB0-4B9F-A356-EC2953B88EED}"/>
     <dgm:cxn modelId="{2BFB296F-B05C-403D-BB33-C55CE907FB5C}" type="presOf" srcId="{8A584E37-ACE0-4A3E-97AD-1418B2F2B2DD}" destId="{D2C72766-520A-41AA-A689-CDA8465EF720}" srcOrd="0" destOrd="0" presId="urn:microsoft.com/office/officeart/2005/8/layout/vList2"/>
-    <dgm:cxn modelId="{E6CFE25B-EC2F-4694-9EF8-9A320A9A0EF0}" type="presOf" srcId="{5F587552-A143-4DF7-BACA-64C7B84B9FC1}" destId="{A7501D16-5744-4113-A7AC-E108EA20825D}" srcOrd="0" destOrd="0" presId="urn:microsoft.com/office/officeart/2005/8/layout/vList2"/>
+    <dgm:cxn modelId="{43D34470-84EA-48AB-8473-2B9B2645E33A}" srcId="{F845970B-7161-4080-8580-56D7E8F2660E}" destId="{8A584E37-ACE0-4A3E-97AD-1418B2F2B2DD}" srcOrd="0" destOrd="0" parTransId="{629C5343-AEC6-4DAC-9337-7EFA952A3E35}" sibTransId="{37B78FD6-ECAB-440B-B045-8DD42C20435D}"/>
+    <dgm:cxn modelId="{6BFCD405-AB54-4398-83C2-5D75C6232214}" srcId="{F845970B-7161-4080-8580-56D7E8F2660E}" destId="{3294FE6E-051E-43F9-9343-1FEFD0A50015}" srcOrd="1" destOrd="0" parTransId="{E7AECD12-88A0-458C-B751-6E0D2E326F89}" sibTransId="{D295A4C0-9A2E-433E-BCBA-496E2CEBF895}"/>
     <dgm:cxn modelId="{07D922A4-53EE-440B-97B5-1C8FF6AB92D2}" type="presOf" srcId="{C1A42E4A-D03E-477F-8234-F6A5AF31B251}" destId="{BC40EB64-B66B-462A-82CD-2A399F94A1E9}" srcOrd="0" destOrd="0" presId="urn:microsoft.com/office/officeart/2005/8/layout/vList2"/>
-    <dgm:cxn modelId="{08667F2E-E7B1-458B-BF69-5EC0A5594D57}" type="presOf" srcId="{3294FE6E-051E-43F9-9343-1FEFD0A50015}" destId="{A52B154E-DA09-4EAE-A527-B3478486B3F2}" srcOrd="0" destOrd="0" presId="urn:microsoft.com/office/officeart/2005/8/layout/vList2"/>
-    <dgm:cxn modelId="{714AE4D6-32E5-48FA-A8C7-D60C6192B8F3}" srcId="{F845970B-7161-4080-8580-56D7E8F2660E}" destId="{5F587552-A143-4DF7-BACA-64C7B84B9FC1}" srcOrd="2" destOrd="0" parTransId="{B1021140-BB05-4D28-BACE-AC6D325A3FD2}" sibTransId="{F2301892-8E3F-43B4-9855-8D6B76C99AB1}"/>
-    <dgm:cxn modelId="{7B04366A-5C8A-4F91-86C8-4456FD6AFCB8}" srcId="{F845970B-7161-4080-8580-56D7E8F2660E}" destId="{C1A42E4A-D03E-477F-8234-F6A5AF31B251}" srcOrd="3" destOrd="0" parTransId="{2A1B2436-2166-43EF-A8F2-A561228933F6}" sibTransId="{CA1FA2A4-8945-4A52-AAAF-6F7FA43FA6A5}"/>
-    <dgm:cxn modelId="{43D34470-84EA-48AB-8473-2B9B2645E33A}" srcId="{F845970B-7161-4080-8580-56D7E8F2660E}" destId="{8A584E37-ACE0-4A3E-97AD-1418B2F2B2DD}" srcOrd="0" destOrd="0" parTransId="{629C5343-AEC6-4DAC-9337-7EFA952A3E35}" sibTransId="{37B78FD6-ECAB-440B-B045-8DD42C20435D}"/>
     <dgm:cxn modelId="{9A3E7935-91D7-4981-81BB-61093991DE2B}" type="presOf" srcId="{F845970B-7161-4080-8580-56D7E8F2660E}" destId="{EE3EC89E-276C-4AF1-8BB0-FA4728F81266}" srcOrd="0" destOrd="0" presId="urn:microsoft.com/office/officeart/2005/8/layout/vList2"/>
-    <dgm:cxn modelId="{D66DD25F-AB76-4D97-8D05-AD6C92E39ECE}" srcId="{F845970B-7161-4080-8580-56D7E8F2660E}" destId="{CA434ECA-9511-4672-ABF1-0AF733CB02A4}" srcOrd="4" destOrd="0" parTransId="{01F9253D-EB63-48D7-8113-79972A286748}" sibTransId="{BC68CB20-ACB0-4B9F-A356-EC2953B88EED}"/>
-    <dgm:cxn modelId="{6BFCD405-AB54-4398-83C2-5D75C6232214}" srcId="{F845970B-7161-4080-8580-56D7E8F2660E}" destId="{3294FE6E-051E-43F9-9343-1FEFD0A50015}" srcOrd="1" destOrd="0" parTransId="{E7AECD12-88A0-458C-B751-6E0D2E326F89}" sibTransId="{D295A4C0-9A2E-433E-BCBA-496E2CEBF895}"/>
-    <dgm:cxn modelId="{1A65ABE5-1541-4550-9D9B-F409F837ACB6}" type="presOf" srcId="{CA434ECA-9511-4672-ABF1-0AF733CB02A4}" destId="{E2AA0AEB-237F-4C8F-A4E8-6079BE08B050}" srcOrd="0" destOrd="0" presId="urn:microsoft.com/office/officeart/2005/8/layout/vList2"/>
     <dgm:cxn modelId="{8CC7E2C9-84DF-48CC-AB9B-DC37A26C771C}" type="presParOf" srcId="{EE3EC89E-276C-4AF1-8BB0-FA4728F81266}" destId="{D2C72766-520A-41AA-A689-CDA8465EF720}" srcOrd="0" destOrd="0" presId="urn:microsoft.com/office/officeart/2005/8/layout/vList2"/>
     <dgm:cxn modelId="{DB1EA438-979D-4686-BFB1-A12689E8A483}" type="presParOf" srcId="{EE3EC89E-276C-4AF1-8BB0-FA4728F81266}" destId="{111B8099-F51B-4BA9-99BD-0FC246FA9DA4}" srcOrd="1" destOrd="0" presId="urn:microsoft.com/office/officeart/2005/8/layout/vList2"/>
     <dgm:cxn modelId="{998D4100-3D49-403E-BD42-5863E5E1AF18}" type="presParOf" srcId="{EE3EC89E-276C-4AF1-8BB0-FA4728F81266}" destId="{A52B154E-DA09-4EAE-A527-B3478486B3F2}" srcOrd="2" destOrd="0" presId="urn:microsoft.com/office/officeart/2005/8/layout/vList2"/>
@@ -5476,6 +6268,453 @@
   <dgm:extLst>
     <a:ext uri="http://schemas.microsoft.com/office/drawing/2008/diagram">
       <dsp:dataModelExt xmlns:dsp="http://schemas.microsoft.com/office/drawing/2008/diagram" relId="rId6" minVer="http://schemas.openxmlformats.org/drawingml/2006/diagram"/>
+    </a:ext>
+  </dgm:extLst>
+</dgm:dataModel>
+</file>
+
+<file path=ppt/diagrams/data6.xml><?xml version="1.0" encoding="utf-8"?>
+<dgm:dataModel xmlns:dgm="http://schemas.openxmlformats.org/drawingml/2006/diagram" xmlns:a="http://schemas.openxmlformats.org/drawingml/2006/main">
+  <dgm:ptLst>
+    <dgm:pt modelId="{0F2B6945-49D7-46D7-B4D9-8A873D9987DA}" type="doc">
+      <dgm:prSet loTypeId="urn:microsoft.com/office/officeart/2008/layout/HexagonCluster" loCatId="relationship" qsTypeId="urn:microsoft.com/office/officeart/2005/8/quickstyle/simple1" qsCatId="simple" csTypeId="urn:microsoft.com/office/officeart/2005/8/colors/accent1_2" csCatId="accent1" phldr="1"/>
+      <dgm:spPr/>
+      <dgm:t>
+        <a:bodyPr/>
+        <a:lstStyle/>
+        <a:p>
+          <a:endParaRPr lang="en-US"/>
+        </a:p>
+      </dgm:t>
+    </dgm:pt>
+    <dgm:pt modelId="{4967D9A4-2802-4965-9195-3A5E6EA9FB7D}">
+      <dgm:prSet phldrT="[Text]" custT="1"/>
+      <dgm:spPr/>
+      <dgm:t>
+        <a:bodyPr/>
+        <a:lstStyle/>
+        <a:p>
+          <a:r>
+            <a:rPr lang="en-US" sz="2500" b="1" smtClean="0">
+              <a:effectLst>
+                <a:outerShdw blurRad="38100" dist="38100" dir="2700000" algn="tl">
+                  <a:srgbClr val="000000">
+                    <a:alpha val="43137"/>
+                  </a:srgbClr>
+                </a:outerShdw>
+              </a:effectLst>
+              <a:latin typeface="Times New Roman" panose="02020603050405020304" pitchFamily="18" charset="0"/>
+              <a:cs typeface="Times New Roman" panose="02020603050405020304" pitchFamily="18" charset="0"/>
+            </a:rPr>
+            <a:t>P vs Com</a:t>
+          </a:r>
+          <a:endParaRPr lang="en-US" sz="2500" b="1">
+            <a:effectLst>
+              <a:outerShdw blurRad="38100" dist="38100" dir="2700000" algn="tl">
+                <a:srgbClr val="000000">
+                  <a:alpha val="43137"/>
+                </a:srgbClr>
+              </a:outerShdw>
+            </a:effectLst>
+            <a:latin typeface="Times New Roman" panose="02020603050405020304" pitchFamily="18" charset="0"/>
+            <a:cs typeface="Times New Roman" panose="02020603050405020304" pitchFamily="18" charset="0"/>
+          </a:endParaRPr>
+        </a:p>
+      </dgm:t>
+    </dgm:pt>
+    <dgm:pt modelId="{0D8B3EA5-3FF2-4A5B-AA9A-C93E275A1437}" type="parTrans" cxnId="{FF283AA6-97E8-4807-92D1-150ABBAFE3C6}">
+      <dgm:prSet/>
+      <dgm:spPr/>
+      <dgm:t>
+        <a:bodyPr/>
+        <a:lstStyle/>
+        <a:p>
+          <a:endParaRPr lang="en-US"/>
+        </a:p>
+      </dgm:t>
+    </dgm:pt>
+    <dgm:pt modelId="{AF43B853-A6D5-4CCE-B283-205DB0B17EFA}" type="sibTrans" cxnId="{FF283AA6-97E8-4807-92D1-150ABBAFE3C6}">
+      <dgm:prSet/>
+      <dgm:spPr>
+        <a:gradFill flip="none" rotWithShape="1">
+          <a:gsLst>
+            <a:gs pos="0">
+              <a:schemeClr val="accent5">
+                <a:lumMod val="0"/>
+                <a:lumOff val="100000"/>
+              </a:schemeClr>
+            </a:gs>
+            <a:gs pos="35000">
+              <a:schemeClr val="accent5">
+                <a:lumMod val="0"/>
+                <a:lumOff val="100000"/>
+              </a:schemeClr>
+            </a:gs>
+            <a:gs pos="100000">
+              <a:schemeClr val="accent5">
+                <a:lumMod val="100000"/>
+              </a:schemeClr>
+            </a:gs>
+          </a:gsLst>
+          <a:path path="circle">
+            <a:fillToRect l="50000" t="-80000" r="50000" b="180000"/>
+          </a:path>
+          <a:tileRect/>
+        </a:gradFill>
+      </dgm:spPr>
+      <dgm:t>
+        <a:bodyPr/>
+        <a:lstStyle/>
+        <a:p>
+          <a:endParaRPr lang="en-US"/>
+        </a:p>
+      </dgm:t>
+    </dgm:pt>
+    <dgm:pt modelId="{F8EDE50F-D5FA-40C3-A325-B1E384EDF27D}">
+      <dgm:prSet phldrT="[Text]" custT="1"/>
+      <dgm:spPr/>
+      <dgm:t>
+        <a:bodyPr/>
+        <a:lstStyle/>
+        <a:p>
+          <a:r>
+            <a:rPr lang="en-US" sz="2500" b="1" smtClean="0">
+              <a:effectLst>
+                <a:outerShdw blurRad="38100" dist="38100" dir="2700000" algn="tl">
+                  <a:srgbClr val="000000">
+                    <a:alpha val="43137"/>
+                  </a:srgbClr>
+                </a:outerShdw>
+              </a:effectLst>
+              <a:latin typeface="Times New Roman" panose="02020603050405020304" pitchFamily="18" charset="0"/>
+              <a:cs typeface="Times New Roman" panose="02020603050405020304" pitchFamily="18" charset="0"/>
+            </a:rPr>
+            <a:t>P vs P</a:t>
+          </a:r>
+          <a:endParaRPr lang="en-US" sz="2500" b="1">
+            <a:effectLst>
+              <a:outerShdw blurRad="38100" dist="38100" dir="2700000" algn="tl">
+                <a:srgbClr val="000000">
+                  <a:alpha val="43137"/>
+                </a:srgbClr>
+              </a:outerShdw>
+            </a:effectLst>
+            <a:latin typeface="Times New Roman" panose="02020603050405020304" pitchFamily="18" charset="0"/>
+            <a:cs typeface="Times New Roman" panose="02020603050405020304" pitchFamily="18" charset="0"/>
+          </a:endParaRPr>
+        </a:p>
+      </dgm:t>
+    </dgm:pt>
+    <dgm:pt modelId="{B118E03E-C764-4C7B-856F-F1AABA320EE4}" type="parTrans" cxnId="{96E37155-A6AD-4CED-93B8-771772F26EA7}">
+      <dgm:prSet/>
+      <dgm:spPr/>
+      <dgm:t>
+        <a:bodyPr/>
+        <a:lstStyle/>
+        <a:p>
+          <a:endParaRPr lang="en-US"/>
+        </a:p>
+      </dgm:t>
+    </dgm:pt>
+    <dgm:pt modelId="{D31AFF9E-F3E4-4B72-A97D-0B91A5E45F8C}" type="sibTrans" cxnId="{96E37155-A6AD-4CED-93B8-771772F26EA7}">
+      <dgm:prSet/>
+      <dgm:spPr>
+        <a:gradFill flip="none" rotWithShape="1">
+          <a:gsLst>
+            <a:gs pos="0">
+              <a:schemeClr val="accent3">
+                <a:lumMod val="40000"/>
+                <a:lumOff val="60000"/>
+              </a:schemeClr>
+            </a:gs>
+            <a:gs pos="46000">
+              <a:schemeClr val="accent3">
+                <a:lumMod val="95000"/>
+                <a:lumOff val="5000"/>
+              </a:schemeClr>
+            </a:gs>
+            <a:gs pos="100000">
+              <a:schemeClr val="accent3">
+                <a:lumMod val="60000"/>
+              </a:schemeClr>
+            </a:gs>
+          </a:gsLst>
+          <a:path path="circle">
+            <a:fillToRect l="50000" t="130000" r="50000" b="-30000"/>
+          </a:path>
+          <a:tileRect/>
+        </a:gradFill>
+      </dgm:spPr>
+      <dgm:t>
+        <a:bodyPr/>
+        <a:lstStyle/>
+        <a:p>
+          <a:endParaRPr lang="en-US"/>
+        </a:p>
+      </dgm:t>
+    </dgm:pt>
+    <dgm:pt modelId="{82A368C6-E9E4-4007-AA34-78A765FC97F9}">
+      <dgm:prSet phldrT="[Text]" custT="1"/>
+      <dgm:spPr/>
+      <dgm:t>
+        <a:bodyPr/>
+        <a:lstStyle/>
+        <a:p>
+          <a:r>
+            <a:rPr lang="en-US" sz="2500" b="1" smtClean="0">
+              <a:effectLst>
+                <a:outerShdw blurRad="38100" dist="38100" dir="2700000" algn="tl">
+                  <a:srgbClr val="000000">
+                    <a:alpha val="43137"/>
+                  </a:srgbClr>
+                </a:outerShdw>
+              </a:effectLst>
+              <a:latin typeface="Times New Roman" panose="02020603050405020304" pitchFamily="18" charset="0"/>
+              <a:cs typeface="Times New Roman" panose="02020603050405020304" pitchFamily="18" charset="0"/>
+            </a:rPr>
+            <a:t>UNDO</a:t>
+          </a:r>
+          <a:endParaRPr lang="en-US" sz="2500" b="1">
+            <a:effectLst>
+              <a:outerShdw blurRad="38100" dist="38100" dir="2700000" algn="tl">
+                <a:srgbClr val="000000">
+                  <a:alpha val="43137"/>
+                </a:srgbClr>
+              </a:outerShdw>
+            </a:effectLst>
+            <a:latin typeface="Times New Roman" panose="02020603050405020304" pitchFamily="18" charset="0"/>
+            <a:cs typeface="Times New Roman" panose="02020603050405020304" pitchFamily="18" charset="0"/>
+          </a:endParaRPr>
+        </a:p>
+      </dgm:t>
+    </dgm:pt>
+    <dgm:pt modelId="{2BB9F0AB-9CDD-4525-BC9C-2B3BD3B107B8}" type="parTrans" cxnId="{50E9AB69-3BFE-47A1-8EE5-324E8EB3A3DB}">
+      <dgm:prSet/>
+      <dgm:spPr/>
+      <dgm:t>
+        <a:bodyPr/>
+        <a:lstStyle/>
+        <a:p>
+          <a:endParaRPr lang="en-US"/>
+        </a:p>
+      </dgm:t>
+    </dgm:pt>
+    <dgm:pt modelId="{36B3E21B-F037-407F-B344-4A65D4CC73AC}" type="sibTrans" cxnId="{50E9AB69-3BFE-47A1-8EE5-324E8EB3A3DB}">
+      <dgm:prSet/>
+      <dgm:spPr>
+        <a:gradFill flip="none" rotWithShape="1">
+          <a:gsLst>
+            <a:gs pos="0">
+              <a:schemeClr val="accent4">
+                <a:lumMod val="0"/>
+                <a:lumOff val="100000"/>
+              </a:schemeClr>
+            </a:gs>
+            <a:gs pos="35000">
+              <a:schemeClr val="accent4">
+                <a:lumMod val="0"/>
+                <a:lumOff val="100000"/>
+              </a:schemeClr>
+            </a:gs>
+            <a:gs pos="100000">
+              <a:schemeClr val="accent4">
+                <a:lumMod val="100000"/>
+              </a:schemeClr>
+            </a:gs>
+          </a:gsLst>
+          <a:path path="circle">
+            <a:fillToRect l="50000" t="-80000" r="50000" b="180000"/>
+          </a:path>
+          <a:tileRect/>
+        </a:gradFill>
+      </dgm:spPr>
+      <dgm:t>
+        <a:bodyPr/>
+        <a:lstStyle/>
+        <a:p>
+          <a:endParaRPr lang="en-US"/>
+        </a:p>
+      </dgm:t>
+    </dgm:pt>
+    <dgm:pt modelId="{E747FD3E-E213-4B46-8696-1072E0EE10A2}" type="pres">
+      <dgm:prSet presAssocID="{0F2B6945-49D7-46D7-B4D9-8A873D9987DA}" presName="Name0" presStyleCnt="0">
+        <dgm:presLayoutVars>
+          <dgm:chMax val="21"/>
+          <dgm:chPref val="21"/>
+        </dgm:presLayoutVars>
+      </dgm:prSet>
+      <dgm:spPr/>
+    </dgm:pt>
+    <dgm:pt modelId="{4B6A9513-752C-41F1-8C0F-2C7079023E0E}" type="pres">
+      <dgm:prSet presAssocID="{4967D9A4-2802-4965-9195-3A5E6EA9FB7D}" presName="text1" presStyleCnt="0"/>
+      <dgm:spPr/>
+    </dgm:pt>
+    <dgm:pt modelId="{3E6B4EE3-1812-4D03-8CF5-45D4D703BEDE}" type="pres">
+      <dgm:prSet presAssocID="{4967D9A4-2802-4965-9195-3A5E6EA9FB7D}" presName="textRepeatNode" presStyleLbl="alignNode1" presStyleIdx="0" presStyleCnt="3">
+        <dgm:presLayoutVars>
+          <dgm:chMax val="0"/>
+          <dgm:chPref val="0"/>
+          <dgm:bulletEnabled val="1"/>
+        </dgm:presLayoutVars>
+      </dgm:prSet>
+      <dgm:spPr/>
+    </dgm:pt>
+    <dgm:pt modelId="{E78159DB-34D0-45DA-A39D-C664F2955D38}" type="pres">
+      <dgm:prSet presAssocID="{4967D9A4-2802-4965-9195-3A5E6EA9FB7D}" presName="textaccent1" presStyleCnt="0"/>
+      <dgm:spPr/>
+    </dgm:pt>
+    <dgm:pt modelId="{91997A35-131E-4519-8514-824ECA455711}" type="pres">
+      <dgm:prSet presAssocID="{4967D9A4-2802-4965-9195-3A5E6EA9FB7D}" presName="accentRepeatNode" presStyleLbl="solidAlignAcc1" presStyleIdx="0" presStyleCnt="6"/>
+      <dgm:spPr/>
+    </dgm:pt>
+    <dgm:pt modelId="{71663836-F2CD-41E8-A378-D00F035474B5}" type="pres">
+      <dgm:prSet presAssocID="{AF43B853-A6D5-4CCE-B283-205DB0B17EFA}" presName="image1" presStyleCnt="0"/>
+      <dgm:spPr/>
+    </dgm:pt>
+    <dgm:pt modelId="{0551249D-5F10-4E1B-9AFB-E924FA2CAA50}" type="pres">
+      <dgm:prSet presAssocID="{AF43B853-A6D5-4CCE-B283-205DB0B17EFA}" presName="imageRepeatNode" presStyleLbl="alignAcc1" presStyleIdx="0" presStyleCnt="3"/>
+      <dgm:spPr/>
+    </dgm:pt>
+    <dgm:pt modelId="{F68CF4B6-BC5E-4BAC-8C4F-D4E3D9B01E6B}" type="pres">
+      <dgm:prSet presAssocID="{AF43B853-A6D5-4CCE-B283-205DB0B17EFA}" presName="imageaccent1" presStyleCnt="0"/>
+      <dgm:spPr/>
+    </dgm:pt>
+    <dgm:pt modelId="{BF052D65-7CD8-4F92-BC39-FCB8307B0703}" type="pres">
+      <dgm:prSet presAssocID="{AF43B853-A6D5-4CCE-B283-205DB0B17EFA}" presName="accentRepeatNode" presStyleLbl="solidAlignAcc1" presStyleIdx="1" presStyleCnt="6"/>
+      <dgm:spPr/>
+    </dgm:pt>
+    <dgm:pt modelId="{BEAC80E3-B1C9-4904-8364-A19AFF5AF3C4}" type="pres">
+      <dgm:prSet presAssocID="{F8EDE50F-D5FA-40C3-A325-B1E384EDF27D}" presName="text2" presStyleCnt="0"/>
+      <dgm:spPr/>
+    </dgm:pt>
+    <dgm:pt modelId="{15EB9C5D-A71C-43DC-B2E5-74AE4154176D}" type="pres">
+      <dgm:prSet presAssocID="{F8EDE50F-D5FA-40C3-A325-B1E384EDF27D}" presName="textRepeatNode" presStyleLbl="alignNode1" presStyleIdx="1" presStyleCnt="3">
+        <dgm:presLayoutVars>
+          <dgm:chMax val="0"/>
+          <dgm:chPref val="0"/>
+          <dgm:bulletEnabled val="1"/>
+        </dgm:presLayoutVars>
+      </dgm:prSet>
+      <dgm:spPr/>
+      <dgm:t>
+        <a:bodyPr/>
+        <a:lstStyle/>
+        <a:p>
+          <a:endParaRPr lang="en-US"/>
+        </a:p>
+      </dgm:t>
+    </dgm:pt>
+    <dgm:pt modelId="{5CFF3FAE-7809-46B0-B8AA-1F5D6D1DE14D}" type="pres">
+      <dgm:prSet presAssocID="{F8EDE50F-D5FA-40C3-A325-B1E384EDF27D}" presName="textaccent2" presStyleCnt="0"/>
+      <dgm:spPr/>
+    </dgm:pt>
+    <dgm:pt modelId="{3D4674AA-A5D4-49D5-9262-50BFC70563FE}" type="pres">
+      <dgm:prSet presAssocID="{F8EDE50F-D5FA-40C3-A325-B1E384EDF27D}" presName="accentRepeatNode" presStyleLbl="solidAlignAcc1" presStyleIdx="2" presStyleCnt="6"/>
+      <dgm:spPr/>
+    </dgm:pt>
+    <dgm:pt modelId="{D9B1A163-DE2A-4D36-AB60-E464C2D2E2AF}" type="pres">
+      <dgm:prSet presAssocID="{D31AFF9E-F3E4-4B72-A97D-0B91A5E45F8C}" presName="image2" presStyleCnt="0"/>
+      <dgm:spPr/>
+    </dgm:pt>
+    <dgm:pt modelId="{6062E858-CCFC-4639-BF99-D4476DF6DBFE}" type="pres">
+      <dgm:prSet presAssocID="{D31AFF9E-F3E4-4B72-A97D-0B91A5E45F8C}" presName="imageRepeatNode" presStyleLbl="alignAcc1" presStyleIdx="1" presStyleCnt="3"/>
+      <dgm:spPr/>
+    </dgm:pt>
+    <dgm:pt modelId="{53892B0D-DDF2-434C-A2F9-5A886C5C5A2A}" type="pres">
+      <dgm:prSet presAssocID="{D31AFF9E-F3E4-4B72-A97D-0B91A5E45F8C}" presName="imageaccent2" presStyleCnt="0"/>
+      <dgm:spPr/>
+    </dgm:pt>
+    <dgm:pt modelId="{E637E6CC-AF52-4E7F-881A-53EAF9CBB4EB}" type="pres">
+      <dgm:prSet presAssocID="{D31AFF9E-F3E4-4B72-A97D-0B91A5E45F8C}" presName="accentRepeatNode" presStyleLbl="solidAlignAcc1" presStyleIdx="3" presStyleCnt="6"/>
+      <dgm:spPr/>
+    </dgm:pt>
+    <dgm:pt modelId="{52EE221F-4911-491F-B472-1D69F2F24C67}" type="pres">
+      <dgm:prSet presAssocID="{82A368C6-E9E4-4007-AA34-78A765FC97F9}" presName="text3" presStyleCnt="0"/>
+      <dgm:spPr/>
+    </dgm:pt>
+    <dgm:pt modelId="{FD58699E-8BF3-4CFD-A4F7-D0CD98C44555}" type="pres">
+      <dgm:prSet presAssocID="{82A368C6-E9E4-4007-AA34-78A765FC97F9}" presName="textRepeatNode" presStyleLbl="alignNode1" presStyleIdx="2" presStyleCnt="3">
+        <dgm:presLayoutVars>
+          <dgm:chMax val="0"/>
+          <dgm:chPref val="0"/>
+          <dgm:bulletEnabled val="1"/>
+        </dgm:presLayoutVars>
+      </dgm:prSet>
+      <dgm:spPr/>
+      <dgm:t>
+        <a:bodyPr/>
+        <a:lstStyle/>
+        <a:p>
+          <a:endParaRPr lang="en-US"/>
+        </a:p>
+      </dgm:t>
+    </dgm:pt>
+    <dgm:pt modelId="{5F70F575-AE86-4F2A-B047-2B3C37C042EB}" type="pres">
+      <dgm:prSet presAssocID="{82A368C6-E9E4-4007-AA34-78A765FC97F9}" presName="textaccent3" presStyleCnt="0"/>
+      <dgm:spPr/>
+    </dgm:pt>
+    <dgm:pt modelId="{D4A0BD4D-468F-4038-943B-73A0C20EF615}" type="pres">
+      <dgm:prSet presAssocID="{82A368C6-E9E4-4007-AA34-78A765FC97F9}" presName="accentRepeatNode" presStyleLbl="solidAlignAcc1" presStyleIdx="4" presStyleCnt="6"/>
+      <dgm:spPr/>
+    </dgm:pt>
+    <dgm:pt modelId="{A7824D5E-2C56-49FC-8819-701A8C9F5954}" type="pres">
+      <dgm:prSet presAssocID="{36B3E21B-F037-407F-B344-4A65D4CC73AC}" presName="image3" presStyleCnt="0"/>
+      <dgm:spPr/>
+    </dgm:pt>
+    <dgm:pt modelId="{727D479D-3B5B-4250-A0BC-521B5A00582A}" type="pres">
+      <dgm:prSet presAssocID="{36B3E21B-F037-407F-B344-4A65D4CC73AC}" presName="imageRepeatNode" presStyleLbl="alignAcc1" presStyleIdx="2" presStyleCnt="3"/>
+      <dgm:spPr/>
+    </dgm:pt>
+    <dgm:pt modelId="{20C1B2C1-F84B-4AA0-BF9F-35231B5A58ED}" type="pres">
+      <dgm:prSet presAssocID="{36B3E21B-F037-407F-B344-4A65D4CC73AC}" presName="imageaccent3" presStyleCnt="0"/>
+      <dgm:spPr/>
+    </dgm:pt>
+    <dgm:pt modelId="{1D4F8CB3-555D-4BE7-ABA1-9A38EAFC7884}" type="pres">
+      <dgm:prSet presAssocID="{36B3E21B-F037-407F-B344-4A65D4CC73AC}" presName="accentRepeatNode" presStyleLbl="solidAlignAcc1" presStyleIdx="5" presStyleCnt="6"/>
+      <dgm:spPr/>
+    </dgm:pt>
+  </dgm:ptLst>
+  <dgm:cxnLst>
+    <dgm:cxn modelId="{44D27A7F-A5DA-4219-AD9E-FD068BB67BF5}" type="presOf" srcId="{36B3E21B-F037-407F-B344-4A65D4CC73AC}" destId="{727D479D-3B5B-4250-A0BC-521B5A00582A}" srcOrd="0" destOrd="0" presId="urn:microsoft.com/office/officeart/2008/layout/HexagonCluster"/>
+    <dgm:cxn modelId="{69AC3533-6326-47CA-AB69-2DED0B99A421}" type="presOf" srcId="{F8EDE50F-D5FA-40C3-A325-B1E384EDF27D}" destId="{15EB9C5D-A71C-43DC-B2E5-74AE4154176D}" srcOrd="0" destOrd="0" presId="urn:microsoft.com/office/officeart/2008/layout/HexagonCluster"/>
+    <dgm:cxn modelId="{50E9AB69-3BFE-47A1-8EE5-324E8EB3A3DB}" srcId="{0F2B6945-49D7-46D7-B4D9-8A873D9987DA}" destId="{82A368C6-E9E4-4007-AA34-78A765FC97F9}" srcOrd="2" destOrd="0" parTransId="{2BB9F0AB-9CDD-4525-BC9C-2B3BD3B107B8}" sibTransId="{36B3E21B-F037-407F-B344-4A65D4CC73AC}"/>
+    <dgm:cxn modelId="{0C78F072-9A11-4176-9071-42A48D34D4F9}" type="presOf" srcId="{AF43B853-A6D5-4CCE-B283-205DB0B17EFA}" destId="{0551249D-5F10-4E1B-9AFB-E924FA2CAA50}" srcOrd="0" destOrd="0" presId="urn:microsoft.com/office/officeart/2008/layout/HexagonCluster"/>
+    <dgm:cxn modelId="{FF283AA6-97E8-4807-92D1-150ABBAFE3C6}" srcId="{0F2B6945-49D7-46D7-B4D9-8A873D9987DA}" destId="{4967D9A4-2802-4965-9195-3A5E6EA9FB7D}" srcOrd="0" destOrd="0" parTransId="{0D8B3EA5-3FF2-4A5B-AA9A-C93E275A1437}" sibTransId="{AF43B853-A6D5-4CCE-B283-205DB0B17EFA}"/>
+    <dgm:cxn modelId="{3E064BD3-543D-4D25-B897-DA4A9CDDF57B}" type="presOf" srcId="{82A368C6-E9E4-4007-AA34-78A765FC97F9}" destId="{FD58699E-8BF3-4CFD-A4F7-D0CD98C44555}" srcOrd="0" destOrd="0" presId="urn:microsoft.com/office/officeart/2008/layout/HexagonCluster"/>
+    <dgm:cxn modelId="{9AE310CD-1084-4A44-9C0B-B3D7E23A0188}" type="presOf" srcId="{D31AFF9E-F3E4-4B72-A97D-0B91A5E45F8C}" destId="{6062E858-CCFC-4639-BF99-D4476DF6DBFE}" srcOrd="0" destOrd="0" presId="urn:microsoft.com/office/officeart/2008/layout/HexagonCluster"/>
+    <dgm:cxn modelId="{A3EE8FC2-4653-4290-B100-95D6D485612F}" type="presOf" srcId="{0F2B6945-49D7-46D7-B4D9-8A873D9987DA}" destId="{E747FD3E-E213-4B46-8696-1072E0EE10A2}" srcOrd="0" destOrd="0" presId="urn:microsoft.com/office/officeart/2008/layout/HexagonCluster"/>
+    <dgm:cxn modelId="{96E37155-A6AD-4CED-93B8-771772F26EA7}" srcId="{0F2B6945-49D7-46D7-B4D9-8A873D9987DA}" destId="{F8EDE50F-D5FA-40C3-A325-B1E384EDF27D}" srcOrd="1" destOrd="0" parTransId="{B118E03E-C764-4C7B-856F-F1AABA320EE4}" sibTransId="{D31AFF9E-F3E4-4B72-A97D-0B91A5E45F8C}"/>
+    <dgm:cxn modelId="{D063191B-FC12-4BFF-ACB3-8C82CF4FD9B6}" type="presOf" srcId="{4967D9A4-2802-4965-9195-3A5E6EA9FB7D}" destId="{3E6B4EE3-1812-4D03-8CF5-45D4D703BEDE}" srcOrd="0" destOrd="0" presId="urn:microsoft.com/office/officeart/2008/layout/HexagonCluster"/>
+    <dgm:cxn modelId="{F9BD196B-ABEA-4072-9CAA-F3C13F47CEA9}" type="presParOf" srcId="{E747FD3E-E213-4B46-8696-1072E0EE10A2}" destId="{4B6A9513-752C-41F1-8C0F-2C7079023E0E}" srcOrd="0" destOrd="0" presId="urn:microsoft.com/office/officeart/2008/layout/HexagonCluster"/>
+    <dgm:cxn modelId="{03CC64A6-347B-4F0B-8D2B-A7506BDA8818}" type="presParOf" srcId="{4B6A9513-752C-41F1-8C0F-2C7079023E0E}" destId="{3E6B4EE3-1812-4D03-8CF5-45D4D703BEDE}" srcOrd="0" destOrd="0" presId="urn:microsoft.com/office/officeart/2008/layout/HexagonCluster"/>
+    <dgm:cxn modelId="{D2065110-9D71-4011-98F5-802852D9D2F8}" type="presParOf" srcId="{E747FD3E-E213-4B46-8696-1072E0EE10A2}" destId="{E78159DB-34D0-45DA-A39D-C664F2955D38}" srcOrd="1" destOrd="0" presId="urn:microsoft.com/office/officeart/2008/layout/HexagonCluster"/>
+    <dgm:cxn modelId="{7E7B8705-BD51-4AEA-B439-C12162F75E91}" type="presParOf" srcId="{E78159DB-34D0-45DA-A39D-C664F2955D38}" destId="{91997A35-131E-4519-8514-824ECA455711}" srcOrd="0" destOrd="0" presId="urn:microsoft.com/office/officeart/2008/layout/HexagonCluster"/>
+    <dgm:cxn modelId="{C92778B9-9863-482E-945B-F745FF909687}" type="presParOf" srcId="{E747FD3E-E213-4B46-8696-1072E0EE10A2}" destId="{71663836-F2CD-41E8-A378-D00F035474B5}" srcOrd="2" destOrd="0" presId="urn:microsoft.com/office/officeart/2008/layout/HexagonCluster"/>
+    <dgm:cxn modelId="{A86D3C58-3FA8-47CE-BE59-72C557996AB6}" type="presParOf" srcId="{71663836-F2CD-41E8-A378-D00F035474B5}" destId="{0551249D-5F10-4E1B-9AFB-E924FA2CAA50}" srcOrd="0" destOrd="0" presId="urn:microsoft.com/office/officeart/2008/layout/HexagonCluster"/>
+    <dgm:cxn modelId="{FB8ED8EA-45C7-46ED-BBE4-FCCA1389FB30}" type="presParOf" srcId="{E747FD3E-E213-4B46-8696-1072E0EE10A2}" destId="{F68CF4B6-BC5E-4BAC-8C4F-D4E3D9B01E6B}" srcOrd="3" destOrd="0" presId="urn:microsoft.com/office/officeart/2008/layout/HexagonCluster"/>
+    <dgm:cxn modelId="{BFD1AD1C-017F-4765-B342-65AF54F2294B}" type="presParOf" srcId="{F68CF4B6-BC5E-4BAC-8C4F-D4E3D9B01E6B}" destId="{BF052D65-7CD8-4F92-BC39-FCB8307B0703}" srcOrd="0" destOrd="0" presId="urn:microsoft.com/office/officeart/2008/layout/HexagonCluster"/>
+    <dgm:cxn modelId="{90CC7C7E-96BD-44F1-A8A7-7071DED8833C}" type="presParOf" srcId="{E747FD3E-E213-4B46-8696-1072E0EE10A2}" destId="{BEAC80E3-B1C9-4904-8364-A19AFF5AF3C4}" srcOrd="4" destOrd="0" presId="urn:microsoft.com/office/officeart/2008/layout/HexagonCluster"/>
+    <dgm:cxn modelId="{0536CBE2-19F3-488A-AEDF-2484CE2DDE86}" type="presParOf" srcId="{BEAC80E3-B1C9-4904-8364-A19AFF5AF3C4}" destId="{15EB9C5D-A71C-43DC-B2E5-74AE4154176D}" srcOrd="0" destOrd="0" presId="urn:microsoft.com/office/officeart/2008/layout/HexagonCluster"/>
+    <dgm:cxn modelId="{577B8B11-17F1-45B9-8E33-A0DB58D4A144}" type="presParOf" srcId="{E747FD3E-E213-4B46-8696-1072E0EE10A2}" destId="{5CFF3FAE-7809-46B0-B8AA-1F5D6D1DE14D}" srcOrd="5" destOrd="0" presId="urn:microsoft.com/office/officeart/2008/layout/HexagonCluster"/>
+    <dgm:cxn modelId="{8701DBBE-ED91-4043-B97D-7F627C8BD542}" type="presParOf" srcId="{5CFF3FAE-7809-46B0-B8AA-1F5D6D1DE14D}" destId="{3D4674AA-A5D4-49D5-9262-50BFC70563FE}" srcOrd="0" destOrd="0" presId="urn:microsoft.com/office/officeart/2008/layout/HexagonCluster"/>
+    <dgm:cxn modelId="{5AEC1240-B24D-4546-A41F-0C10E04E72BE}" type="presParOf" srcId="{E747FD3E-E213-4B46-8696-1072E0EE10A2}" destId="{D9B1A163-DE2A-4D36-AB60-E464C2D2E2AF}" srcOrd="6" destOrd="0" presId="urn:microsoft.com/office/officeart/2008/layout/HexagonCluster"/>
+    <dgm:cxn modelId="{B985A3C5-A620-4768-A4F1-7D5963C9B4F7}" type="presParOf" srcId="{D9B1A163-DE2A-4D36-AB60-E464C2D2E2AF}" destId="{6062E858-CCFC-4639-BF99-D4476DF6DBFE}" srcOrd="0" destOrd="0" presId="urn:microsoft.com/office/officeart/2008/layout/HexagonCluster"/>
+    <dgm:cxn modelId="{824DA7D6-779F-44BE-B80D-89DB8EFE7F11}" type="presParOf" srcId="{E747FD3E-E213-4B46-8696-1072E0EE10A2}" destId="{53892B0D-DDF2-434C-A2F9-5A886C5C5A2A}" srcOrd="7" destOrd="0" presId="urn:microsoft.com/office/officeart/2008/layout/HexagonCluster"/>
+    <dgm:cxn modelId="{B68AB94E-F4D7-4039-8E9C-0E99873E6088}" type="presParOf" srcId="{53892B0D-DDF2-434C-A2F9-5A886C5C5A2A}" destId="{E637E6CC-AF52-4E7F-881A-53EAF9CBB4EB}" srcOrd="0" destOrd="0" presId="urn:microsoft.com/office/officeart/2008/layout/HexagonCluster"/>
+    <dgm:cxn modelId="{A83D791D-8520-4C05-A273-B9E35BDCCCF6}" type="presParOf" srcId="{E747FD3E-E213-4B46-8696-1072E0EE10A2}" destId="{52EE221F-4911-491F-B472-1D69F2F24C67}" srcOrd="8" destOrd="0" presId="urn:microsoft.com/office/officeart/2008/layout/HexagonCluster"/>
+    <dgm:cxn modelId="{AF6EBF6B-0AC0-4E36-ACAA-13971077D765}" type="presParOf" srcId="{52EE221F-4911-491F-B472-1D69F2F24C67}" destId="{FD58699E-8BF3-4CFD-A4F7-D0CD98C44555}" srcOrd="0" destOrd="0" presId="urn:microsoft.com/office/officeart/2008/layout/HexagonCluster"/>
+    <dgm:cxn modelId="{BECB8EA4-94C0-48B6-9B65-F8EFF19AE80D}" type="presParOf" srcId="{E747FD3E-E213-4B46-8696-1072E0EE10A2}" destId="{5F70F575-AE86-4F2A-B047-2B3C37C042EB}" srcOrd="9" destOrd="0" presId="urn:microsoft.com/office/officeart/2008/layout/HexagonCluster"/>
+    <dgm:cxn modelId="{61653AD9-E453-44FE-AC6D-4596F671650C}" type="presParOf" srcId="{5F70F575-AE86-4F2A-B047-2B3C37C042EB}" destId="{D4A0BD4D-468F-4038-943B-73A0C20EF615}" srcOrd="0" destOrd="0" presId="urn:microsoft.com/office/officeart/2008/layout/HexagonCluster"/>
+    <dgm:cxn modelId="{D7399540-6441-4888-BEB4-D2C22FCF510E}" type="presParOf" srcId="{E747FD3E-E213-4B46-8696-1072E0EE10A2}" destId="{A7824D5E-2C56-49FC-8819-701A8C9F5954}" srcOrd="10" destOrd="0" presId="urn:microsoft.com/office/officeart/2008/layout/HexagonCluster"/>
+    <dgm:cxn modelId="{01590ECB-AD5F-4129-ACF1-E8FC17AFC3BB}" type="presParOf" srcId="{A7824D5E-2C56-49FC-8819-701A8C9F5954}" destId="{727D479D-3B5B-4250-A0BC-521B5A00582A}" srcOrd="0" destOrd="0" presId="urn:microsoft.com/office/officeart/2008/layout/HexagonCluster"/>
+    <dgm:cxn modelId="{D2C34BC3-A3A5-4047-BDF6-C3E2F9ABB0E0}" type="presParOf" srcId="{E747FD3E-E213-4B46-8696-1072E0EE10A2}" destId="{20C1B2C1-F84B-4AA0-BF9F-35231B5A58ED}" srcOrd="11" destOrd="0" presId="urn:microsoft.com/office/officeart/2008/layout/HexagonCluster"/>
+    <dgm:cxn modelId="{AA43E047-D67B-4115-B3F1-28650FFDDC24}" type="presParOf" srcId="{20C1B2C1-F84B-4AA0-BF9F-35231B5A58ED}" destId="{1D4F8CB3-555D-4BE7-ABA1-9A38EAFC7884}" srcOrd="0" destOrd="0" presId="urn:microsoft.com/office/officeart/2008/layout/HexagonCluster"/>
+  </dgm:cxnLst>
+  <dgm:bg/>
+  <dgm:whole/>
+  <dgm:extLst>
+    <a:ext uri="http://schemas.microsoft.com/office/drawing/2008/diagram">
+      <dsp:dataModelExt xmlns:dsp="http://schemas.microsoft.com/office/drawing/2008/diagram" relId="rId8" minVer="http://schemas.openxmlformats.org/drawingml/2006/diagram"/>
     </a:ext>
   </dgm:extLst>
 </dgm:dataModel>
@@ -7093,6 +8332,819 @@
 </dsp:drawing>
 </file>
 
+<file path=ppt/diagrams/drawing6.xml><?xml version="1.0" encoding="utf-8"?>
+<dsp:drawing xmlns:dgm="http://schemas.openxmlformats.org/drawingml/2006/diagram" xmlns:dsp="http://schemas.microsoft.com/office/drawing/2008/diagram" xmlns:a="http://schemas.openxmlformats.org/drawingml/2006/main">
+  <dsp:spTree>
+    <dsp:nvGrpSpPr>
+      <dsp:cNvPr id="0" name=""/>
+      <dsp:cNvGrpSpPr/>
+    </dsp:nvGrpSpPr>
+    <dsp:grpSpPr/>
+    <dsp:sp modelId="{3E6B4EE3-1812-4D03-8CF5-45D4D703BEDE}">
+      <dsp:nvSpPr>
+        <dsp:cNvPr id="0" name=""/>
+        <dsp:cNvSpPr/>
+      </dsp:nvSpPr>
+      <dsp:spPr>
+        <a:xfrm>
+          <a:off x="1820869" y="2791776"/>
+          <a:ext cx="1972014" cy="1700220"/>
+        </a:xfrm>
+        <a:prstGeom prst="hexagon">
+          <a:avLst>
+            <a:gd name="adj" fmla="val 25000"/>
+            <a:gd name="vf" fmla="val 115470"/>
+          </a:avLst>
+        </a:prstGeom>
+        <a:solidFill>
+          <a:schemeClr val="accent1">
+            <a:hueOff val="0"/>
+            <a:satOff val="0"/>
+            <a:lumOff val="0"/>
+            <a:alphaOff val="0"/>
+          </a:schemeClr>
+        </a:solidFill>
+        <a:ln w="15875" cap="rnd" cmpd="sng" algn="ctr">
+          <a:solidFill>
+            <a:schemeClr val="accent1">
+              <a:hueOff val="0"/>
+              <a:satOff val="0"/>
+              <a:lumOff val="0"/>
+              <a:alphaOff val="0"/>
+            </a:schemeClr>
+          </a:solidFill>
+          <a:prstDash val="solid"/>
+        </a:ln>
+        <a:effectLst/>
+      </dsp:spPr>
+      <dsp:style>
+        <a:lnRef idx="2">
+          <a:scrgbClr r="0" g="0" b="0"/>
+        </a:lnRef>
+        <a:fillRef idx="1">
+          <a:scrgbClr r="0" g="0" b="0"/>
+        </a:fillRef>
+        <a:effectRef idx="0">
+          <a:scrgbClr r="0" g="0" b="0"/>
+        </a:effectRef>
+        <a:fontRef idx="minor">
+          <a:schemeClr val="lt1"/>
+        </a:fontRef>
+      </dsp:style>
+      <dsp:txBody>
+        <a:bodyPr spcFirstLastPara="0" vert="horz" wrap="square" lIns="0" tIns="31750" rIns="0" bIns="31750" numCol="1" spcCol="1270" anchor="ctr" anchorCtr="0">
+          <a:noAutofit/>
+        </a:bodyPr>
+        <a:lstStyle/>
+        <a:p>
+          <a:pPr lvl="0" algn="ctr" defTabSz="1111250">
+            <a:lnSpc>
+              <a:spcPct val="90000"/>
+            </a:lnSpc>
+            <a:spcBef>
+              <a:spcPct val="0"/>
+            </a:spcBef>
+            <a:spcAft>
+              <a:spcPct val="35000"/>
+            </a:spcAft>
+          </a:pPr>
+          <a:r>
+            <a:rPr lang="en-US" sz="2500" b="1" kern="1200" smtClean="0">
+              <a:effectLst>
+                <a:outerShdw blurRad="38100" dist="38100" dir="2700000" algn="tl">
+                  <a:srgbClr val="000000">
+                    <a:alpha val="43137"/>
+                  </a:srgbClr>
+                </a:outerShdw>
+              </a:effectLst>
+              <a:latin typeface="Times New Roman" panose="02020603050405020304" pitchFamily="18" charset="0"/>
+              <a:cs typeface="Times New Roman" panose="02020603050405020304" pitchFamily="18" charset="0"/>
+            </a:rPr>
+            <a:t>P vs Com</a:t>
+          </a:r>
+          <a:endParaRPr lang="en-US" sz="2500" b="1" kern="1200">
+            <a:effectLst>
+              <a:outerShdw blurRad="38100" dist="38100" dir="2700000" algn="tl">
+                <a:srgbClr val="000000">
+                  <a:alpha val="43137"/>
+                </a:srgbClr>
+              </a:outerShdw>
+            </a:effectLst>
+            <a:latin typeface="Times New Roman" panose="02020603050405020304" pitchFamily="18" charset="0"/>
+            <a:cs typeface="Times New Roman" panose="02020603050405020304" pitchFamily="18" charset="0"/>
+          </a:endParaRPr>
+        </a:p>
+      </dsp:txBody>
+      <dsp:txXfrm>
+        <a:off x="2126889" y="3055618"/>
+        <a:ext cx="1359975" cy="1172536"/>
+      </dsp:txXfrm>
+    </dsp:sp>
+    <dsp:sp modelId="{91997A35-131E-4519-8514-824ECA455711}">
+      <dsp:nvSpPr>
+        <dsp:cNvPr id="0" name=""/>
+        <dsp:cNvSpPr/>
+      </dsp:nvSpPr>
+      <dsp:spPr>
+        <a:xfrm>
+          <a:off x="1872100" y="3542388"/>
+          <a:ext cx="230887" cy="198995"/>
+        </a:xfrm>
+        <a:prstGeom prst="hexagon">
+          <a:avLst>
+            <a:gd name="adj" fmla="val 25000"/>
+            <a:gd name="vf" fmla="val 115470"/>
+          </a:avLst>
+        </a:prstGeom>
+        <a:solidFill>
+          <a:schemeClr val="lt1">
+            <a:hueOff val="0"/>
+            <a:satOff val="0"/>
+            <a:lumOff val="0"/>
+            <a:alphaOff val="0"/>
+          </a:schemeClr>
+        </a:solidFill>
+        <a:ln w="15875" cap="rnd" cmpd="sng" algn="ctr">
+          <a:solidFill>
+            <a:schemeClr val="accent1">
+              <a:hueOff val="0"/>
+              <a:satOff val="0"/>
+              <a:lumOff val="0"/>
+              <a:alphaOff val="0"/>
+            </a:schemeClr>
+          </a:solidFill>
+          <a:prstDash val="solid"/>
+        </a:ln>
+        <a:effectLst/>
+      </dsp:spPr>
+      <dsp:style>
+        <a:lnRef idx="2">
+          <a:scrgbClr r="0" g="0" b="0"/>
+        </a:lnRef>
+        <a:fillRef idx="1">
+          <a:scrgbClr r="0" g="0" b="0"/>
+        </a:fillRef>
+        <a:effectRef idx="0">
+          <a:scrgbClr r="0" g="0" b="0"/>
+        </a:effectRef>
+        <a:fontRef idx="minor"/>
+      </dsp:style>
+    </dsp:sp>
+    <dsp:sp modelId="{0551249D-5F10-4E1B-9AFB-E924FA2CAA50}">
+      <dsp:nvSpPr>
+        <dsp:cNvPr id="0" name=""/>
+        <dsp:cNvSpPr/>
+      </dsp:nvSpPr>
+      <dsp:spPr>
+        <a:xfrm>
+          <a:off x="135183" y="1878553"/>
+          <a:ext cx="1972014" cy="1700220"/>
+        </a:xfrm>
+        <a:prstGeom prst="hexagon">
+          <a:avLst>
+            <a:gd name="adj" fmla="val 25000"/>
+            <a:gd name="vf" fmla="val 115470"/>
+          </a:avLst>
+        </a:prstGeom>
+        <a:gradFill flip="none" rotWithShape="1">
+          <a:gsLst>
+            <a:gs pos="0">
+              <a:schemeClr val="accent5">
+                <a:lumMod val="0"/>
+                <a:lumOff val="100000"/>
+              </a:schemeClr>
+            </a:gs>
+            <a:gs pos="35000">
+              <a:schemeClr val="accent5">
+                <a:lumMod val="0"/>
+                <a:lumOff val="100000"/>
+              </a:schemeClr>
+            </a:gs>
+            <a:gs pos="100000">
+              <a:schemeClr val="accent5">
+                <a:lumMod val="100000"/>
+              </a:schemeClr>
+            </a:gs>
+          </a:gsLst>
+          <a:path path="circle">
+            <a:fillToRect l="50000" t="-80000" r="50000" b="180000"/>
+          </a:path>
+          <a:tileRect/>
+        </a:gradFill>
+        <a:ln w="15875" cap="rnd" cmpd="sng" algn="ctr">
+          <a:solidFill>
+            <a:schemeClr val="accent1">
+              <a:hueOff val="0"/>
+              <a:satOff val="0"/>
+              <a:lumOff val="0"/>
+              <a:alphaOff val="0"/>
+            </a:schemeClr>
+          </a:solidFill>
+          <a:prstDash val="solid"/>
+        </a:ln>
+        <a:effectLst/>
+      </dsp:spPr>
+      <dsp:style>
+        <a:lnRef idx="2">
+          <a:scrgbClr r="0" g="0" b="0"/>
+        </a:lnRef>
+        <a:fillRef idx="1">
+          <a:scrgbClr r="0" g="0" b="0"/>
+        </a:fillRef>
+        <a:effectRef idx="0">
+          <a:scrgbClr r="0" g="0" b="0"/>
+        </a:effectRef>
+        <a:fontRef idx="minor"/>
+      </dsp:style>
+    </dsp:sp>
+    <dsp:sp modelId="{BF052D65-7CD8-4F92-BC39-FCB8307B0703}">
+      <dsp:nvSpPr>
+        <dsp:cNvPr id="0" name=""/>
+        <dsp:cNvSpPr/>
+      </dsp:nvSpPr>
+      <dsp:spPr>
+        <a:xfrm>
+          <a:off x="1477697" y="3354174"/>
+          <a:ext cx="230887" cy="198995"/>
+        </a:xfrm>
+        <a:prstGeom prst="hexagon">
+          <a:avLst>
+            <a:gd name="adj" fmla="val 25000"/>
+            <a:gd name="vf" fmla="val 115470"/>
+          </a:avLst>
+        </a:prstGeom>
+        <a:solidFill>
+          <a:schemeClr val="lt1">
+            <a:hueOff val="0"/>
+            <a:satOff val="0"/>
+            <a:lumOff val="0"/>
+            <a:alphaOff val="0"/>
+          </a:schemeClr>
+        </a:solidFill>
+        <a:ln w="15875" cap="rnd" cmpd="sng" algn="ctr">
+          <a:solidFill>
+            <a:schemeClr val="accent1">
+              <a:hueOff val="0"/>
+              <a:satOff val="0"/>
+              <a:lumOff val="0"/>
+              <a:alphaOff val="0"/>
+            </a:schemeClr>
+          </a:solidFill>
+          <a:prstDash val="solid"/>
+        </a:ln>
+        <a:effectLst/>
+      </dsp:spPr>
+      <dsp:style>
+        <a:lnRef idx="2">
+          <a:scrgbClr r="0" g="0" b="0"/>
+        </a:lnRef>
+        <a:fillRef idx="1">
+          <a:scrgbClr r="0" g="0" b="0"/>
+        </a:fillRef>
+        <a:effectRef idx="0">
+          <a:scrgbClr r="0" g="0" b="0"/>
+        </a:effectRef>
+        <a:fontRef idx="minor"/>
+      </dsp:style>
+    </dsp:sp>
+    <dsp:sp modelId="{15EB9C5D-A71C-43DC-B2E5-74AE4154176D}">
+      <dsp:nvSpPr>
+        <dsp:cNvPr id="0" name=""/>
+        <dsp:cNvSpPr/>
+      </dsp:nvSpPr>
+      <dsp:spPr>
+        <a:xfrm>
+          <a:off x="3500942" y="1858339"/>
+          <a:ext cx="1972014" cy="1700220"/>
+        </a:xfrm>
+        <a:prstGeom prst="hexagon">
+          <a:avLst>
+            <a:gd name="adj" fmla="val 25000"/>
+            <a:gd name="vf" fmla="val 115470"/>
+          </a:avLst>
+        </a:prstGeom>
+        <a:solidFill>
+          <a:schemeClr val="accent1">
+            <a:hueOff val="0"/>
+            <a:satOff val="0"/>
+            <a:lumOff val="0"/>
+            <a:alphaOff val="0"/>
+          </a:schemeClr>
+        </a:solidFill>
+        <a:ln w="15875" cap="rnd" cmpd="sng" algn="ctr">
+          <a:solidFill>
+            <a:schemeClr val="accent1">
+              <a:hueOff val="0"/>
+              <a:satOff val="0"/>
+              <a:lumOff val="0"/>
+              <a:alphaOff val="0"/>
+            </a:schemeClr>
+          </a:solidFill>
+          <a:prstDash val="solid"/>
+        </a:ln>
+        <a:effectLst/>
+      </dsp:spPr>
+      <dsp:style>
+        <a:lnRef idx="2">
+          <a:scrgbClr r="0" g="0" b="0"/>
+        </a:lnRef>
+        <a:fillRef idx="1">
+          <a:scrgbClr r="0" g="0" b="0"/>
+        </a:fillRef>
+        <a:effectRef idx="0">
+          <a:scrgbClr r="0" g="0" b="0"/>
+        </a:effectRef>
+        <a:fontRef idx="minor">
+          <a:schemeClr val="lt1"/>
+        </a:fontRef>
+      </dsp:style>
+      <dsp:txBody>
+        <a:bodyPr spcFirstLastPara="0" vert="horz" wrap="square" lIns="0" tIns="31750" rIns="0" bIns="31750" numCol="1" spcCol="1270" anchor="ctr" anchorCtr="0">
+          <a:noAutofit/>
+        </a:bodyPr>
+        <a:lstStyle/>
+        <a:p>
+          <a:pPr lvl="0" algn="ctr" defTabSz="1111250">
+            <a:lnSpc>
+              <a:spcPct val="90000"/>
+            </a:lnSpc>
+            <a:spcBef>
+              <a:spcPct val="0"/>
+            </a:spcBef>
+            <a:spcAft>
+              <a:spcPct val="35000"/>
+            </a:spcAft>
+          </a:pPr>
+          <a:r>
+            <a:rPr lang="en-US" sz="2500" b="1" kern="1200" smtClean="0">
+              <a:effectLst>
+                <a:outerShdw blurRad="38100" dist="38100" dir="2700000" algn="tl">
+                  <a:srgbClr val="000000">
+                    <a:alpha val="43137"/>
+                  </a:srgbClr>
+                </a:outerShdw>
+              </a:effectLst>
+              <a:latin typeface="Times New Roman" panose="02020603050405020304" pitchFamily="18" charset="0"/>
+              <a:cs typeface="Times New Roman" panose="02020603050405020304" pitchFamily="18" charset="0"/>
+            </a:rPr>
+            <a:t>P vs P</a:t>
+          </a:r>
+          <a:endParaRPr lang="en-US" sz="2500" b="1" kern="1200">
+            <a:effectLst>
+              <a:outerShdw blurRad="38100" dist="38100" dir="2700000" algn="tl">
+                <a:srgbClr val="000000">
+                  <a:alpha val="43137"/>
+                </a:srgbClr>
+              </a:outerShdw>
+            </a:effectLst>
+            <a:latin typeface="Times New Roman" panose="02020603050405020304" pitchFamily="18" charset="0"/>
+            <a:cs typeface="Times New Roman" panose="02020603050405020304" pitchFamily="18" charset="0"/>
+          </a:endParaRPr>
+        </a:p>
+      </dsp:txBody>
+      <dsp:txXfrm>
+        <a:off x="3806962" y="2122181"/>
+        <a:ext cx="1359975" cy="1172536"/>
+      </dsp:txXfrm>
+    </dsp:sp>
+    <dsp:sp modelId="{3D4674AA-A5D4-49D5-9262-50BFC70563FE}">
+      <dsp:nvSpPr>
+        <dsp:cNvPr id="0" name=""/>
+        <dsp:cNvSpPr/>
+      </dsp:nvSpPr>
+      <dsp:spPr>
+        <a:xfrm>
+          <a:off x="4849070" y="3332163"/>
+          <a:ext cx="230887" cy="198995"/>
+        </a:xfrm>
+        <a:prstGeom prst="hexagon">
+          <a:avLst>
+            <a:gd name="adj" fmla="val 25000"/>
+            <a:gd name="vf" fmla="val 115470"/>
+          </a:avLst>
+        </a:prstGeom>
+        <a:solidFill>
+          <a:schemeClr val="lt1">
+            <a:hueOff val="0"/>
+            <a:satOff val="0"/>
+            <a:lumOff val="0"/>
+            <a:alphaOff val="0"/>
+          </a:schemeClr>
+        </a:solidFill>
+        <a:ln w="15875" cap="rnd" cmpd="sng" algn="ctr">
+          <a:solidFill>
+            <a:schemeClr val="accent1">
+              <a:hueOff val="0"/>
+              <a:satOff val="0"/>
+              <a:lumOff val="0"/>
+              <a:alphaOff val="0"/>
+            </a:schemeClr>
+          </a:solidFill>
+          <a:prstDash val="solid"/>
+        </a:ln>
+        <a:effectLst/>
+      </dsp:spPr>
+      <dsp:style>
+        <a:lnRef idx="2">
+          <a:scrgbClr r="0" g="0" b="0"/>
+        </a:lnRef>
+        <a:fillRef idx="1">
+          <a:scrgbClr r="0" g="0" b="0"/>
+        </a:fillRef>
+        <a:effectRef idx="0">
+          <a:scrgbClr r="0" g="0" b="0"/>
+        </a:effectRef>
+        <a:fontRef idx="minor"/>
+      </dsp:style>
+    </dsp:sp>
+    <dsp:sp modelId="{6062E858-CCFC-4639-BF99-D4476DF6DBFE}">
+      <dsp:nvSpPr>
+        <dsp:cNvPr id="0" name=""/>
+        <dsp:cNvSpPr/>
+      </dsp:nvSpPr>
+      <dsp:spPr>
+        <a:xfrm>
+          <a:off x="5181014" y="2791776"/>
+          <a:ext cx="1972014" cy="1700220"/>
+        </a:xfrm>
+        <a:prstGeom prst="hexagon">
+          <a:avLst>
+            <a:gd name="adj" fmla="val 25000"/>
+            <a:gd name="vf" fmla="val 115470"/>
+          </a:avLst>
+        </a:prstGeom>
+        <a:gradFill flip="none" rotWithShape="1">
+          <a:gsLst>
+            <a:gs pos="0">
+              <a:schemeClr val="accent3">
+                <a:lumMod val="40000"/>
+                <a:lumOff val="60000"/>
+              </a:schemeClr>
+            </a:gs>
+            <a:gs pos="46000">
+              <a:schemeClr val="accent3">
+                <a:lumMod val="95000"/>
+                <a:lumOff val="5000"/>
+              </a:schemeClr>
+            </a:gs>
+            <a:gs pos="100000">
+              <a:schemeClr val="accent3">
+                <a:lumMod val="60000"/>
+              </a:schemeClr>
+            </a:gs>
+          </a:gsLst>
+          <a:path path="circle">
+            <a:fillToRect l="50000" t="130000" r="50000" b="-30000"/>
+          </a:path>
+          <a:tileRect/>
+        </a:gradFill>
+        <a:ln w="15875" cap="rnd" cmpd="sng" algn="ctr">
+          <a:solidFill>
+            <a:schemeClr val="accent1">
+              <a:hueOff val="0"/>
+              <a:satOff val="0"/>
+              <a:lumOff val="0"/>
+              <a:alphaOff val="0"/>
+            </a:schemeClr>
+          </a:solidFill>
+          <a:prstDash val="solid"/>
+        </a:ln>
+        <a:effectLst/>
+      </dsp:spPr>
+      <dsp:style>
+        <a:lnRef idx="2">
+          <a:scrgbClr r="0" g="0" b="0"/>
+        </a:lnRef>
+        <a:fillRef idx="1">
+          <a:scrgbClr r="0" g="0" b="0"/>
+        </a:fillRef>
+        <a:effectRef idx="0">
+          <a:scrgbClr r="0" g="0" b="0"/>
+        </a:effectRef>
+        <a:fontRef idx="minor"/>
+      </dsp:style>
+    </dsp:sp>
+    <dsp:sp modelId="{E637E6CC-AF52-4E7F-881A-53EAF9CBB4EB}">
+      <dsp:nvSpPr>
+        <dsp:cNvPr id="0" name=""/>
+        <dsp:cNvSpPr/>
+      </dsp:nvSpPr>
+      <dsp:spPr>
+        <a:xfrm>
+          <a:off x="5232245" y="3542388"/>
+          <a:ext cx="230887" cy="198995"/>
+        </a:xfrm>
+        <a:prstGeom prst="hexagon">
+          <a:avLst>
+            <a:gd name="adj" fmla="val 25000"/>
+            <a:gd name="vf" fmla="val 115470"/>
+          </a:avLst>
+        </a:prstGeom>
+        <a:solidFill>
+          <a:schemeClr val="lt1">
+            <a:hueOff val="0"/>
+            <a:satOff val="0"/>
+            <a:lumOff val="0"/>
+            <a:alphaOff val="0"/>
+          </a:schemeClr>
+        </a:solidFill>
+        <a:ln w="15875" cap="rnd" cmpd="sng" algn="ctr">
+          <a:solidFill>
+            <a:schemeClr val="accent1">
+              <a:hueOff val="0"/>
+              <a:satOff val="0"/>
+              <a:lumOff val="0"/>
+              <a:alphaOff val="0"/>
+            </a:schemeClr>
+          </a:solidFill>
+          <a:prstDash val="solid"/>
+        </a:ln>
+        <a:effectLst/>
+      </dsp:spPr>
+      <dsp:style>
+        <a:lnRef idx="2">
+          <a:scrgbClr r="0" g="0" b="0"/>
+        </a:lnRef>
+        <a:fillRef idx="1">
+          <a:scrgbClr r="0" g="0" b="0"/>
+        </a:fillRef>
+        <a:effectRef idx="0">
+          <a:scrgbClr r="0" g="0" b="0"/>
+        </a:effectRef>
+        <a:fontRef idx="minor"/>
+      </dsp:style>
+    </dsp:sp>
+    <dsp:sp modelId="{FD58699E-8BF3-4CFD-A4F7-D0CD98C44555}">
+      <dsp:nvSpPr>
+        <dsp:cNvPr id="0" name=""/>
+        <dsp:cNvSpPr/>
+      </dsp:nvSpPr>
+      <dsp:spPr>
+        <a:xfrm>
+          <a:off x="1820869" y="928944"/>
+          <a:ext cx="1972014" cy="1700220"/>
+        </a:xfrm>
+        <a:prstGeom prst="hexagon">
+          <a:avLst>
+            <a:gd name="adj" fmla="val 25000"/>
+            <a:gd name="vf" fmla="val 115470"/>
+          </a:avLst>
+        </a:prstGeom>
+        <a:solidFill>
+          <a:schemeClr val="accent1">
+            <a:hueOff val="0"/>
+            <a:satOff val="0"/>
+            <a:lumOff val="0"/>
+            <a:alphaOff val="0"/>
+          </a:schemeClr>
+        </a:solidFill>
+        <a:ln w="15875" cap="rnd" cmpd="sng" algn="ctr">
+          <a:solidFill>
+            <a:schemeClr val="accent1">
+              <a:hueOff val="0"/>
+              <a:satOff val="0"/>
+              <a:lumOff val="0"/>
+              <a:alphaOff val="0"/>
+            </a:schemeClr>
+          </a:solidFill>
+          <a:prstDash val="solid"/>
+        </a:ln>
+        <a:effectLst/>
+      </dsp:spPr>
+      <dsp:style>
+        <a:lnRef idx="2">
+          <a:scrgbClr r="0" g="0" b="0"/>
+        </a:lnRef>
+        <a:fillRef idx="1">
+          <a:scrgbClr r="0" g="0" b="0"/>
+        </a:fillRef>
+        <a:effectRef idx="0">
+          <a:scrgbClr r="0" g="0" b="0"/>
+        </a:effectRef>
+        <a:fontRef idx="minor">
+          <a:schemeClr val="lt1"/>
+        </a:fontRef>
+      </dsp:style>
+      <dsp:txBody>
+        <a:bodyPr spcFirstLastPara="0" vert="horz" wrap="square" lIns="0" tIns="31750" rIns="0" bIns="31750" numCol="1" spcCol="1270" anchor="ctr" anchorCtr="0">
+          <a:noAutofit/>
+        </a:bodyPr>
+        <a:lstStyle/>
+        <a:p>
+          <a:pPr lvl="0" algn="ctr" defTabSz="1111250">
+            <a:lnSpc>
+              <a:spcPct val="90000"/>
+            </a:lnSpc>
+            <a:spcBef>
+              <a:spcPct val="0"/>
+            </a:spcBef>
+            <a:spcAft>
+              <a:spcPct val="35000"/>
+            </a:spcAft>
+          </a:pPr>
+          <a:r>
+            <a:rPr lang="en-US" sz="2500" b="1" kern="1200" smtClean="0">
+              <a:effectLst>
+                <a:outerShdw blurRad="38100" dist="38100" dir="2700000" algn="tl">
+                  <a:srgbClr val="000000">
+                    <a:alpha val="43137"/>
+                  </a:srgbClr>
+                </a:outerShdw>
+              </a:effectLst>
+              <a:latin typeface="Times New Roman" panose="02020603050405020304" pitchFamily="18" charset="0"/>
+              <a:cs typeface="Times New Roman" panose="02020603050405020304" pitchFamily="18" charset="0"/>
+            </a:rPr>
+            <a:t>UNDO</a:t>
+          </a:r>
+          <a:endParaRPr lang="en-US" sz="2500" b="1" kern="1200">
+            <a:effectLst>
+              <a:outerShdw blurRad="38100" dist="38100" dir="2700000" algn="tl">
+                <a:srgbClr val="000000">
+                  <a:alpha val="43137"/>
+                </a:srgbClr>
+              </a:outerShdw>
+            </a:effectLst>
+            <a:latin typeface="Times New Roman" panose="02020603050405020304" pitchFamily="18" charset="0"/>
+            <a:cs typeface="Times New Roman" panose="02020603050405020304" pitchFamily="18" charset="0"/>
+          </a:endParaRPr>
+        </a:p>
+      </dsp:txBody>
+      <dsp:txXfrm>
+        <a:off x="2126889" y="1192786"/>
+        <a:ext cx="1359975" cy="1172536"/>
+      </dsp:txXfrm>
+    </dsp:sp>
+    <dsp:sp modelId="{D4A0BD4D-468F-4038-943B-73A0C20EF615}">
+      <dsp:nvSpPr>
+        <dsp:cNvPr id="0" name=""/>
+        <dsp:cNvSpPr/>
+      </dsp:nvSpPr>
+      <dsp:spPr>
+        <a:xfrm>
+          <a:off x="3157769" y="965779"/>
+          <a:ext cx="230887" cy="198995"/>
+        </a:xfrm>
+        <a:prstGeom prst="hexagon">
+          <a:avLst>
+            <a:gd name="adj" fmla="val 25000"/>
+            <a:gd name="vf" fmla="val 115470"/>
+          </a:avLst>
+        </a:prstGeom>
+        <a:solidFill>
+          <a:schemeClr val="lt1">
+            <a:hueOff val="0"/>
+            <a:satOff val="0"/>
+            <a:lumOff val="0"/>
+            <a:alphaOff val="0"/>
+          </a:schemeClr>
+        </a:solidFill>
+        <a:ln w="15875" cap="rnd" cmpd="sng" algn="ctr">
+          <a:solidFill>
+            <a:schemeClr val="accent1">
+              <a:hueOff val="0"/>
+              <a:satOff val="0"/>
+              <a:lumOff val="0"/>
+              <a:alphaOff val="0"/>
+            </a:schemeClr>
+          </a:solidFill>
+          <a:prstDash val="solid"/>
+        </a:ln>
+        <a:effectLst/>
+      </dsp:spPr>
+      <dsp:style>
+        <a:lnRef idx="2">
+          <a:scrgbClr r="0" g="0" b="0"/>
+        </a:lnRef>
+        <a:fillRef idx="1">
+          <a:scrgbClr r="0" g="0" b="0"/>
+        </a:fillRef>
+        <a:effectRef idx="0">
+          <a:scrgbClr r="0" g="0" b="0"/>
+        </a:effectRef>
+        <a:fontRef idx="minor"/>
+      </dsp:style>
+    </dsp:sp>
+    <dsp:sp modelId="{727D479D-3B5B-4250-A0BC-521B5A00582A}">
+      <dsp:nvSpPr>
+        <dsp:cNvPr id="0" name=""/>
+        <dsp:cNvSpPr/>
+      </dsp:nvSpPr>
+      <dsp:spPr>
+        <a:xfrm>
+          <a:off x="3500942" y="0"/>
+          <a:ext cx="1972014" cy="1700220"/>
+        </a:xfrm>
+        <a:prstGeom prst="hexagon">
+          <a:avLst>
+            <a:gd name="adj" fmla="val 25000"/>
+            <a:gd name="vf" fmla="val 115470"/>
+          </a:avLst>
+        </a:prstGeom>
+        <a:gradFill flip="none" rotWithShape="1">
+          <a:gsLst>
+            <a:gs pos="0">
+              <a:schemeClr val="accent4">
+                <a:lumMod val="0"/>
+                <a:lumOff val="100000"/>
+              </a:schemeClr>
+            </a:gs>
+            <a:gs pos="35000">
+              <a:schemeClr val="accent4">
+                <a:lumMod val="0"/>
+                <a:lumOff val="100000"/>
+              </a:schemeClr>
+            </a:gs>
+            <a:gs pos="100000">
+              <a:schemeClr val="accent4">
+                <a:lumMod val="100000"/>
+              </a:schemeClr>
+            </a:gs>
+          </a:gsLst>
+          <a:path path="circle">
+            <a:fillToRect l="50000" t="-80000" r="50000" b="180000"/>
+          </a:path>
+          <a:tileRect/>
+        </a:gradFill>
+        <a:ln w="15875" cap="rnd" cmpd="sng" algn="ctr">
+          <a:solidFill>
+            <a:schemeClr val="accent1">
+              <a:hueOff val="0"/>
+              <a:satOff val="0"/>
+              <a:lumOff val="0"/>
+              <a:alphaOff val="0"/>
+            </a:schemeClr>
+          </a:solidFill>
+          <a:prstDash val="solid"/>
+        </a:ln>
+        <a:effectLst/>
+      </dsp:spPr>
+      <dsp:style>
+        <a:lnRef idx="2">
+          <a:scrgbClr r="0" g="0" b="0"/>
+        </a:lnRef>
+        <a:fillRef idx="1">
+          <a:scrgbClr r="0" g="0" b="0"/>
+        </a:fillRef>
+        <a:effectRef idx="0">
+          <a:scrgbClr r="0" g="0" b="0"/>
+        </a:effectRef>
+        <a:fontRef idx="minor"/>
+      </dsp:style>
+    </dsp:sp>
+    <dsp:sp modelId="{1D4F8CB3-555D-4BE7-ABA1-9A38EAFC7884}">
+      <dsp:nvSpPr>
+        <dsp:cNvPr id="0" name=""/>
+        <dsp:cNvSpPr/>
+      </dsp:nvSpPr>
+      <dsp:spPr>
+        <a:xfrm>
+          <a:off x="3559190" y="746569"/>
+          <a:ext cx="230887" cy="198995"/>
+        </a:xfrm>
+        <a:prstGeom prst="hexagon">
+          <a:avLst>
+            <a:gd name="adj" fmla="val 25000"/>
+            <a:gd name="vf" fmla="val 115470"/>
+          </a:avLst>
+        </a:prstGeom>
+        <a:solidFill>
+          <a:schemeClr val="lt1">
+            <a:hueOff val="0"/>
+            <a:satOff val="0"/>
+            <a:lumOff val="0"/>
+            <a:alphaOff val="0"/>
+          </a:schemeClr>
+        </a:solidFill>
+        <a:ln w="15875" cap="rnd" cmpd="sng" algn="ctr">
+          <a:solidFill>
+            <a:schemeClr val="accent1">
+              <a:hueOff val="0"/>
+              <a:satOff val="0"/>
+              <a:lumOff val="0"/>
+              <a:alphaOff val="0"/>
+            </a:schemeClr>
+          </a:solidFill>
+          <a:prstDash val="solid"/>
+        </a:ln>
+        <a:effectLst/>
+      </dsp:spPr>
+      <dsp:style>
+        <a:lnRef idx="2">
+          <a:scrgbClr r="0" g="0" b="0"/>
+        </a:lnRef>
+        <a:fillRef idx="1">
+          <a:scrgbClr r="0" g="0" b="0"/>
+        </a:fillRef>
+        <a:effectRef idx="0">
+          <a:scrgbClr r="0" g="0" b="0"/>
+        </a:effectRef>
+        <a:fontRef idx="minor"/>
+      </dsp:style>
+    </dsp:sp>
+  </dsp:spTree>
+</dsp:drawing>
+</file>
+
 <file path=ppt/diagrams/layout1.xml><?xml version="1.0" encoding="utf-8"?>
 <dgm:layoutDef xmlns:dgm="http://schemas.openxmlformats.org/drawingml/2006/diagram" xmlns:a="http://schemas.openxmlformats.org/drawingml/2006/main" uniqueId="urn:microsoft.com/office/officeart/2005/8/layout/list1">
   <dgm:title val=""/>
@@ -7986,6 +10038,1976 @@
 </dgm:layoutDef>
 </file>
 
+<file path=ppt/diagrams/layout6.xml><?xml version="1.0" encoding="utf-8"?>
+<dgm:layoutDef xmlns:dgm="http://schemas.openxmlformats.org/drawingml/2006/diagram" xmlns:a="http://schemas.openxmlformats.org/drawingml/2006/main" uniqueId="urn:microsoft.com/office/officeart/2008/layout/HexagonCluster">
+  <dgm:title val=""/>
+  <dgm:desc val=""/>
+  <dgm:catLst>
+    <dgm:cat type="picture" pri="21000"/>
+    <dgm:cat type="relationship" pri="3200"/>
+    <dgm:cat type="pictureconvert" pri="21000"/>
+  </dgm:catLst>
+  <dgm:sampData>
+    <dgm:dataModel>
+      <dgm:ptLst>
+        <dgm:pt modelId="0" type="doc"/>
+        <dgm:pt modelId="10">
+          <dgm:prSet phldr="1"/>
+        </dgm:pt>
+        <dgm:pt modelId="20">
+          <dgm:prSet phldr="1"/>
+        </dgm:pt>
+        <dgm:pt modelId="30">
+          <dgm:prSet phldr="1"/>
+        </dgm:pt>
+      </dgm:ptLst>
+      <dgm:cxnLst>
+        <dgm:cxn modelId="40" srcId="0" destId="10" srcOrd="0" destOrd="0"/>
+        <dgm:cxn modelId="50" srcId="0" destId="20" srcOrd="1" destOrd="0"/>
+        <dgm:cxn modelId="60" srcId="0" destId="30" srcOrd="2" destOrd="0"/>
+      </dgm:cxnLst>
+      <dgm:bg/>
+      <dgm:whole/>
+    </dgm:dataModel>
+  </dgm:sampData>
+  <dgm:styleData>
+    <dgm:dataModel>
+      <dgm:ptLst>
+        <dgm:pt modelId="0" type="doc"/>
+        <dgm:pt modelId="10">
+          <dgm:prSet phldr="1"/>
+        </dgm:pt>
+        <dgm:pt modelId="20">
+          <dgm:prSet phldr="1"/>
+        </dgm:pt>
+        <dgm:pt modelId="30">
+          <dgm:prSet phldr="1"/>
+        </dgm:pt>
+      </dgm:ptLst>
+      <dgm:cxnLst>
+        <dgm:cxn modelId="40" srcId="0" destId="10" srcOrd="0" destOrd="0"/>
+        <dgm:cxn modelId="50" srcId="0" destId="20" srcOrd="1" destOrd="0"/>
+        <dgm:cxn modelId="60" srcId="0" destId="30" srcOrd="2" destOrd="0"/>
+      </dgm:cxnLst>
+      <dgm:bg/>
+      <dgm:whole/>
+    </dgm:dataModel>
+  </dgm:styleData>
+  <dgm:clrData>
+    <dgm:dataModel>
+      <dgm:ptLst>
+        <dgm:pt modelId="0" type="doc"/>
+        <dgm:pt modelId="10">
+          <dgm:prSet phldr="1"/>
+        </dgm:pt>
+        <dgm:pt modelId="20">
+          <dgm:prSet phldr="1"/>
+        </dgm:pt>
+        <dgm:pt modelId="30">
+          <dgm:prSet phldr="1"/>
+        </dgm:pt>
+      </dgm:ptLst>
+      <dgm:cxnLst>
+        <dgm:cxn modelId="40" srcId="0" destId="10" srcOrd="0" destOrd="0"/>
+        <dgm:cxn modelId="50" srcId="0" destId="20" srcOrd="1" destOrd="0"/>
+        <dgm:cxn modelId="60" srcId="0" destId="30" srcOrd="2" destOrd="0"/>
+      </dgm:cxnLst>
+      <dgm:bg/>
+      <dgm:whole/>
+    </dgm:dataModel>
+  </dgm:clrData>
+  <dgm:layoutNode name="Name0">
+    <dgm:varLst>
+      <dgm:chMax val="21"/>
+      <dgm:chPref val="21"/>
+    </dgm:varLst>
+    <dgm:shape xmlns:r="http://schemas.openxmlformats.org/officeDocument/2006/relationships" r:blip="">
+      <dgm:adjLst/>
+    </dgm:shape>
+    <dgm:choose name="Name1">
+      <dgm:if name="Name2" axis="ch" ptType="node" func="cnt" op="equ" val="1">
+        <dgm:alg type="composite">
+          <dgm:param type="ar" val="1.3871"/>
+        </dgm:alg>
+        <dgm:constrLst>
+          <dgm:constr type="primFontSz" for="des" ptType="node" op="equ" val="65"/>
+          <dgm:constr type="l" for="ch" forName="text1" refType="w" fact="0.4525"/>
+          <dgm:constr type="t" for="ch" forName="text1" refType="h" fact="0.346"/>
+          <dgm:constr type="w" for="ch" forName="text1" refType="w" fact="0.5475"/>
+          <dgm:constr type="h" for="ch" forName="text1" refType="h" fact="0.654"/>
+          <dgm:constr type="l" for="ch" forName="textaccent1" refType="w" fact="0.4652"/>
+          <dgm:constr type="t" for="ch" forName="textaccent1" refType="h" fact="0.6348"/>
+          <dgm:constr type="w" for="ch" forName="textaccent1" refType="w" fact="0.0639"/>
+          <dgm:constr type="h" for="ch" forName="textaccent1" refType="h" fact="0.0765"/>
+          <dgm:constr type="l" for="ch" forName="image1" refType="w" fact="0"/>
+          <dgm:constr type="t" for="ch" forName="image1" refType="h" fact="0"/>
+          <dgm:constr type="w" for="ch" forName="image1" refType="w" fact="0.5468"/>
+          <dgm:constr type="h" for="ch" forName="image1" refType="h" fact="0.6538"/>
+          <dgm:constr type="l" for="ch" forName="imageaccent1" refType="w" fact="0.3702"/>
+          <dgm:constr type="t" for="ch" forName="imageaccent1" refType="h" fact="0.5633"/>
+          <dgm:constr type="w" for="ch" forName="imageaccent1" refType="w" fact="0.0639"/>
+          <dgm:constr type="h" for="ch" forName="imageaccent1" refType="h" fact="0.0765"/>
+        </dgm:constrLst>
+      </dgm:if>
+      <dgm:if name="Name3" axis="ch" ptType="node" func="cnt" op="equ" val="2">
+        <dgm:alg type="composite">
+          <dgm:param type="ar" val="2.6443"/>
+        </dgm:alg>
+        <dgm:constrLst>
+          <dgm:constr type="primFontSz" for="des" ptType="node" op="equ" val="65"/>
+          <dgm:constr type="l" for="ch" forName="text1" refType="w" fact="0.2383"/>
+          <dgm:constr type="t" for="ch" forName="text1" refType="h" fact="0.3501"/>
+          <dgm:constr type="w" for="ch" forName="text1" refType="w" fact="0.285"/>
+          <dgm:constr type="h" for="ch" forName="text1" refType="h" fact="0.6499"/>
+          <dgm:constr type="l" for="ch" forName="textaccent1" refType="w" fact="0.2472"/>
+          <dgm:constr type="t" for="ch" forName="textaccent1" refType="h" fact="0.6371"/>
+          <dgm:constr type="w" for="ch" forName="textaccent1" refType="w" fact="0.0333"/>
+          <dgm:constr type="h" for="ch" forName="textaccent1" refType="h" fact="0.076"/>
+          <dgm:constr type="l" for="ch" forName="image1" refType="w" fact="0"/>
+          <dgm:constr type="t" for="ch" forName="image1" refType="h" fact="0"/>
+          <dgm:constr type="w" for="ch" forName="image1" refType="w" fact="0.285"/>
+          <dgm:constr type="h" for="ch" forName="image1" refType="h" fact="0.6499"/>
+          <dgm:constr type="l" for="ch" forName="imageaccent1" refType="w" fact="0.1942"/>
+          <dgm:constr type="t" for="ch" forName="imageaccent1" refType="h" fact="0.5602"/>
+          <dgm:constr type="w" for="ch" forName="imageaccent1" refType="w" fact="0.0333"/>
+          <dgm:constr type="h" for="ch" forName="imageaccent1" refType="h" fact="0.076"/>
+          <dgm:constr type="l" for="ch" forName="text2" refType="w" fact="0.4767"/>
+          <dgm:constr type="t" for="ch" forName="text2" refType="h" fact="0"/>
+          <dgm:constr type="w" for="ch" forName="text2" refType="w" fact="0.285"/>
+          <dgm:constr type="h" for="ch" forName="text2" refType="h" fact="0.6499"/>
+          <dgm:constr type="l" for="ch" forName="textaccent2" refType="w" fact="0.6709"/>
+          <dgm:constr type="t" for="ch" forName="textaccent2" refType="h" fact="0.5602"/>
+          <dgm:constr type="w" for="ch" forName="textaccent2" refType="w" fact="0.0333"/>
+          <dgm:constr type="h" for="ch" forName="textaccent2" refType="h" fact="0.076"/>
+          <dgm:constr type="l" for="ch" forName="image2" refType="w" fact="0.715"/>
+          <dgm:constr type="t" for="ch" forName="image2" refType="h" fact="0.3501"/>
+          <dgm:constr type="w" for="ch" forName="image2" refType="w" fact="0.285"/>
+          <dgm:constr type="h" for="ch" forName="image2" refType="h" fact="0.6499"/>
+          <dgm:constr type="l" for="ch" forName="imageaccent2" refType="w" fact="0.7239"/>
+          <dgm:constr type="t" for="ch" forName="imageaccent2" refType="h" fact="0.6371"/>
+          <dgm:constr type="w" for="ch" forName="imageaccent2" refType="w" fact="0.0333"/>
+          <dgm:constr type="h" for="ch" forName="imageaccent2" refType="h" fact="0.076"/>
+        </dgm:constrLst>
+      </dgm:if>
+      <dgm:if name="Name4" axis="ch" ptType="node" func="cnt" op="equ" val="3">
+        <dgm:alg type="composite">
+          <dgm:param type="ar" val="1.5623"/>
+        </dgm:alg>
+        <dgm:constrLst>
+          <dgm:constr type="primFontSz" for="des" ptType="node" op="equ" val="65"/>
+          <dgm:constr type="l" for="ch" forName="text1" refType="w" fact="0.2402"/>
+          <dgm:constr type="t" for="ch" forName="text1" refType="h" fact="0.6215"/>
+          <dgm:constr type="w" for="ch" forName="text1" refType="w" fact="0.281"/>
+          <dgm:constr type="h" for="ch" forName="text1" refType="h" fact="0.3785"/>
+          <dgm:constr type="l" for="ch" forName="textaccent1" refType="w" fact="0.2475"/>
+          <dgm:constr type="t" for="ch" forName="textaccent1" refType="h" fact="0.7886"/>
+          <dgm:constr type="w" for="ch" forName="textaccent1" refType="w" fact="0.0329"/>
+          <dgm:constr type="h" for="ch" forName="textaccent1" refType="h" fact="0.0443"/>
+          <dgm:constr type="l" for="ch" forName="image1" refType="w" fact="0"/>
+          <dgm:constr type="t" for="ch" forName="image1" refType="h" fact="0.4182"/>
+          <dgm:constr type="w" for="ch" forName="image1" refType="w" fact="0.281"/>
+          <dgm:constr type="h" for="ch" forName="image1" refType="h" fact="0.3785"/>
+          <dgm:constr type="l" for="ch" forName="imageaccent1" refType="w" fact="0.1913"/>
+          <dgm:constr type="t" for="ch" forName="imageaccent1" refType="h" fact="0.7467"/>
+          <dgm:constr type="w" for="ch" forName="imageaccent1" refType="w" fact="0.0329"/>
+          <dgm:constr type="h" for="ch" forName="imageaccent1" refType="h" fact="0.0443"/>
+          <dgm:constr type="l" for="ch" forName="text2" refType="w" fact="0.4796"/>
+          <dgm:constr type="t" for="ch" forName="text2" refType="h" fact="0.4137"/>
+          <dgm:constr type="w" for="ch" forName="text2" refType="w" fact="0.281"/>
+          <dgm:constr type="h" for="ch" forName="text2" refType="h" fact="0.3785"/>
+          <dgm:constr type="l" for="ch" forName="textaccent2" refType="w" fact="0.6717"/>
+          <dgm:constr type="t" for="ch" forName="textaccent2" refType="h" fact="0.7418"/>
+          <dgm:constr type="w" for="ch" forName="textaccent2" refType="w" fact="0.0329"/>
+          <dgm:constr type="h" for="ch" forName="textaccent2" refType="h" fact="0.0443"/>
+          <dgm:constr type="l" for="ch" forName="image2" refType="w" fact="0.719"/>
+          <dgm:constr type="t" for="ch" forName="image2" refType="h" fact="0.6215"/>
+          <dgm:constr type="w" for="ch" forName="image2" refType="w" fact="0.281"/>
+          <dgm:constr type="h" for="ch" forName="image2" refType="h" fact="0.3785"/>
+          <dgm:constr type="l" for="ch" forName="imageaccent2" refType="w" fact="0.7263"/>
+          <dgm:constr type="t" for="ch" forName="imageaccent2" refType="h" fact="0.7886"/>
+          <dgm:constr type="w" for="ch" forName="imageaccent2" refType="w" fact="0.0329"/>
+          <dgm:constr type="h" for="ch" forName="imageaccent2" refType="h" fact="0.0443"/>
+          <dgm:constr type="l" for="ch" forName="text3" refType="w" fact="0.2402"/>
+          <dgm:constr type="t" for="ch" forName="text3" refType="h" fact="0.2068"/>
+          <dgm:constr type="w" for="ch" forName="text3" refType="w" fact="0.281"/>
+          <dgm:constr type="h" for="ch" forName="text3" refType="h" fact="0.3785"/>
+          <dgm:constr type="l" for="ch" forName="textaccent3" refType="w" fact="0.4307"/>
+          <dgm:constr type="t" for="ch" forName="textaccent3" refType="h" fact="0.215"/>
+          <dgm:constr type="w" for="ch" forName="textaccent3" refType="w" fact="0.0329"/>
+          <dgm:constr type="h" for="ch" forName="textaccent3" refType="h" fact="0.0443"/>
+          <dgm:constr type="l" for="ch" forName="image3" refType="w" fact="0.4796"/>
+          <dgm:constr type="t" for="ch" forName="image3" refType="h" fact="0"/>
+          <dgm:constr type="w" for="ch" forName="image3" refType="w" fact="0.281"/>
+          <dgm:constr type="h" for="ch" forName="image3" refType="h" fact="0.3785"/>
+          <dgm:constr type="l" for="ch" forName="imageaccent3" refType="w" fact="0.4879"/>
+          <dgm:constr type="t" for="ch" forName="imageaccent3" refType="h" fact="0.1662"/>
+          <dgm:constr type="w" for="ch" forName="imageaccent3" refType="w" fact="0.0329"/>
+          <dgm:constr type="h" for="ch" forName="imageaccent3" refType="h" fact="0.0443"/>
+        </dgm:constrLst>
+      </dgm:if>
+      <dgm:if name="Name5" axis="ch" ptType="node" func="cnt" op="equ" val="4">
+        <dgm:alg type="composite">
+          <dgm:param type="ar" val="1.943"/>
+        </dgm:alg>
+        <dgm:constrLst>
+          <dgm:constr type="primFontSz" for="des" ptType="node" op="equ" val="65"/>
+          <dgm:constr type="l" for="ch" forName="image2" refType="w" fact="0.5787"/>
+          <dgm:constr type="t" for="ch" forName="image2" refType="h" fact="0.6208"/>
+          <dgm:constr type="w" for="ch" forName="image2" refType="w" fact="0.227"/>
+          <dgm:constr type="h" for="ch" forName="image2" refType="h" fact="0.3786"/>
+          <dgm:constr type="l" for="ch" forName="text4" refType="w" fact="0.5787"/>
+          <dgm:constr type="t" for="ch" forName="text4" refType="h" fact="0.2081"/>
+          <dgm:constr type="w" for="ch" forName="text4" refType="w" fact="0.227"/>
+          <dgm:constr type="h" for="ch" forName="text4" refType="h" fact="0.3786"/>
+          <dgm:constr type="l" for="ch" forName="text2" refType="w" fact="0.3852"/>
+          <dgm:constr type="t" for="ch" forName="text2" refType="h" fact="0.4127"/>
+          <dgm:constr type="w" for="ch" forName="text2" refType="w" fact="0.227"/>
+          <dgm:constr type="h" for="ch" forName="text2" refType="h" fact="0.3786"/>
+          <dgm:constr type="l" for="ch" forName="image3" refType="w" fact="0.3852"/>
+          <dgm:constr type="t" for="ch" forName="image3" refType="h" fact="0"/>
+          <dgm:constr type="w" for="ch" forName="image3" refType="w" fact="0.227"/>
+          <dgm:constr type="h" for="ch" forName="image3" refType="h" fact="0.3786"/>
+          <dgm:constr type="l" for="ch" forName="text1" refType="w" fact="0.1927"/>
+          <dgm:constr type="t" for="ch" forName="text1" refType="h" fact="0.6214"/>
+          <dgm:constr type="w" for="ch" forName="text1" refType="w" fact="0.227"/>
+          <dgm:constr type="h" for="ch" forName="text1" refType="h" fact="0.3786"/>
+          <dgm:constr type="l" for="ch" forName="textaccent1" refType="w" fact="0.1998"/>
+          <dgm:constr type="t" for="ch" forName="textaccent1" refType="h" fact="0.7887"/>
+          <dgm:constr type="w" for="ch" forName="textaccent1" refType="w" fact="0.0265"/>
+          <dgm:constr type="h" for="ch" forName="textaccent1" refType="h" fact="0.0444"/>
+          <dgm:constr type="l" for="ch" forName="image1" refType="w" fact="0"/>
+          <dgm:constr type="t" for="ch" forName="image1" refType="h" fact="0.4156"/>
+          <dgm:constr type="w" for="ch" forName="image1" refType="w" fact="0.227"/>
+          <dgm:constr type="h" for="ch" forName="image1" refType="h" fact="0.3786"/>
+          <dgm:constr type="l" for="ch" forName="imageaccent1" refType="w" fact="0.1537"/>
+          <dgm:constr type="t" for="ch" forName="imageaccent1" refType="h" fact="0.7417"/>
+          <dgm:constr type="w" for="ch" forName="imageaccent1" refType="w" fact="0.0265"/>
+          <dgm:constr type="h" for="ch" forName="imageaccent1" refType="h" fact="0.0444"/>
+          <dgm:constr type="l" for="ch" forName="textaccent2" refType="w" fact="0.5407"/>
+          <dgm:constr type="t" for="ch" forName="textaccent2" refType="h" fact="0.7384"/>
+          <dgm:constr type="w" for="ch" forName="textaccent2" refType="w" fact="0.0265"/>
+          <dgm:constr type="h" for="ch" forName="textaccent2" refType="h" fact="0.0444"/>
+          <dgm:constr type="l" for="ch" forName="imageaccent2" refType="w" fact="0.5839"/>
+          <dgm:constr type="t" for="ch" forName="imageaccent2" refType="h" fact="0.7904"/>
+          <dgm:constr type="w" for="ch" forName="imageaccent2" refType="w" fact="0.0265"/>
+          <dgm:constr type="h" for="ch" forName="imageaccent2" refType="h" fact="0.0444"/>
+          <dgm:constr type="l" for="ch" forName="text3" refType="w" fact="0.1927"/>
+          <dgm:constr type="t" for="ch" forName="text3" refType="h" fact="0.2087"/>
+          <dgm:constr type="w" for="ch" forName="text3" refType="w" fact="0.227"/>
+          <dgm:constr type="h" for="ch" forName="text3" refType="h" fact="0.3786"/>
+          <dgm:constr type="l" for="ch" forName="textaccent3" refType="w" fact="0.3472"/>
+          <dgm:constr type="t" for="ch" forName="textaccent3" refType="h" fact="0.2165"/>
+          <dgm:constr type="w" for="ch" forName="textaccent3" refType="w" fact="0.0265"/>
+          <dgm:constr type="h" for="ch" forName="textaccent3" refType="h" fact="0.0444"/>
+          <dgm:constr type="l" for="ch" forName="imageaccent3" refType="w" fact="0.3904"/>
+          <dgm:constr type="t" for="ch" forName="imageaccent3" refType="h" fact="0.1678"/>
+          <dgm:constr type="w" for="ch" forName="imageaccent3" refType="w" fact="0.0265"/>
+          <dgm:constr type="h" for="ch" forName="imageaccent3" refType="h" fact="0.0444"/>
+          <dgm:constr type="l" for="ch" forName="textaccent4" refType="w" fact="0.7739"/>
+          <dgm:constr type="t" for="ch" forName="textaccent4" refType="h" fact="0.3752"/>
+          <dgm:constr type="w" for="ch" forName="textaccent4" refType="w" fact="0.0265"/>
+          <dgm:constr type="h" for="ch" forName="textaccent4" refType="h" fact="0.0444"/>
+          <dgm:constr type="l" for="ch" forName="image4" refType="w" fact="0.773"/>
+          <dgm:constr type="t" for="ch" forName="image4" refType="h" fact="0.4162"/>
+          <dgm:constr type="w" for="ch" forName="image4" refType="w" fact="0.227"/>
+          <dgm:constr type="h" for="ch" forName="image4" refType="h" fact="0.3786"/>
+          <dgm:constr type="l" for="ch" forName="imageaccent4" refType="w" fact="0.8188"/>
+          <dgm:constr type="t" for="ch" forName="imageaccent4" refType="h" fact="0.4229"/>
+          <dgm:constr type="w" for="ch" forName="imageaccent4" refType="w" fact="0.0265"/>
+          <dgm:constr type="h" for="ch" forName="imageaccent4" refType="h" fact="0.0444"/>
+        </dgm:constrLst>
+      </dgm:if>
+      <dgm:if name="Name6" axis="ch" ptType="node" func="cnt" op="equ" val="5">
+        <dgm:alg type="composite">
+          <dgm:param type="ar" val="2.3203"/>
+        </dgm:alg>
+        <dgm:constrLst>
+          <dgm:constr type="primFontSz" for="des" ptType="node" op="equ" val="65"/>
+          <dgm:constr type="l" for="ch" forName="image4" refType="w" fact="0.6491"/>
+          <dgm:constr type="t" for="ch" forName="image4" refType="h" fact="0.4193"/>
+          <dgm:constr type="w" for="ch" forName="image4" refType="w" fact="0.1886"/>
+          <dgm:constr type="h" for="ch" forName="image4" refType="h" fact="0.3757"/>
+          <dgm:constr type="l" for="ch" forName="text5" refType="w" fact="0.6491"/>
+          <dgm:constr type="t" for="ch" forName="text5" refType="h" fact="0.004"/>
+          <dgm:constr type="w" for="ch" forName="text5" refType="w" fact="0.1886"/>
+          <dgm:constr type="h" for="ch" forName="text5" refType="h" fact="0.3757"/>
+          <dgm:constr type="l" for="ch" forName="image5" refType="w" fact="0.8114"/>
+          <dgm:constr type="t" for="ch" forName="image5" refType="h" fact="0.2136"/>
+          <dgm:constr type="w" for="ch" forName="image5" refType="w" fact="0.1886"/>
+          <dgm:constr type="h" for="ch" forName="image5" refType="h" fact="0.3757"/>
+          <dgm:constr type="l" for="ch" forName="image2" refType="w" fact="0.4868"/>
+          <dgm:constr type="t" for="ch" forName="image2" refType="h" fact="0.6235"/>
+          <dgm:constr type="w" for="ch" forName="image2" refType="w" fact="0.1886"/>
+          <dgm:constr type="h" for="ch" forName="image2" refType="h" fact="0.3757"/>
+          <dgm:constr type="l" for="ch" forName="text4" refType="w" fact="0.4868"/>
+          <dgm:constr type="t" for="ch" forName="text4" refType="h" fact="0.2081"/>
+          <dgm:constr type="w" for="ch" forName="text4" refType="w" fact="0.1886"/>
+          <dgm:constr type="h" for="ch" forName="text4" refType="h" fact="0.3757"/>
+          <dgm:constr type="l" for="ch" forName="text2" refType="w" fact="0.3246"/>
+          <dgm:constr type="t" for="ch" forName="text2" refType="h" fact="0.4154"/>
+          <dgm:constr type="w" for="ch" forName="text2" refType="w" fact="0.1886"/>
+          <dgm:constr type="h" for="ch" forName="text2" refType="h" fact="0.3757"/>
+          <dgm:constr type="l" for="ch" forName="image3" refType="w" fact="0.3246"/>
+          <dgm:constr type="t" for="ch" forName="image3" refType="h" fact="0"/>
+          <dgm:constr type="w" for="ch" forName="image3" refType="w" fact="0.1886"/>
+          <dgm:constr type="h" for="ch" forName="image3" refType="h" fact="0.3757"/>
+          <dgm:constr type="l" for="ch" forName="text1" refType="w" fact="0.1623"/>
+          <dgm:constr type="t" for="ch" forName="text1" refType="h" fact="0.6243"/>
+          <dgm:constr type="w" for="ch" forName="text1" refType="w" fact="0.1886"/>
+          <dgm:constr type="h" for="ch" forName="text1" refType="h" fact="0.3757"/>
+          <dgm:constr type="l" for="ch" forName="text3" refType="w" fact="0.1623"/>
+          <dgm:constr type="t" for="ch" forName="text3" refType="h" fact="0.2089"/>
+          <dgm:constr type="w" for="ch" forName="text3" refType="w" fact="0.1886"/>
+          <dgm:constr type="h" for="ch" forName="text3" refType="h" fact="0.3757"/>
+          <dgm:constr type="l" for="ch" forName="textaccent1" refType="w" fact="0.1668"/>
+          <dgm:constr type="t" for="ch" forName="textaccent1" refType="h" fact="0.7923"/>
+          <dgm:constr type="w" for="ch" forName="textaccent1" refType="w" fact="0.022"/>
+          <dgm:constr type="h" for="ch" forName="textaccent1" refType="h" fact="0.044"/>
+          <dgm:constr type="l" for="ch" forName="image1" refType="w" fact="0"/>
+          <dgm:constr type="t" for="ch" forName="image1" refType="h" fact="0.4166"/>
+          <dgm:constr type="w" for="ch" forName="image1" refType="w" fact="0.1886"/>
+          <dgm:constr type="h" for="ch" forName="image1" refType="h" fact="0.3757"/>
+          <dgm:constr type="l" for="ch" forName="imageaccent1" refType="w" fact="0.1292"/>
+          <dgm:constr type="t" for="ch" forName="imageaccent1" refType="h" fact="0.7424"/>
+          <dgm:constr type="w" for="ch" forName="imageaccent1" refType="w" fact="0.022"/>
+          <dgm:constr type="h" for="ch" forName="imageaccent1" refType="h" fact="0.044"/>
+          <dgm:constr type="l" for="ch" forName="textaccent2" refType="w" fact="0.4544"/>
+          <dgm:constr type="t" for="ch" forName="textaccent2" refType="h" fact="0.7404"/>
+          <dgm:constr type="w" for="ch" forName="textaccent2" refType="w" fact="0.022"/>
+          <dgm:constr type="h" for="ch" forName="textaccent2" refType="h" fact="0.044"/>
+          <dgm:constr type="l" for="ch" forName="imageaccent2" refType="w" fact="0.4914"/>
+          <dgm:constr type="t" for="ch" forName="imageaccent2" refType="h" fact="0.7907"/>
+          <dgm:constr type="w" for="ch" forName="imageaccent2" refType="w" fact="0.022"/>
+          <dgm:constr type="h" for="ch" forName="imageaccent2" refType="h" fact="0.044"/>
+          <dgm:constr type="l" for="ch" forName="textaccent3" refType="w" fact="0.2915"/>
+          <dgm:constr type="t" for="ch" forName="textaccent3" refType="h" fact="0.216"/>
+          <dgm:constr type="w" for="ch" forName="textaccent3" refType="w" fact="0.022"/>
+          <dgm:constr type="h" for="ch" forName="textaccent3" refType="h" fact="0.044"/>
+          <dgm:constr type="l" for="ch" forName="imageaccent3" refType="w" fact="0.3299"/>
+          <dgm:constr type="t" for="ch" forName="imageaccent3" refType="h" fact="0.1665"/>
+          <dgm:constr type="w" for="ch" forName="imageaccent3" refType="w" fact="0.022"/>
+          <dgm:constr type="h" for="ch" forName="imageaccent3" refType="h" fact="0.044"/>
+          <dgm:constr type="l" for="ch" forName="textaccent4" refType="w" fact="0.65"/>
+          <dgm:constr type="t" for="ch" forName="textaccent4" refType="h" fact="0.3746"/>
+          <dgm:constr type="w" for="ch" forName="textaccent4" refType="w" fact="0.022"/>
+          <dgm:constr type="h" for="ch" forName="textaccent4" refType="h" fact="0.044"/>
+          <dgm:constr type="l" for="ch" forName="imageaccent4" refType="w" fact="0.6859"/>
+          <dgm:constr type="t" for="ch" forName="imageaccent4" refType="h" fact="0.4261"/>
+          <dgm:constr type="w" for="ch" forName="imageaccent4" refType="w" fact="0.022"/>
+          <dgm:constr type="h" for="ch" forName="imageaccent4" refType="h" fact="0.044"/>
+          <dgm:constr type="l" for="ch" forName="textaccent5" refType="w" fact="0.8123"/>
+          <dgm:constr type="t" for="ch" forName="textaccent5" refType="h" fact="0.1724"/>
+          <dgm:constr type="w" for="ch" forName="textaccent5" refType="w" fact="0.022"/>
+          <dgm:constr type="h" for="ch" forName="textaccent5" refType="h" fact="0.044"/>
+          <dgm:constr type="l" for="ch" forName="imageaccent5" refType="w" fact="0.849"/>
+          <dgm:constr type="t" for="ch" forName="imageaccent5" refType="h" fact="0.222"/>
+          <dgm:constr type="w" for="ch" forName="imageaccent5" refType="w" fact="0.022"/>
+          <dgm:constr type="h" for="ch" forName="imageaccent5" refType="h" fact="0.044"/>
+        </dgm:constrLst>
+      </dgm:if>
+      <dgm:if name="Name7" axis="ch" ptType="node" func="cnt" op="equ" val="6">
+        <dgm:alg type="composite">
+          <dgm:param type="ar" val="1.9179"/>
+        </dgm:alg>
+        <dgm:constrLst>
+          <dgm:constr type="primFontSz" for="des" ptType="node" op="equ" val="65"/>
+          <dgm:constr type="l" for="ch" forName="image4" refType="w" fact="0.6491"/>
+          <dgm:constr type="t" for="ch" forName="image4" refType="h" fact="0.3466"/>
+          <dgm:constr type="w" for="ch" forName="image4" refType="w" fact="0.1886"/>
+          <dgm:constr type="h" for="ch" forName="image4" refType="h" fact="0.3106"/>
+          <dgm:constr type="l" for="ch" forName="text5" refType="w" fact="0.6491"/>
+          <dgm:constr type="t" for="ch" forName="text5" refType="h" fact="0.0033"/>
+          <dgm:constr type="w" for="ch" forName="text5" refType="w" fact="0.1886"/>
+          <dgm:constr type="h" for="ch" forName="text5" refType="h" fact="0.3106"/>
+          <dgm:constr type="l" for="ch" forName="image5" refType="w" fact="0.8114"/>
+          <dgm:constr type="t" for="ch" forName="image5" refType="h" fact="0.1766"/>
+          <dgm:constr type="w" for="ch" forName="image5" refType="w" fact="0.1886"/>
+          <dgm:constr type="h" for="ch" forName="image5" refType="h" fact="0.3106"/>
+          <dgm:constr type="l" for="ch" forName="image2" refType="w" fact="0.4868"/>
+          <dgm:constr type="t" for="ch" forName="image2" refType="h" fact="0.5154"/>
+          <dgm:constr type="w" for="ch" forName="image2" refType="w" fact="0.1886"/>
+          <dgm:constr type="h" for="ch" forName="image2" refType="h" fact="0.3106"/>
+          <dgm:constr type="l" for="ch" forName="text4" refType="w" fact="0.4868"/>
+          <dgm:constr type="t" for="ch" forName="text4" refType="h" fact="0.172"/>
+          <dgm:constr type="w" for="ch" forName="text4" refType="w" fact="0.1886"/>
+          <dgm:constr type="h" for="ch" forName="text4" refType="h" fact="0.3106"/>
+          <dgm:constr type="l" for="ch" forName="text2" refType="w" fact="0.3246"/>
+          <dgm:constr type="t" for="ch" forName="text2" refType="h" fact="0.3434"/>
+          <dgm:constr type="w" for="ch" forName="text2" refType="w" fact="0.1886"/>
+          <dgm:constr type="h" for="ch" forName="text2" refType="h" fact="0.3106"/>
+          <dgm:constr type="l" for="ch" forName="image3" refType="w" fact="0.3246"/>
+          <dgm:constr type="t" for="ch" forName="image3" refType="h" fact="0"/>
+          <dgm:constr type="w" for="ch" forName="image3" refType="w" fact="0.1886"/>
+          <dgm:constr type="h" for="ch" forName="image3" refType="h" fact="0.3106"/>
+          <dgm:constr type="l" for="ch" forName="text1" refType="w" fact="0.1623"/>
+          <dgm:constr type="t" for="ch" forName="text1" refType="h" fact="0.516"/>
+          <dgm:constr type="w" for="ch" forName="text1" refType="w" fact="0.1886"/>
+          <dgm:constr type="h" for="ch" forName="text1" refType="h" fact="0.3106"/>
+          <dgm:constr type="l" for="ch" forName="text3" refType="w" fact="0.1623"/>
+          <dgm:constr type="t" for="ch" forName="text3" refType="h" fact="0.1727"/>
+          <dgm:constr type="w" for="ch" forName="text3" refType="w" fact="0.1886"/>
+          <dgm:constr type="h" for="ch" forName="text3" refType="h" fact="0.3106"/>
+          <dgm:constr type="l" for="ch" forName="textaccent1" refType="w" fact="0.1668"/>
+          <dgm:constr type="t" for="ch" forName="textaccent1" refType="h" fact="0.6549"/>
+          <dgm:constr type="w" for="ch" forName="textaccent1" refType="w" fact="0.022"/>
+          <dgm:constr type="h" for="ch" forName="textaccent1" refType="h" fact="0.0364"/>
+          <dgm:constr type="l" for="ch" forName="image1" refType="w" fact="0"/>
+          <dgm:constr type="t" for="ch" forName="image1" refType="h" fact="0.3443"/>
+          <dgm:constr type="w" for="ch" forName="image1" refType="w" fact="0.1886"/>
+          <dgm:constr type="h" for="ch" forName="image1" refType="h" fact="0.3106"/>
+          <dgm:constr type="l" for="ch" forName="imageaccent1" refType="w" fact="0.1292"/>
+          <dgm:constr type="t" for="ch" forName="imageaccent1" refType="h" fact="0.6137"/>
+          <dgm:constr type="w" for="ch" forName="imageaccent1" refType="w" fact="0.022"/>
+          <dgm:constr type="h" for="ch" forName="imageaccent1" refType="h" fact="0.0364"/>
+          <dgm:constr type="l" for="ch" forName="textaccent2" refType="w" fact="0.4544"/>
+          <dgm:constr type="t" for="ch" forName="textaccent2" refType="h" fact="0.612"/>
+          <dgm:constr type="w" for="ch" forName="textaccent2" refType="w" fact="0.022"/>
+          <dgm:constr type="h" for="ch" forName="textaccent2" refType="h" fact="0.0364"/>
+          <dgm:constr type="l" for="ch" forName="imageaccent2" refType="w" fact="0.4914"/>
+          <dgm:constr type="t" for="ch" forName="imageaccent2" refType="h" fact="0.6536"/>
+          <dgm:constr type="w" for="ch" forName="imageaccent2" refType="w" fact="0.022"/>
+          <dgm:constr type="h" for="ch" forName="imageaccent2" refType="h" fact="0.0364"/>
+          <dgm:constr type="l" for="ch" forName="textaccent3" refType="w" fact="0.2915"/>
+          <dgm:constr type="t" for="ch" forName="textaccent3" refType="h" fact="0.1786"/>
+          <dgm:constr type="w" for="ch" forName="textaccent3" refType="w" fact="0.022"/>
+          <dgm:constr type="h" for="ch" forName="textaccent3" refType="h" fact="0.0364"/>
+          <dgm:constr type="l" for="ch" forName="imageaccent3" refType="w" fact="0.3299"/>
+          <dgm:constr type="t" for="ch" forName="imageaccent3" refType="h" fact="0.1376"/>
+          <dgm:constr type="w" for="ch" forName="imageaccent3" refType="w" fact="0.022"/>
+          <dgm:constr type="h" for="ch" forName="imageaccent3" refType="h" fact="0.0364"/>
+          <dgm:constr type="l" for="ch" forName="textaccent4" refType="w" fact="0.65"/>
+          <dgm:constr type="t" for="ch" forName="textaccent4" refType="h" fact="0.3096"/>
+          <dgm:constr type="w" for="ch" forName="textaccent4" refType="w" fact="0.022"/>
+          <dgm:constr type="h" for="ch" forName="textaccent4" refType="h" fact="0.0364"/>
+          <dgm:constr type="l" for="ch" forName="imageaccent4" refType="w" fact="0.6859"/>
+          <dgm:constr type="t" for="ch" forName="imageaccent4" refType="h" fact="0.3522"/>
+          <dgm:constr type="w" for="ch" forName="imageaccent4" refType="w" fact="0.022"/>
+          <dgm:constr type="h" for="ch" forName="imageaccent4" refType="h" fact="0.0364"/>
+          <dgm:constr type="l" for="ch" forName="textaccent5" refType="w" fact="0.8123"/>
+          <dgm:constr type="t" for="ch" forName="textaccent5" refType="h" fact="0.1425"/>
+          <dgm:constr type="w" for="ch" forName="textaccent5" refType="w" fact="0.022"/>
+          <dgm:constr type="h" for="ch" forName="textaccent5" refType="h" fact="0.0364"/>
+          <dgm:constr type="l" for="ch" forName="imageaccent5" refType="w" fact="0.849"/>
+          <dgm:constr type="t" for="ch" forName="imageaccent5" refType="h" fact="0.1835"/>
+          <dgm:constr type="w" for="ch" forName="imageaccent5" refType="w" fact="0.022"/>
+          <dgm:constr type="h" for="ch" forName="imageaccent5" refType="h" fact="0.0364"/>
+          <dgm:constr type="l" for="ch" forName="image6" refType="w" fact="0.6491"/>
+          <dgm:constr type="t" for="ch" forName="image6" refType="h" fact="0.6894"/>
+          <dgm:constr type="w" for="ch" forName="image6" refType="w" fact="0.1886"/>
+          <dgm:constr type="h" for="ch" forName="image6" refType="h" fact="0.3106"/>
+          <dgm:constr type="l" for="ch" forName="text6" refType="w" fact="0.8114"/>
+          <dgm:constr type="t" for="ch" forName="text6" refType="h" fact="0.5194"/>
+          <dgm:constr type="w" for="ch" forName="text6" refType="w" fact="0.1886"/>
+          <dgm:constr type="h" for="ch" forName="text6" refType="h" fact="0.3106"/>
+          <dgm:constr type="l" for="ch" forName="imageaccent6" refType="w" fact="0.8138"/>
+          <dgm:constr type="t" for="ch" forName="imageaccent6" refType="h" fact="0.8257"/>
+          <dgm:constr type="w" for="ch" forName="imageaccent6" refType="w" fact="0.022"/>
+          <dgm:constr type="h" for="ch" forName="imageaccent6" refType="h" fact="0.0364"/>
+          <dgm:constr type="l" for="ch" forName="textaccent6" refType="w" fact="0.8488"/>
+          <dgm:constr type="t" for="ch" forName="textaccent6" refType="h" fact="0.7914"/>
+          <dgm:constr type="w" for="ch" forName="textaccent6" refType="w" fact="0.022"/>
+          <dgm:constr type="h" for="ch" forName="textaccent6" refType="h" fact="0.0364"/>
+        </dgm:constrLst>
+      </dgm:if>
+      <dgm:if name="Name8" axis="ch" ptType="node" func="cnt" op="equ" val="7">
+        <dgm:alg type="composite">
+          <dgm:param type="ar" val="1.6382"/>
+        </dgm:alg>
+        <dgm:constrLst>
+          <dgm:constr type="primFontSz" for="des" ptType="node" op="equ" val="65"/>
+          <dgm:constr type="l" for="ch" forName="image4" refType="w" fact="0.6491"/>
+          <dgm:constr type="t" for="ch" forName="image4" refType="h" fact="0.2961"/>
+          <dgm:constr type="w" for="ch" forName="image4" refType="w" fact="0.1886"/>
+          <dgm:constr type="h" for="ch" forName="image4" refType="h" fact="0.2653"/>
+          <dgm:constr type="l" for="ch" forName="text5" refType="w" fact="0.6491"/>
+          <dgm:constr type="t" for="ch" forName="text5" refType="h" fact="0.0028"/>
+          <dgm:constr type="w" for="ch" forName="text5" refType="w" fact="0.1886"/>
+          <dgm:constr type="h" for="ch" forName="text5" refType="h" fact="0.2653"/>
+          <dgm:constr type="l" for="ch" forName="image5" refType="w" fact="0.8114"/>
+          <dgm:constr type="t" for="ch" forName="image5" refType="h" fact="0.1508"/>
+          <dgm:constr type="w" for="ch" forName="image5" refType="w" fact="0.1886"/>
+          <dgm:constr type="h" for="ch" forName="image5" refType="h" fact="0.2653"/>
+          <dgm:constr type="l" for="ch" forName="image2" refType="w" fact="0.4868"/>
+          <dgm:constr type="t" for="ch" forName="image2" refType="h" fact="0.4402"/>
+          <dgm:constr type="w" for="ch" forName="image2" refType="w" fact="0.1886"/>
+          <dgm:constr type="h" for="ch" forName="image2" refType="h" fact="0.2653"/>
+          <dgm:constr type="l" for="ch" forName="text4" refType="w" fact="0.4868"/>
+          <dgm:constr type="t" for="ch" forName="text4" refType="h" fact="0.1469"/>
+          <dgm:constr type="w" for="ch" forName="text4" refType="w" fact="0.1886"/>
+          <dgm:constr type="h" for="ch" forName="text4" refType="h" fact="0.2653"/>
+          <dgm:constr type="l" for="ch" forName="text2" refType="w" fact="0.3246"/>
+          <dgm:constr type="t" for="ch" forName="text2" refType="h" fact="0.2933"/>
+          <dgm:constr type="w" for="ch" forName="text2" refType="w" fact="0.1886"/>
+          <dgm:constr type="h" for="ch" forName="text2" refType="h" fact="0.2653"/>
+          <dgm:constr type="l" for="ch" forName="image3" refType="w" fact="0.3246"/>
+          <dgm:constr type="t" for="ch" forName="image3" refType="h" fact="0"/>
+          <dgm:constr type="w" for="ch" forName="image3" refType="w" fact="0.1886"/>
+          <dgm:constr type="h" for="ch" forName="image3" refType="h" fact="0.2653"/>
+          <dgm:constr type="l" for="ch" forName="text1" refType="w" fact="0.1623"/>
+          <dgm:constr type="t" for="ch" forName="text1" refType="h" fact="0.4408"/>
+          <dgm:constr type="w" for="ch" forName="text1" refType="w" fact="0.1886"/>
+          <dgm:constr type="h" for="ch" forName="text1" refType="h" fact="0.2653"/>
+          <dgm:constr type="l" for="ch" forName="text3" refType="w" fact="0.1623"/>
+          <dgm:constr type="t" for="ch" forName="text3" refType="h" fact="0.1475"/>
+          <dgm:constr type="w" for="ch" forName="text3" refType="w" fact="0.1886"/>
+          <dgm:constr type="h" for="ch" forName="text3" refType="h" fact="0.2653"/>
+          <dgm:constr type="l" for="ch" forName="textaccent1" refType="w" fact="0.1668"/>
+          <dgm:constr type="t" for="ch" forName="textaccent1" refType="h" fact="0.5594"/>
+          <dgm:constr type="w" for="ch" forName="textaccent1" refType="w" fact="0.022"/>
+          <dgm:constr type="h" for="ch" forName="textaccent1" refType="h" fact="0.0311"/>
+          <dgm:constr type="l" for="ch" forName="image1" refType="w" fact="0"/>
+          <dgm:constr type="t" for="ch" forName="image1" refType="h" fact="0.2941"/>
+          <dgm:constr type="w" for="ch" forName="image1" refType="w" fact="0.1886"/>
+          <dgm:constr type="h" for="ch" forName="image1" refType="h" fact="0.2653"/>
+          <dgm:constr type="l" for="ch" forName="imageaccent1" refType="w" fact="0.1292"/>
+          <dgm:constr type="t" for="ch" forName="imageaccent1" refType="h" fact="0.5242"/>
+          <dgm:constr type="w" for="ch" forName="imageaccent1" refType="w" fact="0.022"/>
+          <dgm:constr type="h" for="ch" forName="imageaccent1" refType="h" fact="0.0311"/>
+          <dgm:constr type="l" for="ch" forName="textaccent2" refType="w" fact="0.4544"/>
+          <dgm:constr type="t" for="ch" forName="textaccent2" refType="h" fact="0.5228"/>
+          <dgm:constr type="w" for="ch" forName="textaccent2" refType="w" fact="0.022"/>
+          <dgm:constr type="h" for="ch" forName="textaccent2" refType="h" fact="0.0311"/>
+          <dgm:constr type="l" for="ch" forName="imageaccent2" refType="w" fact="0.4914"/>
+          <dgm:constr type="t" for="ch" forName="imageaccent2" refType="h" fact="0.5583"/>
+          <dgm:constr type="w" for="ch" forName="imageaccent2" refType="w" fact="0.022"/>
+          <dgm:constr type="h" for="ch" forName="imageaccent2" refType="h" fact="0.0311"/>
+          <dgm:constr type="l" for="ch" forName="textaccent3" refType="w" fact="0.2907"/>
+          <dgm:constr type="t" for="ch" forName="textaccent3" refType="h" fact="0.1511"/>
+          <dgm:constr type="w" for="ch" forName="textaccent3" refType="w" fact="0.022"/>
+          <dgm:constr type="h" for="ch" forName="textaccent3" refType="h" fact="0.0311"/>
+          <dgm:constr type="l" for="ch" forName="imageaccent3" refType="w" fact="0.3299"/>
+          <dgm:constr type="t" for="ch" forName="imageaccent3" refType="h" fact="0.1175"/>
+          <dgm:constr type="w" for="ch" forName="imageaccent3" refType="w" fact="0.022"/>
+          <dgm:constr type="h" for="ch" forName="imageaccent3" refType="h" fact="0.0311"/>
+          <dgm:constr type="l" for="ch" forName="textaccent4" refType="w" fact="0.65"/>
+          <dgm:constr type="t" for="ch" forName="textaccent4" refType="h" fact="0.2645"/>
+          <dgm:constr type="w" for="ch" forName="textaccent4" refType="w" fact="0.022"/>
+          <dgm:constr type="h" for="ch" forName="textaccent4" refType="h" fact="0.0311"/>
+          <dgm:constr type="l" for="ch" forName="imageaccent4" refType="w" fact="0.6859"/>
+          <dgm:constr type="t" for="ch" forName="imageaccent4" refType="h" fact="0.3008"/>
+          <dgm:constr type="w" for="ch" forName="imageaccent4" refType="w" fact="0.022"/>
+          <dgm:constr type="h" for="ch" forName="imageaccent4" refType="h" fact="0.0311"/>
+          <dgm:constr type="l" for="ch" forName="textaccent5" refType="w" fact="0.8123"/>
+          <dgm:constr type="t" for="ch" forName="textaccent5" refType="h" fact="0.1217"/>
+          <dgm:constr type="w" for="ch" forName="textaccent5" refType="w" fact="0.022"/>
+          <dgm:constr type="h" for="ch" forName="textaccent5" refType="h" fact="0.0311"/>
+          <dgm:constr type="l" for="ch" forName="imageaccent5" refType="w" fact="0.849"/>
+          <dgm:constr type="t" for="ch" forName="imageaccent5" refType="h" fact="0.1567"/>
+          <dgm:constr type="w" for="ch" forName="imageaccent5" refType="w" fact="0.022"/>
+          <dgm:constr type="h" for="ch" forName="imageaccent5" refType="h" fact="0.0311"/>
+          <dgm:constr type="l" for="ch" forName="image6" refType="w" fact="0.6491"/>
+          <dgm:constr type="t" for="ch" forName="image6" refType="h" fact="0.5889"/>
+          <dgm:constr type="w" for="ch" forName="image6" refType="w" fact="0.1886"/>
+          <dgm:constr type="h" for="ch" forName="image6" refType="h" fact="0.2653"/>
+          <dgm:constr type="l" for="ch" forName="text6" refType="w" fact="0.8114"/>
+          <dgm:constr type="t" for="ch" forName="text6" refType="h" fact="0.4436"/>
+          <dgm:constr type="w" for="ch" forName="text6" refType="w" fact="0.1886"/>
+          <dgm:constr type="h" for="ch" forName="text6" refType="h" fact="0.2653"/>
+          <dgm:constr type="l" for="ch" forName="imageaccent6" refType="w" fact="0.8138"/>
+          <dgm:constr type="t" for="ch" forName="imageaccent6" refType="h" fact="0.7053"/>
+          <dgm:constr type="w" for="ch" forName="imageaccent6" refType="w" fact="0.022"/>
+          <dgm:constr type="h" for="ch" forName="imageaccent6" refType="h" fact="0.0311"/>
+          <dgm:constr type="l" for="ch" forName="textaccent6" refType="w" fact="0.8488"/>
+          <dgm:constr type="t" for="ch" forName="textaccent6" refType="h" fact="0.676"/>
+          <dgm:constr type="w" for="ch" forName="textaccent6" refType="w" fact="0.022"/>
+          <dgm:constr type="h" for="ch" forName="textaccent6" refType="h" fact="0.0311"/>
+          <dgm:constr type="l" for="ch" forName="text7" refType="w" fact="0.3244"/>
+          <dgm:constr type="t" for="ch" forName="text7" refType="h" fact="0.5872"/>
+          <dgm:constr type="w" for="ch" forName="text7" refType="w" fact="0.1886"/>
+          <dgm:constr type="h" for="ch" forName="text7" refType="h" fact="0.2653"/>
+          <dgm:constr type="l" for="ch" forName="image7" refType="w" fact="0.1622"/>
+          <dgm:constr type="t" for="ch" forName="image7" refType="h" fact="0.7347"/>
+          <dgm:constr type="w" for="ch" forName="image7" refType="w" fact="0.1886"/>
+          <dgm:constr type="h" for="ch" forName="image7" refType="h" fact="0.2653"/>
+          <dgm:constr type="l" for="ch" forName="imageaccent7" refType="w" fact="0.2905"/>
+          <dgm:constr type="t" for="ch" forName="imageaccent7" refType="h" fact="0.7384"/>
+          <dgm:constr type="w" for="ch" forName="imageaccent7" refType="w" fact="0.022"/>
+          <dgm:constr type="h" for="ch" forName="imageaccent7" refType="h" fact="0.0311"/>
+          <dgm:constr type="l" for="ch" forName="textaccent7" refType="w" fact="0.3298"/>
+          <dgm:constr type="t" for="ch" forName="textaccent7" refType="h" fact="0.7048"/>
+          <dgm:constr type="w" for="ch" forName="textaccent7" refType="w" fact="0.022"/>
+          <dgm:constr type="h" for="ch" forName="textaccent7" refType="h" fact="0.0311"/>
+        </dgm:constrLst>
+      </dgm:if>
+      <dgm:if name="Name9" axis="ch" ptType="node" func="cnt" op="equ" val="8">
+        <dgm:alg type="composite">
+          <dgm:param type="ar" val="1.8974"/>
+        </dgm:alg>
+        <dgm:constrLst>
+          <dgm:constr type="primFontSz" for="des" ptType="node" op="equ" val="65"/>
+          <dgm:constr type="l" for="ch" forName="image4" refType="w" fact="0.5589"/>
+          <dgm:constr type="t" for="ch" forName="image4" refType="h" fact="0.2952"/>
+          <dgm:constr type="w" for="ch" forName="image4" refType="w" fact="0.1624"/>
+          <dgm:constr type="h" for="ch" forName="image4" refType="h" fact="0.2645"/>
+          <dgm:constr type="l" for="ch" forName="text5" refType="w" fact="0.5589"/>
+          <dgm:constr type="t" for="ch" forName="text5" refType="h" fact="0.0028"/>
+          <dgm:constr type="w" for="ch" forName="text5" refType="w" fact="0.1624"/>
+          <dgm:constr type="h" for="ch" forName="text5" refType="h" fact="0.2645"/>
+          <dgm:constr type="l" for="ch" forName="image5" refType="w" fact="0.6986"/>
+          <dgm:constr type="t" for="ch" forName="image5" refType="h" fact="0.1504"/>
+          <dgm:constr type="w" for="ch" forName="image5" refType="w" fact="0.1624"/>
+          <dgm:constr type="h" for="ch" forName="image5" refType="h" fact="0.2645"/>
+          <dgm:constr type="l" for="ch" forName="image2" refType="w" fact="0.4192"/>
+          <dgm:constr type="t" for="ch" forName="image2" refType="h" fact="0.439"/>
+          <dgm:constr type="w" for="ch" forName="image2" refType="w" fact="0.1624"/>
+          <dgm:constr type="h" for="ch" forName="image2" refType="h" fact="0.2645"/>
+          <dgm:constr type="l" for="ch" forName="text4" refType="w" fact="0.4192"/>
+          <dgm:constr type="t" for="ch" forName="text4" refType="h" fact="0.1465"/>
+          <dgm:constr type="w" for="ch" forName="text4" refType="w" fact="0.1624"/>
+          <dgm:constr type="h" for="ch" forName="text4" refType="h" fact="0.2645"/>
+          <dgm:constr type="l" for="ch" forName="text2" refType="w" fact="0.2794"/>
+          <dgm:constr type="t" for="ch" forName="text2" refType="h" fact="0.2925"/>
+          <dgm:constr type="w" for="ch" forName="text2" refType="w" fact="0.1624"/>
+          <dgm:constr type="h" for="ch" forName="text2" refType="h" fact="0.2645"/>
+          <dgm:constr type="l" for="ch" forName="image3" refType="w" fact="0.2794"/>
+          <dgm:constr type="t" for="ch" forName="image3" refType="h" fact="0"/>
+          <dgm:constr type="w" for="ch" forName="image3" refType="w" fact="0.1624"/>
+          <dgm:constr type="h" for="ch" forName="image3" refType="h" fact="0.2645"/>
+          <dgm:constr type="l" for="ch" forName="text1" refType="w" fact="0.1397"/>
+          <dgm:constr type="t" for="ch" forName="text1" refType="h" fact="0.4395"/>
+          <dgm:constr type="w" for="ch" forName="text1" refType="w" fact="0.1624"/>
+          <dgm:constr type="h" for="ch" forName="text1" refType="h" fact="0.2645"/>
+          <dgm:constr type="l" for="ch" forName="text3" refType="w" fact="0.1397"/>
+          <dgm:constr type="t" for="ch" forName="text3" refType="h" fact="0.1471"/>
+          <dgm:constr type="w" for="ch" forName="text3" refType="w" fact="0.1624"/>
+          <dgm:constr type="h" for="ch" forName="text3" refType="h" fact="0.2645"/>
+          <dgm:constr type="l" for="ch" forName="textaccent1" refType="w" fact="0.1436"/>
+          <dgm:constr type="t" for="ch" forName="textaccent1" refType="h" fact="0.5578"/>
+          <dgm:constr type="w" for="ch" forName="textaccent1" refType="w" fact="0.0189"/>
+          <dgm:constr type="h" for="ch" forName="textaccent1" refType="h" fact="0.031"/>
+          <dgm:constr type="l" for="ch" forName="image1" refType="w" fact="0"/>
+          <dgm:constr type="t" for="ch" forName="image1" refType="h" fact="0.2933"/>
+          <dgm:constr type="w" for="ch" forName="image1" refType="w" fact="0.1624"/>
+          <dgm:constr type="h" for="ch" forName="image1" refType="h" fact="0.2645"/>
+          <dgm:constr type="l" for="ch" forName="imageaccent1" refType="w" fact="0.1112"/>
+          <dgm:constr type="t" for="ch" forName="imageaccent1" refType="h" fact="0.5227"/>
+          <dgm:constr type="w" for="ch" forName="imageaccent1" refType="w" fact="0.0189"/>
+          <dgm:constr type="h" for="ch" forName="imageaccent1" refType="h" fact="0.031"/>
+          <dgm:constr type="l" for="ch" forName="textaccent2" refType="w" fact="0.3912"/>
+          <dgm:constr type="t" for="ch" forName="textaccent2" refType="h" fact="0.5213"/>
+          <dgm:constr type="w" for="ch" forName="textaccent2" refType="w" fact="0.0189"/>
+          <dgm:constr type="h" for="ch" forName="textaccent2" refType="h" fact="0.031"/>
+          <dgm:constr type="l" for="ch" forName="imageaccent2" refType="w" fact="0.4231"/>
+          <dgm:constr type="t" for="ch" forName="imageaccent2" refType="h" fact="0.5567"/>
+          <dgm:constr type="w" for="ch" forName="imageaccent2" refType="w" fact="0.0189"/>
+          <dgm:constr type="h" for="ch" forName="imageaccent2" refType="h" fact="0.031"/>
+          <dgm:constr type="l" for="ch" forName="textaccent3" refType="w" fact="0.2502"/>
+          <dgm:constr type="t" for="ch" forName="textaccent3" refType="h" fact="0.1507"/>
+          <dgm:constr type="w" for="ch" forName="textaccent3" refType="w" fact="0.0189"/>
+          <dgm:constr type="h" for="ch" forName="textaccent3" refType="h" fact="0.031"/>
+          <dgm:constr type="l" for="ch" forName="imageaccent3" refType="w" fact="0.2841"/>
+          <dgm:constr type="t" for="ch" forName="imageaccent3" refType="h" fact="0.1172"/>
+          <dgm:constr type="w" for="ch" forName="imageaccent3" refType="w" fact="0.0189"/>
+          <dgm:constr type="h" for="ch" forName="imageaccent3" refType="h" fact="0.031"/>
+          <dgm:constr type="l" for="ch" forName="textaccent4" refType="w" fact="0.5596"/>
+          <dgm:constr type="t" for="ch" forName="textaccent4" refType="h" fact="0.2637"/>
+          <dgm:constr type="w" for="ch" forName="textaccent4" refType="w" fact="0.0189"/>
+          <dgm:constr type="h" for="ch" forName="textaccent4" refType="h" fact="0.031"/>
+          <dgm:constr type="l" for="ch" forName="imageaccent4" refType="w" fact="0.5905"/>
+          <dgm:constr type="t" for="ch" forName="imageaccent4" refType="h" fact="0.3"/>
+          <dgm:constr type="w" for="ch" forName="imageaccent4" refType="w" fact="0.0189"/>
+          <dgm:constr type="h" for="ch" forName="imageaccent4" refType="h" fact="0.031"/>
+          <dgm:constr type="l" for="ch" forName="textaccent5" refType="w" fact="0.6993"/>
+          <dgm:constr type="t" for="ch" forName="textaccent5" refType="h" fact="0.1214"/>
+          <dgm:constr type="w" for="ch" forName="textaccent5" refType="w" fact="0.0189"/>
+          <dgm:constr type="h" for="ch" forName="textaccent5" refType="h" fact="0.031"/>
+          <dgm:constr type="l" for="ch" forName="imageaccent5" refType="w" fact="0.731"/>
+          <dgm:constr type="t" for="ch" forName="imageaccent5" refType="h" fact="0.1563"/>
+          <dgm:constr type="w" for="ch" forName="imageaccent5" refType="w" fact="0.0189"/>
+          <dgm:constr type="h" for="ch" forName="imageaccent5" refType="h" fact="0.031"/>
+          <dgm:constr type="l" for="ch" forName="image6" refType="w" fact="0.5589"/>
+          <dgm:constr type="t" for="ch" forName="image6" refType="h" fact="0.5872"/>
+          <dgm:constr type="w" for="ch" forName="image6" refType="w" fact="0.1624"/>
+          <dgm:constr type="h" for="ch" forName="image6" refType="h" fact="0.2645"/>
+          <dgm:constr type="l" for="ch" forName="text6" refType="w" fact="0.6986"/>
+          <dgm:constr type="t" for="ch" forName="text6" refType="h" fact="0.4424"/>
+          <dgm:constr type="w" for="ch" forName="text6" refType="w" fact="0.1624"/>
+          <dgm:constr type="h" for="ch" forName="text6" refType="h" fact="0.2645"/>
+          <dgm:constr type="l" for="ch" forName="imageaccent6" refType="w" fact="0.7007"/>
+          <dgm:constr type="t" for="ch" forName="imageaccent6" refType="h" fact="0.7033"/>
+          <dgm:constr type="w" for="ch" forName="imageaccent6" refType="w" fact="0.0189"/>
+          <dgm:constr type="h" for="ch" forName="imageaccent6" refType="h" fact="0.031"/>
+          <dgm:constr type="l" for="ch" forName="textaccent6" refType="w" fact="0.7308"/>
+          <dgm:constr type="t" for="ch" forName="textaccent6" refType="h" fact="0.6741"/>
+          <dgm:constr type="w" for="ch" forName="textaccent6" refType="w" fact="0.0189"/>
+          <dgm:constr type="h" for="ch" forName="textaccent6" refType="h" fact="0.031"/>
+          <dgm:constr type="l" for="ch" forName="text7" refType="w" fact="0.2793"/>
+          <dgm:constr type="t" for="ch" forName="text7" refType="h" fact="0.5856"/>
+          <dgm:constr type="w" for="ch" forName="text7" refType="w" fact="0.1624"/>
+          <dgm:constr type="h" for="ch" forName="text7" refType="h" fact="0.2645"/>
+          <dgm:constr type="l" for="ch" forName="image7" refType="w" fact="0.1396"/>
+          <dgm:constr type="t" for="ch" forName="image7" refType="h" fact="0.7326"/>
+          <dgm:constr type="w" for="ch" forName="image7" refType="w" fact="0.1624"/>
+          <dgm:constr type="h" for="ch" forName="image7" refType="h" fact="0.2645"/>
+          <dgm:constr type="l" for="ch" forName="imageaccent7" refType="w" fact="0.2501"/>
+          <dgm:constr type="t" for="ch" forName="imageaccent7" refType="h" fact="0.7363"/>
+          <dgm:constr type="w" for="ch" forName="imageaccent7" refType="w" fact="0.0189"/>
+          <dgm:constr type="h" for="ch" forName="imageaccent7" refType="h" fact="0.031"/>
+          <dgm:constr type="l" for="ch" forName="textaccent7" refType="w" fact="0.284"/>
+          <dgm:constr type="t" for="ch" forName="textaccent7" refType="h" fact="0.7028"/>
+          <dgm:constr type="w" for="ch" forName="textaccent7" refType="w" fact="0.0189"/>
+          <dgm:constr type="h" for="ch" forName="textaccent7" refType="h" fact="0.031"/>
+          <dgm:constr type="l" for="ch" forName="image8" refType="w" fact="0.6979"/>
+          <dgm:constr type="t" for="ch" forName="image8" refType="h" fact="0.7355"/>
+          <dgm:constr type="w" for="ch" forName="image8" refType="w" fact="0.1624"/>
+          <dgm:constr type="h" for="ch" forName="image8" refType="h" fact="0.2645"/>
+          <dgm:constr type="l" for="ch" forName="text8" refType="w" fact="0.8376"/>
+          <dgm:constr type="t" for="ch" forName="text8" refType="h" fact="0.5906"/>
+          <dgm:constr type="w" for="ch" forName="text8" refType="w" fact="0.1624"/>
+          <dgm:constr type="h" for="ch" forName="text8" refType="h" fact="0.2645"/>
+          <dgm:constr type="l" for="ch" forName="imageaccent8" refType="w" fact="0.8397"/>
+          <dgm:constr type="t" for="ch" forName="imageaccent8" refType="h" fact="0.8516"/>
+          <dgm:constr type="w" for="ch" forName="imageaccent8" refType="w" fact="0.0189"/>
+          <dgm:constr type="h" for="ch" forName="imageaccent8" refType="h" fact="0.031"/>
+          <dgm:constr type="l" for="ch" forName="textaccent8" refType="w" fact="0.8698"/>
+          <dgm:constr type="t" for="ch" forName="textaccent8" refType="h" fact="0.8223"/>
+          <dgm:constr type="w" for="ch" forName="textaccent8" refType="w" fact="0.0189"/>
+          <dgm:constr type="h" for="ch" forName="textaccent8" refType="h" fact="0.031"/>
+        </dgm:constrLst>
+      </dgm:if>
+      <dgm:if name="Name10" axis="ch" ptType="node" func="cnt" op="equ" val="9">
+        <dgm:alg type="composite">
+          <dgm:param type="ar" val="1.8986"/>
+        </dgm:alg>
+        <dgm:constrLst>
+          <dgm:constr type="primFontSz" for="des" ptType="node" op="equ" val="65"/>
+          <dgm:constr type="l" for="ch" forName="image4" refType="w" fact="0.5585"/>
+          <dgm:constr type="t" for="ch" forName="image4" refType="h" fact="0.2952"/>
+          <dgm:constr type="w" for="ch" forName="image4" refType="w" fact="0.1623"/>
+          <dgm:constr type="h" for="ch" forName="image4" refType="h" fact="0.2645"/>
+          <dgm:constr type="l" for="ch" forName="text5" refType="w" fact="0.5585"/>
+          <dgm:constr type="t" for="ch" forName="text5" refType="h" fact="0.0028"/>
+          <dgm:constr type="w" for="ch" forName="text5" refType="w" fact="0.1623"/>
+          <dgm:constr type="h" for="ch" forName="text5" refType="h" fact="0.2645"/>
+          <dgm:constr type="l" for="ch" forName="image5" refType="w" fact="0.6982"/>
+          <dgm:constr type="t" for="ch" forName="image5" refType="h" fact="0.1504"/>
+          <dgm:constr type="w" for="ch" forName="image5" refType="w" fact="0.1623"/>
+          <dgm:constr type="h" for="ch" forName="image5" refType="h" fact="0.2645"/>
+          <dgm:constr type="l" for="ch" forName="image2" refType="w" fact="0.4189"/>
+          <dgm:constr type="t" for="ch" forName="image2" refType="h" fact="0.439"/>
+          <dgm:constr type="w" for="ch" forName="image2" refType="w" fact="0.1623"/>
+          <dgm:constr type="h" for="ch" forName="image2" refType="h" fact="0.2645"/>
+          <dgm:constr type="l" for="ch" forName="text4" refType="w" fact="0.4189"/>
+          <dgm:constr type="t" for="ch" forName="text4" refType="h" fact="0.1465"/>
+          <dgm:constr type="w" for="ch" forName="text4" refType="w" fact="0.1623"/>
+          <dgm:constr type="h" for="ch" forName="text4" refType="h" fact="0.2645"/>
+          <dgm:constr type="l" for="ch" forName="text2" refType="w" fact="0.2793"/>
+          <dgm:constr type="t" for="ch" forName="text2" refType="h" fact="0.2925"/>
+          <dgm:constr type="w" for="ch" forName="text2" refType="w" fact="0.1623"/>
+          <dgm:constr type="h" for="ch" forName="text2" refType="h" fact="0.2645"/>
+          <dgm:constr type="l" for="ch" forName="image3" refType="w" fact="0.2793"/>
+          <dgm:constr type="t" for="ch" forName="image3" refType="h" fact="0"/>
+          <dgm:constr type="w" for="ch" forName="image3" refType="w" fact="0.1623"/>
+          <dgm:constr type="h" for="ch" forName="image3" refType="h" fact="0.2645"/>
+          <dgm:constr type="l" for="ch" forName="text1" refType="w" fact="0.1396"/>
+          <dgm:constr type="t" for="ch" forName="text1" refType="h" fact="0.4395"/>
+          <dgm:constr type="w" for="ch" forName="text1" refType="w" fact="0.1623"/>
+          <dgm:constr type="h" for="ch" forName="text1" refType="h" fact="0.2645"/>
+          <dgm:constr type="l" for="ch" forName="text3" refType="w" fact="0.1396"/>
+          <dgm:constr type="t" for="ch" forName="text3" refType="h" fact="0.1471"/>
+          <dgm:constr type="w" for="ch" forName="text3" refType="w" fact="0.1623"/>
+          <dgm:constr type="h" for="ch" forName="text3" refType="h" fact="0.2645"/>
+          <dgm:constr type="l" for="ch" forName="textaccent1" refType="w" fact="0.1435"/>
+          <dgm:constr type="t" for="ch" forName="textaccent1" refType="h" fact="0.5578"/>
+          <dgm:constr type="w" for="ch" forName="textaccent1" refType="w" fact="0.0189"/>
+          <dgm:constr type="h" for="ch" forName="textaccent1" refType="h" fact="0.031"/>
+          <dgm:constr type="l" for="ch" forName="image1" refType="w" fact="0"/>
+          <dgm:constr type="t" for="ch" forName="image1" refType="h" fact="0.2933"/>
+          <dgm:constr type="w" for="ch" forName="image1" refType="w" fact="0.1623"/>
+          <dgm:constr type="h" for="ch" forName="image1" refType="h" fact="0.2645"/>
+          <dgm:constr type="l" for="ch" forName="imageaccent1" refType="w" fact="0.1111"/>
+          <dgm:constr type="t" for="ch" forName="imageaccent1" refType="h" fact="0.5227"/>
+          <dgm:constr type="w" for="ch" forName="imageaccent1" refType="w" fact="0.0189"/>
+          <dgm:constr type="h" for="ch" forName="imageaccent1" refType="h" fact="0.031"/>
+          <dgm:constr type="l" for="ch" forName="textaccent2" refType="w" fact="0.391"/>
+          <dgm:constr type="t" for="ch" forName="textaccent2" refType="h" fact="0.5213"/>
+          <dgm:constr type="w" for="ch" forName="textaccent2" refType="w" fact="0.0189"/>
+          <dgm:constr type="h" for="ch" forName="textaccent2" refType="h" fact="0.031"/>
+          <dgm:constr type="l" for="ch" forName="imageaccent2" refType="w" fact="0.4228"/>
+          <dgm:constr type="t" for="ch" forName="imageaccent2" refType="h" fact="0.5567"/>
+          <dgm:constr type="w" for="ch" forName="imageaccent2" refType="w" fact="0.0189"/>
+          <dgm:constr type="h" for="ch" forName="imageaccent2" refType="h" fact="0.031"/>
+          <dgm:constr type="l" for="ch" forName="textaccent3" refType="w" fact="0.2501"/>
+          <dgm:constr type="t" for="ch" forName="textaccent3" refType="h" fact="0.1507"/>
+          <dgm:constr type="w" for="ch" forName="textaccent3" refType="w" fact="0.0189"/>
+          <dgm:constr type="h" for="ch" forName="textaccent3" refType="h" fact="0.031"/>
+          <dgm:constr type="l" for="ch" forName="imageaccent3" refType="w" fact="0.2839"/>
+          <dgm:constr type="t" for="ch" forName="imageaccent3" refType="h" fact="0.1172"/>
+          <dgm:constr type="w" for="ch" forName="imageaccent3" refType="w" fact="0.0189"/>
+          <dgm:constr type="h" for="ch" forName="imageaccent3" refType="h" fact="0.031"/>
+          <dgm:constr type="l" for="ch" forName="textaccent4" refType="w" fact="0.5593"/>
+          <dgm:constr type="t" for="ch" forName="textaccent4" refType="h" fact="0.2637"/>
+          <dgm:constr type="w" for="ch" forName="textaccent4" refType="w" fact="0.0189"/>
+          <dgm:constr type="h" for="ch" forName="textaccent4" refType="h" fact="0.031"/>
+          <dgm:constr type="l" for="ch" forName="imageaccent4" refType="w" fact="0.5901"/>
+          <dgm:constr type="t" for="ch" forName="imageaccent4" refType="h" fact="0.3"/>
+          <dgm:constr type="w" for="ch" forName="imageaccent4" refType="w" fact="0.0189"/>
+          <dgm:constr type="h" for="ch" forName="imageaccent4" refType="h" fact="0.031"/>
+          <dgm:constr type="l" for="ch" forName="textaccent5" refType="w" fact="0.6989"/>
+          <dgm:constr type="t" for="ch" forName="textaccent5" refType="h" fact="0.1214"/>
+          <dgm:constr type="w" for="ch" forName="textaccent5" refType="w" fact="0.0189"/>
+          <dgm:constr type="h" for="ch" forName="textaccent5" refType="h" fact="0.031"/>
+          <dgm:constr type="l" for="ch" forName="imageaccent5" refType="w" fact="0.7305"/>
+          <dgm:constr type="t" for="ch" forName="imageaccent5" refType="h" fact="0.1563"/>
+          <dgm:constr type="w" for="ch" forName="imageaccent5" refType="w" fact="0.0189"/>
+          <dgm:constr type="h" for="ch" forName="imageaccent5" refType="h" fact="0.031"/>
+          <dgm:constr type="l" for="ch" forName="image6" refType="w" fact="0.5585"/>
+          <dgm:constr type="t" for="ch" forName="image6" refType="h" fact="0.5872"/>
+          <dgm:constr type="w" for="ch" forName="image6" refType="w" fact="0.1623"/>
+          <dgm:constr type="h" for="ch" forName="image6" refType="h" fact="0.2645"/>
+          <dgm:constr type="l" for="ch" forName="text6" refType="w" fact="0.6982"/>
+          <dgm:constr type="t" for="ch" forName="text6" refType="h" fact="0.4424"/>
+          <dgm:constr type="w" for="ch" forName="text6" refType="w" fact="0.1623"/>
+          <dgm:constr type="h" for="ch" forName="text6" refType="h" fact="0.2645"/>
+          <dgm:constr type="l" for="ch" forName="imageaccent6" refType="w" fact="0.7002"/>
+          <dgm:constr type="t" for="ch" forName="imageaccent6" refType="h" fact="0.7033"/>
+          <dgm:constr type="w" for="ch" forName="imageaccent6" refType="w" fact="0.0189"/>
+          <dgm:constr type="h" for="ch" forName="imageaccent6" refType="h" fact="0.031"/>
+          <dgm:constr type="l" for="ch" forName="textaccent6" refType="w" fact="0.7303"/>
+          <dgm:constr type="t" for="ch" forName="textaccent6" refType="h" fact="0.6741"/>
+          <dgm:constr type="w" for="ch" forName="textaccent6" refType="w" fact="0.0189"/>
+          <dgm:constr type="h" for="ch" forName="textaccent6" refType="h" fact="0.031"/>
+          <dgm:constr type="l" for="ch" forName="text7" refType="w" fact="0.2792"/>
+          <dgm:constr type="t" for="ch" forName="text7" refType="h" fact="0.5856"/>
+          <dgm:constr type="w" for="ch" forName="text7" refType="w" fact="0.1623"/>
+          <dgm:constr type="h" for="ch" forName="text7" refType="h" fact="0.2645"/>
+          <dgm:constr type="l" for="ch" forName="image7" refType="w" fact="0.1395"/>
+          <dgm:constr type="t" for="ch" forName="image7" refType="h" fact="0.7326"/>
+          <dgm:constr type="w" for="ch" forName="image7" refType="w" fact="0.1623"/>
+          <dgm:constr type="h" for="ch" forName="image7" refType="h" fact="0.2645"/>
+          <dgm:constr type="l" for="ch" forName="imageaccent7" refType="w" fact="0.25"/>
+          <dgm:constr type="t" for="ch" forName="imageaccent7" refType="h" fact="0.7363"/>
+          <dgm:constr type="w" for="ch" forName="imageaccent7" refType="w" fact="0.0189"/>
+          <dgm:constr type="h" for="ch" forName="imageaccent7" refType="h" fact="0.031"/>
+          <dgm:constr type="l" for="ch" forName="textaccent7" refType="w" fact="0.2838"/>
+          <dgm:constr type="t" for="ch" forName="textaccent7" refType="h" fact="0.7028"/>
+          <dgm:constr type="w" for="ch" forName="textaccent7" refType="w" fact="0.0189"/>
+          <dgm:constr type="h" for="ch" forName="textaccent7" refType="h" fact="0.031"/>
+          <dgm:constr type="l" for="ch" forName="image8" refType="w" fact="0.6975"/>
+          <dgm:constr type="t" for="ch" forName="image8" refType="h" fact="0.7355"/>
+          <dgm:constr type="w" for="ch" forName="image8" refType="w" fact="0.1623"/>
+          <dgm:constr type="h" for="ch" forName="image8" refType="h" fact="0.2645"/>
+          <dgm:constr type="l" for="ch" forName="text8" refType="w" fact="0.8371"/>
+          <dgm:constr type="t" for="ch" forName="text8" refType="h" fact="0.5906"/>
+          <dgm:constr type="w" for="ch" forName="text8" refType="w" fact="0.1623"/>
+          <dgm:constr type="h" for="ch" forName="text8" refType="h" fact="0.2645"/>
+          <dgm:constr type="l" for="ch" forName="imageaccent8" refType="w" fact="0.8392"/>
+          <dgm:constr type="t" for="ch" forName="imageaccent8" refType="h" fact="0.8516"/>
+          <dgm:constr type="w" for="ch" forName="imageaccent8" refType="w" fact="0.0189"/>
+          <dgm:constr type="h" for="ch" forName="imageaccent8" refType="h" fact="0.031"/>
+          <dgm:constr type="l" for="ch" forName="textaccent8" refType="w" fact="0.8693"/>
+          <dgm:constr type="t" for="ch" forName="textaccent8" refType="h" fact="0.8223"/>
+          <dgm:constr type="w" for="ch" forName="textaccent8" refType="w" fact="0.0189"/>
+          <dgm:constr type="h" for="ch" forName="textaccent8" refType="h" fact="0.031"/>
+          <dgm:constr type="l" for="ch" forName="text9" refType="w" fact="0.8377"/>
+          <dgm:constr type="t" for="ch" forName="text9" refType="h" fact="0.0057"/>
+          <dgm:constr type="w" for="ch" forName="text9" refType="w" fact="0.1623"/>
+          <dgm:constr type="h" for="ch" forName="text9" refType="h" fact="0.2645"/>
+          <dgm:constr type="l" for="ch" forName="textaccent9" refType="w" fact="0.95"/>
+          <dgm:constr type="t" for="ch" forName="textaccent9" refType="h" fact="0.2383"/>
+          <dgm:constr type="w" for="ch" forName="textaccent9" refType="w" fact="0.0189"/>
+          <dgm:constr type="h" for="ch" forName="textaccent9" refType="h" fact="0.031"/>
+          <dgm:constr type="l" for="ch" forName="image9" refType="w" fact="0.8377"/>
+          <dgm:constr type="t" for="ch" forName="image9" refType="h" fact="0.2977"/>
+          <dgm:constr type="w" for="ch" forName="image9" refType="w" fact="0.1623"/>
+          <dgm:constr type="h" for="ch" forName="image9" refType="h" fact="0.2645"/>
+          <dgm:constr type="l" for="ch" forName="imageaccent9" refType="w" fact="0.95"/>
+          <dgm:constr type="t" for="ch" forName="imageaccent9" refType="h" fact="0.2993"/>
+          <dgm:constr type="w" for="ch" forName="imageaccent9" refType="w" fact="0.0189"/>
+          <dgm:constr type="h" for="ch" forName="imageaccent9" refType="h" fact="0.031"/>
+        </dgm:constrLst>
+      </dgm:if>
+      <dgm:if name="Name11" axis="ch" ptType="node" func="cnt" op="equ" val="10">
+        <dgm:alg type="composite">
+          <dgm:param type="ar" val="1.6608"/>
+        </dgm:alg>
+        <dgm:constrLst>
+          <dgm:constr type="primFontSz" for="des" ptType="node" op="equ" val="65"/>
+          <dgm:constr type="l" for="ch" forName="image4" refType="w" fact="0.5585"/>
+          <dgm:constr type="t" for="ch" forName="image4" refType="h" fact="0.2583"/>
+          <dgm:constr type="w" for="ch" forName="image4" refType="w" fact="0.1623"/>
+          <dgm:constr type="h" for="ch" forName="image4" refType="h" fact="0.2314"/>
+          <dgm:constr type="l" for="ch" forName="text5" refType="w" fact="0.5585"/>
+          <dgm:constr type="t" for="ch" forName="text5" refType="h" fact="0.0024"/>
+          <dgm:constr type="w" for="ch" forName="text5" refType="w" fact="0.1623"/>
+          <dgm:constr type="h" for="ch" forName="text5" refType="h" fact="0.2314"/>
+          <dgm:constr type="l" for="ch" forName="image5" refType="w" fact="0.6982"/>
+          <dgm:constr type="t" for="ch" forName="image5" refType="h" fact="0.1316"/>
+          <dgm:constr type="w" for="ch" forName="image5" refType="w" fact="0.1623"/>
+          <dgm:constr type="h" for="ch" forName="image5" refType="h" fact="0.2314"/>
+          <dgm:constr type="l" for="ch" forName="image2" refType="w" fact="0.4189"/>
+          <dgm:constr type="t" for="ch" forName="image2" refType="h" fact="0.384"/>
+          <dgm:constr type="w" for="ch" forName="image2" refType="w" fact="0.1623"/>
+          <dgm:constr type="h" for="ch" forName="image2" refType="h" fact="0.2314"/>
+          <dgm:constr type="l" for="ch" forName="text4" refType="w" fact="0.4189"/>
+          <dgm:constr type="t" for="ch" forName="text4" refType="h" fact="0.1282"/>
+          <dgm:constr type="w" for="ch" forName="text4" refType="w" fact="0.1623"/>
+          <dgm:constr type="h" for="ch" forName="text4" refType="h" fact="0.2314"/>
+          <dgm:constr type="l" for="ch" forName="text2" refType="w" fact="0.2793"/>
+          <dgm:constr type="t" for="ch" forName="text2" refType="h" fact="0.2558"/>
+          <dgm:constr type="w" for="ch" forName="text2" refType="w" fact="0.1623"/>
+          <dgm:constr type="h" for="ch" forName="text2" refType="h" fact="0.2314"/>
+          <dgm:constr type="l" for="ch" forName="image3" refType="w" fact="0.2793"/>
+          <dgm:constr type="t" for="ch" forName="image3" refType="h" fact="0"/>
+          <dgm:constr type="w" for="ch" forName="image3" refType="w" fact="0.1623"/>
+          <dgm:constr type="h" for="ch" forName="image3" refType="h" fact="0.2314"/>
+          <dgm:constr type="l" for="ch" forName="text1" refType="w" fact="0.1396"/>
+          <dgm:constr type="t" for="ch" forName="text1" refType="h" fact="0.3845"/>
+          <dgm:constr type="w" for="ch" forName="text1" refType="w" fact="0.1623"/>
+          <dgm:constr type="h" for="ch" forName="text1" refType="h" fact="0.2314"/>
+          <dgm:constr type="l" for="ch" forName="text3" refType="w" fact="0.1396"/>
+          <dgm:constr type="t" for="ch" forName="text3" refType="h" fact="0.1286"/>
+          <dgm:constr type="w" for="ch" forName="text3" refType="w" fact="0.1623"/>
+          <dgm:constr type="h" for="ch" forName="text3" refType="h" fact="0.2314"/>
+          <dgm:constr type="l" for="ch" forName="textaccent1" refType="w" fact="0.1435"/>
+          <dgm:constr type="t" for="ch" forName="textaccent1" refType="h" fact="0.488"/>
+          <dgm:constr type="w" for="ch" forName="textaccent1" refType="w" fact="0.0189"/>
+          <dgm:constr type="h" for="ch" forName="textaccent1" refType="h" fact="0.0271"/>
+          <dgm:constr type="l" for="ch" forName="image1" refType="w" fact="0"/>
+          <dgm:constr type="t" for="ch" forName="image1" refType="h" fact="0.2566"/>
+          <dgm:constr type="w" for="ch" forName="image1" refType="w" fact="0.1623"/>
+          <dgm:constr type="h" for="ch" forName="image1" refType="h" fact="0.2314"/>
+          <dgm:constr type="l" for="ch" forName="imageaccent1" refType="w" fact="0.1111"/>
+          <dgm:constr type="t" for="ch" forName="imageaccent1" refType="h" fact="0.4572"/>
+          <dgm:constr type="w" for="ch" forName="imageaccent1" refType="w" fact="0.0189"/>
+          <dgm:constr type="h" for="ch" forName="imageaccent1" refType="h" fact="0.0271"/>
+          <dgm:constr type="l" for="ch" forName="textaccent2" refType="w" fact="0.391"/>
+          <dgm:constr type="t" for="ch" forName="textaccent2" refType="h" fact="0.456"/>
+          <dgm:constr type="w" for="ch" forName="textaccent2" refType="w" fact="0.0189"/>
+          <dgm:constr type="h" for="ch" forName="textaccent2" refType="h" fact="0.0271"/>
+          <dgm:constr type="l" for="ch" forName="imageaccent2" refType="w" fact="0.4228"/>
+          <dgm:constr type="t" for="ch" forName="imageaccent2" refType="h" fact="0.487"/>
+          <dgm:constr type="w" for="ch" forName="imageaccent2" refType="w" fact="0.0189"/>
+          <dgm:constr type="h" for="ch" forName="imageaccent2" refType="h" fact="0.0271"/>
+          <dgm:constr type="l" for="ch" forName="textaccent3" refType="w" fact="0.2501"/>
+          <dgm:constr type="t" for="ch" forName="textaccent3" refType="h" fact="0.1318"/>
+          <dgm:constr type="w" for="ch" forName="textaccent3" refType="w" fact="0.0189"/>
+          <dgm:constr type="h" for="ch" forName="textaccent3" refType="h" fact="0.0271"/>
+          <dgm:constr type="l" for="ch" forName="imageaccent3" refType="w" fact="0.2839"/>
+          <dgm:constr type="t" for="ch" forName="imageaccent3" refType="h" fact="0.1025"/>
+          <dgm:constr type="w" for="ch" forName="imageaccent3" refType="w" fact="0.0189"/>
+          <dgm:constr type="h" for="ch" forName="imageaccent3" refType="h" fact="0.0271"/>
+          <dgm:constr type="l" for="ch" forName="textaccent4" refType="w" fact="0.5593"/>
+          <dgm:constr type="t" for="ch" forName="textaccent4" refType="h" fact="0.2307"/>
+          <dgm:constr type="w" for="ch" forName="textaccent4" refType="w" fact="0.0189"/>
+          <dgm:constr type="h" for="ch" forName="textaccent4" refType="h" fact="0.0271"/>
+          <dgm:constr type="l" for="ch" forName="imageaccent4" refType="w" fact="0.5901"/>
+          <dgm:constr type="t" for="ch" forName="imageaccent4" refType="h" fact="0.2624"/>
+          <dgm:constr type="w" for="ch" forName="imageaccent4" refType="w" fact="0.0189"/>
+          <dgm:constr type="h" for="ch" forName="imageaccent4" refType="h" fact="0.0271"/>
+          <dgm:constr type="l" for="ch" forName="textaccent5" refType="w" fact="0.6989"/>
+          <dgm:constr type="t" for="ch" forName="textaccent5" refType="h" fact="0.1062"/>
+          <dgm:constr type="w" for="ch" forName="textaccent5" refType="w" fact="0.0189"/>
+          <dgm:constr type="h" for="ch" forName="textaccent5" refType="h" fact="0.0271"/>
+          <dgm:constr type="l" for="ch" forName="imageaccent5" refType="w" fact="0.7305"/>
+          <dgm:constr type="t" for="ch" forName="imageaccent5" refType="h" fact="0.1367"/>
+          <dgm:constr type="w" for="ch" forName="imageaccent5" refType="w" fact="0.0189"/>
+          <dgm:constr type="h" for="ch" forName="imageaccent5" refType="h" fact="0.0271"/>
+          <dgm:constr type="l" for="ch" forName="image6" refType="w" fact="0.5585"/>
+          <dgm:constr type="t" for="ch" forName="image6" refType="h" fact="0.5137"/>
+          <dgm:constr type="w" for="ch" forName="image6" refType="w" fact="0.1623"/>
+          <dgm:constr type="h" for="ch" forName="image6" refType="h" fact="0.2314"/>
+          <dgm:constr type="l" for="ch" forName="text6" refType="w" fact="0.6982"/>
+          <dgm:constr type="t" for="ch" forName="text6" refType="h" fact="0.387"/>
+          <dgm:constr type="w" for="ch" forName="text6" refType="w" fact="0.1623"/>
+          <dgm:constr type="h" for="ch" forName="text6" refType="h" fact="0.2314"/>
+          <dgm:constr type="l" for="ch" forName="imageaccent6" refType="w" fact="0.7002"/>
+          <dgm:constr type="t" for="ch" forName="imageaccent6" refType="h" fact="0.6152"/>
+          <dgm:constr type="w" for="ch" forName="imageaccent6" refType="w" fact="0.0189"/>
+          <dgm:constr type="h" for="ch" forName="imageaccent6" refType="h" fact="0.0271"/>
+          <dgm:constr type="l" for="ch" forName="textaccent6" refType="w" fact="0.7303"/>
+          <dgm:constr type="t" for="ch" forName="textaccent6" refType="h" fact="0.5897"/>
+          <dgm:constr type="w" for="ch" forName="textaccent6" refType="w" fact="0.0189"/>
+          <dgm:constr type="h" for="ch" forName="textaccent6" refType="h" fact="0.0271"/>
+          <dgm:constr type="l" for="ch" forName="text7" refType="w" fact="0.2792"/>
+          <dgm:constr type="t" for="ch" forName="text7" refType="h" fact="0.5122"/>
+          <dgm:constr type="w" for="ch" forName="text7" refType="w" fact="0.1623"/>
+          <dgm:constr type="h" for="ch" forName="text7" refType="h" fact="0.2314"/>
+          <dgm:constr type="l" for="ch" forName="image7" refType="w" fact="0.1395"/>
+          <dgm:constr type="t" for="ch" forName="image7" refType="h" fact="0.6409"/>
+          <dgm:constr type="w" for="ch" forName="image7" refType="w" fact="0.1623"/>
+          <dgm:constr type="h" for="ch" forName="image7" refType="h" fact="0.2314"/>
+          <dgm:constr type="l" for="ch" forName="imageaccent7" refType="w" fact="0.25"/>
+          <dgm:constr type="t" for="ch" forName="imageaccent7" refType="h" fact="0.6441"/>
+          <dgm:constr type="w" for="ch" forName="imageaccent7" refType="w" fact="0.0189"/>
+          <dgm:constr type="h" for="ch" forName="imageaccent7" refType="h" fact="0.0271"/>
+          <dgm:constr type="l" for="ch" forName="textaccent7" refType="w" fact="0.2838"/>
+          <dgm:constr type="t" for="ch" forName="textaccent7" refType="h" fact="0.6148"/>
+          <dgm:constr type="w" for="ch" forName="textaccent7" refType="w" fact="0.0189"/>
+          <dgm:constr type="h" for="ch" forName="textaccent7" refType="h" fact="0.0271"/>
+          <dgm:constr type="l" for="ch" forName="image8" refType="w" fact="0.6975"/>
+          <dgm:constr type="t" for="ch" forName="image8" refType="h" fact="0.6433"/>
+          <dgm:constr type="w" for="ch" forName="image8" refType="w" fact="0.1623"/>
+          <dgm:constr type="h" for="ch" forName="image8" refType="h" fact="0.2314"/>
+          <dgm:constr type="l" for="ch" forName="text8" refType="w" fact="0.8371"/>
+          <dgm:constr type="t" for="ch" forName="text8" refType="h" fact="0.5167"/>
+          <dgm:constr type="w" for="ch" forName="text8" refType="w" fact="0.1623"/>
+          <dgm:constr type="h" for="ch" forName="text8" refType="h" fact="0.2314"/>
+          <dgm:constr type="l" for="ch" forName="imageaccent8" refType="w" fact="0.8392"/>
+          <dgm:constr type="t" for="ch" forName="imageaccent8" refType="h" fact="0.7449"/>
+          <dgm:constr type="w" for="ch" forName="imageaccent8" refType="w" fact="0.0189"/>
+          <dgm:constr type="h" for="ch" forName="imageaccent8" refType="h" fact="0.0271"/>
+          <dgm:constr type="l" for="ch" forName="textaccent8" refType="w" fact="0.8693"/>
+          <dgm:constr type="t" for="ch" forName="textaccent8" refType="h" fact="0.7194"/>
+          <dgm:constr type="w" for="ch" forName="textaccent8" refType="w" fact="0.0189"/>
+          <dgm:constr type="h" for="ch" forName="textaccent8" refType="h" fact="0.0271"/>
+          <dgm:constr type="l" for="ch" forName="text9" refType="w" fact="0.8377"/>
+          <dgm:constr type="t" for="ch" forName="text9" refType="h" fact="0.005"/>
+          <dgm:constr type="w" for="ch" forName="text9" refType="w" fact="0.1623"/>
+          <dgm:constr type="h" for="ch" forName="text9" refType="h" fact="0.2314"/>
+          <dgm:constr type="l" for="ch" forName="textaccent9" refType="w" fact="0.95"/>
+          <dgm:constr type="t" for="ch" forName="textaccent9" refType="h" fact="0.2084"/>
+          <dgm:constr type="w" for="ch" forName="textaccent9" refType="w" fact="0.0189"/>
+          <dgm:constr type="h" for="ch" forName="textaccent9" refType="h" fact="0.0271"/>
+          <dgm:constr type="l" for="ch" forName="image9" refType="w" fact="0.8377"/>
+          <dgm:constr type="t" for="ch" forName="image9" refType="h" fact="0.2604"/>
+          <dgm:constr type="w" for="ch" forName="image9" refType="w" fact="0.1623"/>
+          <dgm:constr type="h" for="ch" forName="image9" refType="h" fact="0.2314"/>
+          <dgm:constr type="l" for="ch" forName="imageaccent9" refType="w" fact="0.95"/>
+          <dgm:constr type="t" for="ch" forName="imageaccent9" refType="h" fact="0.2618"/>
+          <dgm:constr type="w" for="ch" forName="imageaccent9" refType="w" fact="0.0189"/>
+          <dgm:constr type="h" for="ch" forName="imageaccent9" refType="h" fact="0.0271"/>
+          <dgm:constr type="l" for="ch" forName="image10" refType="w" fact="0.2786"/>
+          <dgm:constr type="t" for="ch" forName="image10" refType="h" fact="0.7686"/>
+          <dgm:constr type="w" for="ch" forName="image10" refType="w" fact="0.1623"/>
+          <dgm:constr type="h" for="ch" forName="image10" refType="h" fact="0.2314"/>
+          <dgm:constr type="l" for="ch" forName="text10" refType="w" fact="0.4183"/>
+          <dgm:constr type="t" for="ch" forName="text10" refType="h" fact="0.6419"/>
+          <dgm:constr type="w" for="ch" forName="text10" refType="w" fact="0.1623"/>
+          <dgm:constr type="h" for="ch" forName="text10" refType="h" fact="0.2314"/>
+          <dgm:constr type="l" for="ch" forName="imageaccent10" refType="w" fact="0.4203"/>
+          <dgm:constr type="t" for="ch" forName="imageaccent10" refType="h" fact="0.8701"/>
+          <dgm:constr type="w" for="ch" forName="imageaccent10" refType="w" fact="0.0189"/>
+          <dgm:constr type="h" for="ch" forName="imageaccent10" refType="h" fact="0.0271"/>
+          <dgm:constr type="l" for="ch" forName="textaccent10" refType="w" fact="0.4504"/>
+          <dgm:constr type="t" for="ch" forName="textaccent10" refType="h" fact="0.8446"/>
+          <dgm:constr type="w" for="ch" forName="textaccent10" refType="w" fact="0.0189"/>
+          <dgm:constr type="h" for="ch" forName="textaccent10" refType="h" fact="0.0271"/>
+        </dgm:constrLst>
+      </dgm:if>
+      <dgm:if name="Name12" axis="ch" ptType="node" func="cnt" op="equ" val="11">
+        <dgm:alg type="composite">
+          <dgm:param type="ar" val="1.4704"/>
+        </dgm:alg>
+        <dgm:constrLst>
+          <dgm:constr type="primFontSz" for="des" ptType="node" op="equ" val="65"/>
+          <dgm:constr type="l" for="ch" forName="image4" refType="w" fact="0.5585"/>
+          <dgm:constr type="t" for="ch" forName="image4" refType="h" fact="0.2287"/>
+          <dgm:constr type="w" for="ch" forName="image4" refType="w" fact="0.1623"/>
+          <dgm:constr type="h" for="ch" forName="image4" refType="h" fact="0.2049"/>
+          <dgm:constr type="l" for="ch" forName="text5" refType="w" fact="0.5585"/>
+          <dgm:constr type="t" for="ch" forName="text5" refType="h" fact="0.0022"/>
+          <dgm:constr type="w" for="ch" forName="text5" refType="w" fact="0.1623"/>
+          <dgm:constr type="h" for="ch" forName="text5" refType="h" fact="0.2049"/>
+          <dgm:constr type="l" for="ch" forName="image5" refType="w" fact="0.6982"/>
+          <dgm:constr type="t" for="ch" forName="image5" refType="h" fact="0.1165"/>
+          <dgm:constr type="w" for="ch" forName="image5" refType="w" fact="0.1623"/>
+          <dgm:constr type="h" for="ch" forName="image5" refType="h" fact="0.2049"/>
+          <dgm:constr type="l" for="ch" forName="image2" refType="w" fact="0.4189"/>
+          <dgm:constr type="t" for="ch" forName="image2" refType="h" fact="0.34"/>
+          <dgm:constr type="w" for="ch" forName="image2" refType="w" fact="0.1623"/>
+          <dgm:constr type="h" for="ch" forName="image2" refType="h" fact="0.2049"/>
+          <dgm:constr type="l" for="ch" forName="text4" refType="w" fact="0.4189"/>
+          <dgm:constr type="t" for="ch" forName="text4" refType="h" fact="0.1135"/>
+          <dgm:constr type="w" for="ch" forName="text4" refType="w" fact="0.1623"/>
+          <dgm:constr type="h" for="ch" forName="text4" refType="h" fact="0.2049"/>
+          <dgm:constr type="l" for="ch" forName="text2" refType="w" fact="0.2793"/>
+          <dgm:constr type="t" for="ch" forName="text2" refType="h" fact="0.2265"/>
+          <dgm:constr type="w" for="ch" forName="text2" refType="w" fact="0.1623"/>
+          <dgm:constr type="h" for="ch" forName="text2" refType="h" fact="0.2049"/>
+          <dgm:constr type="l" for="ch" forName="image3" refType="w" fact="0.2793"/>
+          <dgm:constr type="t" for="ch" forName="image3" refType="h" fact="0"/>
+          <dgm:constr type="w" for="ch" forName="image3" refType="w" fact="0.1623"/>
+          <dgm:constr type="h" for="ch" forName="image3" refType="h" fact="0.2049"/>
+          <dgm:constr type="l" for="ch" forName="text1" refType="w" fact="0.1396"/>
+          <dgm:constr type="t" for="ch" forName="text1" refType="h" fact="0.3404"/>
+          <dgm:constr type="w" for="ch" forName="text1" refType="w" fact="0.1623"/>
+          <dgm:constr type="h" for="ch" forName="text1" refType="h" fact="0.2049"/>
+          <dgm:constr type="l" for="ch" forName="text3" refType="w" fact="0.1396"/>
+          <dgm:constr type="t" for="ch" forName="text3" refType="h" fact="0.1139"/>
+          <dgm:constr type="w" for="ch" forName="text3" refType="w" fact="0.1623"/>
+          <dgm:constr type="h" for="ch" forName="text3" refType="h" fact="0.2049"/>
+          <dgm:constr type="l" for="ch" forName="textaccent1" refType="w" fact="0.1435"/>
+          <dgm:constr type="t" for="ch" forName="textaccent1" refType="h" fact="0.432"/>
+          <dgm:constr type="w" for="ch" forName="textaccent1" refType="w" fact="0.0189"/>
+          <dgm:constr type="h" for="ch" forName="textaccent1" refType="h" fact="0.024"/>
+          <dgm:constr type="l" for="ch" forName="image1" refType="w" fact="0"/>
+          <dgm:constr type="t" for="ch" forName="image1" refType="h" fact="0.2272"/>
+          <dgm:constr type="w" for="ch" forName="image1" refType="w" fact="0.1623"/>
+          <dgm:constr type="h" for="ch" forName="image1" refType="h" fact="0.2049"/>
+          <dgm:constr type="l" for="ch" forName="imageaccent1" refType="w" fact="0.1111"/>
+          <dgm:constr type="t" for="ch" forName="imageaccent1" refType="h" fact="0.4048"/>
+          <dgm:constr type="w" for="ch" forName="imageaccent1" refType="w" fact="0.0189"/>
+          <dgm:constr type="h" for="ch" forName="imageaccent1" refType="h" fact="0.024"/>
+          <dgm:constr type="l" for="ch" forName="textaccent2" refType="w" fact="0.391"/>
+          <dgm:constr type="t" for="ch" forName="textaccent2" refType="h" fact="0.4038"/>
+          <dgm:constr type="w" for="ch" forName="textaccent2" refType="w" fact="0.0189"/>
+          <dgm:constr type="h" for="ch" forName="textaccent2" refType="h" fact="0.024"/>
+          <dgm:constr type="l" for="ch" forName="imageaccent2" refType="w" fact="0.4228"/>
+          <dgm:constr type="t" for="ch" forName="imageaccent2" refType="h" fact="0.4312"/>
+          <dgm:constr type="w" for="ch" forName="imageaccent2" refType="w" fact="0.0189"/>
+          <dgm:constr type="h" for="ch" forName="imageaccent2" refType="h" fact="0.024"/>
+          <dgm:constr type="l" for="ch" forName="textaccent3" refType="w" fact="0.2501"/>
+          <dgm:constr type="t" for="ch" forName="textaccent3" refType="h" fact="0.1167"/>
+          <dgm:constr type="w" for="ch" forName="textaccent3" refType="w" fact="0.0189"/>
+          <dgm:constr type="h" for="ch" forName="textaccent3" refType="h" fact="0.024"/>
+          <dgm:constr type="l" for="ch" forName="imageaccent3" refType="w" fact="0.2839"/>
+          <dgm:constr type="t" for="ch" forName="imageaccent3" refType="h" fact="0.0908"/>
+          <dgm:constr type="w" for="ch" forName="imageaccent3" refType="w" fact="0.0189"/>
+          <dgm:constr type="h" for="ch" forName="imageaccent3" refType="h" fact="0.024"/>
+          <dgm:constr type="l" for="ch" forName="textaccent4" refType="w" fact="0.5593"/>
+          <dgm:constr type="t" for="ch" forName="textaccent4" refType="h" fact="0.2042"/>
+          <dgm:constr type="w" for="ch" forName="textaccent4" refType="w" fact="0.0189"/>
+          <dgm:constr type="h" for="ch" forName="textaccent4" refType="h" fact="0.024"/>
+          <dgm:constr type="l" for="ch" forName="imageaccent4" refType="w" fact="0.5901"/>
+          <dgm:constr type="t" for="ch" forName="imageaccent4" refType="h" fact="0.2323"/>
+          <dgm:constr type="w" for="ch" forName="imageaccent4" refType="w" fact="0.0189"/>
+          <dgm:constr type="h" for="ch" forName="imageaccent4" refType="h" fact="0.024"/>
+          <dgm:constr type="l" for="ch" forName="textaccent5" refType="w" fact="0.6989"/>
+          <dgm:constr type="t" for="ch" forName="textaccent5" refType="h" fact="0.094"/>
+          <dgm:constr type="w" for="ch" forName="textaccent5" refType="w" fact="0.0189"/>
+          <dgm:constr type="h" for="ch" forName="textaccent5" refType="h" fact="0.024"/>
+          <dgm:constr type="l" for="ch" forName="imageaccent5" refType="w" fact="0.7305"/>
+          <dgm:constr type="t" for="ch" forName="imageaccent5" refType="h" fact="0.121"/>
+          <dgm:constr type="w" for="ch" forName="imageaccent5" refType="w" fact="0.0189"/>
+          <dgm:constr type="h" for="ch" forName="imageaccent5" refType="h" fact="0.024"/>
+          <dgm:constr type="l" for="ch" forName="image6" refType="w" fact="0.5585"/>
+          <dgm:constr type="t" for="ch" forName="image6" refType="h" fact="0.4548"/>
+          <dgm:constr type="w" for="ch" forName="image6" refType="w" fact="0.1623"/>
+          <dgm:constr type="h" for="ch" forName="image6" refType="h" fact="0.2049"/>
+          <dgm:constr type="l" for="ch" forName="text6" refType="w" fact="0.6982"/>
+          <dgm:constr type="t" for="ch" forName="text6" refType="h" fact="0.3426"/>
+          <dgm:constr type="w" for="ch" forName="text6" refType="w" fact="0.1623"/>
+          <dgm:constr type="h" for="ch" forName="text6" refType="h" fact="0.2049"/>
+          <dgm:constr type="l" for="ch" forName="imageaccent6" refType="w" fact="0.7002"/>
+          <dgm:constr type="t" for="ch" forName="imageaccent6" refType="h" fact="0.5447"/>
+          <dgm:constr type="w" for="ch" forName="imageaccent6" refType="w" fact="0.0189"/>
+          <dgm:constr type="h" for="ch" forName="imageaccent6" refType="h" fact="0.024"/>
+          <dgm:constr type="l" for="ch" forName="textaccent6" refType="w" fact="0.7303"/>
+          <dgm:constr type="t" for="ch" forName="textaccent6" refType="h" fact="0.5221"/>
+          <dgm:constr type="w" for="ch" forName="textaccent6" refType="w" fact="0.0189"/>
+          <dgm:constr type="h" for="ch" forName="textaccent6" refType="h" fact="0.024"/>
+          <dgm:constr type="l" for="ch" forName="text7" refType="w" fact="0.2792"/>
+          <dgm:constr type="t" for="ch" forName="text7" refType="h" fact="0.4535"/>
+          <dgm:constr type="w" for="ch" forName="text7" refType="w" fact="0.1623"/>
+          <dgm:constr type="h" for="ch" forName="text7" refType="h" fact="0.2049"/>
+          <dgm:constr type="l" for="ch" forName="image7" refType="w" fact="0.1395"/>
+          <dgm:constr type="t" for="ch" forName="image7" refType="h" fact="0.5674"/>
+          <dgm:constr type="w" for="ch" forName="image7" refType="w" fact="0.1623"/>
+          <dgm:constr type="h" for="ch" forName="image7" refType="h" fact="0.2049"/>
+          <dgm:constr type="l" for="ch" forName="imageaccent7" refType="w" fact="0.25"/>
+          <dgm:constr type="t" for="ch" forName="imageaccent7" refType="h" fact="0.5703"/>
+          <dgm:constr type="w" for="ch" forName="imageaccent7" refType="w" fact="0.0189"/>
+          <dgm:constr type="h" for="ch" forName="imageaccent7" refType="h" fact="0.024"/>
+          <dgm:constr type="l" for="ch" forName="textaccent7" refType="w" fact="0.2838"/>
+          <dgm:constr type="t" for="ch" forName="textaccent7" refType="h" fact="0.5443"/>
+          <dgm:constr type="w" for="ch" forName="textaccent7" refType="w" fact="0.0189"/>
+          <dgm:constr type="h" for="ch" forName="textaccent7" refType="h" fact="0.024"/>
+          <dgm:constr type="l" for="ch" forName="image8" refType="w" fact="0.6975"/>
+          <dgm:constr type="t" for="ch" forName="image8" refType="h" fact="0.5696"/>
+          <dgm:constr type="w" for="ch" forName="image8" refType="w" fact="0.1623"/>
+          <dgm:constr type="h" for="ch" forName="image8" refType="h" fact="0.2049"/>
+          <dgm:constr type="l" for="ch" forName="text8" refType="w" fact="0.8371"/>
+          <dgm:constr type="t" for="ch" forName="text8" refType="h" fact="0.4574"/>
+          <dgm:constr type="w" for="ch" forName="text8" refType="w" fact="0.1623"/>
+          <dgm:constr type="h" for="ch" forName="text8" refType="h" fact="0.2049"/>
+          <dgm:constr type="l" for="ch" forName="imageaccent8" refType="w" fact="0.8392"/>
+          <dgm:constr type="t" for="ch" forName="imageaccent8" refType="h" fact="0.6595"/>
+          <dgm:constr type="w" for="ch" forName="imageaccent8" refType="w" fact="0.0189"/>
+          <dgm:constr type="h" for="ch" forName="imageaccent8" refType="h" fact="0.024"/>
+          <dgm:constr type="l" for="ch" forName="textaccent8" refType="w" fact="0.8693"/>
+          <dgm:constr type="t" for="ch" forName="textaccent8" refType="h" fact="0.6369"/>
+          <dgm:constr type="w" for="ch" forName="textaccent8" refType="w" fact="0.0189"/>
+          <dgm:constr type="h" for="ch" forName="textaccent8" refType="h" fact="0.024"/>
+          <dgm:constr type="l" for="ch" forName="text9" refType="w" fact="0.8377"/>
+          <dgm:constr type="t" for="ch" forName="text9" refType="h" fact="0.0044"/>
+          <dgm:constr type="w" for="ch" forName="text9" refType="w" fact="0.1623"/>
+          <dgm:constr type="h" for="ch" forName="text9" refType="h" fact="0.2049"/>
+          <dgm:constr type="l" for="ch" forName="textaccent9" refType="w" fact="0.95"/>
+          <dgm:constr type="t" for="ch" forName="textaccent9" refType="h" fact="0.1846"/>
+          <dgm:constr type="w" for="ch" forName="textaccent9" refType="w" fact="0.0189"/>
+          <dgm:constr type="h" for="ch" forName="textaccent9" refType="h" fact="0.024"/>
+          <dgm:constr type="l" for="ch" forName="image9" refType="w" fact="0.8377"/>
+          <dgm:constr type="t" for="ch" forName="image9" refType="h" fact="0.2306"/>
+          <dgm:constr type="w" for="ch" forName="image9" refType="w" fact="0.1623"/>
+          <dgm:constr type="h" for="ch" forName="image9" refType="h" fact="0.2049"/>
+          <dgm:constr type="l" for="ch" forName="imageaccent9" refType="w" fact="0.95"/>
+          <dgm:constr type="t" for="ch" forName="imageaccent9" refType="h" fact="0.2318"/>
+          <dgm:constr type="w" for="ch" forName="imageaccent9" refType="w" fact="0.0189"/>
+          <dgm:constr type="h" for="ch" forName="imageaccent9" refType="h" fact="0.024"/>
+          <dgm:constr type="l" for="ch" forName="image10" refType="w" fact="0.2786"/>
+          <dgm:constr type="t" for="ch" forName="image10" refType="h" fact="0.6805"/>
+          <dgm:constr type="w" for="ch" forName="image10" refType="w" fact="0.1623"/>
+          <dgm:constr type="h" for="ch" forName="image10" refType="h" fact="0.2049"/>
+          <dgm:constr type="l" for="ch" forName="text10" refType="w" fact="0.4183"/>
+          <dgm:constr type="t" for="ch" forName="text10" refType="h" fact="0.5683"/>
+          <dgm:constr type="w" for="ch" forName="text10" refType="w" fact="0.1623"/>
+          <dgm:constr type="h" for="ch" forName="text10" refType="h" fact="0.2049"/>
+          <dgm:constr type="l" for="ch" forName="imageaccent10" refType="w" fact="0.4203"/>
+          <dgm:constr type="t" for="ch" forName="imageaccent10" refType="h" fact="0.7704"/>
+          <dgm:constr type="w" for="ch" forName="imageaccent10" refType="w" fact="0.0189"/>
+          <dgm:constr type="h" for="ch" forName="imageaccent10" refType="h" fact="0.024"/>
+          <dgm:constr type="l" for="ch" forName="textaccent10" refType="w" fact="0.4504"/>
+          <dgm:constr type="t" for="ch" forName="textaccent10" refType="h" fact="0.7478"/>
+          <dgm:constr type="w" for="ch" forName="textaccent10" refType="w" fact="0.0189"/>
+          <dgm:constr type="h" for="ch" forName="textaccent10" refType="h" fact="0.024"/>
+          <dgm:constr type="l" for="ch" forName="text11" refType="w" fact="0.6971"/>
+          <dgm:constr type="t" for="ch" forName="text11" refType="h" fact="0.7951"/>
+          <dgm:constr type="w" for="ch" forName="text11" refType="w" fact="0.1623"/>
+          <dgm:constr type="h" for="ch" forName="text11" refType="h" fact="0.2049"/>
+          <dgm:constr type="l" for="ch" forName="image11" refType="w" fact="0.5575"/>
+          <dgm:constr type="t" for="ch" forName="image11" refType="h" fact="0.6816"/>
+          <dgm:constr type="w" for="ch" forName="image11" refType="w" fact="0.1623"/>
+          <dgm:constr type="h" for="ch" forName="image11" refType="h" fact="0.2049"/>
+          <dgm:constr type="l" for="ch" forName="imageaccent11" refType="w" fact="0.6692"/>
+          <dgm:constr type="t" for="ch" forName="imageaccent11" refType="h" fact="0.8589"/>
+          <dgm:constr type="w" for="ch" forName="imageaccent11" refType="w" fact="0.0189"/>
+          <dgm:constr type="h" for="ch" forName="imageaccent11" refType="h" fact="0.024"/>
+          <dgm:constr type="l" for="ch" forName="textaccent11" refType="w" fact="0.701"/>
+          <dgm:constr type="t" for="ch" forName="textaccent11" refType="h" fact="0.8863"/>
+          <dgm:constr type="w" for="ch" forName="textaccent11" refType="w" fact="0.0189"/>
+          <dgm:constr type="h" for="ch" forName="textaccent11" refType="h" fact="0.024"/>
+        </dgm:constrLst>
+      </dgm:if>
+      <dgm:else name="Name13">
+        <dgm:alg type="composite">
+          <dgm:param type="ar" val="1.675"/>
+        </dgm:alg>
+        <dgm:constrLst>
+          <dgm:constr type="primFontSz" for="des" ptType="node" op="equ" val="65"/>
+          <dgm:constr type="l" for="ch" forName="image4" refType="w" fact="0.4903"/>
+          <dgm:constr type="t" for="ch" forName="image4" refType="h" fact="0.2287"/>
+          <dgm:constr type="w" for="ch" forName="image4" refType="w" fact="0.1425"/>
+          <dgm:constr type="h" for="ch" forName="image4" refType="h" fact="0.2049"/>
+          <dgm:constr type="l" for="ch" forName="text5" refType="w" fact="0.4903"/>
+          <dgm:constr type="t" for="ch" forName="text5" refType="h" fact="0.0022"/>
+          <dgm:constr type="w" for="ch" forName="text5" refType="w" fact="0.1425"/>
+          <dgm:constr type="h" for="ch" forName="text5" refType="h" fact="0.2049"/>
+          <dgm:constr type="l" for="ch" forName="image5" refType="w" fact="0.6129"/>
+          <dgm:constr type="t" for="ch" forName="image5" refType="h" fact="0.1165"/>
+          <dgm:constr type="w" for="ch" forName="image5" refType="w" fact="0.1425"/>
+          <dgm:constr type="h" for="ch" forName="image5" refType="h" fact="0.2049"/>
+          <dgm:constr type="l" for="ch" forName="image2" refType="w" fact="0.3677"/>
+          <dgm:constr type="t" for="ch" forName="image2" refType="h" fact="0.34"/>
+          <dgm:constr type="w" for="ch" forName="image2" refType="w" fact="0.1425"/>
+          <dgm:constr type="h" for="ch" forName="image2" refType="h" fact="0.2049"/>
+          <dgm:constr type="l" for="ch" forName="text4" refType="w" fact="0.3677"/>
+          <dgm:constr type="t" for="ch" forName="text4" refType="h" fact="0.1135"/>
+          <dgm:constr type="w" for="ch" forName="text4" refType="w" fact="0.1425"/>
+          <dgm:constr type="h" for="ch" forName="text4" refType="h" fact="0.2049"/>
+          <dgm:constr type="l" for="ch" forName="text2" refType="w" fact="0.2452"/>
+          <dgm:constr type="t" for="ch" forName="text2" refType="h" fact="0.2265"/>
+          <dgm:constr type="w" for="ch" forName="text2" refType="w" fact="0.1425"/>
+          <dgm:constr type="h" for="ch" forName="text2" refType="h" fact="0.2049"/>
+          <dgm:constr type="l" for="ch" forName="image3" refType="w" fact="0.2452"/>
+          <dgm:constr type="t" for="ch" forName="image3" refType="h" fact="0"/>
+          <dgm:constr type="w" for="ch" forName="image3" refType="w" fact="0.1425"/>
+          <dgm:constr type="h" for="ch" forName="image3" refType="h" fact="0.2049"/>
+          <dgm:constr type="l" for="ch" forName="text1" refType="w" fact="0.1226"/>
+          <dgm:constr type="t" for="ch" forName="text1" refType="h" fact="0.3404"/>
+          <dgm:constr type="w" for="ch" forName="text1" refType="w" fact="0.1425"/>
+          <dgm:constr type="h" for="ch" forName="text1" refType="h" fact="0.2049"/>
+          <dgm:constr type="l" for="ch" forName="text3" refType="w" fact="0.1226"/>
+          <dgm:constr type="t" for="ch" forName="text3" refType="h" fact="0.1139"/>
+          <dgm:constr type="w" for="ch" forName="text3" refType="w" fact="0.1425"/>
+          <dgm:constr type="h" for="ch" forName="text3" refType="h" fact="0.2049"/>
+          <dgm:constr type="l" for="ch" forName="textaccent1" refType="w" fact="0.126"/>
+          <dgm:constr type="t" for="ch" forName="textaccent1" refType="h" fact="0.432"/>
+          <dgm:constr type="w" for="ch" forName="textaccent1" refType="w" fact="0.0166"/>
+          <dgm:constr type="h" for="ch" forName="textaccent1" refType="h" fact="0.024"/>
+          <dgm:constr type="l" for="ch" forName="image1" refType="w" fact="0"/>
+          <dgm:constr type="t" for="ch" forName="image1" refType="h" fact="0.2272"/>
+          <dgm:constr type="w" for="ch" forName="image1" refType="w" fact="0.1425"/>
+          <dgm:constr type="h" for="ch" forName="image1" refType="h" fact="0.2049"/>
+          <dgm:constr type="l" for="ch" forName="imageaccent1" refType="w" fact="0.0976"/>
+          <dgm:constr type="t" for="ch" forName="imageaccent1" refType="h" fact="0.4048"/>
+          <dgm:constr type="w" for="ch" forName="imageaccent1" refType="w" fact="0.0166"/>
+          <dgm:constr type="h" for="ch" forName="imageaccent1" refType="h" fact="0.024"/>
+          <dgm:constr type="l" for="ch" forName="textaccent2" refType="w" fact="0.3432"/>
+          <dgm:constr type="t" for="ch" forName="textaccent2" refType="h" fact="0.4038"/>
+          <dgm:constr type="w" for="ch" forName="textaccent2" refType="w" fact="0.0166"/>
+          <dgm:constr type="h" for="ch" forName="textaccent2" refType="h" fact="0.024"/>
+          <dgm:constr type="l" for="ch" forName="imageaccent2" refType="w" fact="0.3712"/>
+          <dgm:constr type="t" for="ch" forName="imageaccent2" refType="h" fact="0.4312"/>
+          <dgm:constr type="w" for="ch" forName="imageaccent2" refType="w" fact="0.0166"/>
+          <dgm:constr type="h" for="ch" forName="imageaccent2" refType="h" fact="0.024"/>
+          <dgm:constr type="l" for="ch" forName="textaccent3" refType="w" fact="0.2196"/>
+          <dgm:constr type="t" for="ch" forName="textaccent3" refType="h" fact="0.1167"/>
+          <dgm:constr type="w" for="ch" forName="textaccent3" refType="w" fact="0.0166"/>
+          <dgm:constr type="h" for="ch" forName="textaccent3" refType="h" fact="0.024"/>
+          <dgm:constr type="l" for="ch" forName="imageaccent3" refType="w" fact="0.2492"/>
+          <dgm:constr type="t" for="ch" forName="imageaccent3" refType="h" fact="0.0908"/>
+          <dgm:constr type="w" for="ch" forName="imageaccent3" refType="w" fact="0.0166"/>
+          <dgm:constr type="h" for="ch" forName="imageaccent3" refType="h" fact="0.024"/>
+          <dgm:constr type="l" for="ch" forName="textaccent4" refType="w" fact="0.491"/>
+          <dgm:constr type="t" for="ch" forName="textaccent4" refType="h" fact="0.2042"/>
+          <dgm:constr type="w" for="ch" forName="textaccent4" refType="w" fact="0.0166"/>
+          <dgm:constr type="h" for="ch" forName="textaccent4" refType="h" fact="0.024"/>
+          <dgm:constr type="l" for="ch" forName="imageaccent4" refType="w" fact="0.5181"/>
+          <dgm:constr type="t" for="ch" forName="imageaccent4" refType="h" fact="0.2323"/>
+          <dgm:constr type="w" for="ch" forName="imageaccent4" refType="w" fact="0.0166"/>
+          <dgm:constr type="h" for="ch" forName="imageaccent4" refType="h" fact="0.024"/>
+          <dgm:constr type="l" for="ch" forName="textaccent5" refType="w" fact="0.6136"/>
+          <dgm:constr type="t" for="ch" forName="textaccent5" refType="h" fact="0.094"/>
+          <dgm:constr type="w" for="ch" forName="textaccent5" refType="w" fact="0.0166"/>
+          <dgm:constr type="h" for="ch" forName="textaccent5" refType="h" fact="0.024"/>
+          <dgm:constr type="l" for="ch" forName="imageaccent5" refType="w" fact="0.6413"/>
+          <dgm:constr type="t" for="ch" forName="imageaccent5" refType="h" fact="0.121"/>
+          <dgm:constr type="w" for="ch" forName="imageaccent5" refType="w" fact="0.0166"/>
+          <dgm:constr type="h" for="ch" forName="imageaccent5" refType="h" fact="0.024"/>
+          <dgm:constr type="l" for="ch" forName="image6" refType="w" fact="0.4903"/>
+          <dgm:constr type="t" for="ch" forName="image6" refType="h" fact="0.4548"/>
+          <dgm:constr type="w" for="ch" forName="image6" refType="w" fact="0.1425"/>
+          <dgm:constr type="h" for="ch" forName="image6" refType="h" fact="0.2049"/>
+          <dgm:constr type="l" for="ch" forName="text6" refType="w" fact="0.6129"/>
+          <dgm:constr type="t" for="ch" forName="text6" refType="h" fact="0.3426"/>
+          <dgm:constr type="w" for="ch" forName="text6" refType="w" fact="0.1425"/>
+          <dgm:constr type="h" for="ch" forName="text6" refType="h" fact="0.2049"/>
+          <dgm:constr type="l" for="ch" forName="imageaccent6" refType="w" fact="0.6147"/>
+          <dgm:constr type="t" for="ch" forName="imageaccent6" refType="h" fact="0.5447"/>
+          <dgm:constr type="w" for="ch" forName="imageaccent6" refType="w" fact="0.0166"/>
+          <dgm:constr type="h" for="ch" forName="imageaccent6" refType="h" fact="0.024"/>
+          <dgm:constr type="l" for="ch" forName="textaccent6" refType="w" fact="0.6411"/>
+          <dgm:constr type="t" for="ch" forName="textaccent6" refType="h" fact="0.5221"/>
+          <dgm:constr type="w" for="ch" forName="textaccent6" refType="w" fact="0.0166"/>
+          <dgm:constr type="h" for="ch" forName="textaccent6" refType="h" fact="0.024"/>
+          <dgm:constr type="l" for="ch" forName="text7" refType="w" fact="0.2451"/>
+          <dgm:constr type="t" for="ch" forName="text7" refType="h" fact="0.4535"/>
+          <dgm:constr type="w" for="ch" forName="text7" refType="w" fact="0.1425"/>
+          <dgm:constr type="h" for="ch" forName="text7" refType="h" fact="0.2049"/>
+          <dgm:constr type="l" for="ch" forName="image7" refType="w" fact="0.1225"/>
+          <dgm:constr type="t" for="ch" forName="image7" refType="h" fact="0.5674"/>
+          <dgm:constr type="w" for="ch" forName="image7" refType="w" fact="0.1425"/>
+          <dgm:constr type="h" for="ch" forName="image7" refType="h" fact="0.2049"/>
+          <dgm:constr type="l" for="ch" forName="imageaccent7" refType="w" fact="0.2195"/>
+          <dgm:constr type="t" for="ch" forName="imageaccent7" refType="h" fact="0.5703"/>
+          <dgm:constr type="w" for="ch" forName="imageaccent7" refType="w" fact="0.0166"/>
+          <dgm:constr type="h" for="ch" forName="imageaccent7" refType="h" fact="0.024"/>
+          <dgm:constr type="l" for="ch" forName="textaccent7" refType="w" fact="0.2491"/>
+          <dgm:constr type="t" for="ch" forName="textaccent7" refType="h" fact="0.5443"/>
+          <dgm:constr type="w" for="ch" forName="textaccent7" refType="w" fact="0.0166"/>
+          <dgm:constr type="h" for="ch" forName="textaccent7" refType="h" fact="0.024"/>
+          <dgm:constr type="l" for="ch" forName="image8" refType="w" fact="0.6123"/>
+          <dgm:constr type="t" for="ch" forName="image8" refType="h" fact="0.5696"/>
+          <dgm:constr type="w" for="ch" forName="image8" refType="w" fact="0.1425"/>
+          <dgm:constr type="h" for="ch" forName="image8" refType="h" fact="0.2049"/>
+          <dgm:constr type="l" for="ch" forName="text8" refType="w" fact="0.7349"/>
+          <dgm:constr type="t" for="ch" forName="text8" refType="h" fact="0.4574"/>
+          <dgm:constr type="w" for="ch" forName="text8" refType="w" fact="0.1425"/>
+          <dgm:constr type="h" for="ch" forName="text8" refType="h" fact="0.2049"/>
+          <dgm:constr type="l" for="ch" forName="imageaccent8" refType="w" fact="0.7367"/>
+          <dgm:constr type="t" for="ch" forName="imageaccent8" refType="h" fact="0.6595"/>
+          <dgm:constr type="w" for="ch" forName="imageaccent8" refType="w" fact="0.0166"/>
+          <dgm:constr type="h" for="ch" forName="imageaccent8" refType="h" fact="0.024"/>
+          <dgm:constr type="l" for="ch" forName="textaccent8" refType="w" fact="0.7631"/>
+          <dgm:constr type="t" for="ch" forName="textaccent8" refType="h" fact="0.6369"/>
+          <dgm:constr type="w" for="ch" forName="textaccent8" refType="w" fact="0.0166"/>
+          <dgm:constr type="h" for="ch" forName="textaccent8" refType="h" fact="0.024"/>
+          <dgm:constr type="l" for="ch" forName="text9" refType="w" fact="0.7354"/>
+          <dgm:constr type="t" for="ch" forName="text9" refType="h" fact="0.0044"/>
+          <dgm:constr type="w" for="ch" forName="text9" refType="w" fact="0.1425"/>
+          <dgm:constr type="h" for="ch" forName="text9" refType="h" fact="0.2049"/>
+          <dgm:constr type="l" for="ch" forName="textaccent9" refType="w" fact="0.8339"/>
+          <dgm:constr type="t" for="ch" forName="textaccent9" refType="h" fact="0.1846"/>
+          <dgm:constr type="w" for="ch" forName="textaccent9" refType="w" fact="0.0166"/>
+          <dgm:constr type="h" for="ch" forName="textaccent9" refType="h" fact="0.024"/>
+          <dgm:constr type="l" for="ch" forName="image9" refType="w" fact="0.7354"/>
+          <dgm:constr type="t" for="ch" forName="image9" refType="h" fact="0.2306"/>
+          <dgm:constr type="w" for="ch" forName="image9" refType="w" fact="0.1425"/>
+          <dgm:constr type="h" for="ch" forName="image9" refType="h" fact="0.2049"/>
+          <dgm:constr type="l" for="ch" forName="imageaccent9" refType="w" fact="0.8339"/>
+          <dgm:constr type="t" for="ch" forName="imageaccent9" refType="h" fact="0.2318"/>
+          <dgm:constr type="w" for="ch" forName="imageaccent9" refType="w" fact="0.0166"/>
+          <dgm:constr type="h" for="ch" forName="imageaccent9" refType="h" fact="0.024"/>
+          <dgm:constr type="l" for="ch" forName="image10" refType="w" fact="0.2446"/>
+          <dgm:constr type="t" for="ch" forName="image10" refType="h" fact="0.6805"/>
+          <dgm:constr type="w" for="ch" forName="image10" refType="w" fact="0.1425"/>
+          <dgm:constr type="h" for="ch" forName="image10" refType="h" fact="0.2049"/>
+          <dgm:constr type="l" for="ch" forName="text10" refType="w" fact="0.3672"/>
+          <dgm:constr type="t" for="ch" forName="text10" refType="h" fact="0.5683"/>
+          <dgm:constr type="w" for="ch" forName="text10" refType="w" fact="0.1425"/>
+          <dgm:constr type="h" for="ch" forName="text10" refType="h" fact="0.2049"/>
+          <dgm:constr type="l" for="ch" forName="imageaccent10" refType="w" fact="0.369"/>
+          <dgm:constr type="t" for="ch" forName="imageaccent10" refType="h" fact="0.7704"/>
+          <dgm:constr type="w" for="ch" forName="imageaccent10" refType="w" fact="0.0166"/>
+          <dgm:constr type="h" for="ch" forName="imageaccent10" refType="h" fact="0.024"/>
+          <dgm:constr type="l" for="ch" forName="textaccent10" refType="w" fact="0.3954"/>
+          <dgm:constr type="t" for="ch" forName="textaccent10" refType="h" fact="0.7478"/>
+          <dgm:constr type="w" for="ch" forName="textaccent10" refType="w" fact="0.0166"/>
+          <dgm:constr type="h" for="ch" forName="textaccent10" refType="h" fact="0.024"/>
+          <dgm:constr type="l" for="ch" forName="text11" refType="w" fact="0.612"/>
+          <dgm:constr type="t" for="ch" forName="text11" refType="h" fact="0.7951"/>
+          <dgm:constr type="w" for="ch" forName="text11" refType="w" fact="0.1425"/>
+          <dgm:constr type="h" for="ch" forName="text11" refType="h" fact="0.2049"/>
+          <dgm:constr type="l" for="ch" forName="image11" refType="w" fact="0.4894"/>
+          <dgm:constr type="t" for="ch" forName="image11" refType="h" fact="0.6816"/>
+          <dgm:constr type="w" for="ch" forName="image11" refType="w" fact="0.1425"/>
+          <dgm:constr type="h" for="ch" forName="image11" refType="h" fact="0.2049"/>
+          <dgm:constr type="l" for="ch" forName="imageaccent11" refType="w" fact="0.5874"/>
+          <dgm:constr type="t" for="ch" forName="imageaccent11" refType="h" fact="0.8589"/>
+          <dgm:constr type="w" for="ch" forName="imageaccent11" refType="w" fact="0.0166"/>
+          <dgm:constr type="h" for="ch" forName="imageaccent11" refType="h" fact="0.024"/>
+          <dgm:constr type="l" for="ch" forName="textaccent11" refType="w" fact="0.6154"/>
+          <dgm:constr type="t" for="ch" forName="textaccent11" refType="h" fact="0.8863"/>
+          <dgm:constr type="w" for="ch" forName="textaccent11" refType="w" fact="0.0166"/>
+          <dgm:constr type="h" for="ch" forName="textaccent11" refType="h" fact="0.024"/>
+          <dgm:constr type="l" for="ch" forName="text12" refType="w" fact="0.735"/>
+          <dgm:constr type="t" for="ch" forName="text12" refType="h" fact="0.684"/>
+          <dgm:constr type="w" for="ch" forName="text12" refType="w" fact="0.1425"/>
+          <dgm:constr type="h" for="ch" forName="text12" refType="h" fact="0.2049"/>
+          <dgm:constr type="l" for="ch" forName="image12" refType="w" fact="0.8575"/>
+          <dgm:constr type="t" for="ch" forName="image12" refType="h" fact="0.5718"/>
+          <dgm:constr type="w" for="ch" forName="image12" refType="w" fact="0.1425"/>
+          <dgm:constr type="h" for="ch" forName="image12" refType="h" fact="0.2049"/>
+          <dgm:constr type="l" for="ch" forName="textaccent12" refType="w" fact="0.8594"/>
+          <dgm:constr type="t" for="ch" forName="textaccent12" refType="h" fact="0.7739"/>
+          <dgm:constr type="w" for="ch" forName="textaccent12" refType="w" fact="0.0166"/>
+          <dgm:constr type="h" for="ch" forName="textaccent12" refType="h" fact="0.024"/>
+          <dgm:constr type="l" for="ch" forName="imageaccent12" refType="w" fact="0.8858"/>
+          <dgm:constr type="t" for="ch" forName="imageaccent12" refType="h" fact="0.7513"/>
+          <dgm:constr type="w" for="ch" forName="imageaccent12" refType="w" fact="0.0166"/>
+          <dgm:constr type="h" for="ch" forName="imageaccent12" refType="h" fact="0.024"/>
+        </dgm:constrLst>
+      </dgm:else>
+    </dgm:choose>
+    <dgm:forEach name="wrapper" axis="self" ptType="parTrans">
+      <dgm:forEach name="wrapper2" axis="self" ptType="sibTrans" st="2">
+        <dgm:forEach name="textRepeat" axis="self">
+          <dgm:layoutNode name="textRepeatNode" styleLbl="alignNode1">
+            <dgm:varLst>
+              <dgm:chMax val="0"/>
+              <dgm:chPref val="0"/>
+              <dgm:bulletEnabled val="1"/>
+            </dgm:varLst>
+            <dgm:alg type="tx"/>
+            <dgm:shape xmlns:r="http://schemas.openxmlformats.org/officeDocument/2006/relationships" type="hexagon" r:blip="">
+              <dgm:adjLst>
+                <dgm:adj idx="1" val="0.25"/>
+                <dgm:adj idx="2" val="1.1547"/>
+              </dgm:adjLst>
+            </dgm:shape>
+            <dgm:presOf axis="desOrSelf" ptType="node"/>
+            <dgm:constrLst>
+              <dgm:constr type="lMarg" refType="primFontSz" fact="0"/>
+              <dgm:constr type="rMarg" refType="primFontSz" fact="0"/>
+              <dgm:constr type="tMarg" refType="primFontSz" fact="0.1"/>
+              <dgm:constr type="bMarg" refType="primFontSz" fact="0.1"/>
+            </dgm:constrLst>
+            <dgm:ruleLst>
+              <dgm:rule type="primFontSz" val="5" fact="NaN" max="NaN"/>
+            </dgm:ruleLst>
+          </dgm:layoutNode>
+        </dgm:forEach>
+        <dgm:forEach name="accentRepeat" axis="self">
+          <dgm:layoutNode name="accentRepeatNode" styleLbl="solidAlignAcc1">
+            <dgm:alg type="sp"/>
+            <dgm:shape xmlns:r="http://schemas.openxmlformats.org/officeDocument/2006/relationships" type="hexagon" r:blip="">
+              <dgm:adjLst>
+                <dgm:adj idx="1" val="0.25"/>
+                <dgm:adj idx="2" val="1.1547"/>
+              </dgm:adjLst>
+            </dgm:shape>
+            <dgm:presOf/>
+          </dgm:layoutNode>
+        </dgm:forEach>
+        <dgm:forEach name="imageRepeat" axis="self">
+          <dgm:layoutNode name="imageRepeatNode" styleLbl="alignAcc1">
+            <dgm:alg type="sp"/>
+            <dgm:shape xmlns:r="http://schemas.openxmlformats.org/officeDocument/2006/relationships" type="hexagon" r:blip="" blipPhldr="1">
+              <dgm:adjLst>
+                <dgm:adj idx="1" val="0.25"/>
+                <dgm:adj idx="2" val="1.1547"/>
+              </dgm:adjLst>
+            </dgm:shape>
+            <dgm:presOf axis="self"/>
+          </dgm:layoutNode>
+        </dgm:forEach>
+      </dgm:forEach>
+    </dgm:forEach>
+    <dgm:forEach name="Name14" axis="ch" ptType="node" cnt="1">
+      <dgm:layoutNode name="text1">
+        <dgm:alg type="sp"/>
+        <dgm:shape xmlns:r="http://schemas.openxmlformats.org/officeDocument/2006/relationships" r:blip="">
+          <dgm:adjLst/>
+        </dgm:shape>
+        <dgm:presOf/>
+        <dgm:constrLst/>
+        <dgm:forEach name="Name15" ref="textRepeat"/>
+      </dgm:layoutNode>
+      <dgm:layoutNode name="textaccent1">
+        <dgm:alg type="sp"/>
+        <dgm:shape xmlns:r="http://schemas.openxmlformats.org/officeDocument/2006/relationships" r:blip="">
+          <dgm:adjLst/>
+        </dgm:shape>
+        <dgm:presOf/>
+        <dgm:constrLst/>
+        <dgm:forEach name="Name16" ref="accentRepeat"/>
+      </dgm:layoutNode>
+    </dgm:forEach>
+    <dgm:forEach name="Name17" axis="ch" ptType="sibTrans" hideLastTrans="0" cnt="1">
+      <dgm:layoutNode name="image1">
+        <dgm:alg type="sp"/>
+        <dgm:shape xmlns:r="http://schemas.openxmlformats.org/officeDocument/2006/relationships" r:blip="">
+          <dgm:adjLst/>
+        </dgm:shape>
+        <dgm:presOf/>
+        <dgm:constrLst/>
+        <dgm:forEach name="Name18" ref="imageRepeat"/>
+      </dgm:layoutNode>
+      <dgm:layoutNode name="imageaccent1">
+        <dgm:alg type="sp"/>
+        <dgm:shape xmlns:r="http://schemas.openxmlformats.org/officeDocument/2006/relationships" r:blip="">
+          <dgm:adjLst/>
+        </dgm:shape>
+        <dgm:presOf/>
+        <dgm:constrLst/>
+        <dgm:forEach name="Name19" ref="accentRepeat"/>
+      </dgm:layoutNode>
+    </dgm:forEach>
+    <dgm:forEach name="Name20" axis="ch" ptType="node" st="2" cnt="1">
+      <dgm:layoutNode name="text2">
+        <dgm:alg type="sp"/>
+        <dgm:shape xmlns:r="http://schemas.openxmlformats.org/officeDocument/2006/relationships" r:blip="">
+          <dgm:adjLst/>
+        </dgm:shape>
+        <dgm:presOf/>
+        <dgm:constrLst/>
+        <dgm:forEach name="Name21" ref="textRepeat"/>
+      </dgm:layoutNode>
+      <dgm:layoutNode name="textaccent2">
+        <dgm:alg type="sp"/>
+        <dgm:shape xmlns:r="http://schemas.openxmlformats.org/officeDocument/2006/relationships" r:blip="">
+          <dgm:adjLst/>
+        </dgm:shape>
+        <dgm:presOf/>
+        <dgm:constrLst/>
+        <dgm:forEach name="Name22" ref="accentRepeat"/>
+      </dgm:layoutNode>
+    </dgm:forEach>
+    <dgm:forEach name="Name23" axis="ch" ptType="sibTrans" hideLastTrans="0" st="2" cnt="1">
+      <dgm:layoutNode name="image2">
+        <dgm:alg type="sp"/>
+        <dgm:shape xmlns:r="http://schemas.openxmlformats.org/officeDocument/2006/relationships" r:blip="">
+          <dgm:adjLst/>
+        </dgm:shape>
+        <dgm:presOf/>
+        <dgm:constrLst/>
+        <dgm:forEach name="Name24" ref="imageRepeat"/>
+      </dgm:layoutNode>
+      <dgm:layoutNode name="imageaccent2">
+        <dgm:alg type="sp"/>
+        <dgm:shape xmlns:r="http://schemas.openxmlformats.org/officeDocument/2006/relationships" r:blip="">
+          <dgm:adjLst/>
+        </dgm:shape>
+        <dgm:presOf/>
+        <dgm:constrLst/>
+        <dgm:forEach name="Name25" ref="accentRepeat"/>
+      </dgm:layoutNode>
+    </dgm:forEach>
+    <dgm:forEach name="Name26" axis="ch" ptType="node" st="3" cnt="1">
+      <dgm:layoutNode name="text3">
+        <dgm:alg type="sp"/>
+        <dgm:shape xmlns:r="http://schemas.openxmlformats.org/officeDocument/2006/relationships" r:blip="">
+          <dgm:adjLst/>
+        </dgm:shape>
+        <dgm:presOf/>
+        <dgm:constrLst/>
+        <dgm:forEach name="Name27" ref="textRepeat"/>
+      </dgm:layoutNode>
+      <dgm:layoutNode name="textaccent3">
+        <dgm:alg type="sp"/>
+        <dgm:shape xmlns:r="http://schemas.openxmlformats.org/officeDocument/2006/relationships" r:blip="">
+          <dgm:adjLst/>
+        </dgm:shape>
+        <dgm:presOf/>
+        <dgm:constrLst/>
+        <dgm:forEach name="Name28" ref="accentRepeat"/>
+      </dgm:layoutNode>
+    </dgm:forEach>
+    <dgm:forEach name="Name29" axis="ch" ptType="sibTrans" hideLastTrans="0" st="3" cnt="1">
+      <dgm:layoutNode name="image3">
+        <dgm:alg type="sp"/>
+        <dgm:shape xmlns:r="http://schemas.openxmlformats.org/officeDocument/2006/relationships" r:blip="">
+          <dgm:adjLst/>
+        </dgm:shape>
+        <dgm:presOf/>
+        <dgm:constrLst/>
+        <dgm:forEach name="Name30" ref="imageRepeat"/>
+      </dgm:layoutNode>
+      <dgm:layoutNode name="imageaccent3">
+        <dgm:alg type="sp"/>
+        <dgm:shape xmlns:r="http://schemas.openxmlformats.org/officeDocument/2006/relationships" r:blip="">
+          <dgm:adjLst/>
+        </dgm:shape>
+        <dgm:presOf/>
+        <dgm:constrLst/>
+        <dgm:forEach name="Name31" ref="accentRepeat"/>
+      </dgm:layoutNode>
+    </dgm:forEach>
+    <dgm:forEach name="Name32" axis="ch" ptType="node" st="4" cnt="1">
+      <dgm:layoutNode name="text4">
+        <dgm:alg type="sp"/>
+        <dgm:shape xmlns:r="http://schemas.openxmlformats.org/officeDocument/2006/relationships" r:blip="">
+          <dgm:adjLst/>
+        </dgm:shape>
+        <dgm:presOf/>
+        <dgm:constrLst/>
+        <dgm:forEach name="Name33" ref="textRepeat"/>
+      </dgm:layoutNode>
+      <dgm:layoutNode name="textaccent4">
+        <dgm:alg type="sp"/>
+        <dgm:shape xmlns:r="http://schemas.openxmlformats.org/officeDocument/2006/relationships" r:blip="">
+          <dgm:adjLst/>
+        </dgm:shape>
+        <dgm:presOf/>
+        <dgm:constrLst/>
+        <dgm:forEach name="Name34" ref="accentRepeat"/>
+      </dgm:layoutNode>
+    </dgm:forEach>
+    <dgm:forEach name="Name35" axis="ch" ptType="sibTrans" hideLastTrans="0" st="4" cnt="1">
+      <dgm:layoutNode name="image4">
+        <dgm:alg type="sp"/>
+        <dgm:shape xmlns:r="http://schemas.openxmlformats.org/officeDocument/2006/relationships" r:blip="">
+          <dgm:adjLst/>
+        </dgm:shape>
+        <dgm:presOf/>
+        <dgm:constrLst/>
+        <dgm:forEach name="Name36" ref="imageRepeat"/>
+      </dgm:layoutNode>
+      <dgm:layoutNode name="imageaccent4">
+        <dgm:alg type="sp"/>
+        <dgm:shape xmlns:r="http://schemas.openxmlformats.org/officeDocument/2006/relationships" r:blip="">
+          <dgm:adjLst/>
+        </dgm:shape>
+        <dgm:presOf/>
+        <dgm:constrLst/>
+        <dgm:forEach name="Name37" ref="accentRepeat"/>
+      </dgm:layoutNode>
+    </dgm:forEach>
+    <dgm:forEach name="Name38" axis="ch" ptType="node" st="5" cnt="1">
+      <dgm:layoutNode name="text5">
+        <dgm:alg type="sp"/>
+        <dgm:shape xmlns:r="http://schemas.openxmlformats.org/officeDocument/2006/relationships" r:blip="">
+          <dgm:adjLst/>
+        </dgm:shape>
+        <dgm:presOf/>
+        <dgm:constrLst/>
+        <dgm:forEach name="Name39" ref="textRepeat"/>
+      </dgm:layoutNode>
+      <dgm:layoutNode name="textaccent5">
+        <dgm:alg type="sp"/>
+        <dgm:shape xmlns:r="http://schemas.openxmlformats.org/officeDocument/2006/relationships" r:blip="">
+          <dgm:adjLst/>
+        </dgm:shape>
+        <dgm:presOf/>
+        <dgm:constrLst/>
+        <dgm:forEach name="Name40" ref="accentRepeat"/>
+      </dgm:layoutNode>
+    </dgm:forEach>
+    <dgm:forEach name="Name41" axis="ch" ptType="sibTrans" hideLastTrans="0" st="5" cnt="1">
+      <dgm:layoutNode name="image5">
+        <dgm:alg type="sp"/>
+        <dgm:shape xmlns:r="http://schemas.openxmlformats.org/officeDocument/2006/relationships" r:blip="">
+          <dgm:adjLst/>
+        </dgm:shape>
+        <dgm:presOf/>
+        <dgm:constrLst/>
+        <dgm:forEach name="Name42" ref="imageRepeat"/>
+      </dgm:layoutNode>
+      <dgm:layoutNode name="imageaccent5">
+        <dgm:alg type="sp"/>
+        <dgm:shape xmlns:r="http://schemas.openxmlformats.org/officeDocument/2006/relationships" r:blip="">
+          <dgm:adjLst/>
+        </dgm:shape>
+        <dgm:presOf/>
+        <dgm:constrLst/>
+        <dgm:forEach name="Name43" ref="accentRepeat"/>
+      </dgm:layoutNode>
+    </dgm:forEach>
+    <dgm:forEach name="Name44" axis="ch" ptType="node" st="6" cnt="1">
+      <dgm:layoutNode name="text6">
+        <dgm:alg type="sp"/>
+        <dgm:shape xmlns:r="http://schemas.openxmlformats.org/officeDocument/2006/relationships" r:blip="">
+          <dgm:adjLst/>
+        </dgm:shape>
+        <dgm:presOf/>
+        <dgm:constrLst/>
+        <dgm:forEach name="Name45" ref="textRepeat"/>
+      </dgm:layoutNode>
+      <dgm:layoutNode name="textaccent6">
+        <dgm:alg type="sp"/>
+        <dgm:shape xmlns:r="http://schemas.openxmlformats.org/officeDocument/2006/relationships" r:blip="">
+          <dgm:adjLst/>
+        </dgm:shape>
+        <dgm:presOf/>
+        <dgm:constrLst/>
+        <dgm:forEach name="Name46" ref="accentRepeat"/>
+      </dgm:layoutNode>
+    </dgm:forEach>
+    <dgm:forEach name="Name47" axis="ch" ptType="sibTrans" hideLastTrans="0" st="6" cnt="1">
+      <dgm:layoutNode name="image6">
+        <dgm:alg type="sp"/>
+        <dgm:shape xmlns:r="http://schemas.openxmlformats.org/officeDocument/2006/relationships" r:blip="">
+          <dgm:adjLst/>
+        </dgm:shape>
+        <dgm:presOf/>
+        <dgm:constrLst/>
+        <dgm:forEach name="Name48" ref="imageRepeat"/>
+      </dgm:layoutNode>
+      <dgm:layoutNode name="imageaccent6">
+        <dgm:alg type="sp"/>
+        <dgm:shape xmlns:r="http://schemas.openxmlformats.org/officeDocument/2006/relationships" r:blip="">
+          <dgm:adjLst/>
+        </dgm:shape>
+        <dgm:presOf/>
+        <dgm:constrLst/>
+        <dgm:forEach name="Name49" ref="accentRepeat"/>
+      </dgm:layoutNode>
+    </dgm:forEach>
+    <dgm:forEach name="Name50" axis="ch" ptType="node" st="7" cnt="1">
+      <dgm:layoutNode name="text7">
+        <dgm:alg type="sp"/>
+        <dgm:shape xmlns:r="http://schemas.openxmlformats.org/officeDocument/2006/relationships" r:blip="">
+          <dgm:adjLst/>
+        </dgm:shape>
+        <dgm:presOf/>
+        <dgm:constrLst/>
+        <dgm:forEach name="Name51" ref="textRepeat"/>
+      </dgm:layoutNode>
+      <dgm:layoutNode name="textaccent7">
+        <dgm:alg type="sp"/>
+        <dgm:shape xmlns:r="http://schemas.openxmlformats.org/officeDocument/2006/relationships" r:blip="">
+          <dgm:adjLst/>
+        </dgm:shape>
+        <dgm:presOf/>
+        <dgm:constrLst/>
+        <dgm:forEach name="Name52" ref="accentRepeat"/>
+      </dgm:layoutNode>
+    </dgm:forEach>
+    <dgm:forEach name="Name53" axis="ch" ptType="sibTrans" hideLastTrans="0" st="7" cnt="1">
+      <dgm:layoutNode name="image7">
+        <dgm:alg type="sp"/>
+        <dgm:shape xmlns:r="http://schemas.openxmlformats.org/officeDocument/2006/relationships" r:blip="">
+          <dgm:adjLst/>
+        </dgm:shape>
+        <dgm:presOf/>
+        <dgm:constrLst/>
+        <dgm:forEach name="Name54" ref="imageRepeat"/>
+      </dgm:layoutNode>
+      <dgm:layoutNode name="imageaccent7">
+        <dgm:alg type="sp"/>
+        <dgm:shape xmlns:r="http://schemas.openxmlformats.org/officeDocument/2006/relationships" r:blip="">
+          <dgm:adjLst/>
+        </dgm:shape>
+        <dgm:presOf/>
+        <dgm:constrLst/>
+        <dgm:forEach name="Name55" ref="accentRepeat"/>
+      </dgm:layoutNode>
+    </dgm:forEach>
+    <dgm:forEach name="Name56" axis="ch" ptType="node" st="8" cnt="1">
+      <dgm:layoutNode name="text8">
+        <dgm:alg type="sp"/>
+        <dgm:shape xmlns:r="http://schemas.openxmlformats.org/officeDocument/2006/relationships" r:blip="">
+          <dgm:adjLst/>
+        </dgm:shape>
+        <dgm:presOf/>
+        <dgm:constrLst/>
+        <dgm:forEach name="Name57" ref="textRepeat"/>
+      </dgm:layoutNode>
+      <dgm:layoutNode name="textaccent8">
+        <dgm:alg type="sp"/>
+        <dgm:shape xmlns:r="http://schemas.openxmlformats.org/officeDocument/2006/relationships" r:blip="">
+          <dgm:adjLst/>
+        </dgm:shape>
+        <dgm:presOf/>
+        <dgm:constrLst/>
+        <dgm:forEach name="Name58" ref="accentRepeat"/>
+      </dgm:layoutNode>
+    </dgm:forEach>
+    <dgm:forEach name="Name59" axis="ch" ptType="sibTrans" hideLastTrans="0" st="8" cnt="1">
+      <dgm:layoutNode name="image8">
+        <dgm:alg type="sp"/>
+        <dgm:shape xmlns:r="http://schemas.openxmlformats.org/officeDocument/2006/relationships" r:blip="">
+          <dgm:adjLst/>
+        </dgm:shape>
+        <dgm:presOf/>
+        <dgm:constrLst/>
+        <dgm:forEach name="Name60" ref="imageRepeat"/>
+      </dgm:layoutNode>
+      <dgm:layoutNode name="imageaccent8">
+        <dgm:alg type="sp"/>
+        <dgm:shape xmlns:r="http://schemas.openxmlformats.org/officeDocument/2006/relationships" r:blip="">
+          <dgm:adjLst/>
+        </dgm:shape>
+        <dgm:presOf/>
+        <dgm:constrLst/>
+        <dgm:forEach name="Name61" ref="accentRepeat"/>
+      </dgm:layoutNode>
+    </dgm:forEach>
+    <dgm:forEach name="Name62" axis="ch" ptType="node" st="9" cnt="1">
+      <dgm:layoutNode name="text9">
+        <dgm:alg type="sp"/>
+        <dgm:shape xmlns:r="http://schemas.openxmlformats.org/officeDocument/2006/relationships" r:blip="">
+          <dgm:adjLst/>
+        </dgm:shape>
+        <dgm:presOf/>
+        <dgm:constrLst/>
+        <dgm:forEach name="Name63" ref="textRepeat"/>
+      </dgm:layoutNode>
+      <dgm:layoutNode name="textaccent9">
+        <dgm:alg type="sp"/>
+        <dgm:shape xmlns:r="http://schemas.openxmlformats.org/officeDocument/2006/relationships" r:blip="">
+          <dgm:adjLst/>
+        </dgm:shape>
+        <dgm:presOf/>
+        <dgm:constrLst/>
+        <dgm:forEach name="Name64" ref="accentRepeat"/>
+      </dgm:layoutNode>
+    </dgm:forEach>
+    <dgm:forEach name="Name65" axis="ch" ptType="sibTrans" hideLastTrans="0" st="9" cnt="1">
+      <dgm:layoutNode name="image9">
+        <dgm:alg type="sp"/>
+        <dgm:shape xmlns:r="http://schemas.openxmlformats.org/officeDocument/2006/relationships" r:blip="">
+          <dgm:adjLst/>
+        </dgm:shape>
+        <dgm:presOf/>
+        <dgm:constrLst/>
+        <dgm:forEach name="Name66" ref="imageRepeat"/>
+      </dgm:layoutNode>
+      <dgm:layoutNode name="imageaccent9">
+        <dgm:alg type="sp"/>
+        <dgm:shape xmlns:r="http://schemas.openxmlformats.org/officeDocument/2006/relationships" r:blip="">
+          <dgm:adjLst/>
+        </dgm:shape>
+        <dgm:presOf/>
+        <dgm:constrLst/>
+        <dgm:forEach name="Name67" ref="accentRepeat"/>
+      </dgm:layoutNode>
+    </dgm:forEach>
+    <dgm:forEach name="Name68" axis="ch" ptType="node" st="10" cnt="1">
+      <dgm:layoutNode name="text10">
+        <dgm:alg type="sp"/>
+        <dgm:shape xmlns:r="http://schemas.openxmlformats.org/officeDocument/2006/relationships" r:blip="">
+          <dgm:adjLst/>
+        </dgm:shape>
+        <dgm:presOf/>
+        <dgm:constrLst/>
+        <dgm:forEach name="Name69" ref="textRepeat"/>
+      </dgm:layoutNode>
+      <dgm:layoutNode name="textaccent10">
+        <dgm:alg type="sp"/>
+        <dgm:shape xmlns:r="http://schemas.openxmlformats.org/officeDocument/2006/relationships" r:blip="">
+          <dgm:adjLst/>
+        </dgm:shape>
+        <dgm:presOf/>
+        <dgm:constrLst/>
+        <dgm:forEach name="Name70" ref="accentRepeat"/>
+      </dgm:layoutNode>
+    </dgm:forEach>
+    <dgm:forEach name="Name71" axis="ch" ptType="sibTrans" hideLastTrans="0" st="10" cnt="1">
+      <dgm:layoutNode name="image10">
+        <dgm:alg type="sp"/>
+        <dgm:shape xmlns:r="http://schemas.openxmlformats.org/officeDocument/2006/relationships" r:blip="">
+          <dgm:adjLst/>
+        </dgm:shape>
+        <dgm:presOf/>
+        <dgm:constrLst/>
+        <dgm:forEach name="Name72" ref="imageRepeat"/>
+      </dgm:layoutNode>
+      <dgm:layoutNode name="imageaccent10">
+        <dgm:alg type="sp"/>
+        <dgm:shape xmlns:r="http://schemas.openxmlformats.org/officeDocument/2006/relationships" r:blip="">
+          <dgm:adjLst/>
+        </dgm:shape>
+        <dgm:presOf/>
+        <dgm:constrLst/>
+        <dgm:forEach name="Name73" ref="accentRepeat"/>
+      </dgm:layoutNode>
+    </dgm:forEach>
+    <dgm:forEach name="Name74" axis="ch" ptType="node" st="11" cnt="1">
+      <dgm:layoutNode name="text11">
+        <dgm:alg type="sp"/>
+        <dgm:shape xmlns:r="http://schemas.openxmlformats.org/officeDocument/2006/relationships" r:blip="">
+          <dgm:adjLst/>
+        </dgm:shape>
+        <dgm:presOf/>
+        <dgm:constrLst/>
+        <dgm:forEach name="Name75" ref="textRepeat"/>
+      </dgm:layoutNode>
+      <dgm:layoutNode name="textaccent11">
+        <dgm:alg type="sp"/>
+        <dgm:shape xmlns:r="http://schemas.openxmlformats.org/officeDocument/2006/relationships" r:blip="">
+          <dgm:adjLst/>
+        </dgm:shape>
+        <dgm:presOf/>
+        <dgm:constrLst/>
+        <dgm:forEach name="Name76" ref="accentRepeat"/>
+      </dgm:layoutNode>
+    </dgm:forEach>
+    <dgm:forEach name="Name77" axis="ch" ptType="sibTrans" hideLastTrans="0" st="11" cnt="1">
+      <dgm:layoutNode name="image11">
+        <dgm:alg type="sp"/>
+        <dgm:shape xmlns:r="http://schemas.openxmlformats.org/officeDocument/2006/relationships" r:blip="">
+          <dgm:adjLst/>
+        </dgm:shape>
+        <dgm:presOf/>
+        <dgm:constrLst/>
+        <dgm:forEach name="Name78" ref="imageRepeat"/>
+      </dgm:layoutNode>
+      <dgm:layoutNode name="imageaccent11">
+        <dgm:alg type="sp"/>
+        <dgm:shape xmlns:r="http://schemas.openxmlformats.org/officeDocument/2006/relationships" r:blip="">
+          <dgm:adjLst/>
+        </dgm:shape>
+        <dgm:presOf/>
+        <dgm:constrLst/>
+        <dgm:forEach name="Name79" ref="accentRepeat"/>
+      </dgm:layoutNode>
+    </dgm:forEach>
+    <dgm:forEach name="Name80" axis="ch" ptType="node" st="12" cnt="1">
+      <dgm:layoutNode name="text12">
+        <dgm:alg type="sp"/>
+        <dgm:shape xmlns:r="http://schemas.openxmlformats.org/officeDocument/2006/relationships" r:blip="">
+          <dgm:adjLst/>
+        </dgm:shape>
+        <dgm:presOf/>
+        <dgm:constrLst/>
+        <dgm:forEach name="Name81" ref="textRepeat"/>
+      </dgm:layoutNode>
+      <dgm:layoutNode name="textaccent12">
+        <dgm:alg type="sp"/>
+        <dgm:shape xmlns:r="http://schemas.openxmlformats.org/officeDocument/2006/relationships" r:blip="">
+          <dgm:adjLst/>
+        </dgm:shape>
+        <dgm:presOf/>
+        <dgm:constrLst/>
+        <dgm:forEach name="Name82" ref="accentRepeat"/>
+      </dgm:layoutNode>
+    </dgm:forEach>
+    <dgm:forEach name="Name83" axis="ch" ptType="sibTrans" hideLastTrans="0" st="12" cnt="1">
+      <dgm:layoutNode name="image12">
+        <dgm:alg type="sp"/>
+        <dgm:shape xmlns:r="http://schemas.openxmlformats.org/officeDocument/2006/relationships" r:blip="">
+          <dgm:adjLst/>
+        </dgm:shape>
+        <dgm:presOf/>
+        <dgm:constrLst/>
+        <dgm:forEach name="Name84" ref="imageRepeat"/>
+      </dgm:layoutNode>
+      <dgm:layoutNode name="imageaccent12">
+        <dgm:alg type="sp"/>
+        <dgm:shape xmlns:r="http://schemas.openxmlformats.org/officeDocument/2006/relationships" r:blip="">
+          <dgm:adjLst/>
+        </dgm:shape>
+        <dgm:presOf/>
+        <dgm:constrLst/>
+        <dgm:forEach name="Name85" ref="accentRepeat"/>
+      </dgm:layoutNode>
+    </dgm:forEach>
+  </dgm:layoutNode>
+</dgm:layoutDef>
+</file>
+
 <file path=ppt/diagrams/quickStyle1.xml><?xml version="1.0" encoding="utf-8"?>
 <dgm:styleDef xmlns:dgm="http://schemas.openxmlformats.org/drawingml/2006/diagram" xmlns:a="http://schemas.openxmlformats.org/drawingml/2006/main" uniqueId="urn:microsoft.com/office/officeart/2005/8/quickstyle/simple1">
   <dgm:title val=""/>
@@ -12123,6 +16145,1040 @@
 </file>
 
 <file path=ppt/diagrams/quickStyle5.xml><?xml version="1.0" encoding="utf-8"?>
+<dgm:styleDef xmlns:dgm="http://schemas.openxmlformats.org/drawingml/2006/diagram" xmlns:a="http://schemas.openxmlformats.org/drawingml/2006/main" uniqueId="urn:microsoft.com/office/officeart/2005/8/quickstyle/simple1">
+  <dgm:title val=""/>
+  <dgm:desc val=""/>
+  <dgm:catLst>
+    <dgm:cat type="simple" pri="10100"/>
+  </dgm:catLst>
+  <dgm:scene3d>
+    <a:camera prst="orthographicFront"/>
+    <a:lightRig rig="threePt" dir="t"/>
+  </dgm:scene3d>
+  <dgm:styleLbl name="node0">
+    <dgm:scene3d>
+      <a:camera prst="orthographicFront"/>
+      <a:lightRig rig="threePt" dir="t"/>
+    </dgm:scene3d>
+    <dgm:sp3d/>
+    <dgm:txPr/>
+    <dgm:style>
+      <a:lnRef idx="2">
+        <a:scrgbClr r="0" g="0" b="0"/>
+      </a:lnRef>
+      <a:fillRef idx="1">
+        <a:scrgbClr r="0" g="0" b="0"/>
+      </a:fillRef>
+      <a:effectRef idx="0">
+        <a:scrgbClr r="0" g="0" b="0"/>
+      </a:effectRef>
+      <a:fontRef idx="minor">
+        <a:schemeClr val="lt1"/>
+      </a:fontRef>
+    </dgm:style>
+  </dgm:styleLbl>
+  <dgm:styleLbl name="lnNode1">
+    <dgm:scene3d>
+      <a:camera prst="orthographicFront"/>
+      <a:lightRig rig="threePt" dir="t"/>
+    </dgm:scene3d>
+    <dgm:sp3d/>
+    <dgm:txPr/>
+    <dgm:style>
+      <a:lnRef idx="2">
+        <a:scrgbClr r="0" g="0" b="0"/>
+      </a:lnRef>
+      <a:fillRef idx="1">
+        <a:scrgbClr r="0" g="0" b="0"/>
+      </a:fillRef>
+      <a:effectRef idx="0">
+        <a:scrgbClr r="0" g="0" b="0"/>
+      </a:effectRef>
+      <a:fontRef idx="minor">
+        <a:schemeClr val="lt1"/>
+      </a:fontRef>
+    </dgm:style>
+  </dgm:styleLbl>
+  <dgm:styleLbl name="vennNode1">
+    <dgm:scene3d>
+      <a:camera prst="orthographicFront"/>
+      <a:lightRig rig="threePt" dir="t"/>
+    </dgm:scene3d>
+    <dgm:sp3d/>
+    <dgm:txPr/>
+    <dgm:style>
+      <a:lnRef idx="2">
+        <a:scrgbClr r="0" g="0" b="0"/>
+      </a:lnRef>
+      <a:fillRef idx="1">
+        <a:scrgbClr r="0" g="0" b="0"/>
+      </a:fillRef>
+      <a:effectRef idx="0">
+        <a:scrgbClr r="0" g="0" b="0"/>
+      </a:effectRef>
+      <a:fontRef idx="minor">
+        <a:schemeClr val="tx1"/>
+      </a:fontRef>
+    </dgm:style>
+  </dgm:styleLbl>
+  <dgm:styleLbl name="alignNode1">
+    <dgm:scene3d>
+      <a:camera prst="orthographicFront"/>
+      <a:lightRig rig="threePt" dir="t"/>
+    </dgm:scene3d>
+    <dgm:sp3d/>
+    <dgm:txPr/>
+    <dgm:style>
+      <a:lnRef idx="2">
+        <a:scrgbClr r="0" g="0" b="0"/>
+      </a:lnRef>
+      <a:fillRef idx="1">
+        <a:scrgbClr r="0" g="0" b="0"/>
+      </a:fillRef>
+      <a:effectRef idx="0">
+        <a:scrgbClr r="0" g="0" b="0"/>
+      </a:effectRef>
+      <a:fontRef idx="minor">
+        <a:schemeClr val="lt1"/>
+      </a:fontRef>
+    </dgm:style>
+  </dgm:styleLbl>
+  <dgm:styleLbl name="node1">
+    <dgm:scene3d>
+      <a:camera prst="orthographicFront"/>
+      <a:lightRig rig="threePt" dir="t"/>
+    </dgm:scene3d>
+    <dgm:sp3d/>
+    <dgm:txPr/>
+    <dgm:style>
+      <a:lnRef idx="2">
+        <a:scrgbClr r="0" g="0" b="0"/>
+      </a:lnRef>
+      <a:fillRef idx="1">
+        <a:scrgbClr r="0" g="0" b="0"/>
+      </a:fillRef>
+      <a:effectRef idx="0">
+        <a:scrgbClr r="0" g="0" b="0"/>
+      </a:effectRef>
+      <a:fontRef idx="minor">
+        <a:schemeClr val="lt1"/>
+      </a:fontRef>
+    </dgm:style>
+  </dgm:styleLbl>
+  <dgm:styleLbl name="node2">
+    <dgm:scene3d>
+      <a:camera prst="orthographicFront"/>
+      <a:lightRig rig="threePt" dir="t"/>
+    </dgm:scene3d>
+    <dgm:sp3d/>
+    <dgm:txPr/>
+    <dgm:style>
+      <a:lnRef idx="2">
+        <a:scrgbClr r="0" g="0" b="0"/>
+      </a:lnRef>
+      <a:fillRef idx="1">
+        <a:scrgbClr r="0" g="0" b="0"/>
+      </a:fillRef>
+      <a:effectRef idx="0">
+        <a:scrgbClr r="0" g="0" b="0"/>
+      </a:effectRef>
+      <a:fontRef idx="minor">
+        <a:schemeClr val="lt1"/>
+      </a:fontRef>
+    </dgm:style>
+  </dgm:styleLbl>
+  <dgm:styleLbl name="node3">
+    <dgm:scene3d>
+      <a:camera prst="orthographicFront"/>
+      <a:lightRig rig="threePt" dir="t"/>
+    </dgm:scene3d>
+    <dgm:sp3d/>
+    <dgm:txPr/>
+    <dgm:style>
+      <a:lnRef idx="2">
+        <a:scrgbClr r="0" g="0" b="0"/>
+      </a:lnRef>
+      <a:fillRef idx="1">
+        <a:scrgbClr r="0" g="0" b="0"/>
+      </a:fillRef>
+      <a:effectRef idx="0">
+        <a:scrgbClr r="0" g="0" b="0"/>
+      </a:effectRef>
+      <a:fontRef idx="minor">
+        <a:schemeClr val="lt1"/>
+      </a:fontRef>
+    </dgm:style>
+  </dgm:styleLbl>
+  <dgm:styleLbl name="node4">
+    <dgm:scene3d>
+      <a:camera prst="orthographicFront"/>
+      <a:lightRig rig="threePt" dir="t"/>
+    </dgm:scene3d>
+    <dgm:sp3d/>
+    <dgm:txPr/>
+    <dgm:style>
+      <a:lnRef idx="2">
+        <a:scrgbClr r="0" g="0" b="0"/>
+      </a:lnRef>
+      <a:fillRef idx="1">
+        <a:scrgbClr r="0" g="0" b="0"/>
+      </a:fillRef>
+      <a:effectRef idx="0">
+        <a:scrgbClr r="0" g="0" b="0"/>
+      </a:effectRef>
+      <a:fontRef idx="minor">
+        <a:schemeClr val="lt1"/>
+      </a:fontRef>
+    </dgm:style>
+  </dgm:styleLbl>
+  <dgm:styleLbl name="fgImgPlace1">
+    <dgm:scene3d>
+      <a:camera prst="orthographicFront"/>
+      <a:lightRig rig="threePt" dir="t"/>
+    </dgm:scene3d>
+    <dgm:sp3d/>
+    <dgm:txPr/>
+    <dgm:style>
+      <a:lnRef idx="2">
+        <a:scrgbClr r="0" g="0" b="0"/>
+      </a:lnRef>
+      <a:fillRef idx="1">
+        <a:scrgbClr r="0" g="0" b="0"/>
+      </a:fillRef>
+      <a:effectRef idx="0">
+        <a:scrgbClr r="0" g="0" b="0"/>
+      </a:effectRef>
+      <a:fontRef idx="minor"/>
+    </dgm:style>
+  </dgm:styleLbl>
+  <dgm:styleLbl name="alignImgPlace1">
+    <dgm:scene3d>
+      <a:camera prst="orthographicFront"/>
+      <a:lightRig rig="threePt" dir="t"/>
+    </dgm:scene3d>
+    <dgm:sp3d/>
+    <dgm:txPr/>
+    <dgm:style>
+      <a:lnRef idx="2">
+        <a:scrgbClr r="0" g="0" b="0"/>
+      </a:lnRef>
+      <a:fillRef idx="1">
+        <a:scrgbClr r="0" g="0" b="0"/>
+      </a:fillRef>
+      <a:effectRef idx="0">
+        <a:scrgbClr r="0" g="0" b="0"/>
+      </a:effectRef>
+      <a:fontRef idx="minor"/>
+    </dgm:style>
+  </dgm:styleLbl>
+  <dgm:styleLbl name="bgImgPlace1">
+    <dgm:scene3d>
+      <a:camera prst="orthographicFront"/>
+      <a:lightRig rig="threePt" dir="t"/>
+    </dgm:scene3d>
+    <dgm:sp3d/>
+    <dgm:txPr/>
+    <dgm:style>
+      <a:lnRef idx="2">
+        <a:scrgbClr r="0" g="0" b="0"/>
+      </a:lnRef>
+      <a:fillRef idx="1">
+        <a:scrgbClr r="0" g="0" b="0"/>
+      </a:fillRef>
+      <a:effectRef idx="0">
+        <a:scrgbClr r="0" g="0" b="0"/>
+      </a:effectRef>
+      <a:fontRef idx="minor"/>
+    </dgm:style>
+  </dgm:styleLbl>
+  <dgm:styleLbl name="sibTrans2D1">
+    <dgm:scene3d>
+      <a:camera prst="orthographicFront"/>
+      <a:lightRig rig="threePt" dir="t"/>
+    </dgm:scene3d>
+    <dgm:sp3d/>
+    <dgm:txPr/>
+    <dgm:style>
+      <a:lnRef idx="0">
+        <a:scrgbClr r="0" g="0" b="0"/>
+      </a:lnRef>
+      <a:fillRef idx="1">
+        <a:scrgbClr r="0" g="0" b="0"/>
+      </a:fillRef>
+      <a:effectRef idx="0">
+        <a:scrgbClr r="0" g="0" b="0"/>
+      </a:effectRef>
+      <a:fontRef idx="minor">
+        <a:schemeClr val="lt1"/>
+      </a:fontRef>
+    </dgm:style>
+  </dgm:styleLbl>
+  <dgm:styleLbl name="fgSibTrans2D1">
+    <dgm:scene3d>
+      <a:camera prst="orthographicFront"/>
+      <a:lightRig rig="threePt" dir="t"/>
+    </dgm:scene3d>
+    <dgm:sp3d/>
+    <dgm:txPr/>
+    <dgm:style>
+      <a:lnRef idx="0">
+        <a:scrgbClr r="0" g="0" b="0"/>
+      </a:lnRef>
+      <a:fillRef idx="1">
+        <a:scrgbClr r="0" g="0" b="0"/>
+      </a:fillRef>
+      <a:effectRef idx="0">
+        <a:scrgbClr r="0" g="0" b="0"/>
+      </a:effectRef>
+      <a:fontRef idx="minor">
+        <a:schemeClr val="lt1"/>
+      </a:fontRef>
+    </dgm:style>
+  </dgm:styleLbl>
+  <dgm:styleLbl name="bgSibTrans2D1">
+    <dgm:scene3d>
+      <a:camera prst="orthographicFront"/>
+      <a:lightRig rig="threePt" dir="t"/>
+    </dgm:scene3d>
+    <dgm:sp3d/>
+    <dgm:txPr/>
+    <dgm:style>
+      <a:lnRef idx="0">
+        <a:scrgbClr r="0" g="0" b="0"/>
+      </a:lnRef>
+      <a:fillRef idx="1">
+        <a:scrgbClr r="0" g="0" b="0"/>
+      </a:fillRef>
+      <a:effectRef idx="0">
+        <a:scrgbClr r="0" g="0" b="0"/>
+      </a:effectRef>
+      <a:fontRef idx="minor">
+        <a:schemeClr val="lt1"/>
+      </a:fontRef>
+    </dgm:style>
+  </dgm:styleLbl>
+  <dgm:styleLbl name="sibTrans1D1">
+    <dgm:scene3d>
+      <a:camera prst="orthographicFront"/>
+      <a:lightRig rig="threePt" dir="t"/>
+    </dgm:scene3d>
+    <dgm:sp3d/>
+    <dgm:txPr/>
+    <dgm:style>
+      <a:lnRef idx="1">
+        <a:scrgbClr r="0" g="0" b="0"/>
+      </a:lnRef>
+      <a:fillRef idx="0">
+        <a:scrgbClr r="0" g="0" b="0"/>
+      </a:fillRef>
+      <a:effectRef idx="0">
+        <a:scrgbClr r="0" g="0" b="0"/>
+      </a:effectRef>
+      <a:fontRef idx="minor"/>
+    </dgm:style>
+  </dgm:styleLbl>
+  <dgm:styleLbl name="callout">
+    <dgm:scene3d>
+      <a:camera prst="orthographicFront"/>
+      <a:lightRig rig="threePt" dir="t"/>
+    </dgm:scene3d>
+    <dgm:sp3d/>
+    <dgm:txPr/>
+    <dgm:style>
+      <a:lnRef idx="2">
+        <a:scrgbClr r="0" g="0" b="0"/>
+      </a:lnRef>
+      <a:fillRef idx="1">
+        <a:scrgbClr r="0" g="0" b="0"/>
+      </a:fillRef>
+      <a:effectRef idx="0">
+        <a:scrgbClr r="0" g="0" b="0"/>
+      </a:effectRef>
+      <a:fontRef idx="minor"/>
+    </dgm:style>
+  </dgm:styleLbl>
+  <dgm:styleLbl name="asst0">
+    <dgm:scene3d>
+      <a:camera prst="orthographicFront"/>
+      <a:lightRig rig="threePt" dir="t"/>
+    </dgm:scene3d>
+    <dgm:sp3d/>
+    <dgm:txPr/>
+    <dgm:style>
+      <a:lnRef idx="2">
+        <a:scrgbClr r="0" g="0" b="0"/>
+      </a:lnRef>
+      <a:fillRef idx="1">
+        <a:scrgbClr r="0" g="0" b="0"/>
+      </a:fillRef>
+      <a:effectRef idx="0">
+        <a:scrgbClr r="0" g="0" b="0"/>
+      </a:effectRef>
+      <a:fontRef idx="minor">
+        <a:schemeClr val="lt1"/>
+      </a:fontRef>
+    </dgm:style>
+  </dgm:styleLbl>
+  <dgm:styleLbl name="asst1">
+    <dgm:scene3d>
+      <a:camera prst="orthographicFront"/>
+      <a:lightRig rig="threePt" dir="t"/>
+    </dgm:scene3d>
+    <dgm:sp3d/>
+    <dgm:txPr/>
+    <dgm:style>
+      <a:lnRef idx="2">
+        <a:scrgbClr r="0" g="0" b="0"/>
+      </a:lnRef>
+      <a:fillRef idx="1">
+        <a:scrgbClr r="0" g="0" b="0"/>
+      </a:fillRef>
+      <a:effectRef idx="0">
+        <a:scrgbClr r="0" g="0" b="0"/>
+      </a:effectRef>
+      <a:fontRef idx="minor">
+        <a:schemeClr val="lt1"/>
+      </a:fontRef>
+    </dgm:style>
+  </dgm:styleLbl>
+  <dgm:styleLbl name="asst2">
+    <dgm:scene3d>
+      <a:camera prst="orthographicFront"/>
+      <a:lightRig rig="threePt" dir="t"/>
+    </dgm:scene3d>
+    <dgm:sp3d/>
+    <dgm:txPr/>
+    <dgm:style>
+      <a:lnRef idx="2">
+        <a:scrgbClr r="0" g="0" b="0"/>
+      </a:lnRef>
+      <a:fillRef idx="1">
+        <a:scrgbClr r="0" g="0" b="0"/>
+      </a:fillRef>
+      <a:effectRef idx="0">
+        <a:scrgbClr r="0" g="0" b="0"/>
+      </a:effectRef>
+      <a:fontRef idx="minor">
+        <a:schemeClr val="lt1"/>
+      </a:fontRef>
+    </dgm:style>
+  </dgm:styleLbl>
+  <dgm:styleLbl name="asst3">
+    <dgm:scene3d>
+      <a:camera prst="orthographicFront"/>
+      <a:lightRig rig="threePt" dir="t"/>
+    </dgm:scene3d>
+    <dgm:sp3d/>
+    <dgm:txPr/>
+    <dgm:style>
+      <a:lnRef idx="2">
+        <a:scrgbClr r="0" g="0" b="0"/>
+      </a:lnRef>
+      <a:fillRef idx="1">
+        <a:scrgbClr r="0" g="0" b="0"/>
+      </a:fillRef>
+      <a:effectRef idx="0">
+        <a:scrgbClr r="0" g="0" b="0"/>
+      </a:effectRef>
+      <a:fontRef idx="minor">
+        <a:schemeClr val="lt1"/>
+      </a:fontRef>
+    </dgm:style>
+  </dgm:styleLbl>
+  <dgm:styleLbl name="asst4">
+    <dgm:scene3d>
+      <a:camera prst="orthographicFront"/>
+      <a:lightRig rig="threePt" dir="t"/>
+    </dgm:scene3d>
+    <dgm:sp3d/>
+    <dgm:txPr/>
+    <dgm:style>
+      <a:lnRef idx="2">
+        <a:scrgbClr r="0" g="0" b="0"/>
+      </a:lnRef>
+      <a:fillRef idx="1">
+        <a:scrgbClr r="0" g="0" b="0"/>
+      </a:fillRef>
+      <a:effectRef idx="0">
+        <a:scrgbClr r="0" g="0" b="0"/>
+      </a:effectRef>
+      <a:fontRef idx="minor">
+        <a:schemeClr val="lt1"/>
+      </a:fontRef>
+    </dgm:style>
+  </dgm:styleLbl>
+  <dgm:styleLbl name="parChTrans2D1">
+    <dgm:scene3d>
+      <a:camera prst="orthographicFront"/>
+      <a:lightRig rig="threePt" dir="t"/>
+    </dgm:scene3d>
+    <dgm:sp3d/>
+    <dgm:txPr/>
+    <dgm:style>
+      <a:lnRef idx="2">
+        <a:scrgbClr r="0" g="0" b="0"/>
+      </a:lnRef>
+      <a:fillRef idx="1">
+        <a:scrgbClr r="0" g="0" b="0"/>
+      </a:fillRef>
+      <a:effectRef idx="0">
+        <a:scrgbClr r="0" g="0" b="0"/>
+      </a:effectRef>
+      <a:fontRef idx="minor">
+        <a:schemeClr val="lt1"/>
+      </a:fontRef>
+    </dgm:style>
+  </dgm:styleLbl>
+  <dgm:styleLbl name="parChTrans2D2">
+    <dgm:scene3d>
+      <a:camera prst="orthographicFront"/>
+      <a:lightRig rig="threePt" dir="t"/>
+    </dgm:scene3d>
+    <dgm:sp3d/>
+    <dgm:txPr/>
+    <dgm:style>
+      <a:lnRef idx="2">
+        <a:scrgbClr r="0" g="0" b="0"/>
+      </a:lnRef>
+      <a:fillRef idx="1">
+        <a:scrgbClr r="0" g="0" b="0"/>
+      </a:fillRef>
+      <a:effectRef idx="0">
+        <a:scrgbClr r="0" g="0" b="0"/>
+      </a:effectRef>
+      <a:fontRef idx="minor">
+        <a:schemeClr val="lt1"/>
+      </a:fontRef>
+    </dgm:style>
+  </dgm:styleLbl>
+  <dgm:styleLbl name="parChTrans2D3">
+    <dgm:scene3d>
+      <a:camera prst="orthographicFront"/>
+      <a:lightRig rig="threePt" dir="t"/>
+    </dgm:scene3d>
+    <dgm:sp3d/>
+    <dgm:txPr/>
+    <dgm:style>
+      <a:lnRef idx="2">
+        <a:scrgbClr r="0" g="0" b="0"/>
+      </a:lnRef>
+      <a:fillRef idx="1">
+        <a:scrgbClr r="0" g="0" b="0"/>
+      </a:fillRef>
+      <a:effectRef idx="0">
+        <a:scrgbClr r="0" g="0" b="0"/>
+      </a:effectRef>
+      <a:fontRef idx="minor">
+        <a:schemeClr val="lt1"/>
+      </a:fontRef>
+    </dgm:style>
+  </dgm:styleLbl>
+  <dgm:styleLbl name="parChTrans2D4">
+    <dgm:scene3d>
+      <a:camera prst="orthographicFront"/>
+      <a:lightRig rig="threePt" dir="t"/>
+    </dgm:scene3d>
+    <dgm:sp3d/>
+    <dgm:txPr/>
+    <dgm:style>
+      <a:lnRef idx="2">
+        <a:scrgbClr r="0" g="0" b="0"/>
+      </a:lnRef>
+      <a:fillRef idx="1">
+        <a:scrgbClr r="0" g="0" b="0"/>
+      </a:fillRef>
+      <a:effectRef idx="0">
+        <a:scrgbClr r="0" g="0" b="0"/>
+      </a:effectRef>
+      <a:fontRef idx="minor">
+        <a:schemeClr val="lt1"/>
+      </a:fontRef>
+    </dgm:style>
+  </dgm:styleLbl>
+  <dgm:styleLbl name="parChTrans1D1">
+    <dgm:scene3d>
+      <a:camera prst="orthographicFront"/>
+      <a:lightRig rig="threePt" dir="t"/>
+    </dgm:scene3d>
+    <dgm:sp3d/>
+    <dgm:txPr/>
+    <dgm:style>
+      <a:lnRef idx="2">
+        <a:scrgbClr r="0" g="0" b="0"/>
+      </a:lnRef>
+      <a:fillRef idx="0">
+        <a:scrgbClr r="0" g="0" b="0"/>
+      </a:fillRef>
+      <a:effectRef idx="0">
+        <a:scrgbClr r="0" g="0" b="0"/>
+      </a:effectRef>
+      <a:fontRef idx="minor"/>
+    </dgm:style>
+  </dgm:styleLbl>
+  <dgm:styleLbl name="parChTrans1D2">
+    <dgm:scene3d>
+      <a:camera prst="orthographicFront"/>
+      <a:lightRig rig="threePt" dir="t"/>
+    </dgm:scene3d>
+    <dgm:sp3d/>
+    <dgm:txPr/>
+    <dgm:style>
+      <a:lnRef idx="2">
+        <a:scrgbClr r="0" g="0" b="0"/>
+      </a:lnRef>
+      <a:fillRef idx="0">
+        <a:scrgbClr r="0" g="0" b="0"/>
+      </a:fillRef>
+      <a:effectRef idx="0">
+        <a:scrgbClr r="0" g="0" b="0"/>
+      </a:effectRef>
+      <a:fontRef idx="minor"/>
+    </dgm:style>
+  </dgm:styleLbl>
+  <dgm:styleLbl name="parChTrans1D3">
+    <dgm:scene3d>
+      <a:camera prst="orthographicFront"/>
+      <a:lightRig rig="threePt" dir="t"/>
+    </dgm:scene3d>
+    <dgm:sp3d/>
+    <dgm:txPr/>
+    <dgm:style>
+      <a:lnRef idx="2">
+        <a:scrgbClr r="0" g="0" b="0"/>
+      </a:lnRef>
+      <a:fillRef idx="0">
+        <a:scrgbClr r="0" g="0" b="0"/>
+      </a:fillRef>
+      <a:effectRef idx="0">
+        <a:scrgbClr r="0" g="0" b="0"/>
+      </a:effectRef>
+      <a:fontRef idx="minor"/>
+    </dgm:style>
+  </dgm:styleLbl>
+  <dgm:styleLbl name="parChTrans1D4">
+    <dgm:scene3d>
+      <a:camera prst="orthographicFront"/>
+      <a:lightRig rig="threePt" dir="t"/>
+    </dgm:scene3d>
+    <dgm:sp3d/>
+    <dgm:txPr/>
+    <dgm:style>
+      <a:lnRef idx="2">
+        <a:scrgbClr r="0" g="0" b="0"/>
+      </a:lnRef>
+      <a:fillRef idx="0">
+        <a:scrgbClr r="0" g="0" b="0"/>
+      </a:fillRef>
+      <a:effectRef idx="0">
+        <a:scrgbClr r="0" g="0" b="0"/>
+      </a:effectRef>
+      <a:fontRef idx="minor"/>
+    </dgm:style>
+  </dgm:styleLbl>
+  <dgm:styleLbl name="fgAcc1">
+    <dgm:scene3d>
+      <a:camera prst="orthographicFront"/>
+      <a:lightRig rig="threePt" dir="t"/>
+    </dgm:scene3d>
+    <dgm:sp3d/>
+    <dgm:txPr/>
+    <dgm:style>
+      <a:lnRef idx="2">
+        <a:scrgbClr r="0" g="0" b="0"/>
+      </a:lnRef>
+      <a:fillRef idx="1">
+        <a:scrgbClr r="0" g="0" b="0"/>
+      </a:fillRef>
+      <a:effectRef idx="0">
+        <a:scrgbClr r="0" g="0" b="0"/>
+      </a:effectRef>
+      <a:fontRef idx="minor"/>
+    </dgm:style>
+  </dgm:styleLbl>
+  <dgm:styleLbl name="conFgAcc1">
+    <dgm:scene3d>
+      <a:camera prst="orthographicFront"/>
+      <a:lightRig rig="threePt" dir="t"/>
+    </dgm:scene3d>
+    <dgm:sp3d/>
+    <dgm:txPr/>
+    <dgm:style>
+      <a:lnRef idx="2">
+        <a:scrgbClr r="0" g="0" b="0"/>
+      </a:lnRef>
+      <a:fillRef idx="1">
+        <a:scrgbClr r="0" g="0" b="0"/>
+      </a:fillRef>
+      <a:effectRef idx="0">
+        <a:scrgbClr r="0" g="0" b="0"/>
+      </a:effectRef>
+      <a:fontRef idx="minor"/>
+    </dgm:style>
+  </dgm:styleLbl>
+  <dgm:styleLbl name="alignAcc1">
+    <dgm:scene3d>
+      <a:camera prst="orthographicFront"/>
+      <a:lightRig rig="threePt" dir="t"/>
+    </dgm:scene3d>
+    <dgm:sp3d/>
+    <dgm:txPr/>
+    <dgm:style>
+      <a:lnRef idx="2">
+        <a:scrgbClr r="0" g="0" b="0"/>
+      </a:lnRef>
+      <a:fillRef idx="1">
+        <a:scrgbClr r="0" g="0" b="0"/>
+      </a:fillRef>
+      <a:effectRef idx="0">
+        <a:scrgbClr r="0" g="0" b="0"/>
+      </a:effectRef>
+      <a:fontRef idx="minor"/>
+    </dgm:style>
+  </dgm:styleLbl>
+  <dgm:styleLbl name="trAlignAcc1">
+    <dgm:scene3d>
+      <a:camera prst="orthographicFront"/>
+      <a:lightRig rig="threePt" dir="t"/>
+    </dgm:scene3d>
+    <dgm:sp3d/>
+    <dgm:txPr/>
+    <dgm:style>
+      <a:lnRef idx="1">
+        <a:scrgbClr r="0" g="0" b="0"/>
+      </a:lnRef>
+      <a:fillRef idx="1">
+        <a:scrgbClr r="0" g="0" b="0"/>
+      </a:fillRef>
+      <a:effectRef idx="0">
+        <a:scrgbClr r="0" g="0" b="0"/>
+      </a:effectRef>
+      <a:fontRef idx="minor"/>
+    </dgm:style>
+  </dgm:styleLbl>
+  <dgm:styleLbl name="bgAcc1">
+    <dgm:scene3d>
+      <a:camera prst="orthographicFront"/>
+      <a:lightRig rig="threePt" dir="t"/>
+    </dgm:scene3d>
+    <dgm:sp3d/>
+    <dgm:txPr/>
+    <dgm:style>
+      <a:lnRef idx="2">
+        <a:scrgbClr r="0" g="0" b="0"/>
+      </a:lnRef>
+      <a:fillRef idx="1">
+        <a:scrgbClr r="0" g="0" b="0"/>
+      </a:fillRef>
+      <a:effectRef idx="0">
+        <a:scrgbClr r="0" g="0" b="0"/>
+      </a:effectRef>
+      <a:fontRef idx="minor"/>
+    </dgm:style>
+  </dgm:styleLbl>
+  <dgm:styleLbl name="solidFgAcc1">
+    <dgm:scene3d>
+      <a:camera prst="orthographicFront"/>
+      <a:lightRig rig="threePt" dir="t"/>
+    </dgm:scene3d>
+    <dgm:sp3d/>
+    <dgm:txPr/>
+    <dgm:style>
+      <a:lnRef idx="2">
+        <a:scrgbClr r="0" g="0" b="0"/>
+      </a:lnRef>
+      <a:fillRef idx="1">
+        <a:scrgbClr r="0" g="0" b="0"/>
+      </a:fillRef>
+      <a:effectRef idx="0">
+        <a:scrgbClr r="0" g="0" b="0"/>
+      </a:effectRef>
+      <a:fontRef idx="minor"/>
+    </dgm:style>
+  </dgm:styleLbl>
+  <dgm:styleLbl name="solidAlignAcc1">
+    <dgm:scene3d>
+      <a:camera prst="orthographicFront"/>
+      <a:lightRig rig="threePt" dir="t"/>
+    </dgm:scene3d>
+    <dgm:sp3d/>
+    <dgm:txPr/>
+    <dgm:style>
+      <a:lnRef idx="2">
+        <a:scrgbClr r="0" g="0" b="0"/>
+      </a:lnRef>
+      <a:fillRef idx="1">
+        <a:scrgbClr r="0" g="0" b="0"/>
+      </a:fillRef>
+      <a:effectRef idx="0">
+        <a:scrgbClr r="0" g="0" b="0"/>
+      </a:effectRef>
+      <a:fontRef idx="minor"/>
+    </dgm:style>
+  </dgm:styleLbl>
+  <dgm:styleLbl name="solidBgAcc1">
+    <dgm:scene3d>
+      <a:camera prst="orthographicFront"/>
+      <a:lightRig rig="threePt" dir="t"/>
+    </dgm:scene3d>
+    <dgm:sp3d/>
+    <dgm:txPr/>
+    <dgm:style>
+      <a:lnRef idx="2">
+        <a:scrgbClr r="0" g="0" b="0"/>
+      </a:lnRef>
+      <a:fillRef idx="1">
+        <a:scrgbClr r="0" g="0" b="0"/>
+      </a:fillRef>
+      <a:effectRef idx="0">
+        <a:scrgbClr r="0" g="0" b="0"/>
+      </a:effectRef>
+      <a:fontRef idx="minor"/>
+    </dgm:style>
+  </dgm:styleLbl>
+  <dgm:styleLbl name="fgAccFollowNode1">
+    <dgm:scene3d>
+      <a:camera prst="orthographicFront"/>
+      <a:lightRig rig="threePt" dir="t"/>
+    </dgm:scene3d>
+    <dgm:sp3d/>
+    <dgm:txPr/>
+    <dgm:style>
+      <a:lnRef idx="2">
+        <a:scrgbClr r="0" g="0" b="0"/>
+      </a:lnRef>
+      <a:fillRef idx="1">
+        <a:scrgbClr r="0" g="0" b="0"/>
+      </a:fillRef>
+      <a:effectRef idx="0">
+        <a:scrgbClr r="0" g="0" b="0"/>
+      </a:effectRef>
+      <a:fontRef idx="minor"/>
+    </dgm:style>
+  </dgm:styleLbl>
+  <dgm:styleLbl name="alignAccFollowNode1">
+    <dgm:scene3d>
+      <a:camera prst="orthographicFront"/>
+      <a:lightRig rig="threePt" dir="t"/>
+    </dgm:scene3d>
+    <dgm:sp3d/>
+    <dgm:txPr/>
+    <dgm:style>
+      <a:lnRef idx="2">
+        <a:scrgbClr r="0" g="0" b="0"/>
+      </a:lnRef>
+      <a:fillRef idx="1">
+        <a:scrgbClr r="0" g="0" b="0"/>
+      </a:fillRef>
+      <a:effectRef idx="0">
+        <a:scrgbClr r="0" g="0" b="0"/>
+      </a:effectRef>
+      <a:fontRef idx="minor"/>
+    </dgm:style>
+  </dgm:styleLbl>
+  <dgm:styleLbl name="bgAccFollowNode1">
+    <dgm:scene3d>
+      <a:camera prst="orthographicFront"/>
+      <a:lightRig rig="threePt" dir="t"/>
+    </dgm:scene3d>
+    <dgm:sp3d/>
+    <dgm:txPr/>
+    <dgm:style>
+      <a:lnRef idx="2">
+        <a:scrgbClr r="0" g="0" b="0"/>
+      </a:lnRef>
+      <a:fillRef idx="1">
+        <a:scrgbClr r="0" g="0" b="0"/>
+      </a:fillRef>
+      <a:effectRef idx="0">
+        <a:scrgbClr r="0" g="0" b="0"/>
+      </a:effectRef>
+      <a:fontRef idx="minor"/>
+    </dgm:style>
+  </dgm:styleLbl>
+  <dgm:styleLbl name="fgAcc0">
+    <dgm:scene3d>
+      <a:camera prst="orthographicFront"/>
+      <a:lightRig rig="threePt" dir="t"/>
+    </dgm:scene3d>
+    <dgm:sp3d/>
+    <dgm:txPr/>
+    <dgm:style>
+      <a:lnRef idx="2">
+        <a:scrgbClr r="0" g="0" b="0"/>
+      </a:lnRef>
+      <a:fillRef idx="1">
+        <a:scrgbClr r="0" g="0" b="0"/>
+      </a:fillRef>
+      <a:effectRef idx="0">
+        <a:scrgbClr r="0" g="0" b="0"/>
+      </a:effectRef>
+      <a:fontRef idx="minor"/>
+    </dgm:style>
+  </dgm:styleLbl>
+  <dgm:styleLbl name="fgAcc2">
+    <dgm:scene3d>
+      <a:camera prst="orthographicFront"/>
+      <a:lightRig rig="threePt" dir="t"/>
+    </dgm:scene3d>
+    <dgm:sp3d/>
+    <dgm:txPr/>
+    <dgm:style>
+      <a:lnRef idx="2">
+        <a:scrgbClr r="0" g="0" b="0"/>
+      </a:lnRef>
+      <a:fillRef idx="1">
+        <a:scrgbClr r="0" g="0" b="0"/>
+      </a:fillRef>
+      <a:effectRef idx="0">
+        <a:scrgbClr r="0" g="0" b="0"/>
+      </a:effectRef>
+      <a:fontRef idx="minor"/>
+    </dgm:style>
+  </dgm:styleLbl>
+  <dgm:styleLbl name="fgAcc3">
+    <dgm:scene3d>
+      <a:camera prst="orthographicFront"/>
+      <a:lightRig rig="threePt" dir="t"/>
+    </dgm:scene3d>
+    <dgm:sp3d/>
+    <dgm:txPr/>
+    <dgm:style>
+      <a:lnRef idx="2">
+        <a:scrgbClr r="0" g="0" b="0"/>
+      </a:lnRef>
+      <a:fillRef idx="1">
+        <a:scrgbClr r="0" g="0" b="0"/>
+      </a:fillRef>
+      <a:effectRef idx="0">
+        <a:scrgbClr r="0" g="0" b="0"/>
+      </a:effectRef>
+      <a:fontRef idx="minor"/>
+    </dgm:style>
+  </dgm:styleLbl>
+  <dgm:styleLbl name="fgAcc4">
+    <dgm:scene3d>
+      <a:camera prst="orthographicFront"/>
+      <a:lightRig rig="threePt" dir="t"/>
+    </dgm:scene3d>
+    <dgm:sp3d/>
+    <dgm:txPr/>
+    <dgm:style>
+      <a:lnRef idx="2">
+        <a:scrgbClr r="0" g="0" b="0"/>
+      </a:lnRef>
+      <a:fillRef idx="1">
+        <a:scrgbClr r="0" g="0" b="0"/>
+      </a:fillRef>
+      <a:effectRef idx="0">
+        <a:scrgbClr r="0" g="0" b="0"/>
+      </a:effectRef>
+      <a:fontRef idx="minor"/>
+    </dgm:style>
+  </dgm:styleLbl>
+  <dgm:styleLbl name="bgShp">
+    <dgm:scene3d>
+      <a:camera prst="orthographicFront"/>
+      <a:lightRig rig="threePt" dir="t"/>
+    </dgm:scene3d>
+    <dgm:sp3d/>
+    <dgm:txPr/>
+    <dgm:style>
+      <a:lnRef idx="0">
+        <a:scrgbClr r="0" g="0" b="0"/>
+      </a:lnRef>
+      <a:fillRef idx="1">
+        <a:scrgbClr r="0" g="0" b="0"/>
+      </a:fillRef>
+      <a:effectRef idx="0">
+        <a:scrgbClr r="0" g="0" b="0"/>
+      </a:effectRef>
+      <a:fontRef idx="minor"/>
+    </dgm:style>
+  </dgm:styleLbl>
+  <dgm:styleLbl name="dkBgShp">
+    <dgm:scene3d>
+      <a:camera prst="orthographicFront"/>
+      <a:lightRig rig="threePt" dir="t"/>
+    </dgm:scene3d>
+    <dgm:sp3d/>
+    <dgm:txPr/>
+    <dgm:style>
+      <a:lnRef idx="0">
+        <a:scrgbClr r="0" g="0" b="0"/>
+      </a:lnRef>
+      <a:fillRef idx="1">
+        <a:scrgbClr r="0" g="0" b="0"/>
+      </a:fillRef>
+      <a:effectRef idx="0">
+        <a:scrgbClr r="0" g="0" b="0"/>
+      </a:effectRef>
+      <a:fontRef idx="minor"/>
+    </dgm:style>
+  </dgm:styleLbl>
+  <dgm:styleLbl name="trBgShp">
+    <dgm:scene3d>
+      <a:camera prst="orthographicFront"/>
+      <a:lightRig rig="threePt" dir="t"/>
+    </dgm:scene3d>
+    <dgm:sp3d/>
+    <dgm:txPr/>
+    <dgm:style>
+      <a:lnRef idx="0">
+        <a:scrgbClr r="0" g="0" b="0"/>
+      </a:lnRef>
+      <a:fillRef idx="1">
+        <a:scrgbClr r="0" g="0" b="0"/>
+      </a:fillRef>
+      <a:effectRef idx="0">
+        <a:scrgbClr r="0" g="0" b="0"/>
+      </a:effectRef>
+      <a:fontRef idx="minor"/>
+    </dgm:style>
+  </dgm:styleLbl>
+  <dgm:styleLbl name="fgShp">
+    <dgm:scene3d>
+      <a:camera prst="orthographicFront"/>
+      <a:lightRig rig="threePt" dir="t"/>
+    </dgm:scene3d>
+    <dgm:sp3d/>
+    <dgm:txPr/>
+    <dgm:style>
+      <a:lnRef idx="2">
+        <a:scrgbClr r="0" g="0" b="0"/>
+      </a:lnRef>
+      <a:fillRef idx="1">
+        <a:scrgbClr r="0" g="0" b="0"/>
+      </a:fillRef>
+      <a:effectRef idx="0">
+        <a:scrgbClr r="0" g="0" b="0"/>
+      </a:effectRef>
+      <a:fontRef idx="minor"/>
+    </dgm:style>
+  </dgm:styleLbl>
+  <dgm:styleLbl name="revTx">
+    <dgm:scene3d>
+      <a:camera prst="orthographicFront"/>
+      <a:lightRig rig="threePt" dir="t"/>
+    </dgm:scene3d>
+    <dgm:sp3d/>
+    <dgm:txPr/>
+    <dgm:style>
+      <a:lnRef idx="0">
+        <a:scrgbClr r="0" g="0" b="0"/>
+      </a:lnRef>
+      <a:fillRef idx="0">
+        <a:scrgbClr r="0" g="0" b="0"/>
+      </a:fillRef>
+      <a:effectRef idx="0">
+        <a:scrgbClr r="0" g="0" b="0"/>
+      </a:effectRef>
+      <a:fontRef idx="minor"/>
+    </dgm:style>
+  </dgm:styleLbl>
+</dgm:styleDef>
+</file>
+
+<file path=ppt/diagrams/quickStyle6.xml><?xml version="1.0" encoding="utf-8"?>
 <dgm:styleDef xmlns:dgm="http://schemas.openxmlformats.org/drawingml/2006/diagram" xmlns:a="http://schemas.openxmlformats.org/drawingml/2006/main" uniqueId="urn:microsoft.com/office/officeart/2005/8/quickstyle/simple1">
   <dgm:title val=""/>
   <dgm:desc val=""/>
@@ -13345,7 +18401,7 @@
             <a:fld id="{B61BEF0D-F0BB-DE4B-95CE-6DB70DBA9567}" type="datetimeFigureOut">
               <a:rPr lang="en-US"/>
               <a:pPr/>
-              <a:t>12/10/2018</a:t>
+              <a:t>12/11/2018</a:t>
             </a:fld>
             <a:endParaRPr lang="en-US"/>
           </a:p>
@@ -13680,7 +18736,7 @@
             <a:fld id="{B61BEF0D-F0BB-DE4B-95CE-6DB70DBA9567}" type="datetimeFigureOut">
               <a:rPr lang="en-US"/>
               <a:pPr/>
-              <a:t>12/10/2018</a:t>
+              <a:t>12/11/2018</a:t>
             </a:fld>
             <a:endParaRPr lang="en-US"/>
           </a:p>
@@ -14078,7 +19134,7 @@
             <a:fld id="{B61BEF0D-F0BB-DE4B-95CE-6DB70DBA9567}" type="datetimeFigureOut">
               <a:rPr lang="en-US"/>
               <a:pPr/>
-              <a:t>12/10/2018</a:t>
+              <a:t>12/11/2018</a:t>
             </a:fld>
             <a:endParaRPr lang="en-US"/>
           </a:p>
@@ -14411,7 +19467,7 @@
             <a:fld id="{B61BEF0D-F0BB-DE4B-95CE-6DB70DBA9567}" type="datetimeFigureOut">
               <a:rPr lang="en-US"/>
               <a:pPr/>
-              <a:t>12/10/2018</a:t>
+              <a:t>12/11/2018</a:t>
             </a:fld>
             <a:endParaRPr lang="en-US"/>
           </a:p>
@@ -14728,7 +19784,7 @@
             <a:fld id="{B61BEF0D-F0BB-DE4B-95CE-6DB70DBA9567}" type="datetimeFigureOut">
               <a:rPr lang="en-US"/>
               <a:pPr/>
-              <a:t>12/10/2018</a:t>
+              <a:t>12/11/2018</a:t>
             </a:fld>
             <a:endParaRPr lang="en-US"/>
           </a:p>
@@ -15121,7 +20177,7 @@
             <a:fld id="{B61BEF0D-F0BB-DE4B-95CE-6DB70DBA9567}" type="datetimeFigureOut">
               <a:rPr lang="en-US"/>
               <a:pPr/>
-              <a:t>12/10/2018</a:t>
+              <a:t>12/11/2018</a:t>
             </a:fld>
             <a:endParaRPr lang="en-US"/>
           </a:p>
@@ -15375,7 +20431,7 @@
             <a:fld id="{B61BEF0D-F0BB-DE4B-95CE-6DB70DBA9567}" type="datetimeFigureOut">
               <a:rPr lang="en-US"/>
               <a:pPr/>
-              <a:t>12/10/2018</a:t>
+              <a:t>12/11/2018</a:t>
             </a:fld>
             <a:endParaRPr lang="en-US"/>
           </a:p>
@@ -15634,7 +20690,7 @@
             <a:fld id="{B61BEF0D-F0BB-DE4B-95CE-6DB70DBA9567}" type="datetimeFigureOut">
               <a:rPr lang="en-US"/>
               <a:pPr/>
-              <a:t>12/10/2018</a:t>
+              <a:t>12/11/2018</a:t>
             </a:fld>
             <a:endParaRPr lang="en-US"/>
           </a:p>
@@ -15893,7 +20949,7 @@
             <a:fld id="{B61BEF0D-F0BB-DE4B-95CE-6DB70DBA9567}" type="datetimeFigureOut">
               <a:rPr lang="en-US"/>
               <a:pPr/>
-              <a:t>12/10/2018</a:t>
+              <a:t>12/11/2018</a:t>
             </a:fld>
             <a:endParaRPr lang="en-US"/>
           </a:p>
@@ -16219,7 +21275,7 @@
             <a:fld id="{B61BEF0D-F0BB-DE4B-95CE-6DB70DBA9567}" type="datetimeFigureOut">
               <a:rPr lang="en-US"/>
               <a:pPr/>
-              <a:t>12/10/2018</a:t>
+              <a:t>12/11/2018</a:t>
             </a:fld>
             <a:endParaRPr lang="en-US"/>
           </a:p>
@@ -16539,7 +21595,7 @@
             <a:fld id="{B61BEF0D-F0BB-DE4B-95CE-6DB70DBA9567}" type="datetimeFigureOut">
               <a:rPr lang="en-US"/>
               <a:pPr/>
-              <a:t>12/10/2018</a:t>
+              <a:t>12/11/2018</a:t>
             </a:fld>
             <a:endParaRPr lang="en-US"/>
           </a:p>
@@ -16993,7 +22049,7 @@
             <a:fld id="{B61BEF0D-F0BB-DE4B-95CE-6DB70DBA9567}" type="datetimeFigureOut">
               <a:rPr lang="en-US"/>
               <a:pPr/>
-              <a:t>12/10/2018</a:t>
+              <a:t>12/11/2018</a:t>
             </a:fld>
             <a:endParaRPr lang="en-US"/>
           </a:p>
@@ -17195,7 +22251,7 @@
             <a:fld id="{B61BEF0D-F0BB-DE4B-95CE-6DB70DBA9567}" type="datetimeFigureOut">
               <a:rPr lang="en-US"/>
               <a:pPr/>
-              <a:t>12/10/2018</a:t>
+              <a:t>12/11/2018</a:t>
             </a:fld>
             <a:endParaRPr lang="en-US"/>
           </a:p>
@@ -17369,7 +22425,7 @@
             <a:fld id="{B61BEF0D-F0BB-DE4B-95CE-6DB70DBA9567}" type="datetimeFigureOut">
               <a:rPr lang="en-US"/>
               <a:pPr/>
-              <a:t>12/10/2018</a:t>
+              <a:t>12/11/2018</a:t>
             </a:fld>
             <a:endParaRPr lang="en-US"/>
           </a:p>
@@ -17699,7 +22755,7 @@
             <a:fld id="{B61BEF0D-F0BB-DE4B-95CE-6DB70DBA9567}" type="datetimeFigureOut">
               <a:rPr lang="en-US"/>
               <a:pPr/>
-              <a:t>12/10/2018</a:t>
+              <a:t>12/11/2018</a:t>
             </a:fld>
             <a:endParaRPr lang="en-US"/>
           </a:p>
@@ -18041,7 +23097,7 @@
             <a:fld id="{B61BEF0D-F0BB-DE4B-95CE-6DB70DBA9567}" type="datetimeFigureOut">
               <a:rPr lang="en-US"/>
               <a:pPr/>
-              <a:t>12/10/2018</a:t>
+              <a:t>12/11/2018</a:t>
             </a:fld>
             <a:endParaRPr lang="en-US"/>
           </a:p>
@@ -20165,7 +25221,7 @@
             <a:fld id="{B61BEF0D-F0BB-DE4B-95CE-6DB70DBA9567}" type="datetimeFigureOut">
               <a:rPr lang="en-US"/>
               <a:pPr/>
-              <a:t>12/10/2018</a:t>
+              <a:t>12/11/2018</a:t>
             </a:fld>
             <a:endParaRPr lang="en-US"/>
           </a:p>
@@ -23164,6 +28220,619 @@
           <a:lstStyle/>
           <a:p>
             <a:r>
+              <a:rPr lang="en-US" smtClean="0">
+                <a:solidFill>
+                  <a:schemeClr val="bg1">
+                    <a:lumMod val="95000"/>
+                  </a:schemeClr>
+                </a:solidFill>
+                <a:effectLst>
+                  <a:outerShdw blurRad="38100" dist="38100" dir="2700000" algn="tl">
+                    <a:srgbClr val="000000">
+                      <a:alpha val="43137"/>
+                    </a:srgbClr>
+                  </a:outerShdw>
+                </a:effectLst>
+                <a:latin typeface="Times New Roman" panose="02020603050405020304" pitchFamily="18" charset="0"/>
+                <a:cs typeface="Times New Roman" panose="02020603050405020304" pitchFamily="18" charset="0"/>
+              </a:rPr>
+              <a:t>1		</a:t>
+            </a:r>
+            <a:r>
+              <a:rPr lang="en-US" smtClean="0">
+                <a:solidFill>
+                  <a:schemeClr val="accent1">
+                    <a:lumMod val="50000"/>
+                  </a:schemeClr>
+                </a:solidFill>
+                <a:effectLst>
+                  <a:outerShdw blurRad="38100" dist="38100" dir="2700000" algn="tl">
+                    <a:srgbClr val="000000">
+                      <a:alpha val="43137"/>
+                    </a:srgbClr>
+                  </a:outerShdw>
+                </a:effectLst>
+                <a:latin typeface="Times New Roman" panose="02020603050405020304" pitchFamily="18" charset="0"/>
+                <a:cs typeface="Times New Roman" panose="02020603050405020304" pitchFamily="18" charset="0"/>
+              </a:rPr>
+              <a:t> </a:t>
+            </a:r>
+            <a:r>
+              <a:rPr lang="en-US" u="sng" smtClean="0">
+                <a:solidFill>
+                  <a:schemeClr val="accent1">
+                    <a:lumMod val="50000"/>
+                  </a:schemeClr>
+                </a:solidFill>
+                <a:effectLst>
+                  <a:outerShdw blurRad="38100" dist="38100" dir="2700000" algn="tl">
+                    <a:srgbClr val="000000">
+                      <a:alpha val="43137"/>
+                    </a:srgbClr>
+                  </a:outerShdw>
+                </a:effectLst>
+                <a:latin typeface="Times New Roman" panose="02020603050405020304" pitchFamily="18" charset="0"/>
+                <a:cs typeface="Times New Roman" panose="02020603050405020304" pitchFamily="18" charset="0"/>
+              </a:rPr>
+              <a:t>Mô tả ứng dụng game</a:t>
+            </a:r>
+            <a:endParaRPr lang="en-US" u="sng">
+              <a:solidFill>
+                <a:schemeClr val="accent1">
+                  <a:lumMod val="50000"/>
+                </a:schemeClr>
+              </a:solidFill>
+              <a:effectLst>
+                <a:outerShdw blurRad="38100" dist="38100" dir="2700000" algn="tl">
+                  <a:srgbClr val="000000">
+                    <a:alpha val="43137"/>
+                  </a:srgbClr>
+                </a:outerShdw>
+              </a:effectLst>
+              <a:latin typeface="Times New Roman" panose="02020603050405020304" pitchFamily="18" charset="0"/>
+              <a:cs typeface="Times New Roman" panose="02020603050405020304" pitchFamily="18" charset="0"/>
+            </a:endParaRPr>
+          </a:p>
+        </p:txBody>
+      </p:sp>
+      <p:pic>
+        <p:nvPicPr>
+          <p:cNvPr id="4" name="Picture 3"/>
+          <p:cNvPicPr>
+            <a:picLocks noChangeAspect="1"/>
+          </p:cNvPicPr>
+          <p:nvPr/>
+        </p:nvPicPr>
+        <p:blipFill>
+          <a:blip r:embed="rId2">
+            <a:extLst>
+              <a:ext uri="{BEBA8EAE-BF5A-486C-A8C5-ECC9F3942E4B}">
+                <a14:imgProps xmlns:a14="http://schemas.microsoft.com/office/drawing/2010/main">
+                  <a14:imgLayer r:embed="rId3">
+                    <a14:imgEffect>
+                      <a14:artisticGlowDiffused/>
+                    </a14:imgEffect>
+                  </a14:imgLayer>
+                </a14:imgProps>
+              </a:ext>
+              <a:ext uri="{28A0092B-C50C-407E-A947-70E740481C1C}">
+                <a14:useLocalDpi xmlns:a14="http://schemas.microsoft.com/office/drawing/2010/main" val="0"/>
+              </a:ext>
+            </a:extLst>
+          </a:blip>
+          <a:stretch>
+            <a:fillRect/>
+          </a:stretch>
+        </p:blipFill>
+        <p:spPr>
+          <a:xfrm>
+            <a:off x="9605327" y="316365"/>
+            <a:ext cx="2143125" cy="2143125"/>
+          </a:xfrm>
+          <a:prstGeom prst="roundRect">
+            <a:avLst>
+              <a:gd name="adj" fmla="val 4167"/>
+            </a:avLst>
+          </a:prstGeom>
+          <a:solidFill>
+            <a:srgbClr val="FFFFFF"/>
+          </a:solidFill>
+          <a:ln w="76200" cap="sq">
+            <a:solidFill>
+              <a:srgbClr val="EAEAEA"/>
+            </a:solidFill>
+            <a:miter lim="800000"/>
+          </a:ln>
+          <a:effectLst>
+            <a:reflection blurRad="12700" stA="33000" endPos="28000" dist="5000" dir="5400000" sy="-100000" algn="bl" rotWithShape="0"/>
+          </a:effectLst>
+          <a:scene3d>
+            <a:camera prst="orthographicFront"/>
+            <a:lightRig rig="threePt" dir="t">
+              <a:rot lat="0" lon="0" rev="2700000"/>
+            </a:lightRig>
+          </a:scene3d>
+          <a:sp3d contourW="6350">
+            <a:bevelT h="38100"/>
+            <a:contourClr>
+              <a:srgbClr val="C0C0C0"/>
+            </a:contourClr>
+          </a:sp3d>
+        </p:spPr>
+      </p:pic>
+      <p:graphicFrame>
+        <p:nvGraphicFramePr>
+          <p:cNvPr id="6" name="Content Placeholder 5"/>
+          <p:cNvGraphicFramePr>
+            <a:graphicFrameLocks noGrp="1"/>
+          </p:cNvGraphicFramePr>
+          <p:nvPr>
+            <p:ph idx="1"/>
+            <p:extLst>
+              <p:ext uri="{D42A27DB-BD31-4B8C-83A1-F6EECF244321}">
+                <p14:modId xmlns:p14="http://schemas.microsoft.com/office/powerpoint/2010/main" val="4044552039"/>
+              </p:ext>
+            </p:extLst>
+          </p:nvPr>
+        </p:nvGraphicFramePr>
+        <p:xfrm>
+          <a:off x="2589212" y="1419225"/>
+          <a:ext cx="7288213" cy="4491997"/>
+        </p:xfrm>
+        <a:graphic>
+          <a:graphicData uri="http://schemas.openxmlformats.org/drawingml/2006/diagram">
+            <dgm:relIds xmlns:dgm="http://schemas.openxmlformats.org/drawingml/2006/diagram" xmlns:r="http://schemas.openxmlformats.org/officeDocument/2006/relationships" r:dm="rId4" r:lo="rId5" r:qs="rId6" r:cs="rId7"/>
+          </a:graphicData>
+        </a:graphic>
+      </p:graphicFrame>
+      <p:sp>
+        <p:nvSpPr>
+          <p:cNvPr id="11" name="Rectangle 10"/>
+          <p:cNvSpPr/>
+          <p:nvPr/>
+        </p:nvSpPr>
+        <p:spPr>
+          <a:xfrm>
+            <a:off x="1514694" y="1780658"/>
+            <a:ext cx="5868390" cy="523220"/>
+          </a:xfrm>
+          <a:prstGeom prst="rect">
+            <a:avLst/>
+          </a:prstGeom>
+          <a:noFill/>
+        </p:spPr>
+        <p:txBody>
+          <a:bodyPr wrap="square" lIns="91440" tIns="45720" rIns="91440" bIns="45720">
+            <a:spAutoFit/>
+          </a:bodyPr>
+          <a:lstStyle/>
+          <a:p>
+            <a:pPr algn="ctr"/>
+            <a:r>
+              <a:rPr lang="en-US" sz="2800" b="1" u="sng" smtClean="0">
+                <a:ln w="0"/>
+                <a:effectLst>
+                  <a:outerShdw blurRad="38100" dist="19050" dir="2700000" algn="tl" rotWithShape="0">
+                    <a:schemeClr val="dk1">
+                      <a:alpha val="40000"/>
+                    </a:schemeClr>
+                  </a:outerShdw>
+                </a:effectLst>
+                <a:latin typeface="Times New Roman" panose="02020603050405020304" pitchFamily="18" charset="0"/>
+                <a:cs typeface="Times New Roman" panose="02020603050405020304" pitchFamily="18" charset="0"/>
+              </a:rPr>
+              <a:t>Các nút điều khiển</a:t>
+            </a:r>
+            <a:endParaRPr lang="en-US" sz="2800" b="1" u="sng">
+              <a:ln w="0"/>
+              <a:effectLst>
+                <a:outerShdw blurRad="38100" dist="19050" dir="2700000" algn="tl" rotWithShape="0">
+                  <a:schemeClr val="dk1">
+                    <a:alpha val="40000"/>
+                  </a:schemeClr>
+                </a:outerShdw>
+              </a:effectLst>
+              <a:latin typeface="Times New Roman" panose="02020603050405020304" pitchFamily="18" charset="0"/>
+              <a:cs typeface="Times New Roman" panose="02020603050405020304" pitchFamily="18" charset="0"/>
+            </a:endParaRPr>
+          </a:p>
+        </p:txBody>
+      </p:sp>
+    </p:spTree>
+    <p:extLst>
+      <p:ext uri="{BB962C8B-B14F-4D97-AF65-F5344CB8AC3E}">
+        <p14:creationId xmlns:p14="http://schemas.microsoft.com/office/powerpoint/2010/main" val="3666135839"/>
+      </p:ext>
+    </p:extLst>
+  </p:cSld>
+  <p:clrMapOvr>
+    <a:masterClrMapping/>
+  </p:clrMapOvr>
+  <mc:AlternateContent xmlns:mc="http://schemas.openxmlformats.org/markup-compatibility/2006" xmlns:p14="http://schemas.microsoft.com/office/powerpoint/2010/main">
+    <mc:Choice Requires="p14">
+      <p:transition spd="slow" p14:dur="3900">
+        <p14:glitter pattern="hexagon"/>
+      </p:transition>
+    </mc:Choice>
+    <mc:Fallback xmlns="">
+      <p:transition spd="slow">
+        <p:fade/>
+      </p:transition>
+    </mc:Fallback>
+  </mc:AlternateContent>
+  <p:timing>
+    <p:tnLst>
+      <p:par>
+        <p:cTn id="1" dur="indefinite" restart="never" nodeType="tmRoot">
+          <p:childTnLst>
+            <p:seq concurrent="1" nextAc="seek">
+              <p:cTn id="2" dur="indefinite" nodeType="mainSeq">
+                <p:childTnLst>
+                  <p:par>
+                    <p:cTn id="3" fill="hold">
+                      <p:stCondLst>
+                        <p:cond delay="indefinite"/>
+                        <p:cond evt="onBegin" delay="0">
+                          <p:tn val="2"/>
+                        </p:cond>
+                      </p:stCondLst>
+                      <p:childTnLst>
+                        <p:par>
+                          <p:cTn id="4" fill="hold">
+                            <p:stCondLst>
+                              <p:cond delay="0"/>
+                            </p:stCondLst>
+                            <p:childTnLst>
+                              <p:par>
+                                <p:cTn id="5" presetID="26" presetClass="entr" presetSubtype="0" fill="hold" grpId="0" nodeType="afterEffect">
+                                  <p:stCondLst>
+                                    <p:cond delay="0"/>
+                                  </p:stCondLst>
+                                  <p:childTnLst>
+                                    <p:set>
+                                      <p:cBhvr>
+                                        <p:cTn id="6" dur="1" fill="hold">
+                                          <p:stCondLst>
+                                            <p:cond delay="0"/>
+                                          </p:stCondLst>
+                                        </p:cTn>
+                                        <p:tgtEl>
+                                          <p:spTgt spid="2"/>
+                                        </p:tgtEl>
+                                        <p:attrNameLst>
+                                          <p:attrName>style.visibility</p:attrName>
+                                        </p:attrNameLst>
+                                      </p:cBhvr>
+                                      <p:to>
+                                        <p:strVal val="visible"/>
+                                      </p:to>
+                                    </p:set>
+                                    <p:animEffect transition="in" filter="wipe(down)">
+                                      <p:cBhvr>
+                                        <p:cTn id="7" dur="580">
+                                          <p:stCondLst>
+                                            <p:cond delay="0"/>
+                                          </p:stCondLst>
+                                        </p:cTn>
+                                        <p:tgtEl>
+                                          <p:spTgt spid="2"/>
+                                        </p:tgtEl>
+                                      </p:cBhvr>
+                                    </p:animEffect>
+                                    <p:anim calcmode="lin" valueType="num">
+                                      <p:cBhvr>
+                                        <p:cTn id="8" dur="1822" tmFilter="0,0; 0.14,0.36; 0.43,0.73; 0.71,0.91; 1.0,1.0">
+                                          <p:stCondLst>
+                                            <p:cond delay="0"/>
+                                          </p:stCondLst>
+                                        </p:cTn>
+                                        <p:tgtEl>
+                                          <p:spTgt spid="2"/>
+                                        </p:tgtEl>
+                                        <p:attrNameLst>
+                                          <p:attrName>ppt_x</p:attrName>
+                                        </p:attrNameLst>
+                                      </p:cBhvr>
+                                      <p:tavLst>
+                                        <p:tav tm="0">
+                                          <p:val>
+                                            <p:strVal val="#ppt_x-0.25"/>
+                                          </p:val>
+                                        </p:tav>
+                                        <p:tav tm="100000">
+                                          <p:val>
+                                            <p:strVal val="#ppt_x"/>
+                                          </p:val>
+                                        </p:tav>
+                                      </p:tavLst>
+                                    </p:anim>
+                                    <p:anim calcmode="lin" valueType="num">
+                                      <p:cBhvr>
+                                        <p:cTn id="9" dur="664" tmFilter="0.0,0.0; 0.25,0.07; 0.50,0.2; 0.75,0.467; 1.0,1.0">
+                                          <p:stCondLst>
+                                            <p:cond delay="0"/>
+                                          </p:stCondLst>
+                                        </p:cTn>
+                                        <p:tgtEl>
+                                          <p:spTgt spid="2"/>
+                                        </p:tgtEl>
+                                        <p:attrNameLst>
+                                          <p:attrName>ppt_y</p:attrName>
+                                        </p:attrNameLst>
+                                      </p:cBhvr>
+                                      <p:tavLst>
+                                        <p:tav tm="0" fmla="#ppt_y-sin(pi*$)/3">
+                                          <p:val>
+                                            <p:fltVal val="0.5"/>
+                                          </p:val>
+                                        </p:tav>
+                                        <p:tav tm="100000">
+                                          <p:val>
+                                            <p:fltVal val="1"/>
+                                          </p:val>
+                                        </p:tav>
+                                      </p:tavLst>
+                                    </p:anim>
+                                    <p:anim calcmode="lin" valueType="num">
+                                      <p:cBhvr>
+                                        <p:cTn id="10" dur="664" tmFilter="0, 0; 0.125,0.2665; 0.25,0.4; 0.375,0.465; 0.5,0.5;  0.625,0.535; 0.75,0.6; 0.875,0.7335; 1,1">
+                                          <p:stCondLst>
+                                            <p:cond delay="664"/>
+                                          </p:stCondLst>
+                                        </p:cTn>
+                                        <p:tgtEl>
+                                          <p:spTgt spid="2"/>
+                                        </p:tgtEl>
+                                        <p:attrNameLst>
+                                          <p:attrName>ppt_y</p:attrName>
+                                        </p:attrNameLst>
+                                      </p:cBhvr>
+                                      <p:tavLst>
+                                        <p:tav tm="0" fmla="#ppt_y-sin(pi*$)/9">
+                                          <p:val>
+                                            <p:fltVal val="0"/>
+                                          </p:val>
+                                        </p:tav>
+                                        <p:tav tm="100000">
+                                          <p:val>
+                                            <p:fltVal val="1"/>
+                                          </p:val>
+                                        </p:tav>
+                                      </p:tavLst>
+                                    </p:anim>
+                                    <p:anim calcmode="lin" valueType="num">
+                                      <p:cBhvr>
+                                        <p:cTn id="11" dur="332" tmFilter="0, 0; 0.125,0.2665; 0.25,0.4; 0.375,0.465; 0.5,0.5;  0.625,0.535; 0.75,0.6; 0.875,0.7335; 1,1">
+                                          <p:stCondLst>
+                                            <p:cond delay="1324"/>
+                                          </p:stCondLst>
+                                        </p:cTn>
+                                        <p:tgtEl>
+                                          <p:spTgt spid="2"/>
+                                        </p:tgtEl>
+                                        <p:attrNameLst>
+                                          <p:attrName>ppt_y</p:attrName>
+                                        </p:attrNameLst>
+                                      </p:cBhvr>
+                                      <p:tavLst>
+                                        <p:tav tm="0" fmla="#ppt_y-sin(pi*$)/27">
+                                          <p:val>
+                                            <p:fltVal val="0"/>
+                                          </p:val>
+                                        </p:tav>
+                                        <p:tav tm="100000">
+                                          <p:val>
+                                            <p:fltVal val="1"/>
+                                          </p:val>
+                                        </p:tav>
+                                      </p:tavLst>
+                                    </p:anim>
+                                    <p:anim calcmode="lin" valueType="num">
+                                      <p:cBhvr>
+                                        <p:cTn id="12" dur="164" tmFilter="0, 0; 0.125,0.2665; 0.25,0.4; 0.375,0.465; 0.5,0.5;  0.625,0.535; 0.75,0.6; 0.875,0.7335; 1,1">
+                                          <p:stCondLst>
+                                            <p:cond delay="1656"/>
+                                          </p:stCondLst>
+                                        </p:cTn>
+                                        <p:tgtEl>
+                                          <p:spTgt spid="2"/>
+                                        </p:tgtEl>
+                                        <p:attrNameLst>
+                                          <p:attrName>ppt_y</p:attrName>
+                                        </p:attrNameLst>
+                                      </p:cBhvr>
+                                      <p:tavLst>
+                                        <p:tav tm="0" fmla="#ppt_y-sin(pi*$)/81">
+                                          <p:val>
+                                            <p:fltVal val="0"/>
+                                          </p:val>
+                                        </p:tav>
+                                        <p:tav tm="100000">
+                                          <p:val>
+                                            <p:fltVal val="1"/>
+                                          </p:val>
+                                        </p:tav>
+                                      </p:tavLst>
+                                    </p:anim>
+                                    <p:animScale>
+                                      <p:cBhvr>
+                                        <p:cTn id="13" dur="26">
+                                          <p:stCondLst>
+                                            <p:cond delay="650"/>
+                                          </p:stCondLst>
+                                        </p:cTn>
+                                        <p:tgtEl>
+                                          <p:spTgt spid="2"/>
+                                        </p:tgtEl>
+                                      </p:cBhvr>
+                                      <p:to x="100000" y="60000"/>
+                                    </p:animScale>
+                                    <p:animScale>
+                                      <p:cBhvr>
+                                        <p:cTn id="14" dur="166" decel="50000">
+                                          <p:stCondLst>
+                                            <p:cond delay="676"/>
+                                          </p:stCondLst>
+                                        </p:cTn>
+                                        <p:tgtEl>
+                                          <p:spTgt spid="2"/>
+                                        </p:tgtEl>
+                                      </p:cBhvr>
+                                      <p:to x="100000" y="100000"/>
+                                    </p:animScale>
+                                    <p:animScale>
+                                      <p:cBhvr>
+                                        <p:cTn id="15" dur="26">
+                                          <p:stCondLst>
+                                            <p:cond delay="1312"/>
+                                          </p:stCondLst>
+                                        </p:cTn>
+                                        <p:tgtEl>
+                                          <p:spTgt spid="2"/>
+                                        </p:tgtEl>
+                                      </p:cBhvr>
+                                      <p:to x="100000" y="80000"/>
+                                    </p:animScale>
+                                    <p:animScale>
+                                      <p:cBhvr>
+                                        <p:cTn id="16" dur="166" decel="50000">
+                                          <p:stCondLst>
+                                            <p:cond delay="1338"/>
+                                          </p:stCondLst>
+                                        </p:cTn>
+                                        <p:tgtEl>
+                                          <p:spTgt spid="2"/>
+                                        </p:tgtEl>
+                                      </p:cBhvr>
+                                      <p:to x="100000" y="100000"/>
+                                    </p:animScale>
+                                    <p:animScale>
+                                      <p:cBhvr>
+                                        <p:cTn id="17" dur="26">
+                                          <p:stCondLst>
+                                            <p:cond delay="1642"/>
+                                          </p:stCondLst>
+                                        </p:cTn>
+                                        <p:tgtEl>
+                                          <p:spTgt spid="2"/>
+                                        </p:tgtEl>
+                                      </p:cBhvr>
+                                      <p:to x="100000" y="90000"/>
+                                    </p:animScale>
+                                    <p:animScale>
+                                      <p:cBhvr>
+                                        <p:cTn id="18" dur="166" decel="50000">
+                                          <p:stCondLst>
+                                            <p:cond delay="1668"/>
+                                          </p:stCondLst>
+                                        </p:cTn>
+                                        <p:tgtEl>
+                                          <p:spTgt spid="2"/>
+                                        </p:tgtEl>
+                                      </p:cBhvr>
+                                      <p:to x="100000" y="100000"/>
+                                    </p:animScale>
+                                    <p:animScale>
+                                      <p:cBhvr>
+                                        <p:cTn id="19" dur="26">
+                                          <p:stCondLst>
+                                            <p:cond delay="1808"/>
+                                          </p:stCondLst>
+                                        </p:cTn>
+                                        <p:tgtEl>
+                                          <p:spTgt spid="2"/>
+                                        </p:tgtEl>
+                                      </p:cBhvr>
+                                      <p:to x="100000" y="95000"/>
+                                    </p:animScale>
+                                    <p:animScale>
+                                      <p:cBhvr>
+                                        <p:cTn id="20" dur="166" decel="50000">
+                                          <p:stCondLst>
+                                            <p:cond delay="1834"/>
+                                          </p:stCondLst>
+                                        </p:cTn>
+                                        <p:tgtEl>
+                                          <p:spTgt spid="2"/>
+                                        </p:tgtEl>
+                                      </p:cBhvr>
+                                      <p:to x="100000" y="100000"/>
+                                    </p:animScale>
+                                  </p:childTnLst>
+                                </p:cTn>
+                              </p:par>
+                            </p:childTnLst>
+                          </p:cTn>
+                        </p:par>
+                      </p:childTnLst>
+                    </p:cTn>
+                  </p:par>
+                </p:childTnLst>
+              </p:cTn>
+              <p:prevCondLst>
+                <p:cond evt="onPrev" delay="0">
+                  <p:tgtEl>
+                    <p:sldTgt/>
+                  </p:tgtEl>
+                </p:cond>
+              </p:prevCondLst>
+              <p:nextCondLst>
+                <p:cond evt="onNext" delay="0">
+                  <p:tgtEl>
+                    <p:sldTgt/>
+                  </p:tgtEl>
+                </p:cond>
+              </p:nextCondLst>
+            </p:seq>
+          </p:childTnLst>
+        </p:cTn>
+      </p:par>
+    </p:tnLst>
+    <p:bldLst>
+      <p:bldP spid="2" grpId="0"/>
+    </p:bldLst>
+  </p:timing>
+</p:sld>
+</file>
+
+<file path=ppt/slides/slide11.xml><?xml version="1.0" encoding="utf-8"?>
+<p:sld xmlns:a="http://schemas.openxmlformats.org/drawingml/2006/main" xmlns:r="http://schemas.openxmlformats.org/officeDocument/2006/relationships" xmlns:p="http://schemas.openxmlformats.org/presentationml/2006/main">
+  <p:cSld>
+    <p:spTree>
+      <p:nvGrpSpPr>
+        <p:cNvPr id="1" name=""/>
+        <p:cNvGrpSpPr/>
+        <p:nvPr/>
+      </p:nvGrpSpPr>
+      <p:grpSpPr>
+        <a:xfrm>
+          <a:off x="0" y="0"/>
+          <a:ext cx="0" cy="0"/>
+          <a:chOff x="0" y="0"/>
+          <a:chExt cx="0" cy="0"/>
+        </a:xfrm>
+      </p:grpSpPr>
+      <p:sp>
+        <p:nvSpPr>
+          <p:cNvPr id="2" name="Title 1"/>
+          <p:cNvSpPr>
+            <a:spLocks noGrp="1"/>
+          </p:cNvSpPr>
+          <p:nvPr>
+            <p:ph type="title"/>
+          </p:nvPr>
+        </p:nvSpPr>
+        <p:spPr>
+          <a:xfrm>
+            <a:off x="1051508" y="615401"/>
+            <a:ext cx="8911687" cy="1280890"/>
+          </a:xfrm>
+        </p:spPr>
+        <p:txBody>
+          <a:bodyPr/>
+          <a:lstStyle/>
+          <a:p>
+            <a:r>
               <a:rPr lang="en-US">
                 <a:solidFill>
                   <a:schemeClr val="bg1">
@@ -23258,30 +28927,6 @@
           </a:p>
         </p:txBody>
       </p:sp>
-      <p:sp>
-        <p:nvSpPr>
-          <p:cNvPr id="3" name="Content Placeholder 2"/>
-          <p:cNvSpPr>
-            <a:spLocks noGrp="1"/>
-          </p:cNvSpPr>
-          <p:nvPr>
-            <p:ph idx="1"/>
-          </p:nvPr>
-        </p:nvSpPr>
-        <p:spPr>
-          <a:xfrm>
-            <a:off x="1865312" y="2021155"/>
-            <a:ext cx="8915400" cy="3777622"/>
-          </a:xfrm>
-        </p:spPr>
-        <p:txBody>
-          <a:bodyPr/>
-          <a:lstStyle/>
-          <a:p>
-            <a:endParaRPr lang="en-US"/>
-          </a:p>
-        </p:txBody>
-      </p:sp>
       <p:pic>
         <p:nvPicPr>
           <p:cNvPr id="4" name="Picture 3"/>
@@ -23313,7 +28958,7 @@
         </p:blipFill>
         <p:spPr>
           <a:xfrm>
-            <a:off x="9361487" y="490537"/>
+            <a:off x="8570912" y="2801559"/>
             <a:ext cx="2143125" cy="2143125"/>
           </a:xfrm>
           <a:prstGeom prst="roundRect">
@@ -23347,6 +28992,147 @@
           </a:sp3d>
         </p:spPr>
       </p:pic>
+      <p:sp>
+        <p:nvSpPr>
+          <p:cNvPr id="6" name="Content Placeholder 5"/>
+          <p:cNvSpPr>
+            <a:spLocks noGrp="1"/>
+          </p:cNvSpPr>
+          <p:nvPr>
+            <p:ph idx="1"/>
+          </p:nvPr>
+        </p:nvSpPr>
+        <p:spPr/>
+        <p:txBody>
+          <a:bodyPr/>
+          <a:lstStyle/>
+          <a:p>
+            <a:endParaRPr lang="en-US"/>
+          </a:p>
+        </p:txBody>
+      </p:sp>
+      <p:pic>
+        <p:nvPicPr>
+          <p:cNvPr id="7" name="Picture 6"/>
+          <p:cNvPicPr>
+            <a:picLocks noChangeAspect="1"/>
+          </p:cNvPicPr>
+          <p:nvPr/>
+        </p:nvPicPr>
+        <p:blipFill>
+          <a:blip r:embed="rId4"/>
+          <a:stretch>
+            <a:fillRect/>
+          </a:stretch>
+        </p:blipFill>
+        <p:spPr>
+          <a:xfrm>
+            <a:off x="1488914" y="1505659"/>
+            <a:ext cx="5738421" cy="4762499"/>
+          </a:xfrm>
+          <a:prstGeom prst="rect">
+            <a:avLst/>
+          </a:prstGeom>
+        </p:spPr>
+      </p:pic>
+      <p:sp>
+        <p:nvSpPr>
+          <p:cNvPr id="8" name="Rectangle 7"/>
+          <p:cNvSpPr/>
+          <p:nvPr/>
+        </p:nvSpPr>
+        <p:spPr>
+          <a:xfrm>
+            <a:off x="7664741" y="1326904"/>
+            <a:ext cx="3756157" cy="1138773"/>
+          </a:xfrm>
+          <a:prstGeom prst="rect">
+            <a:avLst/>
+          </a:prstGeom>
+          <a:noFill/>
+        </p:spPr>
+        <p:txBody>
+          <a:bodyPr wrap="none" lIns="91440" tIns="45720" rIns="91440" bIns="45720">
+            <a:spAutoFit/>
+          </a:bodyPr>
+          <a:lstStyle/>
+          <a:p>
+            <a:pPr algn="ctr"/>
+            <a:r>
+              <a:rPr lang="en-US" sz="3400" b="1" smtClean="0">
+                <a:ln w="0"/>
+                <a:gradFill>
+                  <a:gsLst>
+                    <a:gs pos="21000">
+                      <a:srgbClr val="53575C"/>
+                    </a:gs>
+                    <a:gs pos="88000">
+                      <a:srgbClr val="C5C7CA"/>
+                    </a:gs>
+                  </a:gsLst>
+                  <a:lin ang="5400000"/>
+                </a:gradFill>
+                <a:effectLst>
+                  <a:outerShdw blurRad="50800" dist="38100" algn="l" rotWithShape="0">
+                    <a:prstClr val="black">
+                      <a:alpha val="40000"/>
+                    </a:prstClr>
+                  </a:outerShdw>
+                </a:effectLst>
+              </a:rPr>
+              <a:t>Thiết kế giao diện</a:t>
+            </a:r>
+          </a:p>
+          <a:p>
+            <a:pPr algn="ctr"/>
+            <a:r>
+              <a:rPr lang="en-US" sz="3400" b="1" smtClean="0">
+                <a:ln w="0"/>
+                <a:gradFill>
+                  <a:gsLst>
+                    <a:gs pos="21000">
+                      <a:srgbClr val="53575C"/>
+                    </a:gs>
+                    <a:gs pos="88000">
+                      <a:srgbClr val="C5C7CA"/>
+                    </a:gs>
+                  </a:gsLst>
+                  <a:lin ang="5400000"/>
+                </a:gradFill>
+                <a:effectLst>
+                  <a:outerShdw blurRad="50800" dist="38100" algn="l" rotWithShape="0">
+                    <a:prstClr val="black">
+                      <a:alpha val="40000"/>
+                    </a:prstClr>
+                  </a:outerShdw>
+                </a:effectLst>
+              </a:rPr>
+              <a:t> game</a:t>
+            </a:r>
+            <a:endParaRPr lang="en-US" sz="3400" b="1">
+              <a:ln w="0"/>
+              <a:gradFill>
+                <a:gsLst>
+                  <a:gs pos="21000">
+                    <a:srgbClr val="53575C"/>
+                  </a:gs>
+                  <a:gs pos="88000">
+                    <a:srgbClr val="C5C7CA"/>
+                  </a:gs>
+                </a:gsLst>
+                <a:lin ang="5400000"/>
+              </a:gradFill>
+              <a:effectLst>
+                <a:outerShdw blurRad="50800" dist="38100" algn="l" rotWithShape="0">
+                  <a:prstClr val="black">
+                    <a:alpha val="40000"/>
+                  </a:prstClr>
+                </a:outerShdw>
+              </a:effectLst>
+            </a:endParaRPr>
+          </a:p>
+        </p:txBody>
+      </p:sp>
     </p:spTree>
     <p:extLst>
       <p:ext uri="{BB962C8B-B14F-4D97-AF65-F5344CB8AC3E}">
@@ -23692,7 +29478,1463 @@
 </p:sld>
 </file>
 
-<file path=ppt/slides/slide11.xml><?xml version="1.0" encoding="utf-8"?>
+<file path=ppt/slides/slide12.xml><?xml version="1.0" encoding="utf-8"?>
+<p:sld xmlns:a="http://schemas.openxmlformats.org/drawingml/2006/main" xmlns:r="http://schemas.openxmlformats.org/officeDocument/2006/relationships" xmlns:p="http://schemas.openxmlformats.org/presentationml/2006/main">
+  <p:cSld>
+    <p:spTree>
+      <p:nvGrpSpPr>
+        <p:cNvPr id="1" name=""/>
+        <p:cNvGrpSpPr/>
+        <p:nvPr/>
+      </p:nvGrpSpPr>
+      <p:grpSpPr>
+        <a:xfrm>
+          <a:off x="0" y="0"/>
+          <a:ext cx="0" cy="0"/>
+          <a:chOff x="0" y="0"/>
+          <a:chExt cx="0" cy="0"/>
+        </a:xfrm>
+      </p:grpSpPr>
+      <p:sp>
+        <p:nvSpPr>
+          <p:cNvPr id="2" name="Title 1"/>
+          <p:cNvSpPr>
+            <a:spLocks noGrp="1"/>
+          </p:cNvSpPr>
+          <p:nvPr>
+            <p:ph type="title"/>
+          </p:nvPr>
+        </p:nvSpPr>
+        <p:spPr>
+          <a:xfrm>
+            <a:off x="1051508" y="615401"/>
+            <a:ext cx="8911687" cy="1280890"/>
+          </a:xfrm>
+        </p:spPr>
+        <p:txBody>
+          <a:bodyPr/>
+          <a:lstStyle/>
+          <a:p>
+            <a:r>
+              <a:rPr lang="en-US">
+                <a:solidFill>
+                  <a:schemeClr val="bg1">
+                    <a:lumMod val="95000"/>
+                  </a:schemeClr>
+                </a:solidFill>
+                <a:effectLst>
+                  <a:outerShdw blurRad="38100" dist="38100" dir="2700000" algn="tl">
+                    <a:srgbClr val="000000">
+                      <a:alpha val="43137"/>
+                    </a:srgbClr>
+                  </a:outerShdw>
+                </a:effectLst>
+                <a:latin typeface="Times New Roman" panose="02020603050405020304" pitchFamily="18" charset="0"/>
+                <a:cs typeface="Times New Roman" panose="02020603050405020304" pitchFamily="18" charset="0"/>
+              </a:rPr>
+              <a:t>2</a:t>
+            </a:r>
+            <a:r>
+              <a:rPr lang="en-US" smtClean="0">
+                <a:solidFill>
+                  <a:schemeClr val="bg1">
+                    <a:lumMod val="95000"/>
+                  </a:schemeClr>
+                </a:solidFill>
+                <a:effectLst>
+                  <a:outerShdw blurRad="38100" dist="38100" dir="2700000" algn="tl">
+                    <a:srgbClr val="000000">
+                      <a:alpha val="43137"/>
+                    </a:srgbClr>
+                  </a:outerShdw>
+                </a:effectLst>
+                <a:latin typeface="Times New Roman" panose="02020603050405020304" pitchFamily="18" charset="0"/>
+                <a:cs typeface="Times New Roman" panose="02020603050405020304" pitchFamily="18" charset="0"/>
+              </a:rPr>
+              <a:t>		</a:t>
+            </a:r>
+            <a:r>
+              <a:rPr lang="en-US" smtClean="0">
+                <a:solidFill>
+                  <a:schemeClr val="accent1">
+                    <a:lumMod val="50000"/>
+                  </a:schemeClr>
+                </a:solidFill>
+                <a:effectLst>
+                  <a:outerShdw blurRad="38100" dist="38100" dir="2700000" algn="tl">
+                    <a:srgbClr val="000000">
+                      <a:alpha val="43137"/>
+                    </a:srgbClr>
+                  </a:outerShdw>
+                </a:effectLst>
+                <a:latin typeface="Times New Roman" panose="02020603050405020304" pitchFamily="18" charset="0"/>
+                <a:cs typeface="Times New Roman" panose="02020603050405020304" pitchFamily="18" charset="0"/>
+              </a:rPr>
+              <a:t> </a:t>
+            </a:r>
+            <a:r>
+              <a:rPr lang="en-US" u="sng" smtClean="0">
+                <a:solidFill>
+                  <a:schemeClr val="accent1">
+                    <a:lumMod val="50000"/>
+                  </a:schemeClr>
+                </a:solidFill>
+                <a:effectLst>
+                  <a:outerShdw blurRad="38100" dist="38100" dir="2700000" algn="tl">
+                    <a:srgbClr val="000000">
+                      <a:alpha val="43137"/>
+                    </a:srgbClr>
+                  </a:outerShdw>
+                </a:effectLst>
+                <a:latin typeface="Times New Roman" panose="02020603050405020304" pitchFamily="18" charset="0"/>
+                <a:cs typeface="Times New Roman" panose="02020603050405020304" pitchFamily="18" charset="0"/>
+              </a:rPr>
+              <a:t>Quá trình thực hiện </a:t>
+            </a:r>
+            <a:endParaRPr lang="en-US" u="sng">
+              <a:solidFill>
+                <a:schemeClr val="accent1">
+                  <a:lumMod val="50000"/>
+                </a:schemeClr>
+              </a:solidFill>
+              <a:effectLst>
+                <a:outerShdw blurRad="38100" dist="38100" dir="2700000" algn="tl">
+                  <a:srgbClr val="000000">
+                    <a:alpha val="43137"/>
+                  </a:srgbClr>
+                </a:outerShdw>
+              </a:effectLst>
+              <a:latin typeface="Times New Roman" panose="02020603050405020304" pitchFamily="18" charset="0"/>
+              <a:cs typeface="Times New Roman" panose="02020603050405020304" pitchFamily="18" charset="0"/>
+            </a:endParaRPr>
+          </a:p>
+        </p:txBody>
+      </p:sp>
+      <p:pic>
+        <p:nvPicPr>
+          <p:cNvPr id="4" name="Picture 3"/>
+          <p:cNvPicPr>
+            <a:picLocks noChangeAspect="1"/>
+          </p:cNvPicPr>
+          <p:nvPr/>
+        </p:nvPicPr>
+        <p:blipFill>
+          <a:blip r:embed="rId2">
+            <a:extLst>
+              <a:ext uri="{BEBA8EAE-BF5A-486C-A8C5-ECC9F3942E4B}">
+                <a14:imgProps xmlns:a14="http://schemas.microsoft.com/office/drawing/2010/main">
+                  <a14:imgLayer r:embed="rId3">
+                    <a14:imgEffect>
+                      <a14:artisticGlowDiffused/>
+                    </a14:imgEffect>
+                  </a14:imgLayer>
+                </a14:imgProps>
+              </a:ext>
+              <a:ext uri="{28A0092B-C50C-407E-A947-70E740481C1C}">
+                <a14:useLocalDpi xmlns:a14="http://schemas.microsoft.com/office/drawing/2010/main" val="0"/>
+              </a:ext>
+            </a:extLst>
+          </a:blip>
+          <a:stretch>
+            <a:fillRect/>
+          </a:stretch>
+        </p:blipFill>
+        <p:spPr>
+          <a:xfrm>
+            <a:off x="9475787" y="382209"/>
+            <a:ext cx="2143125" cy="2143125"/>
+          </a:xfrm>
+          <a:prstGeom prst="roundRect">
+            <a:avLst>
+              <a:gd name="adj" fmla="val 4167"/>
+            </a:avLst>
+          </a:prstGeom>
+          <a:solidFill>
+            <a:srgbClr val="FFFFFF"/>
+          </a:solidFill>
+          <a:ln w="76200" cap="sq">
+            <a:solidFill>
+              <a:srgbClr val="EAEAEA"/>
+            </a:solidFill>
+            <a:miter lim="800000"/>
+          </a:ln>
+          <a:effectLst>
+            <a:reflection blurRad="12700" stA="33000" endPos="28000" dist="5000" dir="5400000" sy="-100000" algn="bl" rotWithShape="0"/>
+          </a:effectLst>
+          <a:scene3d>
+            <a:camera prst="orthographicFront"/>
+            <a:lightRig rig="threePt" dir="t">
+              <a:rot lat="0" lon="0" rev="2700000"/>
+            </a:lightRig>
+          </a:scene3d>
+          <a:sp3d contourW="6350">
+            <a:bevelT h="38100"/>
+            <a:contourClr>
+              <a:srgbClr val="C0C0C0"/>
+            </a:contourClr>
+          </a:sp3d>
+        </p:spPr>
+      </p:pic>
+      <p:sp>
+        <p:nvSpPr>
+          <p:cNvPr id="6" name="Content Placeholder 5"/>
+          <p:cNvSpPr>
+            <a:spLocks noGrp="1"/>
+          </p:cNvSpPr>
+          <p:nvPr>
+            <p:ph idx="1"/>
+          </p:nvPr>
+        </p:nvSpPr>
+        <p:spPr>
+          <a:xfrm>
+            <a:off x="7551737" y="3714750"/>
+            <a:ext cx="4230688" cy="2825122"/>
+          </a:xfrm>
+        </p:spPr>
+        <p:txBody>
+          <a:bodyPr>
+            <a:normAutofit/>
+          </a:bodyPr>
+          <a:lstStyle/>
+          <a:p>
+            <a:pPr algn="just"/>
+            <a:r>
+              <a:rPr lang="en-US" sz="2600" b="1" smtClean="0">
+                <a:solidFill>
+                  <a:schemeClr val="accent1">
+                    <a:lumMod val="75000"/>
+                  </a:schemeClr>
+                </a:solidFill>
+                <a:effectLst>
+                  <a:outerShdw blurRad="38100" dist="38100" dir="2700000" algn="tl">
+                    <a:srgbClr val="000000">
+                      <a:alpha val="43137"/>
+                    </a:srgbClr>
+                  </a:outerShdw>
+                </a:effectLst>
+                <a:latin typeface="Times New Roman" panose="02020603050405020304" pitchFamily="18" charset="0"/>
+                <a:cs typeface="Times New Roman" panose="02020603050405020304" pitchFamily="18" charset="0"/>
+              </a:rPr>
+              <a:t>Stack là một ngăn xếp, thực hiện theo nguyên lý “vào sau ra trước”</a:t>
+            </a:r>
+            <a:endParaRPr lang="en-US" sz="2600" b="1">
+              <a:solidFill>
+                <a:schemeClr val="accent1">
+                  <a:lumMod val="75000"/>
+                </a:schemeClr>
+              </a:solidFill>
+              <a:effectLst>
+                <a:outerShdw blurRad="38100" dist="38100" dir="2700000" algn="tl">
+                  <a:srgbClr val="000000">
+                    <a:alpha val="43137"/>
+                  </a:srgbClr>
+                </a:outerShdw>
+              </a:effectLst>
+              <a:latin typeface="Times New Roman" panose="02020603050405020304" pitchFamily="18" charset="0"/>
+              <a:cs typeface="Times New Roman" panose="02020603050405020304" pitchFamily="18" charset="0"/>
+            </a:endParaRPr>
+          </a:p>
+        </p:txBody>
+      </p:sp>
+      <p:sp>
+        <p:nvSpPr>
+          <p:cNvPr id="5" name="Rectangle 4"/>
+          <p:cNvSpPr/>
+          <p:nvPr/>
+        </p:nvSpPr>
+        <p:spPr>
+          <a:xfrm>
+            <a:off x="1184154" y="1526183"/>
+            <a:ext cx="6635916" cy="1138773"/>
+          </a:xfrm>
+          <a:prstGeom prst="rect">
+            <a:avLst/>
+          </a:prstGeom>
+          <a:noFill/>
+        </p:spPr>
+        <p:txBody>
+          <a:bodyPr wrap="square" lIns="91440" tIns="45720" rIns="91440" bIns="45720">
+            <a:spAutoFit/>
+          </a:bodyPr>
+          <a:lstStyle/>
+          <a:p>
+            <a:pPr algn="ctr"/>
+            <a:r>
+              <a:rPr lang="en-US" sz="3400" b="1">
+                <a:ln w="0"/>
+                <a:gradFill>
+                  <a:gsLst>
+                    <a:gs pos="21000">
+                      <a:srgbClr val="53575C"/>
+                    </a:gs>
+                    <a:gs pos="88000">
+                      <a:srgbClr val="C5C7CA"/>
+                    </a:gs>
+                  </a:gsLst>
+                  <a:lin ang="5400000"/>
+                </a:gradFill>
+                <a:effectLst>
+                  <a:outerShdw blurRad="38100" dist="38100" dir="2700000" algn="tl">
+                    <a:srgbClr val="000000">
+                      <a:alpha val="43137"/>
+                    </a:srgbClr>
+                  </a:outerShdw>
+                  <a:reflection blurRad="6350" stA="55000" endA="300" endPos="45500" dir="5400000" sy="-100000" algn="bl" rotWithShape="0"/>
+                </a:effectLst>
+                <a:latin typeface="Times New Roman" panose="02020603050405020304" pitchFamily="18" charset="0"/>
+                <a:cs typeface="Times New Roman" panose="02020603050405020304" pitchFamily="18" charset="0"/>
+              </a:rPr>
+              <a:t>Ứng Dụng Stack để thực hiện </a:t>
+            </a:r>
+          </a:p>
+          <a:p>
+            <a:pPr algn="ctr"/>
+            <a:r>
+              <a:rPr lang="en-US" sz="3400" b="1">
+                <a:ln w="0"/>
+                <a:gradFill>
+                  <a:gsLst>
+                    <a:gs pos="21000">
+                      <a:srgbClr val="53575C"/>
+                    </a:gs>
+                    <a:gs pos="88000">
+                      <a:srgbClr val="C5C7CA"/>
+                    </a:gs>
+                  </a:gsLst>
+                  <a:lin ang="5400000"/>
+                </a:gradFill>
+                <a:effectLst>
+                  <a:outerShdw blurRad="38100" dist="38100" dir="2700000" algn="tl">
+                    <a:srgbClr val="000000">
+                      <a:alpha val="43137"/>
+                    </a:srgbClr>
+                  </a:outerShdw>
+                  <a:reflection blurRad="6350" stA="55000" endA="300" endPos="45500" dir="5400000" sy="-100000" algn="bl" rotWithShape="0"/>
+                </a:effectLst>
+                <a:latin typeface="Times New Roman" panose="02020603050405020304" pitchFamily="18" charset="0"/>
+                <a:cs typeface="Times New Roman" panose="02020603050405020304" pitchFamily="18" charset="0"/>
+              </a:rPr>
+              <a:t>chức năng UNDO</a:t>
+            </a:r>
+            <a:endParaRPr lang="en-US" sz="3400" b="1">
+              <a:ln w="0"/>
+              <a:gradFill>
+                <a:gsLst>
+                  <a:gs pos="21000">
+                    <a:srgbClr val="53575C"/>
+                  </a:gs>
+                  <a:gs pos="88000">
+                    <a:srgbClr val="C5C7CA"/>
+                  </a:gs>
+                </a:gsLst>
+                <a:lin ang="5400000"/>
+              </a:gradFill>
+              <a:effectLst>
+                <a:outerShdw blurRad="38100" dist="38100" dir="2700000" algn="tl">
+                  <a:srgbClr val="000000">
+                    <a:alpha val="43137"/>
+                  </a:srgbClr>
+                </a:outerShdw>
+                <a:reflection blurRad="6350" stA="55000" endA="300" endPos="45500" dir="5400000" sy="-100000" algn="bl" rotWithShape="0"/>
+              </a:effectLst>
+              <a:latin typeface="Times New Roman" panose="02020603050405020304" pitchFamily="18" charset="0"/>
+              <a:cs typeface="Times New Roman" panose="02020603050405020304" pitchFamily="18" charset="0"/>
+            </a:endParaRPr>
+          </a:p>
+        </p:txBody>
+      </p:sp>
+      <p:pic>
+        <p:nvPicPr>
+          <p:cNvPr id="9" name="Picture 8"/>
+          <p:cNvPicPr>
+            <a:picLocks noChangeAspect="1"/>
+          </p:cNvPicPr>
+          <p:nvPr/>
+        </p:nvPicPr>
+        <p:blipFill>
+          <a:blip r:embed="rId4">
+            <a:extLst>
+              <a:ext uri="{28A0092B-C50C-407E-A947-70E740481C1C}">
+                <a14:useLocalDpi xmlns:a14="http://schemas.microsoft.com/office/drawing/2010/main" val="0"/>
+              </a:ext>
+            </a:extLst>
+          </a:blip>
+          <a:stretch>
+            <a:fillRect/>
+          </a:stretch>
+        </p:blipFill>
+        <p:spPr>
+          <a:xfrm>
+            <a:off x="1659398" y="2878582"/>
+            <a:ext cx="5685428" cy="3546990"/>
+          </a:xfrm>
+          <a:prstGeom prst="rect">
+            <a:avLst/>
+          </a:prstGeom>
+          <a:effectLst>
+            <a:softEdge rad="63500"/>
+          </a:effectLst>
+        </p:spPr>
+      </p:pic>
+    </p:spTree>
+    <p:extLst>
+      <p:ext uri="{BB962C8B-B14F-4D97-AF65-F5344CB8AC3E}">
+        <p14:creationId xmlns:p14="http://schemas.microsoft.com/office/powerpoint/2010/main" val="3060805799"/>
+      </p:ext>
+    </p:extLst>
+  </p:cSld>
+  <p:clrMapOvr>
+    <a:masterClrMapping/>
+  </p:clrMapOvr>
+  <p:timing>
+    <p:tnLst>
+      <p:par>
+        <p:cTn id="1" dur="indefinite" restart="never" nodeType="tmRoot">
+          <p:childTnLst>
+            <p:seq concurrent="1" nextAc="seek">
+              <p:cTn id="2" dur="indefinite" nodeType="mainSeq">
+                <p:childTnLst>
+                  <p:par>
+                    <p:cTn id="3" fill="hold">
+                      <p:stCondLst>
+                        <p:cond delay="indefinite"/>
+                        <p:cond evt="onBegin" delay="0">
+                          <p:tn val="2"/>
+                        </p:cond>
+                      </p:stCondLst>
+                      <p:childTnLst>
+                        <p:par>
+                          <p:cTn id="4" fill="hold">
+                            <p:stCondLst>
+                              <p:cond delay="0"/>
+                            </p:stCondLst>
+                            <p:childTnLst>
+                              <p:par>
+                                <p:cTn id="5" presetID="26" presetClass="entr" presetSubtype="0" fill="hold" grpId="0" nodeType="afterEffect">
+                                  <p:stCondLst>
+                                    <p:cond delay="0"/>
+                                  </p:stCondLst>
+                                  <p:childTnLst>
+                                    <p:set>
+                                      <p:cBhvr>
+                                        <p:cTn id="6" dur="1" fill="hold">
+                                          <p:stCondLst>
+                                            <p:cond delay="0"/>
+                                          </p:stCondLst>
+                                        </p:cTn>
+                                        <p:tgtEl>
+                                          <p:spTgt spid="2"/>
+                                        </p:tgtEl>
+                                        <p:attrNameLst>
+                                          <p:attrName>style.visibility</p:attrName>
+                                        </p:attrNameLst>
+                                      </p:cBhvr>
+                                      <p:to>
+                                        <p:strVal val="visible"/>
+                                      </p:to>
+                                    </p:set>
+                                    <p:animEffect transition="in" filter="wipe(down)">
+                                      <p:cBhvr>
+                                        <p:cTn id="7" dur="580">
+                                          <p:stCondLst>
+                                            <p:cond delay="0"/>
+                                          </p:stCondLst>
+                                        </p:cTn>
+                                        <p:tgtEl>
+                                          <p:spTgt spid="2"/>
+                                        </p:tgtEl>
+                                      </p:cBhvr>
+                                    </p:animEffect>
+                                    <p:anim calcmode="lin" valueType="num">
+                                      <p:cBhvr>
+                                        <p:cTn id="8" dur="1822" tmFilter="0,0; 0.14,0.36; 0.43,0.73; 0.71,0.91; 1.0,1.0">
+                                          <p:stCondLst>
+                                            <p:cond delay="0"/>
+                                          </p:stCondLst>
+                                        </p:cTn>
+                                        <p:tgtEl>
+                                          <p:spTgt spid="2"/>
+                                        </p:tgtEl>
+                                        <p:attrNameLst>
+                                          <p:attrName>ppt_x</p:attrName>
+                                        </p:attrNameLst>
+                                      </p:cBhvr>
+                                      <p:tavLst>
+                                        <p:tav tm="0">
+                                          <p:val>
+                                            <p:strVal val="#ppt_x-0.25"/>
+                                          </p:val>
+                                        </p:tav>
+                                        <p:tav tm="100000">
+                                          <p:val>
+                                            <p:strVal val="#ppt_x"/>
+                                          </p:val>
+                                        </p:tav>
+                                      </p:tavLst>
+                                    </p:anim>
+                                    <p:anim calcmode="lin" valueType="num">
+                                      <p:cBhvr>
+                                        <p:cTn id="9" dur="664" tmFilter="0.0,0.0; 0.25,0.07; 0.50,0.2; 0.75,0.467; 1.0,1.0">
+                                          <p:stCondLst>
+                                            <p:cond delay="0"/>
+                                          </p:stCondLst>
+                                        </p:cTn>
+                                        <p:tgtEl>
+                                          <p:spTgt spid="2"/>
+                                        </p:tgtEl>
+                                        <p:attrNameLst>
+                                          <p:attrName>ppt_y</p:attrName>
+                                        </p:attrNameLst>
+                                      </p:cBhvr>
+                                      <p:tavLst>
+                                        <p:tav tm="0" fmla="#ppt_y-sin(pi*$)/3">
+                                          <p:val>
+                                            <p:fltVal val="0.5"/>
+                                          </p:val>
+                                        </p:tav>
+                                        <p:tav tm="100000">
+                                          <p:val>
+                                            <p:fltVal val="1"/>
+                                          </p:val>
+                                        </p:tav>
+                                      </p:tavLst>
+                                    </p:anim>
+                                    <p:anim calcmode="lin" valueType="num">
+                                      <p:cBhvr>
+                                        <p:cTn id="10" dur="664" tmFilter="0, 0; 0.125,0.2665; 0.25,0.4; 0.375,0.465; 0.5,0.5;  0.625,0.535; 0.75,0.6; 0.875,0.7335; 1,1">
+                                          <p:stCondLst>
+                                            <p:cond delay="664"/>
+                                          </p:stCondLst>
+                                        </p:cTn>
+                                        <p:tgtEl>
+                                          <p:spTgt spid="2"/>
+                                        </p:tgtEl>
+                                        <p:attrNameLst>
+                                          <p:attrName>ppt_y</p:attrName>
+                                        </p:attrNameLst>
+                                      </p:cBhvr>
+                                      <p:tavLst>
+                                        <p:tav tm="0" fmla="#ppt_y-sin(pi*$)/9">
+                                          <p:val>
+                                            <p:fltVal val="0"/>
+                                          </p:val>
+                                        </p:tav>
+                                        <p:tav tm="100000">
+                                          <p:val>
+                                            <p:fltVal val="1"/>
+                                          </p:val>
+                                        </p:tav>
+                                      </p:tavLst>
+                                    </p:anim>
+                                    <p:anim calcmode="lin" valueType="num">
+                                      <p:cBhvr>
+                                        <p:cTn id="11" dur="332" tmFilter="0, 0; 0.125,0.2665; 0.25,0.4; 0.375,0.465; 0.5,0.5;  0.625,0.535; 0.75,0.6; 0.875,0.7335; 1,1">
+                                          <p:stCondLst>
+                                            <p:cond delay="1324"/>
+                                          </p:stCondLst>
+                                        </p:cTn>
+                                        <p:tgtEl>
+                                          <p:spTgt spid="2"/>
+                                        </p:tgtEl>
+                                        <p:attrNameLst>
+                                          <p:attrName>ppt_y</p:attrName>
+                                        </p:attrNameLst>
+                                      </p:cBhvr>
+                                      <p:tavLst>
+                                        <p:tav tm="0" fmla="#ppt_y-sin(pi*$)/27">
+                                          <p:val>
+                                            <p:fltVal val="0"/>
+                                          </p:val>
+                                        </p:tav>
+                                        <p:tav tm="100000">
+                                          <p:val>
+                                            <p:fltVal val="1"/>
+                                          </p:val>
+                                        </p:tav>
+                                      </p:tavLst>
+                                    </p:anim>
+                                    <p:anim calcmode="lin" valueType="num">
+                                      <p:cBhvr>
+                                        <p:cTn id="12" dur="164" tmFilter="0, 0; 0.125,0.2665; 0.25,0.4; 0.375,0.465; 0.5,0.5;  0.625,0.535; 0.75,0.6; 0.875,0.7335; 1,1">
+                                          <p:stCondLst>
+                                            <p:cond delay="1656"/>
+                                          </p:stCondLst>
+                                        </p:cTn>
+                                        <p:tgtEl>
+                                          <p:spTgt spid="2"/>
+                                        </p:tgtEl>
+                                        <p:attrNameLst>
+                                          <p:attrName>ppt_y</p:attrName>
+                                        </p:attrNameLst>
+                                      </p:cBhvr>
+                                      <p:tavLst>
+                                        <p:tav tm="0" fmla="#ppt_y-sin(pi*$)/81">
+                                          <p:val>
+                                            <p:fltVal val="0"/>
+                                          </p:val>
+                                        </p:tav>
+                                        <p:tav tm="100000">
+                                          <p:val>
+                                            <p:fltVal val="1"/>
+                                          </p:val>
+                                        </p:tav>
+                                      </p:tavLst>
+                                    </p:anim>
+                                    <p:animScale>
+                                      <p:cBhvr>
+                                        <p:cTn id="13" dur="26">
+                                          <p:stCondLst>
+                                            <p:cond delay="650"/>
+                                          </p:stCondLst>
+                                        </p:cTn>
+                                        <p:tgtEl>
+                                          <p:spTgt spid="2"/>
+                                        </p:tgtEl>
+                                      </p:cBhvr>
+                                      <p:to x="100000" y="60000"/>
+                                    </p:animScale>
+                                    <p:animScale>
+                                      <p:cBhvr>
+                                        <p:cTn id="14" dur="166" decel="50000">
+                                          <p:stCondLst>
+                                            <p:cond delay="676"/>
+                                          </p:stCondLst>
+                                        </p:cTn>
+                                        <p:tgtEl>
+                                          <p:spTgt spid="2"/>
+                                        </p:tgtEl>
+                                      </p:cBhvr>
+                                      <p:to x="100000" y="100000"/>
+                                    </p:animScale>
+                                    <p:animScale>
+                                      <p:cBhvr>
+                                        <p:cTn id="15" dur="26">
+                                          <p:stCondLst>
+                                            <p:cond delay="1312"/>
+                                          </p:stCondLst>
+                                        </p:cTn>
+                                        <p:tgtEl>
+                                          <p:spTgt spid="2"/>
+                                        </p:tgtEl>
+                                      </p:cBhvr>
+                                      <p:to x="100000" y="80000"/>
+                                    </p:animScale>
+                                    <p:animScale>
+                                      <p:cBhvr>
+                                        <p:cTn id="16" dur="166" decel="50000">
+                                          <p:stCondLst>
+                                            <p:cond delay="1338"/>
+                                          </p:stCondLst>
+                                        </p:cTn>
+                                        <p:tgtEl>
+                                          <p:spTgt spid="2"/>
+                                        </p:tgtEl>
+                                      </p:cBhvr>
+                                      <p:to x="100000" y="100000"/>
+                                    </p:animScale>
+                                    <p:animScale>
+                                      <p:cBhvr>
+                                        <p:cTn id="17" dur="26">
+                                          <p:stCondLst>
+                                            <p:cond delay="1642"/>
+                                          </p:stCondLst>
+                                        </p:cTn>
+                                        <p:tgtEl>
+                                          <p:spTgt spid="2"/>
+                                        </p:tgtEl>
+                                      </p:cBhvr>
+                                      <p:to x="100000" y="90000"/>
+                                    </p:animScale>
+                                    <p:animScale>
+                                      <p:cBhvr>
+                                        <p:cTn id="18" dur="166" decel="50000">
+                                          <p:stCondLst>
+                                            <p:cond delay="1668"/>
+                                          </p:stCondLst>
+                                        </p:cTn>
+                                        <p:tgtEl>
+                                          <p:spTgt spid="2"/>
+                                        </p:tgtEl>
+                                      </p:cBhvr>
+                                      <p:to x="100000" y="100000"/>
+                                    </p:animScale>
+                                    <p:animScale>
+                                      <p:cBhvr>
+                                        <p:cTn id="19" dur="26">
+                                          <p:stCondLst>
+                                            <p:cond delay="1808"/>
+                                          </p:stCondLst>
+                                        </p:cTn>
+                                        <p:tgtEl>
+                                          <p:spTgt spid="2"/>
+                                        </p:tgtEl>
+                                      </p:cBhvr>
+                                      <p:to x="100000" y="95000"/>
+                                    </p:animScale>
+                                    <p:animScale>
+                                      <p:cBhvr>
+                                        <p:cTn id="20" dur="166" decel="50000">
+                                          <p:stCondLst>
+                                            <p:cond delay="1834"/>
+                                          </p:stCondLst>
+                                        </p:cTn>
+                                        <p:tgtEl>
+                                          <p:spTgt spid="2"/>
+                                        </p:tgtEl>
+                                      </p:cBhvr>
+                                      <p:to x="100000" y="100000"/>
+                                    </p:animScale>
+                                  </p:childTnLst>
+                                </p:cTn>
+                              </p:par>
+                            </p:childTnLst>
+                          </p:cTn>
+                        </p:par>
+                      </p:childTnLst>
+                    </p:cTn>
+                  </p:par>
+                </p:childTnLst>
+              </p:cTn>
+              <p:prevCondLst>
+                <p:cond evt="onPrev" delay="0">
+                  <p:tgtEl>
+                    <p:sldTgt/>
+                  </p:tgtEl>
+                </p:cond>
+              </p:prevCondLst>
+              <p:nextCondLst>
+                <p:cond evt="onNext" delay="0">
+                  <p:tgtEl>
+                    <p:sldTgt/>
+                  </p:tgtEl>
+                </p:cond>
+              </p:nextCondLst>
+            </p:seq>
+          </p:childTnLst>
+        </p:cTn>
+      </p:par>
+    </p:tnLst>
+    <p:bldLst>
+      <p:bldP spid="2" grpId="0"/>
+    </p:bldLst>
+  </p:timing>
+</p:sld>
+</file>
+
+<file path=ppt/slides/slide13.xml><?xml version="1.0" encoding="utf-8"?>
+<p:sld xmlns:a="http://schemas.openxmlformats.org/drawingml/2006/main" xmlns:r="http://schemas.openxmlformats.org/officeDocument/2006/relationships" xmlns:p="http://schemas.openxmlformats.org/presentationml/2006/main">
+  <p:cSld>
+    <p:spTree>
+      <p:nvGrpSpPr>
+        <p:cNvPr id="1" name=""/>
+        <p:cNvGrpSpPr/>
+        <p:nvPr/>
+      </p:nvGrpSpPr>
+      <p:grpSpPr>
+        <a:xfrm>
+          <a:off x="0" y="0"/>
+          <a:ext cx="0" cy="0"/>
+          <a:chOff x="0" y="0"/>
+          <a:chExt cx="0" cy="0"/>
+        </a:xfrm>
+      </p:grpSpPr>
+      <p:sp>
+        <p:nvSpPr>
+          <p:cNvPr id="2" name="Title 1"/>
+          <p:cNvSpPr>
+            <a:spLocks noGrp="1"/>
+          </p:cNvSpPr>
+          <p:nvPr>
+            <p:ph type="title"/>
+          </p:nvPr>
+        </p:nvSpPr>
+        <p:spPr>
+          <a:xfrm>
+            <a:off x="1051508" y="615401"/>
+            <a:ext cx="8911687" cy="1280890"/>
+          </a:xfrm>
+        </p:spPr>
+        <p:txBody>
+          <a:bodyPr/>
+          <a:lstStyle/>
+          <a:p>
+            <a:r>
+              <a:rPr lang="en-US">
+                <a:solidFill>
+                  <a:schemeClr val="bg1">
+                    <a:lumMod val="95000"/>
+                  </a:schemeClr>
+                </a:solidFill>
+                <a:effectLst>
+                  <a:outerShdw blurRad="38100" dist="38100" dir="2700000" algn="tl">
+                    <a:srgbClr val="000000">
+                      <a:alpha val="43137"/>
+                    </a:srgbClr>
+                  </a:outerShdw>
+                </a:effectLst>
+                <a:latin typeface="Times New Roman" panose="02020603050405020304" pitchFamily="18" charset="0"/>
+                <a:cs typeface="Times New Roman" panose="02020603050405020304" pitchFamily="18" charset="0"/>
+              </a:rPr>
+              <a:t>2</a:t>
+            </a:r>
+            <a:r>
+              <a:rPr lang="en-US" smtClean="0">
+                <a:solidFill>
+                  <a:schemeClr val="bg1">
+                    <a:lumMod val="95000"/>
+                  </a:schemeClr>
+                </a:solidFill>
+                <a:effectLst>
+                  <a:outerShdw blurRad="38100" dist="38100" dir="2700000" algn="tl">
+                    <a:srgbClr val="000000">
+                      <a:alpha val="43137"/>
+                    </a:srgbClr>
+                  </a:outerShdw>
+                </a:effectLst>
+                <a:latin typeface="Times New Roman" panose="02020603050405020304" pitchFamily="18" charset="0"/>
+                <a:cs typeface="Times New Roman" panose="02020603050405020304" pitchFamily="18" charset="0"/>
+              </a:rPr>
+              <a:t>		</a:t>
+            </a:r>
+            <a:r>
+              <a:rPr lang="en-US" smtClean="0">
+                <a:solidFill>
+                  <a:schemeClr val="accent1">
+                    <a:lumMod val="50000"/>
+                  </a:schemeClr>
+                </a:solidFill>
+                <a:effectLst>
+                  <a:outerShdw blurRad="38100" dist="38100" dir="2700000" algn="tl">
+                    <a:srgbClr val="000000">
+                      <a:alpha val="43137"/>
+                    </a:srgbClr>
+                  </a:outerShdw>
+                </a:effectLst>
+                <a:latin typeface="Times New Roman" panose="02020603050405020304" pitchFamily="18" charset="0"/>
+                <a:cs typeface="Times New Roman" panose="02020603050405020304" pitchFamily="18" charset="0"/>
+              </a:rPr>
+              <a:t> </a:t>
+            </a:r>
+            <a:r>
+              <a:rPr lang="en-US" u="sng" smtClean="0">
+                <a:solidFill>
+                  <a:schemeClr val="accent1">
+                    <a:lumMod val="50000"/>
+                  </a:schemeClr>
+                </a:solidFill>
+                <a:effectLst>
+                  <a:outerShdw blurRad="38100" dist="38100" dir="2700000" algn="tl">
+                    <a:srgbClr val="000000">
+                      <a:alpha val="43137"/>
+                    </a:srgbClr>
+                  </a:outerShdw>
+                </a:effectLst>
+                <a:latin typeface="Times New Roman" panose="02020603050405020304" pitchFamily="18" charset="0"/>
+                <a:cs typeface="Times New Roman" panose="02020603050405020304" pitchFamily="18" charset="0"/>
+              </a:rPr>
+              <a:t>Quá trình thực hiện </a:t>
+            </a:r>
+            <a:endParaRPr lang="en-US" u="sng">
+              <a:solidFill>
+                <a:schemeClr val="accent1">
+                  <a:lumMod val="50000"/>
+                </a:schemeClr>
+              </a:solidFill>
+              <a:effectLst>
+                <a:outerShdw blurRad="38100" dist="38100" dir="2700000" algn="tl">
+                  <a:srgbClr val="000000">
+                    <a:alpha val="43137"/>
+                  </a:srgbClr>
+                </a:outerShdw>
+              </a:effectLst>
+              <a:latin typeface="Times New Roman" panose="02020603050405020304" pitchFamily="18" charset="0"/>
+              <a:cs typeface="Times New Roman" panose="02020603050405020304" pitchFamily="18" charset="0"/>
+            </a:endParaRPr>
+          </a:p>
+        </p:txBody>
+      </p:sp>
+      <p:pic>
+        <p:nvPicPr>
+          <p:cNvPr id="4" name="Picture 3"/>
+          <p:cNvPicPr>
+            <a:picLocks noChangeAspect="1"/>
+          </p:cNvPicPr>
+          <p:nvPr/>
+        </p:nvPicPr>
+        <p:blipFill>
+          <a:blip r:embed="rId2">
+            <a:extLst>
+              <a:ext uri="{BEBA8EAE-BF5A-486C-A8C5-ECC9F3942E4B}">
+                <a14:imgProps xmlns:a14="http://schemas.microsoft.com/office/drawing/2010/main">
+                  <a14:imgLayer r:embed="rId3">
+                    <a14:imgEffect>
+                      <a14:artisticGlowDiffused/>
+                    </a14:imgEffect>
+                  </a14:imgLayer>
+                </a14:imgProps>
+              </a:ext>
+              <a:ext uri="{28A0092B-C50C-407E-A947-70E740481C1C}">
+                <a14:useLocalDpi xmlns:a14="http://schemas.microsoft.com/office/drawing/2010/main" val="0"/>
+              </a:ext>
+            </a:extLst>
+          </a:blip>
+          <a:stretch>
+            <a:fillRect/>
+          </a:stretch>
+        </p:blipFill>
+        <p:spPr>
+          <a:xfrm>
+            <a:off x="9475787" y="382209"/>
+            <a:ext cx="2143125" cy="2143125"/>
+          </a:xfrm>
+          <a:prstGeom prst="roundRect">
+            <a:avLst>
+              <a:gd name="adj" fmla="val 4167"/>
+            </a:avLst>
+          </a:prstGeom>
+          <a:solidFill>
+            <a:srgbClr val="FFFFFF"/>
+          </a:solidFill>
+          <a:ln w="76200" cap="sq">
+            <a:solidFill>
+              <a:srgbClr val="EAEAEA"/>
+            </a:solidFill>
+            <a:miter lim="800000"/>
+          </a:ln>
+          <a:effectLst>
+            <a:reflection blurRad="12700" stA="33000" endPos="28000" dist="5000" dir="5400000" sy="-100000" algn="bl" rotWithShape="0"/>
+          </a:effectLst>
+          <a:scene3d>
+            <a:camera prst="orthographicFront"/>
+            <a:lightRig rig="threePt" dir="t">
+              <a:rot lat="0" lon="0" rev="2700000"/>
+            </a:lightRig>
+          </a:scene3d>
+          <a:sp3d contourW="6350">
+            <a:bevelT h="38100"/>
+            <a:contourClr>
+              <a:srgbClr val="C0C0C0"/>
+            </a:contourClr>
+          </a:sp3d>
+        </p:spPr>
+      </p:pic>
+      <p:sp>
+        <p:nvSpPr>
+          <p:cNvPr id="6" name="Content Placeholder 5"/>
+          <p:cNvSpPr>
+            <a:spLocks noGrp="1"/>
+          </p:cNvSpPr>
+          <p:nvPr>
+            <p:ph idx="1"/>
+          </p:nvPr>
+        </p:nvSpPr>
+        <p:spPr>
+          <a:xfrm>
+            <a:off x="7551737" y="3714750"/>
+            <a:ext cx="4230688" cy="2825122"/>
+          </a:xfrm>
+        </p:spPr>
+        <p:txBody>
+          <a:bodyPr>
+            <a:normAutofit/>
+          </a:bodyPr>
+          <a:lstStyle/>
+          <a:p>
+            <a:pPr algn="just"/>
+            <a:r>
+              <a:rPr lang="en-US" sz="2600" b="1" smtClean="0">
+                <a:solidFill>
+                  <a:schemeClr val="accent1">
+                    <a:lumMod val="75000"/>
+                  </a:schemeClr>
+                </a:solidFill>
+                <a:effectLst>
+                  <a:outerShdw blurRad="38100" dist="38100" dir="2700000" algn="tl">
+                    <a:srgbClr val="000000">
+                      <a:alpha val="43137"/>
+                    </a:srgbClr>
+                  </a:outerShdw>
+                </a:effectLst>
+                <a:latin typeface="Times New Roman" panose="02020603050405020304" pitchFamily="18" charset="0"/>
+                <a:cs typeface="Times New Roman" panose="02020603050405020304" pitchFamily="18" charset="0"/>
+              </a:rPr>
+              <a:t>Lỗi : Vẫn có thể UNDO mặc dù người chơi đã chiến thắng</a:t>
+            </a:r>
+            <a:endParaRPr lang="en-US" sz="2600" b="1">
+              <a:solidFill>
+                <a:schemeClr val="accent1">
+                  <a:lumMod val="75000"/>
+                </a:schemeClr>
+              </a:solidFill>
+              <a:effectLst>
+                <a:outerShdw blurRad="38100" dist="38100" dir="2700000" algn="tl">
+                  <a:srgbClr val="000000">
+                    <a:alpha val="43137"/>
+                  </a:srgbClr>
+                </a:outerShdw>
+              </a:effectLst>
+              <a:latin typeface="Times New Roman" panose="02020603050405020304" pitchFamily="18" charset="0"/>
+              <a:cs typeface="Times New Roman" panose="02020603050405020304" pitchFamily="18" charset="0"/>
+            </a:endParaRPr>
+          </a:p>
+        </p:txBody>
+      </p:sp>
+      <p:sp>
+        <p:nvSpPr>
+          <p:cNvPr id="5" name="Rectangle 4"/>
+          <p:cNvSpPr/>
+          <p:nvPr/>
+        </p:nvSpPr>
+        <p:spPr>
+          <a:xfrm>
+            <a:off x="1346079" y="1513930"/>
+            <a:ext cx="6635916" cy="615553"/>
+          </a:xfrm>
+          <a:prstGeom prst="rect">
+            <a:avLst/>
+          </a:prstGeom>
+          <a:noFill/>
+        </p:spPr>
+        <p:txBody>
+          <a:bodyPr wrap="square" lIns="91440" tIns="45720" rIns="91440" bIns="45720">
+            <a:spAutoFit/>
+          </a:bodyPr>
+          <a:lstStyle/>
+          <a:p>
+            <a:pPr algn="ctr"/>
+            <a:r>
+              <a:rPr lang="en-US" sz="3400" b="1" smtClean="0">
+                <a:ln w="0"/>
+                <a:gradFill>
+                  <a:gsLst>
+                    <a:gs pos="21000">
+                      <a:srgbClr val="53575C"/>
+                    </a:gs>
+                    <a:gs pos="88000">
+                      <a:srgbClr val="C5C7CA"/>
+                    </a:gs>
+                  </a:gsLst>
+                  <a:lin ang="5400000"/>
+                </a:gradFill>
+                <a:effectLst>
+                  <a:outerShdw blurRad="38100" dist="38100" dir="2700000" algn="tl">
+                    <a:srgbClr val="000000">
+                      <a:alpha val="43137"/>
+                    </a:srgbClr>
+                  </a:outerShdw>
+                  <a:reflection blurRad="6350" stA="55000" endA="300" endPos="45500" dir="5400000" sy="-100000" algn="bl" rotWithShape="0"/>
+                </a:effectLst>
+                <a:latin typeface="Times New Roman" panose="02020603050405020304" pitchFamily="18" charset="0"/>
+                <a:cs typeface="Times New Roman" panose="02020603050405020304" pitchFamily="18" charset="0"/>
+              </a:rPr>
+              <a:t>Sửa các lỗi mắc phải</a:t>
+            </a:r>
+            <a:endParaRPr lang="en-US" sz="3400" b="1">
+              <a:ln w="0"/>
+              <a:gradFill>
+                <a:gsLst>
+                  <a:gs pos="21000">
+                    <a:srgbClr val="53575C"/>
+                  </a:gs>
+                  <a:gs pos="88000">
+                    <a:srgbClr val="C5C7CA"/>
+                  </a:gs>
+                </a:gsLst>
+                <a:lin ang="5400000"/>
+              </a:gradFill>
+              <a:effectLst>
+                <a:outerShdw blurRad="38100" dist="38100" dir="2700000" algn="tl">
+                  <a:srgbClr val="000000">
+                    <a:alpha val="43137"/>
+                  </a:srgbClr>
+                </a:outerShdw>
+                <a:reflection blurRad="6350" stA="55000" endA="300" endPos="45500" dir="5400000" sy="-100000" algn="bl" rotWithShape="0"/>
+              </a:effectLst>
+              <a:latin typeface="Times New Roman" panose="02020603050405020304" pitchFamily="18" charset="0"/>
+              <a:cs typeface="Times New Roman" panose="02020603050405020304" pitchFamily="18" charset="0"/>
+            </a:endParaRPr>
+          </a:p>
+        </p:txBody>
+      </p:sp>
+      <p:pic>
+        <p:nvPicPr>
+          <p:cNvPr id="3" name="Picture 2"/>
+          <p:cNvPicPr>
+            <a:picLocks noChangeAspect="1"/>
+          </p:cNvPicPr>
+          <p:nvPr/>
+        </p:nvPicPr>
+        <p:blipFill>
+          <a:blip r:embed="rId4"/>
+          <a:stretch>
+            <a:fillRect/>
+          </a:stretch>
+        </p:blipFill>
+        <p:spPr>
+          <a:xfrm>
+            <a:off x="1862138" y="2348872"/>
+            <a:ext cx="5172854" cy="4191000"/>
+          </a:xfrm>
+          <a:prstGeom prst="rect">
+            <a:avLst/>
+          </a:prstGeom>
+          <a:effectLst>
+            <a:glow rad="139700">
+              <a:schemeClr val="accent5">
+                <a:satMod val="175000"/>
+                <a:alpha val="40000"/>
+              </a:schemeClr>
+            </a:glow>
+            <a:softEdge rad="0"/>
+          </a:effectLst>
+        </p:spPr>
+      </p:pic>
+    </p:spTree>
+    <p:extLst>
+      <p:ext uri="{BB962C8B-B14F-4D97-AF65-F5344CB8AC3E}">
+        <p14:creationId xmlns:p14="http://schemas.microsoft.com/office/powerpoint/2010/main" val="3329807565"/>
+      </p:ext>
+    </p:extLst>
+  </p:cSld>
+  <p:clrMapOvr>
+    <a:masterClrMapping/>
+  </p:clrMapOvr>
+  <p:timing>
+    <p:tnLst>
+      <p:par>
+        <p:cTn id="1" dur="indefinite" restart="never" nodeType="tmRoot">
+          <p:childTnLst>
+            <p:seq concurrent="1" nextAc="seek">
+              <p:cTn id="2" dur="indefinite" nodeType="mainSeq">
+                <p:childTnLst>
+                  <p:par>
+                    <p:cTn id="3" fill="hold">
+                      <p:stCondLst>
+                        <p:cond delay="indefinite"/>
+                        <p:cond evt="onBegin" delay="0">
+                          <p:tn val="2"/>
+                        </p:cond>
+                      </p:stCondLst>
+                      <p:childTnLst>
+                        <p:par>
+                          <p:cTn id="4" fill="hold">
+                            <p:stCondLst>
+                              <p:cond delay="0"/>
+                            </p:stCondLst>
+                            <p:childTnLst>
+                              <p:par>
+                                <p:cTn id="5" presetID="26" presetClass="entr" presetSubtype="0" fill="hold" grpId="0" nodeType="afterEffect">
+                                  <p:stCondLst>
+                                    <p:cond delay="0"/>
+                                  </p:stCondLst>
+                                  <p:childTnLst>
+                                    <p:set>
+                                      <p:cBhvr>
+                                        <p:cTn id="6" dur="1" fill="hold">
+                                          <p:stCondLst>
+                                            <p:cond delay="0"/>
+                                          </p:stCondLst>
+                                        </p:cTn>
+                                        <p:tgtEl>
+                                          <p:spTgt spid="2"/>
+                                        </p:tgtEl>
+                                        <p:attrNameLst>
+                                          <p:attrName>style.visibility</p:attrName>
+                                        </p:attrNameLst>
+                                      </p:cBhvr>
+                                      <p:to>
+                                        <p:strVal val="visible"/>
+                                      </p:to>
+                                    </p:set>
+                                    <p:animEffect transition="in" filter="wipe(down)">
+                                      <p:cBhvr>
+                                        <p:cTn id="7" dur="580">
+                                          <p:stCondLst>
+                                            <p:cond delay="0"/>
+                                          </p:stCondLst>
+                                        </p:cTn>
+                                        <p:tgtEl>
+                                          <p:spTgt spid="2"/>
+                                        </p:tgtEl>
+                                      </p:cBhvr>
+                                    </p:animEffect>
+                                    <p:anim calcmode="lin" valueType="num">
+                                      <p:cBhvr>
+                                        <p:cTn id="8" dur="1822" tmFilter="0,0; 0.14,0.36; 0.43,0.73; 0.71,0.91; 1.0,1.0">
+                                          <p:stCondLst>
+                                            <p:cond delay="0"/>
+                                          </p:stCondLst>
+                                        </p:cTn>
+                                        <p:tgtEl>
+                                          <p:spTgt spid="2"/>
+                                        </p:tgtEl>
+                                        <p:attrNameLst>
+                                          <p:attrName>ppt_x</p:attrName>
+                                        </p:attrNameLst>
+                                      </p:cBhvr>
+                                      <p:tavLst>
+                                        <p:tav tm="0">
+                                          <p:val>
+                                            <p:strVal val="#ppt_x-0.25"/>
+                                          </p:val>
+                                        </p:tav>
+                                        <p:tav tm="100000">
+                                          <p:val>
+                                            <p:strVal val="#ppt_x"/>
+                                          </p:val>
+                                        </p:tav>
+                                      </p:tavLst>
+                                    </p:anim>
+                                    <p:anim calcmode="lin" valueType="num">
+                                      <p:cBhvr>
+                                        <p:cTn id="9" dur="664" tmFilter="0.0,0.0; 0.25,0.07; 0.50,0.2; 0.75,0.467; 1.0,1.0">
+                                          <p:stCondLst>
+                                            <p:cond delay="0"/>
+                                          </p:stCondLst>
+                                        </p:cTn>
+                                        <p:tgtEl>
+                                          <p:spTgt spid="2"/>
+                                        </p:tgtEl>
+                                        <p:attrNameLst>
+                                          <p:attrName>ppt_y</p:attrName>
+                                        </p:attrNameLst>
+                                      </p:cBhvr>
+                                      <p:tavLst>
+                                        <p:tav tm="0" fmla="#ppt_y-sin(pi*$)/3">
+                                          <p:val>
+                                            <p:fltVal val="0.5"/>
+                                          </p:val>
+                                        </p:tav>
+                                        <p:tav tm="100000">
+                                          <p:val>
+                                            <p:fltVal val="1"/>
+                                          </p:val>
+                                        </p:tav>
+                                      </p:tavLst>
+                                    </p:anim>
+                                    <p:anim calcmode="lin" valueType="num">
+                                      <p:cBhvr>
+                                        <p:cTn id="10" dur="664" tmFilter="0, 0; 0.125,0.2665; 0.25,0.4; 0.375,0.465; 0.5,0.5;  0.625,0.535; 0.75,0.6; 0.875,0.7335; 1,1">
+                                          <p:stCondLst>
+                                            <p:cond delay="664"/>
+                                          </p:stCondLst>
+                                        </p:cTn>
+                                        <p:tgtEl>
+                                          <p:spTgt spid="2"/>
+                                        </p:tgtEl>
+                                        <p:attrNameLst>
+                                          <p:attrName>ppt_y</p:attrName>
+                                        </p:attrNameLst>
+                                      </p:cBhvr>
+                                      <p:tavLst>
+                                        <p:tav tm="0" fmla="#ppt_y-sin(pi*$)/9">
+                                          <p:val>
+                                            <p:fltVal val="0"/>
+                                          </p:val>
+                                        </p:tav>
+                                        <p:tav tm="100000">
+                                          <p:val>
+                                            <p:fltVal val="1"/>
+                                          </p:val>
+                                        </p:tav>
+                                      </p:tavLst>
+                                    </p:anim>
+                                    <p:anim calcmode="lin" valueType="num">
+                                      <p:cBhvr>
+                                        <p:cTn id="11" dur="332" tmFilter="0, 0; 0.125,0.2665; 0.25,0.4; 0.375,0.465; 0.5,0.5;  0.625,0.535; 0.75,0.6; 0.875,0.7335; 1,1">
+                                          <p:stCondLst>
+                                            <p:cond delay="1324"/>
+                                          </p:stCondLst>
+                                        </p:cTn>
+                                        <p:tgtEl>
+                                          <p:spTgt spid="2"/>
+                                        </p:tgtEl>
+                                        <p:attrNameLst>
+                                          <p:attrName>ppt_y</p:attrName>
+                                        </p:attrNameLst>
+                                      </p:cBhvr>
+                                      <p:tavLst>
+                                        <p:tav tm="0" fmla="#ppt_y-sin(pi*$)/27">
+                                          <p:val>
+                                            <p:fltVal val="0"/>
+                                          </p:val>
+                                        </p:tav>
+                                        <p:tav tm="100000">
+                                          <p:val>
+                                            <p:fltVal val="1"/>
+                                          </p:val>
+                                        </p:tav>
+                                      </p:tavLst>
+                                    </p:anim>
+                                    <p:anim calcmode="lin" valueType="num">
+                                      <p:cBhvr>
+                                        <p:cTn id="12" dur="164" tmFilter="0, 0; 0.125,0.2665; 0.25,0.4; 0.375,0.465; 0.5,0.5;  0.625,0.535; 0.75,0.6; 0.875,0.7335; 1,1">
+                                          <p:stCondLst>
+                                            <p:cond delay="1656"/>
+                                          </p:stCondLst>
+                                        </p:cTn>
+                                        <p:tgtEl>
+                                          <p:spTgt spid="2"/>
+                                        </p:tgtEl>
+                                        <p:attrNameLst>
+                                          <p:attrName>ppt_y</p:attrName>
+                                        </p:attrNameLst>
+                                      </p:cBhvr>
+                                      <p:tavLst>
+                                        <p:tav tm="0" fmla="#ppt_y-sin(pi*$)/81">
+                                          <p:val>
+                                            <p:fltVal val="0"/>
+                                          </p:val>
+                                        </p:tav>
+                                        <p:tav tm="100000">
+                                          <p:val>
+                                            <p:fltVal val="1"/>
+                                          </p:val>
+                                        </p:tav>
+                                      </p:tavLst>
+                                    </p:anim>
+                                    <p:animScale>
+                                      <p:cBhvr>
+                                        <p:cTn id="13" dur="26">
+                                          <p:stCondLst>
+                                            <p:cond delay="650"/>
+                                          </p:stCondLst>
+                                        </p:cTn>
+                                        <p:tgtEl>
+                                          <p:spTgt spid="2"/>
+                                        </p:tgtEl>
+                                      </p:cBhvr>
+                                      <p:to x="100000" y="60000"/>
+                                    </p:animScale>
+                                    <p:animScale>
+                                      <p:cBhvr>
+                                        <p:cTn id="14" dur="166" decel="50000">
+                                          <p:stCondLst>
+                                            <p:cond delay="676"/>
+                                          </p:stCondLst>
+                                        </p:cTn>
+                                        <p:tgtEl>
+                                          <p:spTgt spid="2"/>
+                                        </p:tgtEl>
+                                      </p:cBhvr>
+                                      <p:to x="100000" y="100000"/>
+                                    </p:animScale>
+                                    <p:animScale>
+                                      <p:cBhvr>
+                                        <p:cTn id="15" dur="26">
+                                          <p:stCondLst>
+                                            <p:cond delay="1312"/>
+                                          </p:stCondLst>
+                                        </p:cTn>
+                                        <p:tgtEl>
+                                          <p:spTgt spid="2"/>
+                                        </p:tgtEl>
+                                      </p:cBhvr>
+                                      <p:to x="100000" y="80000"/>
+                                    </p:animScale>
+                                    <p:animScale>
+                                      <p:cBhvr>
+                                        <p:cTn id="16" dur="166" decel="50000">
+                                          <p:stCondLst>
+                                            <p:cond delay="1338"/>
+                                          </p:stCondLst>
+                                        </p:cTn>
+                                        <p:tgtEl>
+                                          <p:spTgt spid="2"/>
+                                        </p:tgtEl>
+                                      </p:cBhvr>
+                                      <p:to x="100000" y="100000"/>
+                                    </p:animScale>
+                                    <p:animScale>
+                                      <p:cBhvr>
+                                        <p:cTn id="17" dur="26">
+                                          <p:stCondLst>
+                                            <p:cond delay="1642"/>
+                                          </p:stCondLst>
+                                        </p:cTn>
+                                        <p:tgtEl>
+                                          <p:spTgt spid="2"/>
+                                        </p:tgtEl>
+                                      </p:cBhvr>
+                                      <p:to x="100000" y="90000"/>
+                                    </p:animScale>
+                                    <p:animScale>
+                                      <p:cBhvr>
+                                        <p:cTn id="18" dur="166" decel="50000">
+                                          <p:stCondLst>
+                                            <p:cond delay="1668"/>
+                                          </p:stCondLst>
+                                        </p:cTn>
+                                        <p:tgtEl>
+                                          <p:spTgt spid="2"/>
+                                        </p:tgtEl>
+                                      </p:cBhvr>
+                                      <p:to x="100000" y="100000"/>
+                                    </p:animScale>
+                                    <p:animScale>
+                                      <p:cBhvr>
+                                        <p:cTn id="19" dur="26">
+                                          <p:stCondLst>
+                                            <p:cond delay="1808"/>
+                                          </p:stCondLst>
+                                        </p:cTn>
+                                        <p:tgtEl>
+                                          <p:spTgt spid="2"/>
+                                        </p:tgtEl>
+                                      </p:cBhvr>
+                                      <p:to x="100000" y="95000"/>
+                                    </p:animScale>
+                                    <p:animScale>
+                                      <p:cBhvr>
+                                        <p:cTn id="20" dur="166" decel="50000">
+                                          <p:stCondLst>
+                                            <p:cond delay="1834"/>
+                                          </p:stCondLst>
+                                        </p:cTn>
+                                        <p:tgtEl>
+                                          <p:spTgt spid="2"/>
+                                        </p:tgtEl>
+                                      </p:cBhvr>
+                                      <p:to x="100000" y="100000"/>
+                                    </p:animScale>
+                                  </p:childTnLst>
+                                </p:cTn>
+                              </p:par>
+                            </p:childTnLst>
+                          </p:cTn>
+                        </p:par>
+                      </p:childTnLst>
+                    </p:cTn>
+                  </p:par>
+                </p:childTnLst>
+              </p:cTn>
+              <p:prevCondLst>
+                <p:cond evt="onPrev" delay="0">
+                  <p:tgtEl>
+                    <p:sldTgt/>
+                  </p:tgtEl>
+                </p:cond>
+              </p:prevCondLst>
+              <p:nextCondLst>
+                <p:cond evt="onNext" delay="0">
+                  <p:tgtEl>
+                    <p:sldTgt/>
+                  </p:tgtEl>
+                </p:cond>
+              </p:nextCondLst>
+            </p:seq>
+          </p:childTnLst>
+        </p:cTn>
+      </p:par>
+    </p:tnLst>
+    <p:bldLst>
+      <p:bldP spid="2" grpId="0"/>
+    </p:bldLst>
+  </p:timing>
+</p:sld>
+</file>
+
+<file path=ppt/slides/slide14.xml><?xml version="1.0" encoding="utf-8"?>
 <p:sld xmlns:a="http://schemas.openxmlformats.org/drawingml/2006/main" xmlns:r="http://schemas.openxmlformats.org/officeDocument/2006/relationships" xmlns:p="http://schemas.openxmlformats.org/presentationml/2006/main">
   <p:cSld>
     <p:spTree>
@@ -40885,30 +48127,6 @@
           </a:p>
         </p:txBody>
       </p:sp>
-      <p:sp>
-        <p:nvSpPr>
-          <p:cNvPr id="3" name="Content Placeholder 2"/>
-          <p:cNvSpPr>
-            <a:spLocks noGrp="1"/>
-          </p:cNvSpPr>
-          <p:nvPr>
-            <p:ph idx="1"/>
-          </p:nvPr>
-        </p:nvSpPr>
-        <p:spPr>
-          <a:xfrm>
-            <a:off x="1865312" y="2021155"/>
-            <a:ext cx="8915400" cy="3777622"/>
-          </a:xfrm>
-        </p:spPr>
-        <p:txBody>
-          <a:bodyPr/>
-          <a:lstStyle/>
-          <a:p>
-            <a:endParaRPr lang="en-US"/>
-          </a:p>
-        </p:txBody>
-      </p:sp>
       <p:pic>
         <p:nvPicPr>
           <p:cNvPr id="4" name="Picture 3"/>
@@ -40940,7 +48158,7 @@
         </p:blipFill>
         <p:spPr>
           <a:xfrm>
-            <a:off x="9361487" y="490537"/>
+            <a:off x="9605327" y="316365"/>
             <a:ext cx="2143125" cy="2143125"/>
           </a:xfrm>
           <a:prstGeom prst="roundRect">
@@ -40974,6 +48192,1013 @@
           </a:sp3d>
         </p:spPr>
       </p:pic>
+      <p:sp>
+        <p:nvSpPr>
+          <p:cNvPr id="7" name="Content Placeholder 5"/>
+          <p:cNvSpPr>
+            <a:spLocks noGrp="1"/>
+          </p:cNvSpPr>
+          <p:nvPr>
+            <p:ph idx="1"/>
+          </p:nvPr>
+        </p:nvSpPr>
+        <p:spPr>
+          <a:xfrm>
+            <a:off x="2589212" y="2133600"/>
+            <a:ext cx="8915400" cy="3777622"/>
+          </a:xfrm>
+        </p:spPr>
+        <p:txBody>
+          <a:bodyPr/>
+          <a:lstStyle/>
+          <a:p>
+            <a:endParaRPr lang="en-US"/>
+          </a:p>
+        </p:txBody>
+      </p:sp>
+      <p:sp>
+        <p:nvSpPr>
+          <p:cNvPr id="8" name="Rectangle 2"/>
+          <p:cNvSpPr/>
+          <p:nvPr/>
+        </p:nvSpPr>
+        <p:spPr>
+          <a:xfrm>
+            <a:off x="3755073" y="3469481"/>
+            <a:ext cx="7069138" cy="1614488"/>
+          </a:xfrm>
+          <a:custGeom>
+            <a:avLst/>
+            <a:gdLst>
+              <a:gd name="connsiteX0" fmla="*/ 0 w 1739900"/>
+              <a:gd name="connsiteY0" fmla="*/ 0 h 1257301"/>
+              <a:gd name="connsiteX1" fmla="*/ 1739900 w 1739900"/>
+              <a:gd name="connsiteY1" fmla="*/ 0 h 1257301"/>
+              <a:gd name="connsiteX2" fmla="*/ 1739900 w 1739900"/>
+              <a:gd name="connsiteY2" fmla="*/ 1257301 h 1257301"/>
+              <a:gd name="connsiteX3" fmla="*/ 0 w 1739900"/>
+              <a:gd name="connsiteY3" fmla="*/ 1257301 h 1257301"/>
+              <a:gd name="connsiteX4" fmla="*/ 0 w 1739900"/>
+              <a:gd name="connsiteY4" fmla="*/ 0 h 1257301"/>
+              <a:gd name="connsiteX0" fmla="*/ 0 w 1739900"/>
+              <a:gd name="connsiteY0" fmla="*/ 0 h 1257301"/>
+              <a:gd name="connsiteX1" fmla="*/ 1739900 w 1739900"/>
+              <a:gd name="connsiteY1" fmla="*/ 0 h 1257301"/>
+              <a:gd name="connsiteX2" fmla="*/ 1733550 w 1739900"/>
+              <a:gd name="connsiteY2" fmla="*/ 628651 h 1257301"/>
+              <a:gd name="connsiteX3" fmla="*/ 1739900 w 1739900"/>
+              <a:gd name="connsiteY3" fmla="*/ 1257301 h 1257301"/>
+              <a:gd name="connsiteX4" fmla="*/ 0 w 1739900"/>
+              <a:gd name="connsiteY4" fmla="*/ 1257301 h 1257301"/>
+              <a:gd name="connsiteX5" fmla="*/ 0 w 1739900"/>
+              <a:gd name="connsiteY5" fmla="*/ 0 h 1257301"/>
+              <a:gd name="connsiteX0" fmla="*/ 0 w 1739900"/>
+              <a:gd name="connsiteY0" fmla="*/ 0 h 1257301"/>
+              <a:gd name="connsiteX1" fmla="*/ 1739900 w 1739900"/>
+              <a:gd name="connsiteY1" fmla="*/ 0 h 1257301"/>
+              <a:gd name="connsiteX2" fmla="*/ 1733550 w 1739900"/>
+              <a:gd name="connsiteY2" fmla="*/ 628651 h 1257301"/>
+              <a:gd name="connsiteX3" fmla="*/ 1739900 w 1739900"/>
+              <a:gd name="connsiteY3" fmla="*/ 1257301 h 1257301"/>
+              <a:gd name="connsiteX4" fmla="*/ 0 w 1739900"/>
+              <a:gd name="connsiteY4" fmla="*/ 1257301 h 1257301"/>
+              <a:gd name="connsiteX5" fmla="*/ 0 w 1739900"/>
+              <a:gd name="connsiteY5" fmla="*/ 0 h 1257301"/>
+              <a:gd name="connsiteX0" fmla="*/ 0 w 1739900"/>
+              <a:gd name="connsiteY0" fmla="*/ 0 h 1257301"/>
+              <a:gd name="connsiteX1" fmla="*/ 1739900 w 1739900"/>
+              <a:gd name="connsiteY1" fmla="*/ 0 h 1257301"/>
+              <a:gd name="connsiteX2" fmla="*/ 1733550 w 1739900"/>
+              <a:gd name="connsiteY2" fmla="*/ 628651 h 1257301"/>
+              <a:gd name="connsiteX3" fmla="*/ 1739900 w 1739900"/>
+              <a:gd name="connsiteY3" fmla="*/ 1257301 h 1257301"/>
+              <a:gd name="connsiteX4" fmla="*/ 0 w 1739900"/>
+              <a:gd name="connsiteY4" fmla="*/ 1257301 h 1257301"/>
+              <a:gd name="connsiteX5" fmla="*/ 0 w 1739900"/>
+              <a:gd name="connsiteY5" fmla="*/ 0 h 1257301"/>
+              <a:gd name="connsiteX0" fmla="*/ 0 w 2343162"/>
+              <a:gd name="connsiteY0" fmla="*/ 0 h 1257301"/>
+              <a:gd name="connsiteX1" fmla="*/ 1739900 w 2343162"/>
+              <a:gd name="connsiteY1" fmla="*/ 0 h 1257301"/>
+              <a:gd name="connsiteX2" fmla="*/ 2343150 w 2343162"/>
+              <a:gd name="connsiteY2" fmla="*/ 622301 h 1257301"/>
+              <a:gd name="connsiteX3" fmla="*/ 1739900 w 2343162"/>
+              <a:gd name="connsiteY3" fmla="*/ 1257301 h 1257301"/>
+              <a:gd name="connsiteX4" fmla="*/ 0 w 2343162"/>
+              <a:gd name="connsiteY4" fmla="*/ 1257301 h 1257301"/>
+              <a:gd name="connsiteX5" fmla="*/ 0 w 2343162"/>
+              <a:gd name="connsiteY5" fmla="*/ 0 h 1257301"/>
+              <a:gd name="connsiteX0" fmla="*/ 0 w 2343155"/>
+              <a:gd name="connsiteY0" fmla="*/ 0 h 1257301"/>
+              <a:gd name="connsiteX1" fmla="*/ 1739900 w 2343155"/>
+              <a:gd name="connsiteY1" fmla="*/ 0 h 1257301"/>
+              <a:gd name="connsiteX2" fmla="*/ 2343150 w 2343155"/>
+              <a:gd name="connsiteY2" fmla="*/ 622301 h 1257301"/>
+              <a:gd name="connsiteX3" fmla="*/ 1739900 w 2343155"/>
+              <a:gd name="connsiteY3" fmla="*/ 1257301 h 1257301"/>
+              <a:gd name="connsiteX4" fmla="*/ 0 w 2343155"/>
+              <a:gd name="connsiteY4" fmla="*/ 1257301 h 1257301"/>
+              <a:gd name="connsiteX5" fmla="*/ 0 w 2343155"/>
+              <a:gd name="connsiteY5" fmla="*/ 0 h 1257301"/>
+              <a:gd name="connsiteX0" fmla="*/ 0 w 2343155"/>
+              <a:gd name="connsiteY0" fmla="*/ 0 h 1257301"/>
+              <a:gd name="connsiteX1" fmla="*/ 1739900 w 2343155"/>
+              <a:gd name="connsiteY1" fmla="*/ 0 h 1257301"/>
+              <a:gd name="connsiteX2" fmla="*/ 2343150 w 2343155"/>
+              <a:gd name="connsiteY2" fmla="*/ 622301 h 1257301"/>
+              <a:gd name="connsiteX3" fmla="*/ 1739900 w 2343155"/>
+              <a:gd name="connsiteY3" fmla="*/ 1257301 h 1257301"/>
+              <a:gd name="connsiteX4" fmla="*/ 0 w 2343155"/>
+              <a:gd name="connsiteY4" fmla="*/ 1257301 h 1257301"/>
+              <a:gd name="connsiteX5" fmla="*/ 0 w 2343155"/>
+              <a:gd name="connsiteY5" fmla="*/ 0 h 1257301"/>
+              <a:gd name="connsiteX0" fmla="*/ 0 w 2343150"/>
+              <a:gd name="connsiteY0" fmla="*/ 0 h 1257301"/>
+              <a:gd name="connsiteX1" fmla="*/ 1739900 w 2343150"/>
+              <a:gd name="connsiteY1" fmla="*/ 0 h 1257301"/>
+              <a:gd name="connsiteX2" fmla="*/ 2343150 w 2343150"/>
+              <a:gd name="connsiteY2" fmla="*/ 622301 h 1257301"/>
+              <a:gd name="connsiteX3" fmla="*/ 1739900 w 2343150"/>
+              <a:gd name="connsiteY3" fmla="*/ 1257301 h 1257301"/>
+              <a:gd name="connsiteX4" fmla="*/ 0 w 2343150"/>
+              <a:gd name="connsiteY4" fmla="*/ 1257301 h 1257301"/>
+              <a:gd name="connsiteX5" fmla="*/ 0 w 2343150"/>
+              <a:gd name="connsiteY5" fmla="*/ 0 h 1257301"/>
+              <a:gd name="connsiteX0" fmla="*/ 0 w 2362200"/>
+              <a:gd name="connsiteY0" fmla="*/ 0 h 1257301"/>
+              <a:gd name="connsiteX1" fmla="*/ 1739900 w 2362200"/>
+              <a:gd name="connsiteY1" fmla="*/ 0 h 1257301"/>
+              <a:gd name="connsiteX2" fmla="*/ 2362200 w 2362200"/>
+              <a:gd name="connsiteY2" fmla="*/ 635001 h 1257301"/>
+              <a:gd name="connsiteX3" fmla="*/ 1739900 w 2362200"/>
+              <a:gd name="connsiteY3" fmla="*/ 1257301 h 1257301"/>
+              <a:gd name="connsiteX4" fmla="*/ 0 w 2362200"/>
+              <a:gd name="connsiteY4" fmla="*/ 1257301 h 1257301"/>
+              <a:gd name="connsiteX5" fmla="*/ 0 w 2362200"/>
+              <a:gd name="connsiteY5" fmla="*/ 0 h 1257301"/>
+              <a:gd name="connsiteX0" fmla="*/ 0 w 2362200"/>
+              <a:gd name="connsiteY0" fmla="*/ 0 h 1257301"/>
+              <a:gd name="connsiteX1" fmla="*/ 1739900 w 2362200"/>
+              <a:gd name="connsiteY1" fmla="*/ 0 h 1257301"/>
+              <a:gd name="connsiteX2" fmla="*/ 2362200 w 2362200"/>
+              <a:gd name="connsiteY2" fmla="*/ 635001 h 1257301"/>
+              <a:gd name="connsiteX3" fmla="*/ 1739900 w 2362200"/>
+              <a:gd name="connsiteY3" fmla="*/ 1257301 h 1257301"/>
+              <a:gd name="connsiteX4" fmla="*/ 0 w 2362200"/>
+              <a:gd name="connsiteY4" fmla="*/ 1257301 h 1257301"/>
+              <a:gd name="connsiteX5" fmla="*/ 0 w 2362200"/>
+              <a:gd name="connsiteY5" fmla="*/ 0 h 1257301"/>
+              <a:gd name="connsiteX0" fmla="*/ 0 w 2362200"/>
+              <a:gd name="connsiteY0" fmla="*/ 0 h 1257301"/>
+              <a:gd name="connsiteX1" fmla="*/ 1739900 w 2362200"/>
+              <a:gd name="connsiteY1" fmla="*/ 0 h 1257301"/>
+              <a:gd name="connsiteX2" fmla="*/ 2362200 w 2362200"/>
+              <a:gd name="connsiteY2" fmla="*/ 635001 h 1257301"/>
+              <a:gd name="connsiteX3" fmla="*/ 1739900 w 2362200"/>
+              <a:gd name="connsiteY3" fmla="*/ 1257301 h 1257301"/>
+              <a:gd name="connsiteX4" fmla="*/ 0 w 2362200"/>
+              <a:gd name="connsiteY4" fmla="*/ 1257301 h 1257301"/>
+              <a:gd name="connsiteX5" fmla="*/ 0 w 2362200"/>
+              <a:gd name="connsiteY5" fmla="*/ 0 h 1257301"/>
+              <a:gd name="connsiteX0" fmla="*/ 0 w 2049349"/>
+              <a:gd name="connsiteY0" fmla="*/ 0 h 1257301"/>
+              <a:gd name="connsiteX1" fmla="*/ 1739900 w 2049349"/>
+              <a:gd name="connsiteY1" fmla="*/ 0 h 1257301"/>
+              <a:gd name="connsiteX2" fmla="*/ 2049349 w 2049349"/>
+              <a:gd name="connsiteY2" fmla="*/ 635001 h 1257301"/>
+              <a:gd name="connsiteX3" fmla="*/ 1739900 w 2049349"/>
+              <a:gd name="connsiteY3" fmla="*/ 1257301 h 1257301"/>
+              <a:gd name="connsiteX4" fmla="*/ 0 w 2049349"/>
+              <a:gd name="connsiteY4" fmla="*/ 1257301 h 1257301"/>
+              <a:gd name="connsiteX5" fmla="*/ 0 w 2049349"/>
+              <a:gd name="connsiteY5" fmla="*/ 0 h 1257301"/>
+              <a:gd name="connsiteX0" fmla="*/ 0 w 2049349"/>
+              <a:gd name="connsiteY0" fmla="*/ 0 h 1257301"/>
+              <a:gd name="connsiteX1" fmla="*/ 1739900 w 2049349"/>
+              <a:gd name="connsiteY1" fmla="*/ 0 h 1257301"/>
+              <a:gd name="connsiteX2" fmla="*/ 2049349 w 2049349"/>
+              <a:gd name="connsiteY2" fmla="*/ 635001 h 1257301"/>
+              <a:gd name="connsiteX3" fmla="*/ 1739900 w 2049349"/>
+              <a:gd name="connsiteY3" fmla="*/ 1257301 h 1257301"/>
+              <a:gd name="connsiteX4" fmla="*/ 0 w 2049349"/>
+              <a:gd name="connsiteY4" fmla="*/ 1257301 h 1257301"/>
+              <a:gd name="connsiteX5" fmla="*/ 0 w 2049349"/>
+              <a:gd name="connsiteY5" fmla="*/ 0 h 1257301"/>
+              <a:gd name="connsiteX0" fmla="*/ 0 w 2049349"/>
+              <a:gd name="connsiteY0" fmla="*/ 0 h 1257301"/>
+              <a:gd name="connsiteX1" fmla="*/ 1739900 w 2049349"/>
+              <a:gd name="connsiteY1" fmla="*/ 0 h 1257301"/>
+              <a:gd name="connsiteX2" fmla="*/ 2049349 w 2049349"/>
+              <a:gd name="connsiteY2" fmla="*/ 635001 h 1257301"/>
+              <a:gd name="connsiteX3" fmla="*/ 1739900 w 2049349"/>
+              <a:gd name="connsiteY3" fmla="*/ 1257301 h 1257301"/>
+              <a:gd name="connsiteX4" fmla="*/ 0 w 2049349"/>
+              <a:gd name="connsiteY4" fmla="*/ 1257301 h 1257301"/>
+              <a:gd name="connsiteX5" fmla="*/ 0 w 2049349"/>
+              <a:gd name="connsiteY5" fmla="*/ 0 h 1257301"/>
+              <a:gd name="connsiteX0" fmla="*/ 0 w 2049349"/>
+              <a:gd name="connsiteY0" fmla="*/ 0 h 1257301"/>
+              <a:gd name="connsiteX1" fmla="*/ 1739900 w 2049349"/>
+              <a:gd name="connsiteY1" fmla="*/ 0 h 1257301"/>
+              <a:gd name="connsiteX2" fmla="*/ 2049349 w 2049349"/>
+              <a:gd name="connsiteY2" fmla="*/ 635001 h 1257301"/>
+              <a:gd name="connsiteX3" fmla="*/ 1739900 w 2049349"/>
+              <a:gd name="connsiteY3" fmla="*/ 1257301 h 1257301"/>
+              <a:gd name="connsiteX4" fmla="*/ 0 w 2049349"/>
+              <a:gd name="connsiteY4" fmla="*/ 1257301 h 1257301"/>
+              <a:gd name="connsiteX5" fmla="*/ 0 w 2049349"/>
+              <a:gd name="connsiteY5" fmla="*/ 0 h 1257301"/>
+              <a:gd name="connsiteX0" fmla="*/ 0 w 2049349"/>
+              <a:gd name="connsiteY0" fmla="*/ 0 h 1257301"/>
+              <a:gd name="connsiteX1" fmla="*/ 1739900 w 2049349"/>
+              <a:gd name="connsiteY1" fmla="*/ 0 h 1257301"/>
+              <a:gd name="connsiteX2" fmla="*/ 2049349 w 2049349"/>
+              <a:gd name="connsiteY2" fmla="*/ 635001 h 1257301"/>
+              <a:gd name="connsiteX3" fmla="*/ 1739900 w 2049349"/>
+              <a:gd name="connsiteY3" fmla="*/ 1257301 h 1257301"/>
+              <a:gd name="connsiteX4" fmla="*/ 0 w 2049349"/>
+              <a:gd name="connsiteY4" fmla="*/ 1257301 h 1257301"/>
+              <a:gd name="connsiteX5" fmla="*/ 0 w 2049349"/>
+              <a:gd name="connsiteY5" fmla="*/ 0 h 1257301"/>
+            </a:gdLst>
+            <a:ahLst/>
+            <a:cxnLst>
+              <a:cxn ang="0">
+                <a:pos x="connsiteX0" y="connsiteY0"/>
+              </a:cxn>
+              <a:cxn ang="0">
+                <a:pos x="connsiteX1" y="connsiteY1"/>
+              </a:cxn>
+              <a:cxn ang="0">
+                <a:pos x="connsiteX2" y="connsiteY2"/>
+              </a:cxn>
+              <a:cxn ang="0">
+                <a:pos x="connsiteX3" y="connsiteY3"/>
+              </a:cxn>
+              <a:cxn ang="0">
+                <a:pos x="connsiteX4" y="connsiteY4"/>
+              </a:cxn>
+              <a:cxn ang="0">
+                <a:pos x="connsiteX5" y="connsiteY5"/>
+              </a:cxn>
+            </a:cxnLst>
+            <a:rect l="l" t="t" r="r" b="b"/>
+            <a:pathLst>
+              <a:path w="2049349" h="1257301">
+                <a:moveTo>
+                  <a:pt x="0" y="0"/>
+                </a:moveTo>
+                <a:lnTo>
+                  <a:pt x="1739900" y="0"/>
+                </a:lnTo>
+                <a:cubicBezTo>
+                  <a:pt x="2097919" y="736600"/>
+                  <a:pt x="1710758" y="-66675"/>
+                  <a:pt x="2049349" y="635001"/>
+                </a:cubicBezTo>
+                <a:cubicBezTo>
+                  <a:pt x="1687248" y="1352551"/>
+                  <a:pt x="2110278" y="514351"/>
+                  <a:pt x="1739900" y="1257301"/>
+                </a:cubicBezTo>
+                <a:lnTo>
+                  <a:pt x="0" y="1257301"/>
+                </a:lnTo>
+                <a:lnTo>
+                  <a:pt x="0" y="0"/>
+                </a:lnTo>
+                <a:close/>
+              </a:path>
+            </a:pathLst>
+          </a:custGeom>
+          <a:gradFill flip="none" rotWithShape="1">
+            <a:gsLst>
+              <a:gs pos="0">
+                <a:schemeClr val="accent3">
+                  <a:lumMod val="0"/>
+                  <a:lumOff val="100000"/>
+                </a:schemeClr>
+              </a:gs>
+              <a:gs pos="35000">
+                <a:schemeClr val="accent3">
+                  <a:lumMod val="0"/>
+                  <a:lumOff val="100000"/>
+                </a:schemeClr>
+              </a:gs>
+              <a:gs pos="100000">
+                <a:schemeClr val="accent3">
+                  <a:lumMod val="100000"/>
+                </a:schemeClr>
+              </a:gs>
+            </a:gsLst>
+            <a:path path="circle">
+              <a:fillToRect l="50000" t="-80000" r="50000" b="180000"/>
+            </a:path>
+            <a:tileRect/>
+          </a:gradFill>
+          <a:ln w="3175">
+            <a:noFill/>
+          </a:ln>
+          <a:effectLst>
+            <a:outerShdw blurRad="50800" dist="38100" algn="l" rotWithShape="0">
+              <a:prstClr val="black">
+                <a:alpha val="40000"/>
+              </a:prstClr>
+            </a:outerShdw>
+          </a:effectLst>
+        </p:spPr>
+        <p:style>
+          <a:lnRef idx="2">
+            <a:schemeClr val="accent1">
+              <a:shade val="50000"/>
+            </a:schemeClr>
+          </a:lnRef>
+          <a:fillRef idx="1">
+            <a:schemeClr val="accent1"/>
+          </a:fillRef>
+          <a:effectRef idx="0">
+            <a:schemeClr val="accent1"/>
+          </a:effectRef>
+          <a:fontRef idx="minor">
+            <a:schemeClr val="lt1"/>
+          </a:fontRef>
+        </p:style>
+        <p:txBody>
+          <a:bodyPr anchor="ctr"/>
+          <a:lstStyle/>
+          <a:p>
+            <a:pPr algn="ctr" eaLnBrk="1" hangingPunct="1">
+              <a:defRPr/>
+            </a:pPr>
+            <a:endParaRPr lang="en-US"/>
+          </a:p>
+        </p:txBody>
+      </p:sp>
+      <p:sp>
+        <p:nvSpPr>
+          <p:cNvPr id="9" name="Round Same Side Corner Rectangle 1"/>
+          <p:cNvSpPr/>
+          <p:nvPr/>
+        </p:nvSpPr>
+        <p:spPr>
+          <a:xfrm rot="16200000">
+            <a:off x="3243007" y="2571846"/>
+            <a:ext cx="1614488" cy="3409757"/>
+          </a:xfrm>
+          <a:custGeom>
+            <a:avLst/>
+            <a:gdLst>
+              <a:gd name="connsiteX0" fmla="*/ 330205 w 1257300"/>
+              <a:gd name="connsiteY0" fmla="*/ 0 h 1416050"/>
+              <a:gd name="connsiteX1" fmla="*/ 927095 w 1257300"/>
+              <a:gd name="connsiteY1" fmla="*/ 0 h 1416050"/>
+              <a:gd name="connsiteX2" fmla="*/ 1257300 w 1257300"/>
+              <a:gd name="connsiteY2" fmla="*/ 330205 h 1416050"/>
+              <a:gd name="connsiteX3" fmla="*/ 1257300 w 1257300"/>
+              <a:gd name="connsiteY3" fmla="*/ 1416050 h 1416050"/>
+              <a:gd name="connsiteX4" fmla="*/ 1257300 w 1257300"/>
+              <a:gd name="connsiteY4" fmla="*/ 1416050 h 1416050"/>
+              <a:gd name="connsiteX5" fmla="*/ 0 w 1257300"/>
+              <a:gd name="connsiteY5" fmla="*/ 1416050 h 1416050"/>
+              <a:gd name="connsiteX6" fmla="*/ 0 w 1257300"/>
+              <a:gd name="connsiteY6" fmla="*/ 1416050 h 1416050"/>
+              <a:gd name="connsiteX7" fmla="*/ 0 w 1257300"/>
+              <a:gd name="connsiteY7" fmla="*/ 330205 h 1416050"/>
+              <a:gd name="connsiteX8" fmla="*/ 330205 w 1257300"/>
+              <a:gd name="connsiteY8" fmla="*/ 0 h 1416050"/>
+              <a:gd name="connsiteX0" fmla="*/ 330205 w 1257300"/>
+              <a:gd name="connsiteY0" fmla="*/ 0 h 1416050"/>
+              <a:gd name="connsiteX1" fmla="*/ 927095 w 1257300"/>
+              <a:gd name="connsiteY1" fmla="*/ 0 h 1416050"/>
+              <a:gd name="connsiteX2" fmla="*/ 1257300 w 1257300"/>
+              <a:gd name="connsiteY2" fmla="*/ 330205 h 1416050"/>
+              <a:gd name="connsiteX3" fmla="*/ 1257300 w 1257300"/>
+              <a:gd name="connsiteY3" fmla="*/ 1416050 h 1416050"/>
+              <a:gd name="connsiteX4" fmla="*/ 1257300 w 1257300"/>
+              <a:gd name="connsiteY4" fmla="*/ 1416050 h 1416050"/>
+              <a:gd name="connsiteX5" fmla="*/ 590550 w 1257300"/>
+              <a:gd name="connsiteY5" fmla="*/ 1416050 h 1416050"/>
+              <a:gd name="connsiteX6" fmla="*/ 0 w 1257300"/>
+              <a:gd name="connsiteY6" fmla="*/ 1416050 h 1416050"/>
+              <a:gd name="connsiteX7" fmla="*/ 0 w 1257300"/>
+              <a:gd name="connsiteY7" fmla="*/ 1416050 h 1416050"/>
+              <a:gd name="connsiteX8" fmla="*/ 0 w 1257300"/>
+              <a:gd name="connsiteY8" fmla="*/ 330205 h 1416050"/>
+              <a:gd name="connsiteX9" fmla="*/ 330205 w 1257300"/>
+              <a:gd name="connsiteY9" fmla="*/ 0 h 1416050"/>
+              <a:gd name="connsiteX0" fmla="*/ 330205 w 1257300"/>
+              <a:gd name="connsiteY0" fmla="*/ 0 h 2038350"/>
+              <a:gd name="connsiteX1" fmla="*/ 927095 w 1257300"/>
+              <a:gd name="connsiteY1" fmla="*/ 0 h 2038350"/>
+              <a:gd name="connsiteX2" fmla="*/ 1257300 w 1257300"/>
+              <a:gd name="connsiteY2" fmla="*/ 330205 h 2038350"/>
+              <a:gd name="connsiteX3" fmla="*/ 1257300 w 1257300"/>
+              <a:gd name="connsiteY3" fmla="*/ 1416050 h 2038350"/>
+              <a:gd name="connsiteX4" fmla="*/ 1257300 w 1257300"/>
+              <a:gd name="connsiteY4" fmla="*/ 1416050 h 2038350"/>
+              <a:gd name="connsiteX5" fmla="*/ 628650 w 1257300"/>
+              <a:gd name="connsiteY5" fmla="*/ 2038350 h 2038350"/>
+              <a:gd name="connsiteX6" fmla="*/ 0 w 1257300"/>
+              <a:gd name="connsiteY6" fmla="*/ 1416050 h 2038350"/>
+              <a:gd name="connsiteX7" fmla="*/ 0 w 1257300"/>
+              <a:gd name="connsiteY7" fmla="*/ 1416050 h 2038350"/>
+              <a:gd name="connsiteX8" fmla="*/ 0 w 1257300"/>
+              <a:gd name="connsiteY8" fmla="*/ 330205 h 2038350"/>
+              <a:gd name="connsiteX9" fmla="*/ 330205 w 1257300"/>
+              <a:gd name="connsiteY9" fmla="*/ 0 h 2038350"/>
+            </a:gdLst>
+            <a:ahLst/>
+            <a:cxnLst>
+              <a:cxn ang="0">
+                <a:pos x="connsiteX0" y="connsiteY0"/>
+              </a:cxn>
+              <a:cxn ang="0">
+                <a:pos x="connsiteX1" y="connsiteY1"/>
+              </a:cxn>
+              <a:cxn ang="0">
+                <a:pos x="connsiteX2" y="connsiteY2"/>
+              </a:cxn>
+              <a:cxn ang="0">
+                <a:pos x="connsiteX3" y="connsiteY3"/>
+              </a:cxn>
+              <a:cxn ang="0">
+                <a:pos x="connsiteX4" y="connsiteY4"/>
+              </a:cxn>
+              <a:cxn ang="0">
+                <a:pos x="connsiteX5" y="connsiteY5"/>
+              </a:cxn>
+              <a:cxn ang="0">
+                <a:pos x="connsiteX6" y="connsiteY6"/>
+              </a:cxn>
+              <a:cxn ang="0">
+                <a:pos x="connsiteX7" y="connsiteY7"/>
+              </a:cxn>
+              <a:cxn ang="0">
+                <a:pos x="connsiteX8" y="connsiteY8"/>
+              </a:cxn>
+              <a:cxn ang="0">
+                <a:pos x="connsiteX9" y="connsiteY9"/>
+              </a:cxn>
+            </a:cxnLst>
+            <a:rect l="l" t="t" r="r" b="b"/>
+            <a:pathLst>
+              <a:path w="1257300" h="2038350">
+                <a:moveTo>
+                  <a:pt x="330205" y="0"/>
+                </a:moveTo>
+                <a:lnTo>
+                  <a:pt x="927095" y="0"/>
+                </a:lnTo>
+                <a:cubicBezTo>
+                  <a:pt x="1109462" y="0"/>
+                  <a:pt x="1257300" y="147838"/>
+                  <a:pt x="1257300" y="330205"/>
+                </a:cubicBezTo>
+                <a:lnTo>
+                  <a:pt x="1257300" y="1416050"/>
+                </a:lnTo>
+                <a:lnTo>
+                  <a:pt x="1257300" y="1416050"/>
+                </a:lnTo>
+                <a:lnTo>
+                  <a:pt x="628650" y="2038350"/>
+                </a:lnTo>
+                <a:lnTo>
+                  <a:pt x="0" y="1416050"/>
+                </a:lnTo>
+                <a:lnTo>
+                  <a:pt x="0" y="1416050"/>
+                </a:lnTo>
+                <a:lnTo>
+                  <a:pt x="0" y="330205"/>
+                </a:lnTo>
+                <a:cubicBezTo>
+                  <a:pt x="0" y="147838"/>
+                  <a:pt x="147838" y="0"/>
+                  <a:pt x="330205" y="0"/>
+                </a:cubicBezTo>
+                <a:close/>
+              </a:path>
+            </a:pathLst>
+          </a:custGeom>
+          <a:solidFill>
+            <a:schemeClr val="accent1"/>
+          </a:solidFill>
+          <a:ln w="3175">
+            <a:noFill/>
+          </a:ln>
+        </p:spPr>
+        <p:style>
+          <a:lnRef idx="2">
+            <a:schemeClr val="accent1">
+              <a:shade val="50000"/>
+            </a:schemeClr>
+          </a:lnRef>
+          <a:fillRef idx="1">
+            <a:schemeClr val="accent1"/>
+          </a:fillRef>
+          <a:effectRef idx="0">
+            <a:schemeClr val="accent1"/>
+          </a:effectRef>
+          <a:fontRef idx="minor">
+            <a:schemeClr val="lt1"/>
+          </a:fontRef>
+        </p:style>
+        <p:txBody>
+          <a:bodyPr anchor="ctr"/>
+          <a:lstStyle/>
+          <a:p>
+            <a:pPr algn="ctr" eaLnBrk="1" hangingPunct="1">
+              <a:defRPr/>
+            </a:pPr>
+            <a:endParaRPr lang="en-US"/>
+          </a:p>
+        </p:txBody>
+      </p:sp>
+      <p:sp>
+        <p:nvSpPr>
+          <p:cNvPr id="10" name="Isosceles Triangle 9"/>
+          <p:cNvSpPr/>
+          <p:nvPr/>
+        </p:nvSpPr>
+        <p:spPr>
+          <a:xfrm rot="5400000">
+            <a:off x="5231126" y="4152901"/>
+            <a:ext cx="371475" cy="180975"/>
+          </a:xfrm>
+          <a:prstGeom prst="triangle">
+            <a:avLst/>
+          </a:prstGeom>
+          <a:solidFill>
+            <a:schemeClr val="bg1"/>
+          </a:solidFill>
+          <a:ln>
+            <a:noFill/>
+          </a:ln>
+          <a:effectLst/>
+        </p:spPr>
+        <p:style>
+          <a:lnRef idx="2">
+            <a:schemeClr val="accent1">
+              <a:shade val="50000"/>
+            </a:schemeClr>
+          </a:lnRef>
+          <a:fillRef idx="1">
+            <a:schemeClr val="accent1"/>
+          </a:fillRef>
+          <a:effectRef idx="0">
+            <a:schemeClr val="accent1"/>
+          </a:effectRef>
+          <a:fontRef idx="minor">
+            <a:schemeClr val="lt1"/>
+          </a:fontRef>
+        </p:style>
+        <p:txBody>
+          <a:bodyPr anchor="ctr"/>
+          <a:lstStyle/>
+          <a:p>
+            <a:pPr algn="ctr" eaLnBrk="1" hangingPunct="1">
+              <a:defRPr/>
+            </a:pPr>
+            <a:endParaRPr lang="en-US"/>
+          </a:p>
+        </p:txBody>
+      </p:sp>
+      <p:sp>
+        <p:nvSpPr>
+          <p:cNvPr id="12" name="TextBox 41"/>
+          <p:cNvSpPr txBox="1">
+            <a:spLocks noChangeArrowheads="1"/>
+          </p:cNvSpPr>
+          <p:nvPr/>
+        </p:nvSpPr>
+        <p:spPr bwMode="auto">
+          <a:xfrm>
+            <a:off x="2576793" y="3861225"/>
+            <a:ext cx="2501804" cy="830997"/>
+          </a:xfrm>
+          <a:prstGeom prst="rect">
+            <a:avLst/>
+          </a:prstGeom>
+          <a:noFill/>
+          <a:ln>
+            <a:noFill/>
+          </a:ln>
+          <a:extLst>
+            <a:ext uri="{909E8E84-426E-40DD-AFC4-6F175D3DCCD1}">
+              <a14:hiddenFill xmlns:a14="http://schemas.microsoft.com/office/drawing/2010/main">
+                <a:solidFill>
+                  <a:srgbClr val="FFFFFF"/>
+                </a:solidFill>
+              </a14:hiddenFill>
+            </a:ext>
+            <a:ext uri="{91240B29-F687-4F45-9708-019B960494DF}">
+              <a14:hiddenLine xmlns:a14="http://schemas.microsoft.com/office/drawing/2010/main" w="9525">
+                <a:solidFill>
+                  <a:srgbClr val="000000"/>
+                </a:solidFill>
+                <a:miter lim="800000"/>
+                <a:headEnd/>
+                <a:tailEnd/>
+              </a14:hiddenLine>
+            </a:ext>
+          </a:extLst>
+        </p:spPr>
+        <p:txBody>
+          <a:bodyPr wrap="square" anchor="ctr">
+            <a:spAutoFit/>
+          </a:bodyPr>
+          <a:lstStyle>
+            <a:lvl1pPr>
+              <a:spcBef>
+                <a:spcPct val="20000"/>
+              </a:spcBef>
+              <a:buFont typeface="Arial" panose="020B0604020202020204" pitchFamily="34" charset="0"/>
+              <a:buChar char="•"/>
+              <a:defRPr sz="3200">
+                <a:solidFill>
+                  <a:schemeClr val="tx1"/>
+                </a:solidFill>
+                <a:latin typeface="Calibri" panose="020F0502020204030204" pitchFamily="34" charset="0"/>
+              </a:defRPr>
+            </a:lvl1pPr>
+            <a:lvl2pPr marL="742950" indent="-285750">
+              <a:spcBef>
+                <a:spcPct val="20000"/>
+              </a:spcBef>
+              <a:buFont typeface="Arial" panose="020B0604020202020204" pitchFamily="34" charset="0"/>
+              <a:buChar char="–"/>
+              <a:defRPr sz="2800">
+                <a:solidFill>
+                  <a:schemeClr val="tx1"/>
+                </a:solidFill>
+                <a:latin typeface="Calibri" panose="020F0502020204030204" pitchFamily="34" charset="0"/>
+              </a:defRPr>
+            </a:lvl2pPr>
+            <a:lvl3pPr marL="1143000" indent="-228600">
+              <a:spcBef>
+                <a:spcPct val="20000"/>
+              </a:spcBef>
+              <a:buFont typeface="Arial" panose="020B0604020202020204" pitchFamily="34" charset="0"/>
+              <a:buChar char="•"/>
+              <a:defRPr sz="2400">
+                <a:solidFill>
+                  <a:schemeClr val="tx1"/>
+                </a:solidFill>
+                <a:latin typeface="Calibri" panose="020F0502020204030204" pitchFamily="34" charset="0"/>
+              </a:defRPr>
+            </a:lvl3pPr>
+            <a:lvl4pPr marL="1600200" indent="-228600">
+              <a:spcBef>
+                <a:spcPct val="20000"/>
+              </a:spcBef>
+              <a:buFont typeface="Arial" panose="020B0604020202020204" pitchFamily="34" charset="0"/>
+              <a:buChar char="–"/>
+              <a:defRPr sz="2000">
+                <a:solidFill>
+                  <a:schemeClr val="tx1"/>
+                </a:solidFill>
+                <a:latin typeface="Calibri" panose="020F0502020204030204" pitchFamily="34" charset="0"/>
+              </a:defRPr>
+            </a:lvl4pPr>
+            <a:lvl5pPr marL="2057400" indent="-228600">
+              <a:spcBef>
+                <a:spcPct val="20000"/>
+              </a:spcBef>
+              <a:buFont typeface="Arial" panose="020B0604020202020204" pitchFamily="34" charset="0"/>
+              <a:buChar char="»"/>
+              <a:defRPr sz="2000">
+                <a:solidFill>
+                  <a:schemeClr val="tx1"/>
+                </a:solidFill>
+                <a:latin typeface="Calibri" panose="020F0502020204030204" pitchFamily="34" charset="0"/>
+              </a:defRPr>
+            </a:lvl5pPr>
+            <a:lvl6pPr marL="2514600" indent="-228600" eaLnBrk="0" fontAlgn="base" hangingPunct="0">
+              <a:spcBef>
+                <a:spcPct val="20000"/>
+              </a:spcBef>
+              <a:spcAft>
+                <a:spcPct val="0"/>
+              </a:spcAft>
+              <a:buFont typeface="Arial" panose="020B0604020202020204" pitchFamily="34" charset="0"/>
+              <a:buChar char="»"/>
+              <a:defRPr sz="2000">
+                <a:solidFill>
+                  <a:schemeClr val="tx1"/>
+                </a:solidFill>
+                <a:latin typeface="Calibri" panose="020F0502020204030204" pitchFamily="34" charset="0"/>
+              </a:defRPr>
+            </a:lvl6pPr>
+            <a:lvl7pPr marL="2971800" indent="-228600" eaLnBrk="0" fontAlgn="base" hangingPunct="0">
+              <a:spcBef>
+                <a:spcPct val="20000"/>
+              </a:spcBef>
+              <a:spcAft>
+                <a:spcPct val="0"/>
+              </a:spcAft>
+              <a:buFont typeface="Arial" panose="020B0604020202020204" pitchFamily="34" charset="0"/>
+              <a:buChar char="»"/>
+              <a:defRPr sz="2000">
+                <a:solidFill>
+                  <a:schemeClr val="tx1"/>
+                </a:solidFill>
+                <a:latin typeface="Calibri" panose="020F0502020204030204" pitchFamily="34" charset="0"/>
+              </a:defRPr>
+            </a:lvl7pPr>
+            <a:lvl8pPr marL="3429000" indent="-228600" eaLnBrk="0" fontAlgn="base" hangingPunct="0">
+              <a:spcBef>
+                <a:spcPct val="20000"/>
+              </a:spcBef>
+              <a:spcAft>
+                <a:spcPct val="0"/>
+              </a:spcAft>
+              <a:buFont typeface="Arial" panose="020B0604020202020204" pitchFamily="34" charset="0"/>
+              <a:buChar char="»"/>
+              <a:defRPr sz="2000">
+                <a:solidFill>
+                  <a:schemeClr val="tx1"/>
+                </a:solidFill>
+                <a:latin typeface="Calibri" panose="020F0502020204030204" pitchFamily="34" charset="0"/>
+              </a:defRPr>
+            </a:lvl8pPr>
+            <a:lvl9pPr marL="3886200" indent="-228600" eaLnBrk="0" fontAlgn="base" hangingPunct="0">
+              <a:spcBef>
+                <a:spcPct val="20000"/>
+              </a:spcBef>
+              <a:spcAft>
+                <a:spcPct val="0"/>
+              </a:spcAft>
+              <a:buFont typeface="Arial" panose="020B0604020202020204" pitchFamily="34" charset="0"/>
+              <a:buChar char="»"/>
+              <a:defRPr sz="2000">
+                <a:solidFill>
+                  <a:schemeClr val="tx1"/>
+                </a:solidFill>
+                <a:latin typeface="Calibri" panose="020F0502020204030204" pitchFamily="34" charset="0"/>
+              </a:defRPr>
+            </a:lvl9pPr>
+          </a:lstStyle>
+          <a:p>
+            <a:pPr algn="ctr" eaLnBrk="1" hangingPunct="1">
+              <a:spcBef>
+                <a:spcPct val="0"/>
+              </a:spcBef>
+              <a:buFontTx/>
+              <a:buNone/>
+            </a:pPr>
+            <a:r>
+              <a:rPr lang="en-US" altLang="en-US" sz="2400" b="1" smtClean="0">
+                <a:solidFill>
+                  <a:schemeClr val="bg1"/>
+                </a:solidFill>
+                <a:effectLst>
+                  <a:outerShdw blurRad="38100" dist="38100" dir="2700000" algn="tl">
+                    <a:srgbClr val="000000">
+                      <a:alpha val="43137"/>
+                    </a:srgbClr>
+                  </a:outerShdw>
+                </a:effectLst>
+                <a:latin typeface="Arial" panose="020B0604020202020204" pitchFamily="34" charset="0"/>
+              </a:rPr>
+              <a:t>Chức năng của phần mềm</a:t>
+            </a:r>
+            <a:endParaRPr lang="en-US" altLang="en-US" sz="2400" b="1">
+              <a:solidFill>
+                <a:schemeClr val="bg1"/>
+              </a:solidFill>
+              <a:effectLst>
+                <a:outerShdw blurRad="38100" dist="38100" dir="2700000" algn="tl">
+                  <a:srgbClr val="000000">
+                    <a:alpha val="43137"/>
+                  </a:srgbClr>
+                </a:outerShdw>
+              </a:effectLst>
+              <a:latin typeface="Arial" panose="020B0604020202020204" pitchFamily="34" charset="0"/>
+            </a:endParaRPr>
+          </a:p>
+        </p:txBody>
+      </p:sp>
+      <p:sp>
+        <p:nvSpPr>
+          <p:cNvPr id="13" name="Rectangle 46"/>
+          <p:cNvSpPr>
+            <a:spLocks noChangeArrowheads="1"/>
+          </p:cNvSpPr>
+          <p:nvPr/>
+        </p:nvSpPr>
+        <p:spPr bwMode="auto">
+          <a:xfrm>
+            <a:off x="5816762" y="3735555"/>
+            <a:ext cx="4374987" cy="1015663"/>
+          </a:xfrm>
+          <a:prstGeom prst="rect">
+            <a:avLst/>
+          </a:prstGeom>
+          <a:noFill/>
+          <a:ln>
+            <a:noFill/>
+          </a:ln>
+          <a:extLst>
+            <a:ext uri="{909E8E84-426E-40DD-AFC4-6F175D3DCCD1}">
+              <a14:hiddenFill xmlns:a14="http://schemas.microsoft.com/office/drawing/2010/main">
+                <a:solidFill>
+                  <a:srgbClr val="FFFFFF"/>
+                </a:solidFill>
+              </a14:hiddenFill>
+            </a:ext>
+            <a:ext uri="{91240B29-F687-4F45-9708-019B960494DF}">
+              <a14:hiddenLine xmlns:a14="http://schemas.microsoft.com/office/drawing/2010/main" w="9525">
+                <a:solidFill>
+                  <a:srgbClr val="000000"/>
+                </a:solidFill>
+                <a:miter lim="800000"/>
+                <a:headEnd/>
+                <a:tailEnd/>
+              </a14:hiddenLine>
+            </a:ext>
+          </a:extLst>
+        </p:spPr>
+        <p:txBody>
+          <a:bodyPr wrap="square" anchor="ctr">
+            <a:spAutoFit/>
+          </a:bodyPr>
+          <a:lstStyle>
+            <a:lvl1pPr>
+              <a:spcBef>
+                <a:spcPct val="20000"/>
+              </a:spcBef>
+              <a:buFont typeface="Arial" panose="020B0604020202020204" pitchFamily="34" charset="0"/>
+              <a:buChar char="•"/>
+              <a:defRPr sz="3200">
+                <a:solidFill>
+                  <a:schemeClr val="tx1"/>
+                </a:solidFill>
+                <a:latin typeface="Calibri" panose="020F0502020204030204" pitchFamily="34" charset="0"/>
+              </a:defRPr>
+            </a:lvl1pPr>
+            <a:lvl2pPr marL="742950" indent="-285750">
+              <a:spcBef>
+                <a:spcPct val="20000"/>
+              </a:spcBef>
+              <a:buFont typeface="Arial" panose="020B0604020202020204" pitchFamily="34" charset="0"/>
+              <a:buChar char="–"/>
+              <a:defRPr sz="2800">
+                <a:solidFill>
+                  <a:schemeClr val="tx1"/>
+                </a:solidFill>
+                <a:latin typeface="Calibri" panose="020F0502020204030204" pitchFamily="34" charset="0"/>
+              </a:defRPr>
+            </a:lvl2pPr>
+            <a:lvl3pPr marL="1143000" indent="-228600">
+              <a:spcBef>
+                <a:spcPct val="20000"/>
+              </a:spcBef>
+              <a:buFont typeface="Arial" panose="020B0604020202020204" pitchFamily="34" charset="0"/>
+              <a:buChar char="•"/>
+              <a:defRPr sz="2400">
+                <a:solidFill>
+                  <a:schemeClr val="tx1"/>
+                </a:solidFill>
+                <a:latin typeface="Calibri" panose="020F0502020204030204" pitchFamily="34" charset="0"/>
+              </a:defRPr>
+            </a:lvl3pPr>
+            <a:lvl4pPr marL="1600200" indent="-228600">
+              <a:spcBef>
+                <a:spcPct val="20000"/>
+              </a:spcBef>
+              <a:buFont typeface="Arial" panose="020B0604020202020204" pitchFamily="34" charset="0"/>
+              <a:buChar char="–"/>
+              <a:defRPr sz="2000">
+                <a:solidFill>
+                  <a:schemeClr val="tx1"/>
+                </a:solidFill>
+                <a:latin typeface="Calibri" panose="020F0502020204030204" pitchFamily="34" charset="0"/>
+              </a:defRPr>
+            </a:lvl4pPr>
+            <a:lvl5pPr marL="2057400" indent="-228600">
+              <a:spcBef>
+                <a:spcPct val="20000"/>
+              </a:spcBef>
+              <a:buFont typeface="Arial" panose="020B0604020202020204" pitchFamily="34" charset="0"/>
+              <a:buChar char="»"/>
+              <a:defRPr sz="2000">
+                <a:solidFill>
+                  <a:schemeClr val="tx1"/>
+                </a:solidFill>
+                <a:latin typeface="Calibri" panose="020F0502020204030204" pitchFamily="34" charset="0"/>
+              </a:defRPr>
+            </a:lvl5pPr>
+            <a:lvl6pPr marL="2514600" indent="-228600" eaLnBrk="0" fontAlgn="base" hangingPunct="0">
+              <a:spcBef>
+                <a:spcPct val="20000"/>
+              </a:spcBef>
+              <a:spcAft>
+                <a:spcPct val="0"/>
+              </a:spcAft>
+              <a:buFont typeface="Arial" panose="020B0604020202020204" pitchFamily="34" charset="0"/>
+              <a:buChar char="»"/>
+              <a:defRPr sz="2000">
+                <a:solidFill>
+                  <a:schemeClr val="tx1"/>
+                </a:solidFill>
+                <a:latin typeface="Calibri" panose="020F0502020204030204" pitchFamily="34" charset="0"/>
+              </a:defRPr>
+            </a:lvl6pPr>
+            <a:lvl7pPr marL="2971800" indent="-228600" eaLnBrk="0" fontAlgn="base" hangingPunct="0">
+              <a:spcBef>
+                <a:spcPct val="20000"/>
+              </a:spcBef>
+              <a:spcAft>
+                <a:spcPct val="0"/>
+              </a:spcAft>
+              <a:buFont typeface="Arial" panose="020B0604020202020204" pitchFamily="34" charset="0"/>
+              <a:buChar char="»"/>
+              <a:defRPr sz="2000">
+                <a:solidFill>
+                  <a:schemeClr val="tx1"/>
+                </a:solidFill>
+                <a:latin typeface="Calibri" panose="020F0502020204030204" pitchFamily="34" charset="0"/>
+              </a:defRPr>
+            </a:lvl7pPr>
+            <a:lvl8pPr marL="3429000" indent="-228600" eaLnBrk="0" fontAlgn="base" hangingPunct="0">
+              <a:spcBef>
+                <a:spcPct val="20000"/>
+              </a:spcBef>
+              <a:spcAft>
+                <a:spcPct val="0"/>
+              </a:spcAft>
+              <a:buFont typeface="Arial" panose="020B0604020202020204" pitchFamily="34" charset="0"/>
+              <a:buChar char="»"/>
+              <a:defRPr sz="2000">
+                <a:solidFill>
+                  <a:schemeClr val="tx1"/>
+                </a:solidFill>
+                <a:latin typeface="Calibri" panose="020F0502020204030204" pitchFamily="34" charset="0"/>
+              </a:defRPr>
+            </a:lvl8pPr>
+            <a:lvl9pPr marL="3886200" indent="-228600" eaLnBrk="0" fontAlgn="base" hangingPunct="0">
+              <a:spcBef>
+                <a:spcPct val="20000"/>
+              </a:spcBef>
+              <a:spcAft>
+                <a:spcPct val="0"/>
+              </a:spcAft>
+              <a:buFont typeface="Arial" panose="020B0604020202020204" pitchFamily="34" charset="0"/>
+              <a:buChar char="»"/>
+              <a:defRPr sz="2000">
+                <a:solidFill>
+                  <a:schemeClr val="tx1"/>
+                </a:solidFill>
+                <a:latin typeface="Calibri" panose="020F0502020204030204" pitchFamily="34" charset="0"/>
+              </a:defRPr>
+            </a:lvl9pPr>
+          </a:lstStyle>
+          <a:p>
+            <a:pPr algn="just">
+              <a:spcBef>
+                <a:spcPct val="0"/>
+              </a:spcBef>
+              <a:buNone/>
+            </a:pPr>
+            <a:r>
+              <a:rPr lang="vi-VN" altLang="en-US" sz="2000" b="1">
+                <a:solidFill>
+                  <a:schemeClr val="accent6">
+                    <a:lumMod val="50000"/>
+                  </a:schemeClr>
+                </a:solidFill>
+                <a:effectLst>
+                  <a:outerShdw blurRad="38100" dist="38100" dir="2700000" algn="tl">
+                    <a:srgbClr val="000000">
+                      <a:alpha val="43137"/>
+                    </a:srgbClr>
+                  </a:outerShdw>
+                </a:effectLst>
+                <a:latin typeface="Times New Roman" panose="02020603050405020304" pitchFamily="18" charset="0"/>
+                <a:cs typeface="Times New Roman" panose="02020603050405020304" pitchFamily="18" charset="0"/>
+              </a:rPr>
+              <a:t>tạo giao diện trên window cho phép người dùng chơi trò chơi caro giống như chơi trên bàn cờ giấy cổ điển.</a:t>
+            </a:r>
+            <a:endParaRPr lang="en-US" altLang="en-US" sz="2000" b="1">
+              <a:solidFill>
+                <a:schemeClr val="accent6">
+                  <a:lumMod val="50000"/>
+                </a:schemeClr>
+              </a:solidFill>
+              <a:effectLst>
+                <a:outerShdw blurRad="38100" dist="38100" dir="2700000" algn="tl">
+                  <a:srgbClr val="000000">
+                    <a:alpha val="43137"/>
+                  </a:srgbClr>
+                </a:outerShdw>
+              </a:effectLst>
+              <a:latin typeface="Times New Roman" panose="02020603050405020304" pitchFamily="18" charset="0"/>
+              <a:cs typeface="Times New Roman" panose="02020603050405020304" pitchFamily="18" charset="0"/>
+            </a:endParaRPr>
+          </a:p>
+        </p:txBody>
+      </p:sp>
     </p:spTree>
     <p:extLst>
       <p:ext uri="{BB962C8B-B14F-4D97-AF65-F5344CB8AC3E}">
@@ -40984,13 +49209,13 @@
   <p:clrMapOvr>
     <a:masterClrMapping/>
   </p:clrMapOvr>
-  <mc:AlternateContent xmlns:mc="http://schemas.openxmlformats.org/markup-compatibility/2006">
-    <mc:Choice xmlns:p14="http://schemas.microsoft.com/office/powerpoint/2010/main" Requires="p14">
+  <mc:AlternateContent xmlns:mc="http://schemas.openxmlformats.org/markup-compatibility/2006" xmlns:p14="http://schemas.microsoft.com/office/powerpoint/2010/main">
+    <mc:Choice Requires="p14">
       <p:transition spd="slow" p14:dur="3900">
         <p14:glitter pattern="hexagon"/>
       </p:transition>
     </mc:Choice>
-    <mc:Fallback>
+    <mc:Fallback xmlns="">
       <p:transition spd="slow">
         <p:fade/>
       </p:transition>
